--- a/密碼學期末專題簡報.pptx
+++ b/密碼學期末專題簡報.pptx
@@ -5,10 +5,10 @@
     <p:sldMasterId id="2147483924" r:id="rId1"/>
   </p:sldMasterIdLst>
   <p:notesMasterIdLst>
-    <p:notesMasterId r:id="rId17"/>
+    <p:notesMasterId r:id="rId23"/>
   </p:notesMasterIdLst>
   <p:handoutMasterIdLst>
-    <p:handoutMasterId r:id="rId18"/>
+    <p:handoutMasterId r:id="rId24"/>
   </p:handoutMasterIdLst>
   <p:sldIdLst>
     <p:sldId id="268" r:id="rId2"/>
@@ -20,12 +20,18 @@
     <p:sldId id="3065" r:id="rId8"/>
     <p:sldId id="2969" r:id="rId9"/>
     <p:sldId id="3067" r:id="rId10"/>
-    <p:sldId id="3057" r:id="rId11"/>
-    <p:sldId id="3068" r:id="rId12"/>
-    <p:sldId id="3062" r:id="rId13"/>
-    <p:sldId id="3069" r:id="rId14"/>
-    <p:sldId id="3070" r:id="rId15"/>
-    <p:sldId id="3000" r:id="rId16"/>
+    <p:sldId id="3071" r:id="rId11"/>
+    <p:sldId id="3072" r:id="rId12"/>
+    <p:sldId id="3073" r:id="rId13"/>
+    <p:sldId id="3074" r:id="rId14"/>
+    <p:sldId id="3075" r:id="rId15"/>
+    <p:sldId id="3076" r:id="rId16"/>
+    <p:sldId id="3057" r:id="rId17"/>
+    <p:sldId id="3068" r:id="rId18"/>
+    <p:sldId id="3062" r:id="rId19"/>
+    <p:sldId id="3069" r:id="rId20"/>
+    <p:sldId id="3070" r:id="rId21"/>
+    <p:sldId id="3000" r:id="rId22"/>
   </p:sldIdLst>
   <p:sldSz cx="12188825" cy="6858000"/>
   <p:notesSz cx="6858000" cy="9144000"/>
@@ -126,7 +132,7 @@
   </p:defaultTextStyle>
   <p:extLst>
     <p:ext uri="{EFAFB233-063F-42B5-8137-9DF3F51BA10A}">
-      <p15:sldGuideLst xmlns="" xmlns:p15="http://schemas.microsoft.com/office/powerpoint/2012/main">
+      <p15:sldGuideLst xmlns:p15="http://schemas.microsoft.com/office/powerpoint/2012/main" xmlns="">
         <p15:guide id="1" orient="horz" pos="2160">
           <p15:clr>
             <a:srgbClr val="A4A3A4"/>
@@ -155,7 +161,7 @@
       </p15:sldGuideLst>
     </p:ext>
     <p:ext uri="{2D200454-40CA-4A62-9FC3-DE9A4176ACB9}">
-      <p15:notesGuideLst xmlns="" xmlns:p15="http://schemas.microsoft.com/office/powerpoint/2012/main">
+      <p15:notesGuideLst xmlns:p15="http://schemas.microsoft.com/office/powerpoint/2012/main" xmlns="">
         <p15:guide id="1" orient="horz" pos="2880">
           <p15:clr>
             <a:srgbClr val="A4A3A4"/>
@@ -1067,6 +1073,516 @@
     </p:spTree>
     <p:extLst>
       <p:ext uri="{BB962C8B-B14F-4D97-AF65-F5344CB8AC3E}">
+        <p14:creationId xmlns:p14="http://schemas.microsoft.com/office/powerpoint/2010/main" val="2999569202"/>
+      </p:ext>
+    </p:extLst>
+  </p:cSld>
+  <p:clrMapOvr>
+    <a:masterClrMapping/>
+  </p:clrMapOvr>
+</p:notes>
+</file>
+
+<file path=ppt/notesSlides/notesSlide13.xml><?xml version="1.0" encoding="utf-8"?>
+<p:notes xmlns:a="http://schemas.openxmlformats.org/drawingml/2006/main" xmlns:r="http://schemas.openxmlformats.org/officeDocument/2006/relationships" xmlns:p="http://schemas.openxmlformats.org/presentationml/2006/main">
+  <p:cSld>
+    <p:spTree>
+      <p:nvGrpSpPr>
+        <p:cNvPr id="1" name=""/>
+        <p:cNvGrpSpPr/>
+        <p:nvPr/>
+      </p:nvGrpSpPr>
+      <p:grpSpPr>
+        <a:xfrm>
+          <a:off x="0" y="0"/>
+          <a:ext cx="0" cy="0"/>
+          <a:chOff x="0" y="0"/>
+          <a:chExt cx="0" cy="0"/>
+        </a:xfrm>
+      </p:grpSpPr>
+      <p:sp>
+        <p:nvSpPr>
+          <p:cNvPr id="2" name="投影片圖像版面配置區 1"/>
+          <p:cNvSpPr>
+            <a:spLocks noGrp="1" noRot="1" noChangeAspect="1"/>
+          </p:cNvSpPr>
+          <p:nvPr>
+            <p:ph type="sldImg"/>
+          </p:nvPr>
+        </p:nvSpPr>
+        <p:spPr/>
+      </p:sp>
+      <p:sp>
+        <p:nvSpPr>
+          <p:cNvPr id="3" name="備忘稿版面配置區 2"/>
+          <p:cNvSpPr>
+            <a:spLocks noGrp="1"/>
+          </p:cNvSpPr>
+          <p:nvPr>
+            <p:ph type="body" idx="1"/>
+          </p:nvPr>
+        </p:nvSpPr>
+        <p:spPr/>
+        <p:txBody>
+          <a:bodyPr/>
+          <a:lstStyle/>
+          <a:p>
+            <a:endParaRPr lang="zh-TW" altLang="en-US" dirty="0"/>
+          </a:p>
+        </p:txBody>
+      </p:sp>
+      <p:sp>
+        <p:nvSpPr>
+          <p:cNvPr id="4" name="投影片編號版面配置區 3"/>
+          <p:cNvSpPr>
+            <a:spLocks noGrp="1"/>
+          </p:cNvSpPr>
+          <p:nvPr>
+            <p:ph type="sldNum" sz="quarter" idx="10"/>
+          </p:nvPr>
+        </p:nvSpPr>
+        <p:spPr/>
+        <p:txBody>
+          <a:bodyPr/>
+          <a:lstStyle/>
+          <a:p>
+            <a:fld id="{BF105DB2-FD3E-441D-8B7E-7AE83ECE27B3}" type="slidenum">
+              <a:rPr lang="en-US" altLang="zh-TW" noProof="0" smtClean="0"/>
+              <a:pPr/>
+              <a:t>16</a:t>
+            </a:fld>
+            <a:endParaRPr lang="zh-TW" altLang="en-US" noProof="0"/>
+          </a:p>
+        </p:txBody>
+      </p:sp>
+    </p:spTree>
+    <p:extLst>
+      <p:ext uri="{BB962C8B-B14F-4D97-AF65-F5344CB8AC3E}">
+        <p14:creationId xmlns:p14="http://schemas.microsoft.com/office/powerpoint/2010/main" val="1389677150"/>
+      </p:ext>
+    </p:extLst>
+  </p:cSld>
+  <p:clrMapOvr>
+    <a:masterClrMapping/>
+  </p:clrMapOvr>
+</p:notes>
+</file>
+
+<file path=ppt/notesSlides/notesSlide14.xml><?xml version="1.0" encoding="utf-8"?>
+<p:notes xmlns:a="http://schemas.openxmlformats.org/drawingml/2006/main" xmlns:r="http://schemas.openxmlformats.org/officeDocument/2006/relationships" xmlns:p="http://schemas.openxmlformats.org/presentationml/2006/main">
+  <p:cSld>
+    <p:spTree>
+      <p:nvGrpSpPr>
+        <p:cNvPr id="1" name=""/>
+        <p:cNvGrpSpPr/>
+        <p:nvPr/>
+      </p:nvGrpSpPr>
+      <p:grpSpPr>
+        <a:xfrm>
+          <a:off x="0" y="0"/>
+          <a:ext cx="0" cy="0"/>
+          <a:chOff x="0" y="0"/>
+          <a:chExt cx="0" cy="0"/>
+        </a:xfrm>
+      </p:grpSpPr>
+      <p:sp>
+        <p:nvSpPr>
+          <p:cNvPr id="2" name="投影片圖像版面配置區 1"/>
+          <p:cNvSpPr>
+            <a:spLocks noGrp="1" noRot="1" noChangeAspect="1"/>
+          </p:cNvSpPr>
+          <p:nvPr>
+            <p:ph type="sldImg"/>
+          </p:nvPr>
+        </p:nvSpPr>
+        <p:spPr/>
+      </p:sp>
+      <p:sp>
+        <p:nvSpPr>
+          <p:cNvPr id="3" name="備忘稿版面配置區 2"/>
+          <p:cNvSpPr>
+            <a:spLocks noGrp="1"/>
+          </p:cNvSpPr>
+          <p:nvPr>
+            <p:ph type="body" idx="1"/>
+          </p:nvPr>
+        </p:nvSpPr>
+        <p:spPr/>
+        <p:txBody>
+          <a:bodyPr/>
+          <a:lstStyle/>
+          <a:p>
+            <a:endParaRPr lang="zh-TW" altLang="en-US" dirty="0"/>
+          </a:p>
+        </p:txBody>
+      </p:sp>
+      <p:sp>
+        <p:nvSpPr>
+          <p:cNvPr id="4" name="投影片編號版面配置區 3"/>
+          <p:cNvSpPr>
+            <a:spLocks noGrp="1"/>
+          </p:cNvSpPr>
+          <p:nvPr>
+            <p:ph type="sldNum" sz="quarter" idx="10"/>
+          </p:nvPr>
+        </p:nvSpPr>
+        <p:spPr/>
+        <p:txBody>
+          <a:bodyPr/>
+          <a:lstStyle/>
+          <a:p>
+            <a:fld id="{BF105DB2-FD3E-441D-8B7E-7AE83ECE27B3}" type="slidenum">
+              <a:rPr lang="en-US" altLang="zh-TW" noProof="0" smtClean="0"/>
+              <a:pPr/>
+              <a:t>17</a:t>
+            </a:fld>
+            <a:endParaRPr lang="zh-TW" altLang="en-US" noProof="0"/>
+          </a:p>
+        </p:txBody>
+      </p:sp>
+    </p:spTree>
+    <p:extLst>
+      <p:ext uri="{BB962C8B-B14F-4D97-AF65-F5344CB8AC3E}">
+        <p14:creationId xmlns:p14="http://schemas.microsoft.com/office/powerpoint/2010/main" val="2999569202"/>
+      </p:ext>
+    </p:extLst>
+  </p:cSld>
+  <p:clrMapOvr>
+    <a:masterClrMapping/>
+  </p:clrMapOvr>
+</p:notes>
+</file>
+
+<file path=ppt/notesSlides/notesSlide15.xml><?xml version="1.0" encoding="utf-8"?>
+<p:notes xmlns:a="http://schemas.openxmlformats.org/drawingml/2006/main" xmlns:r="http://schemas.openxmlformats.org/officeDocument/2006/relationships" xmlns:p="http://schemas.openxmlformats.org/presentationml/2006/main">
+  <p:cSld>
+    <p:spTree>
+      <p:nvGrpSpPr>
+        <p:cNvPr id="1" name=""/>
+        <p:cNvGrpSpPr/>
+        <p:nvPr/>
+      </p:nvGrpSpPr>
+      <p:grpSpPr>
+        <a:xfrm>
+          <a:off x="0" y="0"/>
+          <a:ext cx="0" cy="0"/>
+          <a:chOff x="0" y="0"/>
+          <a:chExt cx="0" cy="0"/>
+        </a:xfrm>
+      </p:grpSpPr>
+      <p:sp>
+        <p:nvSpPr>
+          <p:cNvPr id="2" name="投影片圖像版面配置區 1"/>
+          <p:cNvSpPr>
+            <a:spLocks noGrp="1" noRot="1" noChangeAspect="1"/>
+          </p:cNvSpPr>
+          <p:nvPr>
+            <p:ph type="sldImg"/>
+          </p:nvPr>
+        </p:nvSpPr>
+        <p:spPr/>
+      </p:sp>
+      <p:sp>
+        <p:nvSpPr>
+          <p:cNvPr id="3" name="備忘稿版面配置區 2"/>
+          <p:cNvSpPr>
+            <a:spLocks noGrp="1"/>
+          </p:cNvSpPr>
+          <p:nvPr>
+            <p:ph type="body" idx="1"/>
+          </p:nvPr>
+        </p:nvSpPr>
+        <p:spPr/>
+        <p:txBody>
+          <a:bodyPr/>
+          <a:lstStyle/>
+          <a:p>
+            <a:endParaRPr lang="zh-TW" altLang="en-US" dirty="0"/>
+          </a:p>
+        </p:txBody>
+      </p:sp>
+      <p:sp>
+        <p:nvSpPr>
+          <p:cNvPr id="4" name="投影片編號版面配置區 3"/>
+          <p:cNvSpPr>
+            <a:spLocks noGrp="1"/>
+          </p:cNvSpPr>
+          <p:nvPr>
+            <p:ph type="sldNum" sz="quarter" idx="10"/>
+          </p:nvPr>
+        </p:nvSpPr>
+        <p:spPr/>
+        <p:txBody>
+          <a:bodyPr/>
+          <a:lstStyle/>
+          <a:p>
+            <a:fld id="{BF105DB2-FD3E-441D-8B7E-7AE83ECE27B3}" type="slidenum">
+              <a:rPr lang="en-US" altLang="zh-TW" noProof="0" smtClean="0"/>
+              <a:pPr/>
+              <a:t>18</a:t>
+            </a:fld>
+            <a:endParaRPr lang="zh-TW" altLang="en-US" noProof="0"/>
+          </a:p>
+        </p:txBody>
+      </p:sp>
+    </p:spTree>
+    <p:extLst>
+      <p:ext uri="{BB962C8B-B14F-4D97-AF65-F5344CB8AC3E}">
+        <p14:creationId xmlns:p14="http://schemas.microsoft.com/office/powerpoint/2010/main" val="1389677150"/>
+      </p:ext>
+    </p:extLst>
+  </p:cSld>
+  <p:clrMapOvr>
+    <a:masterClrMapping/>
+  </p:clrMapOvr>
+</p:notes>
+</file>
+
+<file path=ppt/notesSlides/notesSlide16.xml><?xml version="1.0" encoding="utf-8"?>
+<p:notes xmlns:a="http://schemas.openxmlformats.org/drawingml/2006/main" xmlns:r="http://schemas.openxmlformats.org/officeDocument/2006/relationships" xmlns:p="http://schemas.openxmlformats.org/presentationml/2006/main">
+  <p:cSld>
+    <p:spTree>
+      <p:nvGrpSpPr>
+        <p:cNvPr id="1" name=""/>
+        <p:cNvGrpSpPr/>
+        <p:nvPr/>
+      </p:nvGrpSpPr>
+      <p:grpSpPr>
+        <a:xfrm>
+          <a:off x="0" y="0"/>
+          <a:ext cx="0" cy="0"/>
+          <a:chOff x="0" y="0"/>
+          <a:chExt cx="0" cy="0"/>
+        </a:xfrm>
+      </p:grpSpPr>
+      <p:sp>
+        <p:nvSpPr>
+          <p:cNvPr id="2" name="投影片圖像版面配置區 1"/>
+          <p:cNvSpPr>
+            <a:spLocks noGrp="1" noRot="1" noChangeAspect="1"/>
+          </p:cNvSpPr>
+          <p:nvPr>
+            <p:ph type="sldImg"/>
+          </p:nvPr>
+        </p:nvSpPr>
+        <p:spPr/>
+      </p:sp>
+      <p:sp>
+        <p:nvSpPr>
+          <p:cNvPr id="3" name="備忘稿版面配置區 2"/>
+          <p:cNvSpPr>
+            <a:spLocks noGrp="1"/>
+          </p:cNvSpPr>
+          <p:nvPr>
+            <p:ph type="body" idx="1"/>
+          </p:nvPr>
+        </p:nvSpPr>
+        <p:spPr/>
+        <p:txBody>
+          <a:bodyPr/>
+          <a:lstStyle/>
+          <a:p>
+            <a:endParaRPr lang="zh-TW" altLang="en-US" dirty="0"/>
+          </a:p>
+        </p:txBody>
+      </p:sp>
+      <p:sp>
+        <p:nvSpPr>
+          <p:cNvPr id="4" name="投影片編號版面配置區 3"/>
+          <p:cNvSpPr>
+            <a:spLocks noGrp="1"/>
+          </p:cNvSpPr>
+          <p:nvPr>
+            <p:ph type="sldNum" sz="quarter" idx="10"/>
+          </p:nvPr>
+        </p:nvSpPr>
+        <p:spPr/>
+        <p:txBody>
+          <a:bodyPr/>
+          <a:lstStyle/>
+          <a:p>
+            <a:fld id="{BF105DB2-FD3E-441D-8B7E-7AE83ECE27B3}" type="slidenum">
+              <a:rPr lang="en-US" altLang="zh-TW" noProof="0" smtClean="0"/>
+              <a:pPr/>
+              <a:t>19</a:t>
+            </a:fld>
+            <a:endParaRPr lang="zh-TW" altLang="en-US" noProof="0"/>
+          </a:p>
+        </p:txBody>
+      </p:sp>
+    </p:spTree>
+    <p:extLst>
+      <p:ext uri="{BB962C8B-B14F-4D97-AF65-F5344CB8AC3E}">
+        <p14:creationId xmlns:p14="http://schemas.microsoft.com/office/powerpoint/2010/main" val="2999569202"/>
+      </p:ext>
+    </p:extLst>
+  </p:cSld>
+  <p:clrMapOvr>
+    <a:masterClrMapping/>
+  </p:clrMapOvr>
+</p:notes>
+</file>
+
+<file path=ppt/notesSlides/notesSlide17.xml><?xml version="1.0" encoding="utf-8"?>
+<p:notes xmlns:a="http://schemas.openxmlformats.org/drawingml/2006/main" xmlns:r="http://schemas.openxmlformats.org/officeDocument/2006/relationships" xmlns:p="http://schemas.openxmlformats.org/presentationml/2006/main">
+  <p:cSld>
+    <p:spTree>
+      <p:nvGrpSpPr>
+        <p:cNvPr id="1" name=""/>
+        <p:cNvGrpSpPr/>
+        <p:nvPr/>
+      </p:nvGrpSpPr>
+      <p:grpSpPr>
+        <a:xfrm>
+          <a:off x="0" y="0"/>
+          <a:ext cx="0" cy="0"/>
+          <a:chOff x="0" y="0"/>
+          <a:chExt cx="0" cy="0"/>
+        </a:xfrm>
+      </p:grpSpPr>
+      <p:sp>
+        <p:nvSpPr>
+          <p:cNvPr id="2" name="投影片圖像版面配置區 1"/>
+          <p:cNvSpPr>
+            <a:spLocks noGrp="1" noRot="1" noChangeAspect="1"/>
+          </p:cNvSpPr>
+          <p:nvPr>
+            <p:ph type="sldImg"/>
+          </p:nvPr>
+        </p:nvSpPr>
+        <p:spPr/>
+      </p:sp>
+      <p:sp>
+        <p:nvSpPr>
+          <p:cNvPr id="3" name="備忘稿版面配置區 2"/>
+          <p:cNvSpPr>
+            <a:spLocks noGrp="1"/>
+          </p:cNvSpPr>
+          <p:nvPr>
+            <p:ph type="body" idx="1"/>
+          </p:nvPr>
+        </p:nvSpPr>
+        <p:spPr/>
+        <p:txBody>
+          <a:bodyPr/>
+          <a:lstStyle/>
+          <a:p>
+            <a:endParaRPr lang="zh-TW" altLang="en-US" dirty="0"/>
+          </a:p>
+        </p:txBody>
+      </p:sp>
+      <p:sp>
+        <p:nvSpPr>
+          <p:cNvPr id="4" name="投影片編號版面配置區 3"/>
+          <p:cNvSpPr>
+            <a:spLocks noGrp="1"/>
+          </p:cNvSpPr>
+          <p:nvPr>
+            <p:ph type="sldNum" sz="quarter" idx="10"/>
+          </p:nvPr>
+        </p:nvSpPr>
+        <p:spPr/>
+        <p:txBody>
+          <a:bodyPr/>
+          <a:lstStyle/>
+          <a:p>
+            <a:fld id="{BF105DB2-FD3E-441D-8B7E-7AE83ECE27B3}" type="slidenum">
+              <a:rPr lang="en-US" altLang="zh-TW" noProof="0" smtClean="0"/>
+              <a:pPr/>
+              <a:t>20</a:t>
+            </a:fld>
+            <a:endParaRPr lang="zh-TW" altLang="en-US" noProof="0"/>
+          </a:p>
+        </p:txBody>
+      </p:sp>
+    </p:spTree>
+    <p:extLst>
+      <p:ext uri="{BB962C8B-B14F-4D97-AF65-F5344CB8AC3E}">
+        <p14:creationId xmlns:p14="http://schemas.microsoft.com/office/powerpoint/2010/main" val="2999569202"/>
+      </p:ext>
+    </p:extLst>
+  </p:cSld>
+  <p:clrMapOvr>
+    <a:masterClrMapping/>
+  </p:clrMapOvr>
+</p:notes>
+</file>
+
+<file path=ppt/notesSlides/notesSlide18.xml><?xml version="1.0" encoding="utf-8"?>
+<p:notes xmlns:a="http://schemas.openxmlformats.org/drawingml/2006/main" xmlns:r="http://schemas.openxmlformats.org/officeDocument/2006/relationships" xmlns:p="http://schemas.openxmlformats.org/presentationml/2006/main">
+  <p:cSld>
+    <p:spTree>
+      <p:nvGrpSpPr>
+        <p:cNvPr id="1" name=""/>
+        <p:cNvGrpSpPr/>
+        <p:nvPr/>
+      </p:nvGrpSpPr>
+      <p:grpSpPr>
+        <a:xfrm>
+          <a:off x="0" y="0"/>
+          <a:ext cx="0" cy="0"/>
+          <a:chOff x="0" y="0"/>
+          <a:chExt cx="0" cy="0"/>
+        </a:xfrm>
+      </p:grpSpPr>
+      <p:sp>
+        <p:nvSpPr>
+          <p:cNvPr id="2" name="投影片圖像版面配置區 1"/>
+          <p:cNvSpPr>
+            <a:spLocks noGrp="1" noRot="1" noChangeAspect="1"/>
+          </p:cNvSpPr>
+          <p:nvPr>
+            <p:ph type="sldImg"/>
+          </p:nvPr>
+        </p:nvSpPr>
+        <p:spPr/>
+      </p:sp>
+      <p:sp>
+        <p:nvSpPr>
+          <p:cNvPr id="3" name="備忘稿版面配置區 2"/>
+          <p:cNvSpPr>
+            <a:spLocks noGrp="1"/>
+          </p:cNvSpPr>
+          <p:nvPr>
+            <p:ph type="body" idx="1"/>
+          </p:nvPr>
+        </p:nvSpPr>
+        <p:spPr/>
+        <p:txBody>
+          <a:bodyPr/>
+          <a:lstStyle/>
+          <a:p>
+            <a:endParaRPr lang="zh-TW" altLang="en-US" dirty="0"/>
+          </a:p>
+        </p:txBody>
+      </p:sp>
+      <p:sp>
+        <p:nvSpPr>
+          <p:cNvPr id="4" name="投影片編號版面配置區 3"/>
+          <p:cNvSpPr>
+            <a:spLocks noGrp="1"/>
+          </p:cNvSpPr>
+          <p:nvPr>
+            <p:ph type="sldNum" sz="quarter" idx="10"/>
+          </p:nvPr>
+        </p:nvSpPr>
+        <p:spPr/>
+        <p:txBody>
+          <a:bodyPr/>
+          <a:lstStyle/>
+          <a:p>
+            <a:fld id="{BF105DB2-FD3E-441D-8B7E-7AE83ECE27B3}" type="slidenum">
+              <a:rPr lang="en-US" altLang="zh-TW" noProof="0" smtClean="0"/>
+              <a:pPr/>
+              <a:t>21</a:t>
+            </a:fld>
+            <a:endParaRPr lang="zh-TW" altLang="en-US" noProof="0"/>
+          </a:p>
+        </p:txBody>
+      </p:sp>
+    </p:spTree>
+    <p:extLst>
+      <p:ext uri="{BB962C8B-B14F-4D97-AF65-F5344CB8AC3E}">
         <p14:creationId xmlns:p14="http://schemas.microsoft.com/office/powerpoint/2010/main" val="258173421"/>
       </p:ext>
     </p:extLst>
@@ -1577,7 +2093,7 @@
     </p:spTree>
     <p:extLst>
       <p:ext uri="{BB962C8B-B14F-4D97-AF65-F5344CB8AC3E}">
-        <p14:creationId xmlns:p14="http://schemas.microsoft.com/office/powerpoint/2010/main" val="1389677150"/>
+        <p14:creationId xmlns:p14="http://schemas.microsoft.com/office/powerpoint/2010/main" val="2999569202"/>
       </p:ext>
     </p:extLst>
   </p:cSld>
@@ -1747,7 +2263,7 @@
     </p:spTree>
     <p:extLst>
       <p:ext uri="{BB962C8B-B14F-4D97-AF65-F5344CB8AC3E}">
-        <p14:creationId xmlns:p14="http://schemas.microsoft.com/office/powerpoint/2010/main" val="1389677150"/>
+        <p14:creationId xmlns:p14="http://schemas.microsoft.com/office/powerpoint/2010/main" val="2999569202"/>
       </p:ext>
     </p:extLst>
   </p:cSld>
@@ -2421,7 +2937,7 @@
           <p:cNvPr id="17" name="Picture 2" descr="國立臺灣大學">
             <a:extLst>
               <a:ext uri="{FF2B5EF4-FFF2-40B4-BE49-F238E27FC236}">
-                <a16:creationId xmlns="" xmlns:a16="http://schemas.microsoft.com/office/drawing/2014/main" id="{84C36C24-3B92-4925-8868-E617BA10AC38}"/>
+                <a16:creationId xmlns:a16="http://schemas.microsoft.com/office/drawing/2014/main" xmlns="" id="{84C36C24-3B92-4925-8868-E617BA10AC38}"/>
               </a:ext>
             </a:extLst>
           </p:cNvPr>
@@ -4020,7 +4536,7 @@
           <p:cNvPr id="2050" name="Picture 2" descr="台大遴選會決定遭駁回管中閔不是校長了，台灣學到什麼教訓？｜天下雜誌">
             <a:extLst>
               <a:ext uri="{FF2B5EF4-FFF2-40B4-BE49-F238E27FC236}">
-                <a16:creationId xmlns="" xmlns:a16="http://schemas.microsoft.com/office/drawing/2014/main" id="{AD25CCFA-A169-4B4D-9AAB-4FD3CE0117D8}"/>
+                <a16:creationId xmlns:a16="http://schemas.microsoft.com/office/drawing/2014/main" xmlns="" id="{AD25CCFA-A169-4B4D-9AAB-4FD3CE0117D8}"/>
               </a:ext>
             </a:extLst>
           </p:cNvPr>
@@ -4059,7 +4575,7 @@
           <p:cNvPr id="9" name="標題 1">
             <a:extLst>
               <a:ext uri="{FF2B5EF4-FFF2-40B4-BE49-F238E27FC236}">
-                <a16:creationId xmlns="" xmlns:a16="http://schemas.microsoft.com/office/drawing/2014/main" id="{BDFD2411-5069-4CA5-B66E-AB62E7A1DE60}"/>
+                <a16:creationId xmlns:a16="http://schemas.microsoft.com/office/drawing/2014/main" xmlns="" id="{BDFD2411-5069-4CA5-B66E-AB62E7A1DE60}"/>
               </a:ext>
             </a:extLst>
           </p:cNvPr>
@@ -4102,7 +4618,7 @@
           <p:cNvPr id="10" name="內容預留位置 2">
             <a:extLst>
               <a:ext uri="{FF2B5EF4-FFF2-40B4-BE49-F238E27FC236}">
-                <a16:creationId xmlns="" xmlns:a16="http://schemas.microsoft.com/office/drawing/2014/main" id="{BDA314B9-2928-4296-A8F2-C460B7717FDB}"/>
+                <a16:creationId xmlns:a16="http://schemas.microsoft.com/office/drawing/2014/main" xmlns="" id="{BDA314B9-2928-4296-A8F2-C460B7717FDB}"/>
               </a:ext>
             </a:extLst>
           </p:cNvPr>
@@ -4341,7 +4857,7 @@
           <p:cNvPr id="2" name="箭號: 五邊形 1">
             <a:extLst>
               <a:ext uri="{FF2B5EF4-FFF2-40B4-BE49-F238E27FC236}">
-                <a16:creationId xmlns="" xmlns:a16="http://schemas.microsoft.com/office/drawing/2014/main" id="{2B2A4164-FC51-40C1-8307-BD11C0F8CFB5}"/>
+                <a16:creationId xmlns:a16="http://schemas.microsoft.com/office/drawing/2014/main" xmlns="" id="{2B2A4164-FC51-40C1-8307-BD11C0F8CFB5}"/>
               </a:ext>
             </a:extLst>
           </p:cNvPr>
@@ -4398,7 +4914,7 @@
           <p:cNvPr id="8" name="箭號: 五邊形 7">
             <a:extLst>
               <a:ext uri="{FF2B5EF4-FFF2-40B4-BE49-F238E27FC236}">
-                <a16:creationId xmlns="" xmlns:a16="http://schemas.microsoft.com/office/drawing/2014/main" id="{A42C3E17-FE95-45A4-BE55-35C930896E44}"/>
+                <a16:creationId xmlns:a16="http://schemas.microsoft.com/office/drawing/2014/main" xmlns="" id="{A42C3E17-FE95-45A4-BE55-35C930896E44}"/>
               </a:ext>
             </a:extLst>
           </p:cNvPr>
@@ -4455,7 +4971,7 @@
           <p:cNvPr id="9" name="Picture 2" descr="國立臺灣大學">
             <a:extLst>
               <a:ext uri="{FF2B5EF4-FFF2-40B4-BE49-F238E27FC236}">
-                <a16:creationId xmlns="" xmlns:a16="http://schemas.microsoft.com/office/drawing/2014/main" id="{2E88D82B-E998-4EDD-80FE-2F0EDEAEB0EB}"/>
+                <a16:creationId xmlns:a16="http://schemas.microsoft.com/office/drawing/2014/main" xmlns="" id="{2E88D82B-E998-4EDD-80FE-2F0EDEAEB0EB}"/>
               </a:ext>
             </a:extLst>
           </p:cNvPr>
@@ -4502,7 +5018,7 @@
           <p:cNvPr id="10" name="標題 1">
             <a:extLst>
               <a:ext uri="{FF2B5EF4-FFF2-40B4-BE49-F238E27FC236}">
-                <a16:creationId xmlns="" xmlns:a16="http://schemas.microsoft.com/office/drawing/2014/main" id="{93ABB2D6-1831-4B6F-8B8F-924BF377F7F3}"/>
+                <a16:creationId xmlns:a16="http://schemas.microsoft.com/office/drawing/2014/main" xmlns="" id="{93ABB2D6-1831-4B6F-8B8F-924BF377F7F3}"/>
               </a:ext>
             </a:extLst>
           </p:cNvPr>
@@ -4548,7 +5064,7 @@
           <p:cNvPr id="11" name="內容預留位置 2">
             <a:extLst>
               <a:ext uri="{FF2B5EF4-FFF2-40B4-BE49-F238E27FC236}">
-                <a16:creationId xmlns="" xmlns:a16="http://schemas.microsoft.com/office/drawing/2014/main" id="{802C1E61-2E34-4316-8FE7-FDF47C3C8932}"/>
+                <a16:creationId xmlns:a16="http://schemas.microsoft.com/office/drawing/2014/main" xmlns="" id="{802C1E61-2E34-4316-8FE7-FDF47C3C8932}"/>
               </a:ext>
             </a:extLst>
           </p:cNvPr>
@@ -7406,18 +7922,6 @@
               <a:t>：以 </a:t>
             </a:r>
             <a:r>
-              <a:rPr lang="en-US" altLang="zh-TW" sz="3200" b="1" dirty="0" err="1">
-                <a:effectLst>
-                  <a:outerShdw blurRad="38100" dist="38100" dir="2700000" algn="tl">
-                    <a:srgbClr val="000000">
-                      <a:alpha val="43137"/>
-                    </a:srgbClr>
-                  </a:outerShdw>
-                </a:effectLst>
-              </a:rPr>
-              <a:t>Schnorr</a:t>
-            </a:r>
-            <a:r>
               <a:rPr lang="en-US" altLang="zh-TW" sz="3200" b="1" dirty="0">
                 <a:effectLst>
                   <a:outerShdw blurRad="38100" dist="38100" dir="2700000" algn="tl">
@@ -7427,7 +7931,7 @@
                   </a:outerShdw>
                 </a:effectLst>
               </a:rPr>
-              <a:t> Protocol </a:t>
+              <a:t>Schnorr Protocol </a:t>
             </a:r>
             <a:r>
               <a:rPr lang="zh-TW" altLang="en-US" sz="3200" b="1" dirty="0">
@@ -7480,19 +7984,7 @@
                   </a:outerShdw>
                 </a:effectLst>
               </a:rPr>
-              <a:t>報告日期</a:t>
-            </a:r>
-            <a:r>
-              <a:rPr lang="zh-TW" altLang="en-US" b="1" dirty="0" smtClean="0">
-                <a:effectLst>
-                  <a:outerShdw blurRad="38100" dist="38100" dir="2700000" algn="tl">
-                    <a:srgbClr val="000000">
-                      <a:alpha val="43137"/>
-                    </a:srgbClr>
-                  </a:outerShdw>
-                </a:effectLst>
-              </a:rPr>
-              <a:t>：</a:t>
+              <a:t>報告日期：</a:t>
             </a:r>
             <a:r>
               <a:rPr lang="en-US" altLang="zh-TW" b="1" dirty="0" smtClean="0">
@@ -7623,19 +8115,7 @@
                   </a:outerShdw>
                 </a:effectLst>
               </a:rPr>
-              <a:t>）、</a:t>
-            </a:r>
-            <a:r>
-              <a:rPr lang="zh-TW" altLang="en-US" b="1" dirty="0" smtClean="0">
-                <a:effectLst>
-                  <a:outerShdw blurRad="38100" dist="38100" dir="2700000" algn="tl">
-                    <a:srgbClr val="000000">
-                      <a:alpha val="43137"/>
-                    </a:srgbClr>
-                  </a:outerShdw>
-                </a:effectLst>
-              </a:rPr>
-              <a:t>黃杬霆（</a:t>
+              <a:t>）、黃杬霆（</a:t>
             </a:r>
             <a:r>
               <a:rPr lang="en-US" altLang="zh-TW" b="1" dirty="0" smtClean="0">
@@ -7748,10 +8228,34 @@
       </p:grpSpPr>
       <p:sp>
         <p:nvSpPr>
-          <p:cNvPr id="3" name="標題 2">
+          <p:cNvPr id="5" name="投影片編號版面配置區 4"/>
+          <p:cNvSpPr>
+            <a:spLocks noGrp="1"/>
+          </p:cNvSpPr>
+          <p:nvPr>
+            <p:ph type="sldNum" sz="quarter" idx="12"/>
+          </p:nvPr>
+        </p:nvSpPr>
+        <p:spPr/>
+        <p:txBody>
+          <a:bodyPr/>
+          <a:lstStyle/>
+          <a:p>
+            <a:fld id="{DF28FB93-0A08-4E7D-8E63-9EFA29F1E093}" type="slidenum">
+              <a:rPr lang="en-US" altLang="zh-TW" noProof="0" smtClean="0"/>
+              <a:pPr/>
+              <a:t>10</a:t>
+            </a:fld>
+            <a:endParaRPr lang="zh-TW" altLang="en-US" noProof="0"/>
+          </a:p>
+        </p:txBody>
+      </p:sp>
+      <p:sp>
+        <p:nvSpPr>
+          <p:cNvPr id="19" name="標題 1">
             <a:extLst>
               <a:ext uri="{FF2B5EF4-FFF2-40B4-BE49-F238E27FC236}">
-                <a16:creationId xmlns="" xmlns:a16="http://schemas.microsoft.com/office/drawing/2014/main" id="{4ABAB1B2-9811-49A5-968D-AA6F881D5BFC}"/>
+                <a16:creationId xmlns:a16="http://schemas.microsoft.com/office/drawing/2014/main" xmlns="" id="{50E9A64D-4207-4980-8736-4201C3E0DC63}"/>
               </a:ext>
             </a:extLst>
           </p:cNvPr>
@@ -7764,8 +8268,8 @@
         </p:nvSpPr>
         <p:spPr>
           <a:xfrm>
-            <a:off x="0" y="2492896"/>
-            <a:ext cx="5950396" cy="1066800"/>
+            <a:off x="178447" y="203231"/>
+            <a:ext cx="9143538" cy="1066800"/>
           </a:xfrm>
         </p:spPr>
         <p:txBody>
@@ -7774,13 +8278,16 @@
           </a:bodyPr>
           <a:lstStyle/>
           <a:p>
-            <a:pPr>
-              <a:spcAft>
-                <a:spcPts val="1800"/>
-              </a:spcAft>
-            </a:pPr>
-            <a:r>
-              <a:rPr lang="zh-TW" altLang="en-US" dirty="0">
+            <a:r>
+              <a:rPr lang="zh-TW" altLang="en-US" sz="4000" b="1" dirty="0"/>
+              <a:t>三</a:t>
+            </a:r>
+            <a:r>
+              <a:rPr lang="zh-TW" altLang="en-US" sz="4000" b="1" dirty="0" smtClean="0"/>
+              <a:t>、</a:t>
+            </a:r>
+            <a:r>
+              <a:rPr lang="zh-TW" altLang="en-US" sz="4000" dirty="0">
                 <a:effectLst>
                   <a:outerShdw blurRad="38100" dist="38100" dir="2700000" algn="tl">
                     <a:srgbClr val="000000">
@@ -7789,10 +8296,10 @@
                   </a:outerShdw>
                 </a:effectLst>
               </a:rPr>
-              <a:t>四</a:t>
-            </a:r>
-            <a:r>
-              <a:rPr lang="zh-TW" altLang="en-US" dirty="0" smtClean="0">
+              <a:t>系統設計</a:t>
+            </a:r>
+            <a:r>
+              <a:rPr lang="zh-TW" altLang="en-US" sz="4000" dirty="0" smtClean="0">
                 <a:effectLst>
                   <a:outerShdw blurRad="38100" dist="38100" dir="2700000" algn="tl">
                     <a:srgbClr val="000000">
@@ -7801,10 +8308,10 @@
                   </a:outerShdw>
                 </a:effectLst>
               </a:rPr>
-              <a:t>、</a:t>
-            </a:r>
-            <a:r>
-              <a:rPr lang="zh-TW" altLang="en-US" dirty="0">
+              <a:t>及</a:t>
+            </a:r>
+            <a:r>
+              <a:rPr lang="zh-TW" altLang="en-US" sz="4000" dirty="0">
                 <a:effectLst>
                   <a:outerShdw blurRad="38100" dist="38100" dir="2700000" algn="tl">
                     <a:srgbClr val="000000">
@@ -7813,127 +8320,456 @@
                   </a:outerShdw>
                 </a:effectLst>
               </a:rPr>
-              <a:t>結論</a:t>
-            </a:r>
-            <a:endParaRPr lang="en-US" altLang="zh-TW" dirty="0">
-              <a:effectLst>
-                <a:outerShdw blurRad="38100" dist="38100" dir="2700000" algn="tl">
-                  <a:srgbClr val="000000">
-                    <a:alpha val="43137"/>
-                  </a:srgbClr>
-                </a:outerShdw>
-              </a:effectLst>
-            </a:endParaRPr>
-          </a:p>
-        </p:txBody>
-      </p:sp>
-      <p:sp>
-        <p:nvSpPr>
-          <p:cNvPr id="4" name="內容版面配置區 3">
+              <a:t>專題成果</a:t>
+            </a:r>
+            <a:endParaRPr lang="zh-TW" altLang="en-US" sz="4000" b="1" dirty="0"/>
+          </a:p>
+        </p:txBody>
+      </p:sp>
+      <p:sp>
+        <p:nvSpPr>
+          <p:cNvPr id="24" name="內容版面配置區 2">
             <a:extLst>
               <a:ext uri="{FF2B5EF4-FFF2-40B4-BE49-F238E27FC236}">
-                <a16:creationId xmlns="" xmlns:a16="http://schemas.microsoft.com/office/drawing/2014/main" id="{FCCA5DD9-09D4-479C-9F96-62D1622C7DB1}"/>
+                <a16:creationId xmlns:a16="http://schemas.microsoft.com/office/drawing/2014/main" xmlns="" id="{F5C22ADD-7A5D-44F8-969C-F4721C016703}"/>
               </a:ext>
             </a:extLst>
           </p:cNvPr>
-          <p:cNvSpPr>
-            <a:spLocks noGrp="1"/>
+          <p:cNvSpPr txBox="1">
+            <a:spLocks/>
           </p:cNvSpPr>
-          <p:nvPr>
-            <p:ph idx="1"/>
-          </p:nvPr>
+          <p:nvPr/>
         </p:nvSpPr>
         <p:spPr>
           <a:xfrm>
-            <a:off x="6886500" y="1772816"/>
-            <a:ext cx="6336704" cy="3888432"/>
+            <a:off x="148040" y="1193817"/>
+            <a:ext cx="11758153" cy="4608512"/>
           </a:xfrm>
+          <a:prstGeom prst="rect">
+            <a:avLst/>
+          </a:prstGeom>
         </p:spPr>
         <p:txBody>
-          <a:bodyPr>
-            <a:noAutofit/>
+          <a:bodyPr vert="horz" lIns="91440" tIns="45720" rIns="91440" bIns="45720" rtlCol="0">
+            <a:normAutofit/>
           </a:bodyPr>
-          <a:lstStyle/>
-          <a:p>
-            <a:pPr>
+          <a:lstStyle>
+            <a:lvl1pPr marL="274320" indent="-274320" algn="l" defTabSz="914400" rtl="0" eaLnBrk="1" latinLnBrk="0" hangingPunct="1">
               <a:lnSpc>
-                <a:spcPct val="170000"/>
+                <a:spcPct val="90000"/>
               </a:lnSpc>
               <a:spcBef>
-                <a:spcPts val="0"/>
+                <a:spcPts val="1800"/>
               </a:spcBef>
               <a:buClr>
-                <a:schemeClr val="bg2">
-                  <a:lumMod val="90000"/>
-                </a:schemeClr>
+                <a:schemeClr val="tx1"/>
+              </a:buClr>
+              <a:buSzPct val="80000"/>
+              <a:buFont typeface="Wingdings" pitchFamily="2" charset="2"/>
+              <a:buChar char="§"/>
+              <a:defRPr sz="2400" kern="1200">
+                <a:solidFill>
+                  <a:schemeClr val="tx1"/>
+                </a:solidFill>
+                <a:latin typeface="Microsoft JhengHei UI" panose="020B0604030504040204" pitchFamily="34" charset="-120"/>
+                <a:ea typeface="Microsoft JhengHei UI" panose="020B0604030504040204" pitchFamily="34" charset="-120"/>
+                <a:cs typeface="+mn-cs"/>
+              </a:defRPr>
+            </a:lvl1pPr>
+            <a:lvl2pPr marL="548640" indent="-228600" algn="l" defTabSz="914400" rtl="0" eaLnBrk="1" latinLnBrk="0" hangingPunct="1">
+              <a:lnSpc>
+                <a:spcPct val="90000"/>
+              </a:lnSpc>
+              <a:spcBef>
+                <a:spcPts val="1000"/>
+              </a:spcBef>
+              <a:buClr>
+                <a:schemeClr val="tx1"/>
               </a:buClr>
               <a:buSzPct val="100000"/>
-            </a:pPr>
-            <a:r>
-              <a:rPr lang="zh-TW" altLang="en-US" sz="2800" dirty="0" smtClean="0"/>
-              <a:t>○</a:t>
-            </a:r>
-            <a:r>
-              <a:rPr lang="zh-TW" altLang="en-US" sz="2800" dirty="0"/>
-              <a:t> </a:t>
-            </a:r>
-            <a:r>
-              <a:rPr lang="zh-TW" altLang="en-US" sz="2800" dirty="0" smtClean="0"/>
-              <a:t>○</a:t>
-            </a:r>
-            <a:r>
-              <a:rPr lang="zh-TW" altLang="en-US" sz="2800" dirty="0"/>
-              <a:t> ○</a:t>
-            </a:r>
-            <a:endParaRPr lang="zh-TW" altLang="en-US" sz="2600" dirty="0"/>
-          </a:p>
-          <a:p>
-            <a:pPr>
+              <a:buFont typeface="Arial" pitchFamily="34" charset="0"/>
+              <a:buChar char="–"/>
+              <a:defRPr sz="2000" kern="1200">
+                <a:solidFill>
+                  <a:schemeClr val="tx1"/>
+                </a:solidFill>
+                <a:latin typeface="Microsoft JhengHei UI" panose="020B0604030504040204" pitchFamily="34" charset="-120"/>
+                <a:ea typeface="Microsoft JhengHei UI" panose="020B0604030504040204" pitchFamily="34" charset="-120"/>
+                <a:cs typeface="+mn-cs"/>
+              </a:defRPr>
+            </a:lvl2pPr>
+            <a:lvl3pPr marL="822960" indent="-228600" algn="l" defTabSz="914400" rtl="0" eaLnBrk="1" latinLnBrk="0" hangingPunct="1">
               <a:lnSpc>
-                <a:spcPct val="170000"/>
+                <a:spcPct val="90000"/>
               </a:lnSpc>
               <a:spcBef>
-                <a:spcPts val="0"/>
+                <a:spcPts val="800"/>
               </a:spcBef>
               <a:buClr>
-                <a:schemeClr val="bg2">
-                  <a:lumMod val="90000"/>
-                </a:schemeClr>
+                <a:schemeClr val="tx1"/>
+              </a:buClr>
+              <a:buSzPct val="80000"/>
+              <a:buFont typeface="Wingdings" pitchFamily="2" charset="2"/>
+              <a:buChar char="§"/>
+              <a:defRPr sz="1800" kern="1200">
+                <a:solidFill>
+                  <a:schemeClr val="tx1"/>
+                </a:solidFill>
+                <a:latin typeface="Microsoft JhengHei UI" panose="020B0604030504040204" pitchFamily="34" charset="-120"/>
+                <a:ea typeface="Microsoft JhengHei UI" panose="020B0604030504040204" pitchFamily="34" charset="-120"/>
+                <a:cs typeface="+mn-cs"/>
+              </a:defRPr>
+            </a:lvl3pPr>
+            <a:lvl4pPr marL="1097280" indent="-228600" algn="l" defTabSz="914400" rtl="0" eaLnBrk="1" latinLnBrk="0" hangingPunct="1">
+              <a:lnSpc>
+                <a:spcPct val="90000"/>
+              </a:lnSpc>
+              <a:spcBef>
+                <a:spcPts val="800"/>
+              </a:spcBef>
+              <a:buClr>
+                <a:schemeClr val="tx1"/>
               </a:buClr>
               <a:buSzPct val="100000"/>
+              <a:buFont typeface="Arial" pitchFamily="34" charset="0"/>
+              <a:buChar char="–"/>
+              <a:defRPr sz="1600" kern="1200">
+                <a:solidFill>
+                  <a:schemeClr val="tx1"/>
+                </a:solidFill>
+                <a:latin typeface="Microsoft JhengHei UI" panose="020B0604030504040204" pitchFamily="34" charset="-120"/>
+                <a:ea typeface="Microsoft JhengHei UI" panose="020B0604030504040204" pitchFamily="34" charset="-120"/>
+                <a:cs typeface="+mn-cs"/>
+              </a:defRPr>
+            </a:lvl4pPr>
+            <a:lvl5pPr marL="1325880" indent="-228600" algn="l" defTabSz="914400" rtl="0" eaLnBrk="1" latinLnBrk="0" hangingPunct="1">
+              <a:lnSpc>
+                <a:spcPct val="90000"/>
+              </a:lnSpc>
+              <a:spcBef>
+                <a:spcPts val="800"/>
+              </a:spcBef>
+              <a:buClr>
+                <a:schemeClr val="tx1"/>
+              </a:buClr>
+              <a:buSzPct val="80000"/>
+              <a:buFont typeface="Wingdings" pitchFamily="2" charset="2"/>
+              <a:buChar char="§"/>
+              <a:defRPr sz="1600" kern="1200">
+                <a:solidFill>
+                  <a:schemeClr val="tx1"/>
+                </a:solidFill>
+                <a:latin typeface="Microsoft JhengHei UI" panose="020B0604030504040204" pitchFamily="34" charset="-120"/>
+                <a:ea typeface="Microsoft JhengHei UI" panose="020B0604030504040204" pitchFamily="34" charset="-120"/>
+                <a:cs typeface="+mn-cs"/>
+              </a:defRPr>
+            </a:lvl5pPr>
+            <a:lvl6pPr marL="1554480" indent="-228600" algn="l" defTabSz="914400" rtl="0" eaLnBrk="1" latinLnBrk="0" hangingPunct="1">
+              <a:lnSpc>
+                <a:spcPct val="90000"/>
+              </a:lnSpc>
+              <a:spcBef>
+                <a:spcPts val="800"/>
+              </a:spcBef>
+              <a:buClr>
+                <a:schemeClr val="tx1"/>
+              </a:buClr>
+              <a:buSzPct val="100000"/>
+              <a:buFont typeface="Arial" pitchFamily="34" charset="0"/>
+              <a:buChar char="–"/>
+              <a:defRPr sz="1600" kern="1200">
+                <a:solidFill>
+                  <a:schemeClr val="tx1"/>
+                </a:solidFill>
+                <a:latin typeface="+mn-lt"/>
+                <a:ea typeface="+mn-ea"/>
+                <a:cs typeface="+mn-cs"/>
+              </a:defRPr>
+            </a:lvl6pPr>
+            <a:lvl7pPr marL="1783080" indent="-228600" algn="l" defTabSz="914400" rtl="0" eaLnBrk="1" latinLnBrk="0" hangingPunct="1">
+              <a:lnSpc>
+                <a:spcPct val="90000"/>
+              </a:lnSpc>
+              <a:spcBef>
+                <a:spcPts val="800"/>
+              </a:spcBef>
+              <a:buClr>
+                <a:schemeClr val="tx1"/>
+              </a:buClr>
+              <a:buSzPct val="80000"/>
+              <a:buFont typeface="Wingdings" pitchFamily="2" charset="2"/>
+              <a:buChar char="§"/>
+              <a:defRPr sz="1600" kern="1200">
+                <a:solidFill>
+                  <a:schemeClr val="tx1"/>
+                </a:solidFill>
+                <a:latin typeface="+mn-lt"/>
+                <a:ea typeface="+mn-ea"/>
+                <a:cs typeface="+mn-cs"/>
+              </a:defRPr>
+            </a:lvl7pPr>
+            <a:lvl8pPr marL="2011680" indent="-228600" algn="l" defTabSz="914400" rtl="0" eaLnBrk="1" latinLnBrk="0" hangingPunct="1">
+              <a:lnSpc>
+                <a:spcPct val="90000"/>
+              </a:lnSpc>
+              <a:spcBef>
+                <a:spcPts val="800"/>
+              </a:spcBef>
+              <a:buClr>
+                <a:schemeClr val="tx1"/>
+              </a:buClr>
+              <a:buSzPct val="100000"/>
+              <a:buFont typeface="Arial" pitchFamily="34" charset="0"/>
+              <a:buChar char="–"/>
+              <a:defRPr sz="1600" kern="1200">
+                <a:solidFill>
+                  <a:schemeClr val="tx1"/>
+                </a:solidFill>
+                <a:latin typeface="+mn-lt"/>
+                <a:ea typeface="+mn-ea"/>
+                <a:cs typeface="+mn-cs"/>
+              </a:defRPr>
+            </a:lvl8pPr>
+            <a:lvl9pPr marL="2240280" indent="-228600" algn="l" defTabSz="914400" rtl="0" eaLnBrk="1" latinLnBrk="0" hangingPunct="1">
+              <a:lnSpc>
+                <a:spcPct val="90000"/>
+              </a:lnSpc>
+              <a:spcBef>
+                <a:spcPts val="800"/>
+              </a:spcBef>
+              <a:buClr>
+                <a:schemeClr val="tx1"/>
+              </a:buClr>
+              <a:buSzPct val="80000"/>
+              <a:buFont typeface="Wingdings" pitchFamily="2" charset="2"/>
+              <a:buChar char="§"/>
+              <a:defRPr sz="1600" kern="1200">
+                <a:solidFill>
+                  <a:schemeClr val="tx1"/>
+                </a:solidFill>
+                <a:latin typeface="+mn-lt"/>
+                <a:ea typeface="+mn-ea"/>
+                <a:cs typeface="+mn-cs"/>
+              </a:defRPr>
+            </a:lvl9pPr>
+          </a:lstStyle>
+          <a:p>
+            <a:pPr marL="285750" indent="-285750" algn="just">
+              <a:buClr>
+                <a:schemeClr val="accent1"/>
+              </a:buClr>
+              <a:buFont typeface="Wingdings" panose="05000000000000000000" pitchFamily="2" charset="2"/>
+              <a:buChar char="n"/>
             </a:pPr>
-            <a:endParaRPr lang="en-US" altLang="zh-TW" sz="2600" dirty="0"/>
-          </a:p>
-        </p:txBody>
-      </p:sp>
-      <p:sp>
-        <p:nvSpPr>
-          <p:cNvPr id="6" name="投影片編號版面配置區 5"/>
-          <p:cNvSpPr>
-            <a:spLocks noGrp="1"/>
-          </p:cNvSpPr>
-          <p:nvPr>
-            <p:ph type="sldNum" sz="quarter" idx="12"/>
-          </p:nvPr>
-        </p:nvSpPr>
-        <p:spPr/>
-        <p:txBody>
-          <a:bodyPr/>
-          <a:lstStyle/>
-          <a:p>
-            <a:fld id="{DF28FB93-0A08-4E7D-8E63-9EFA29F1E093}" type="slidenum">
-              <a:rPr lang="en-US" altLang="zh-TW" noProof="0" smtClean="0"/>
-              <a:pPr/>
-              <a:t>10</a:t>
-            </a:fld>
-            <a:endParaRPr lang="zh-TW" altLang="en-US" noProof="0"/>
-          </a:p>
-        </p:txBody>
-      </p:sp>
+            <a:r>
+              <a:rPr lang="zh-TW" altLang="en-US" sz="2800" b="1" dirty="0" smtClean="0">
+                <a:solidFill>
+                  <a:schemeClr val="accent1">
+                    <a:lumMod val="75000"/>
+                  </a:schemeClr>
+                </a:solidFill>
+                <a:latin typeface="微軟正黑體" panose="020B0604030504040204" pitchFamily="34" charset="-120"/>
+                <a:ea typeface="微軟正黑體" panose="020B0604030504040204" pitchFamily="34" charset="-120"/>
+              </a:rPr>
+              <a:t>傳統</a:t>
+            </a:r>
+            <a:r>
+              <a:rPr lang="en-US" altLang="zh-TW" sz="2800" b="1" dirty="0">
+                <a:solidFill>
+                  <a:schemeClr val="accent1">
+                    <a:lumMod val="75000"/>
+                  </a:schemeClr>
+                </a:solidFill>
+                <a:latin typeface="微軟正黑體" panose="020B0604030504040204" pitchFamily="34" charset="-120"/>
+                <a:ea typeface="微軟正黑體" panose="020B0604030504040204" pitchFamily="34" charset="-120"/>
+              </a:rPr>
+              <a:t>ZKP — </a:t>
+            </a:r>
+            <a:r>
+              <a:rPr lang="zh-TW" altLang="en-US" sz="2800" b="1" dirty="0">
+                <a:solidFill>
+                  <a:schemeClr val="accent1">
+                    <a:lumMod val="75000"/>
+                  </a:schemeClr>
+                </a:solidFill>
+                <a:latin typeface="微軟正黑體" panose="020B0604030504040204" pitchFamily="34" charset="-120"/>
+                <a:ea typeface="微軟正黑體" panose="020B0604030504040204" pitchFamily="34" charset="-120"/>
+              </a:rPr>
+              <a:t>以</a:t>
+            </a:r>
+            <a:r>
+              <a:rPr lang="en-US" altLang="zh-TW" sz="2800" b="1" dirty="0">
+                <a:solidFill>
+                  <a:schemeClr val="accent1">
+                    <a:lumMod val="75000"/>
+                  </a:schemeClr>
+                </a:solidFill>
+                <a:latin typeface="微軟正黑體" panose="020B0604030504040204" pitchFamily="34" charset="-120"/>
+                <a:ea typeface="微軟正黑體" panose="020B0604030504040204" pitchFamily="34" charset="-120"/>
+              </a:rPr>
+              <a:t>Graph 3-colorability</a:t>
+            </a:r>
+            <a:r>
+              <a:rPr lang="zh-TW" altLang="en-US" sz="2800" b="1" dirty="0">
+                <a:solidFill>
+                  <a:schemeClr val="accent1">
+                    <a:lumMod val="75000"/>
+                  </a:schemeClr>
+                </a:solidFill>
+                <a:latin typeface="微軟正黑體" panose="020B0604030504040204" pitchFamily="34" charset="-120"/>
+                <a:ea typeface="微軟正黑體" panose="020B0604030504040204" pitchFamily="34" charset="-120"/>
+              </a:rPr>
+              <a:t>（簡稱</a:t>
+            </a:r>
+            <a:r>
+              <a:rPr lang="en-US" altLang="zh-TW" sz="2800" b="1" dirty="0">
+                <a:solidFill>
+                  <a:schemeClr val="accent1">
+                    <a:lumMod val="75000"/>
+                  </a:schemeClr>
+                </a:solidFill>
+                <a:latin typeface="微軟正黑體" panose="020B0604030504040204" pitchFamily="34" charset="-120"/>
+                <a:ea typeface="微軟正黑體" panose="020B0604030504040204" pitchFamily="34" charset="-120"/>
+              </a:rPr>
+              <a:t>G3C</a:t>
+            </a:r>
+            <a:r>
+              <a:rPr lang="zh-TW" altLang="en-US" sz="2800" b="1" dirty="0">
+                <a:solidFill>
+                  <a:schemeClr val="accent1">
+                    <a:lumMod val="75000"/>
+                  </a:schemeClr>
+                </a:solidFill>
+                <a:latin typeface="微軟正黑體" panose="020B0604030504040204" pitchFamily="34" charset="-120"/>
+                <a:ea typeface="微軟正黑體" panose="020B0604030504040204" pitchFamily="34" charset="-120"/>
+              </a:rPr>
+              <a:t>）為</a:t>
+            </a:r>
+            <a:r>
+              <a:rPr lang="zh-TW" altLang="en-US" sz="2800" b="1" dirty="0" smtClean="0">
+                <a:solidFill>
+                  <a:schemeClr val="accent1">
+                    <a:lumMod val="75000"/>
+                  </a:schemeClr>
+                </a:solidFill>
+                <a:latin typeface="微軟正黑體" panose="020B0604030504040204" pitchFamily="34" charset="-120"/>
+                <a:ea typeface="微軟正黑體" panose="020B0604030504040204" pitchFamily="34" charset="-120"/>
+              </a:rPr>
+              <a:t>例子 </a:t>
+            </a:r>
+            <a:r>
+              <a:rPr lang="en-US" altLang="zh-TW" sz="2800" b="1" dirty="0" smtClean="0">
+                <a:solidFill>
+                  <a:srgbClr val="FF0000"/>
+                </a:solidFill>
+                <a:latin typeface="微軟正黑體" panose="020B0604030504040204" pitchFamily="34" charset="-120"/>
+                <a:ea typeface="微軟正黑體" panose="020B0604030504040204" pitchFamily="34" charset="-120"/>
+              </a:rPr>
+              <a:t>(2/3)</a:t>
+            </a:r>
+            <a:endParaRPr lang="en-US" altLang="zh-TW" sz="2800" b="1" dirty="0">
+              <a:solidFill>
+                <a:srgbClr val="FF0000"/>
+              </a:solidFill>
+              <a:latin typeface="微軟正黑體" panose="020B0604030504040204" pitchFamily="34" charset="-120"/>
+              <a:ea typeface="微軟正黑體" panose="020B0604030504040204" pitchFamily="34" charset="-120"/>
+            </a:endParaRPr>
+          </a:p>
+          <a:p>
+            <a:pPr marL="285750" indent="-285750" algn="just">
+              <a:buClr>
+                <a:schemeClr val="accent1"/>
+              </a:buClr>
+              <a:buFont typeface="Wingdings" panose="05000000000000000000" pitchFamily="2" charset="2"/>
+              <a:buChar char="n"/>
+            </a:pPr>
+            <a:endParaRPr lang="en-US" altLang="zh-TW" b="1" dirty="0">
+              <a:latin typeface="微軟正黑體" panose="020B0604030504040204" pitchFamily="34" charset="-120"/>
+              <a:ea typeface="微軟正黑體" panose="020B0604030504040204" pitchFamily="34" charset="-120"/>
+            </a:endParaRPr>
+          </a:p>
+        </p:txBody>
+      </p:sp>
+      <p:pic>
+        <p:nvPicPr>
+          <p:cNvPr id="7" name="圖片 6"/>
+          <p:cNvPicPr/>
+          <p:nvPr/>
+        </p:nvPicPr>
+        <p:blipFill>
+          <a:blip r:embed="rId3"/>
+          <a:stretch>
+            <a:fillRect/>
+          </a:stretch>
+        </p:blipFill>
+        <p:spPr>
+          <a:xfrm>
+            <a:off x="117748" y="1844824"/>
+            <a:ext cx="6336704" cy="4320480"/>
+          </a:xfrm>
+          <a:prstGeom prst="rect">
+            <a:avLst/>
+          </a:prstGeom>
+        </p:spPr>
+      </p:pic>
+      <p:pic>
+        <p:nvPicPr>
+          <p:cNvPr id="3074" name="Picture 2"/>
+          <p:cNvPicPr>
+            <a:picLocks noChangeAspect="1" noChangeArrowheads="1"/>
+          </p:cNvPicPr>
+          <p:nvPr/>
+        </p:nvPicPr>
+        <p:blipFill>
+          <a:blip r:embed="rId4">
+            <a:extLst>
+              <a:ext uri="{28A0092B-C50C-407E-A947-70E740481C1C}">
+                <a14:useLocalDpi xmlns:a14="http://schemas.microsoft.com/office/drawing/2010/main" val="0"/>
+              </a:ext>
+            </a:extLst>
+          </a:blip>
+          <a:srcRect/>
+          <a:stretch>
+            <a:fillRect/>
+          </a:stretch>
+        </p:blipFill>
+        <p:spPr bwMode="auto">
+          <a:xfrm>
+            <a:off x="6310436" y="1979662"/>
+            <a:ext cx="5760640" cy="4041626"/>
+          </a:xfrm>
+          <a:prstGeom prst="rect">
+            <a:avLst/>
+          </a:prstGeom>
+          <a:noFill/>
+          <a:ln>
+            <a:noFill/>
+          </a:ln>
+          <a:extLst>
+            <a:ext uri="{909E8E84-426E-40DD-AFC4-6F175D3DCCD1}">
+              <a14:hiddenFill xmlns:a14="http://schemas.microsoft.com/office/drawing/2010/main">
+                <a:solidFill>
+                  <a:schemeClr val="accent1"/>
+                </a:solidFill>
+              </a14:hiddenFill>
+            </a:ext>
+            <a:ext uri="{91240B29-F687-4F45-9708-019B960494DF}">
+              <a14:hiddenLine xmlns:a14="http://schemas.microsoft.com/office/drawing/2010/main" w="9525">
+                <a:solidFill>
+                  <a:schemeClr val="tx1"/>
+                </a:solidFill>
+                <a:miter lim="800000"/>
+                <a:headEnd/>
+                <a:tailEnd/>
+              </a14:hiddenLine>
+            </a:ext>
+          </a:extLst>
+        </p:spPr>
+      </p:pic>
     </p:spTree>
     <p:extLst>
       <p:ext uri="{BB962C8B-B14F-4D97-AF65-F5344CB8AC3E}">
-        <p14:creationId xmlns:p14="http://schemas.microsoft.com/office/powerpoint/2010/main" val="2996812069"/>
+        <p14:creationId xmlns:p14="http://schemas.microsoft.com/office/powerpoint/2010/main" val="2295230042"/>
       </p:ext>
     </p:extLst>
   </p:cSld>
@@ -7979,6 +8815,218 @@
           <a:chExt cx="0" cy="0"/>
         </a:xfrm>
       </p:grpSpPr>
+      <mc:AlternateContent xmlns:mc="http://schemas.openxmlformats.org/markup-compatibility/2006" xmlns:a14="http://schemas.microsoft.com/office/drawing/2010/main">
+        <mc:Choice Requires="a14">
+          <p:sp>
+            <p:nvSpPr>
+              <p:cNvPr id="10" name="內容版面配置區 2">
+                <a:extLst>
+                  <a:ext uri="{FF2B5EF4-FFF2-40B4-BE49-F238E27FC236}">
+                    <a16:creationId xmlns:a16="http://schemas.microsoft.com/office/drawing/2014/main" xmlns="" id="{2E881D55-3B47-403F-8F0E-EDFDE34A1B22}"/>
+                  </a:ext>
+                </a:extLst>
+              </p:cNvPr>
+              <p:cNvSpPr>
+                <a:spLocks noGrp="1"/>
+              </p:cNvSpPr>
+              <p:nvPr>
+                <p:ph idx="1"/>
+              </p:nvPr>
+            </p:nvSpPr>
+            <p:spPr>
+              <a:xfrm>
+                <a:off x="192197" y="1700808"/>
+                <a:ext cx="11590847" cy="4384009"/>
+              </a:xfrm>
+            </p:spPr>
+            <p:txBody>
+              <a:bodyPr>
+                <a:normAutofit/>
+              </a:bodyPr>
+              <a:lstStyle/>
+              <a:p>
+                <a:pPr marL="274320" lvl="1" indent="-274320" algn="just">
+                  <a:lnSpc>
+                    <a:spcPct val="150000"/>
+                  </a:lnSpc>
+                  <a:spcBef>
+                    <a:spcPts val="1800"/>
+                  </a:spcBef>
+                  <a:buSzPct val="80000"/>
+                  <a:buFont typeface="Wingdings" panose="05000000000000000000" pitchFamily="2" charset="2"/>
+                  <a:buChar char="Ø"/>
+                </a:pPr>
+                <a:r>
+                  <a:rPr lang="zh-TW" altLang="en-US" sz="2400" dirty="0" smtClean="0"/>
+                  <a:t>隨</a:t>
+                </a:r>
+                <a:r>
+                  <a:rPr lang="zh-TW" altLang="zh-TW" sz="2400" dirty="0" smtClean="0"/>
+                  <a:t>著</a:t>
+                </a:r>
+                <a:r>
+                  <a:rPr lang="zh-TW" altLang="zh-TW" sz="2400" dirty="0"/>
+                  <a:t>「驗證次數」提高，挑到衝突邊機率快速上升，最終穩定於 </a:t>
+                </a:r>
+                <a:r>
+                  <a:rPr lang="en-US" altLang="zh-TW" sz="2400" b="1" dirty="0"/>
+                  <a:t>5%</a:t>
+                </a:r>
+                <a:r>
+                  <a:rPr lang="zh-TW" altLang="zh-TW" sz="2400" dirty="0"/>
+                  <a:t>，約等同於理論值 </a:t>
+                </a:r>
+                <a14:m>
+                  <m:oMath xmlns:m="http://schemas.openxmlformats.org/officeDocument/2006/math">
+                    <m:f>
+                      <m:fPr>
+                        <m:ctrlPr>
+                          <a:rPr lang="zh-TW" altLang="zh-TW" sz="2400" i="1">
+                            <a:latin typeface="Cambria Math"/>
+                          </a:rPr>
+                        </m:ctrlPr>
+                      </m:fPr>
+                      <m:num>
+                        <m:r>
+                          <a:rPr lang="en-US" altLang="zh-TW" sz="2400" i="1">
+                            <a:latin typeface="Cambria Math"/>
+                          </a:rPr>
+                          <m:t>1</m:t>
+                        </m:r>
+                      </m:num>
+                      <m:den>
+                        <m:r>
+                          <a:rPr lang="en-US" altLang="zh-TW" sz="2400" i="1">
+                            <a:latin typeface="Cambria Math"/>
+                          </a:rPr>
+                          <m:t>𝐸</m:t>
+                        </m:r>
+                      </m:den>
+                    </m:f>
+                    <m:r>
+                      <a:rPr lang="en-US" altLang="zh-TW" sz="2400" i="1">
+                        <a:latin typeface="Cambria Math"/>
+                      </a:rPr>
+                      <m:t>=</m:t>
+                    </m:r>
+                    <m:f>
+                      <m:fPr>
+                        <m:ctrlPr>
+                          <a:rPr lang="zh-TW" altLang="zh-TW" sz="2400" i="1">
+                            <a:latin typeface="Cambria Math"/>
+                          </a:rPr>
+                        </m:ctrlPr>
+                      </m:fPr>
+                      <m:num>
+                        <m:r>
+                          <a:rPr lang="en-US" altLang="zh-TW" sz="2400" i="1">
+                            <a:latin typeface="Cambria Math"/>
+                          </a:rPr>
+                          <m:t>1</m:t>
+                        </m:r>
+                      </m:num>
+                      <m:den>
+                        <m:r>
+                          <a:rPr lang="en-US" altLang="zh-TW" sz="2400" i="1">
+                            <a:latin typeface="Cambria Math"/>
+                          </a:rPr>
+                          <m:t>22</m:t>
+                        </m:r>
+                      </m:den>
+                    </m:f>
+                    <m:r>
+                      <a:rPr lang="en-US" altLang="zh-TW" sz="2400" i="1">
+                        <a:latin typeface="Cambria Math"/>
+                      </a:rPr>
+                      <m:t>=4.5%</m:t>
+                    </m:r>
+                    <m:r>
+                      <a:rPr lang="zh-TW" altLang="zh-TW" sz="2400">
+                        <a:latin typeface="Cambria Math"/>
+                      </a:rPr>
+                      <m:t>。</m:t>
+                    </m:r>
+                  </m:oMath>
+                </a14:m>
+                <a:endParaRPr lang="en-US" altLang="zh-TW" sz="2400" dirty="0" smtClean="0"/>
+              </a:p>
+              <a:p>
+                <a:pPr marL="274320" lvl="1" indent="-274320" algn="just">
+                  <a:lnSpc>
+                    <a:spcPct val="150000"/>
+                  </a:lnSpc>
+                  <a:spcBef>
+                    <a:spcPts val="1800"/>
+                  </a:spcBef>
+                  <a:buSzPct val="80000"/>
+                  <a:buFont typeface="Wingdings" panose="05000000000000000000" pitchFamily="2" charset="2"/>
+                  <a:buChar char="Ø"/>
+                </a:pPr>
+                <a:r>
+                  <a:rPr lang="zh-TW" altLang="zh-TW" sz="2400" dirty="0"/>
+                  <a:t>訊息傳達次數高達</a:t>
+                </a:r>
+                <a:r>
+                  <a:rPr lang="en-US" altLang="zh-TW" sz="2400" dirty="0"/>
+                  <a:t>12000</a:t>
+                </a:r>
+                <a:r>
+                  <a:rPr lang="zh-TW" altLang="zh-TW" sz="2400" dirty="0" smtClean="0"/>
+                  <a:t>次</a:t>
+                </a:r>
+                <a:r>
+                  <a:rPr lang="zh-TW" altLang="en-US" sz="2400" dirty="0" smtClean="0"/>
+                  <a:t>。</a:t>
+                </a:r>
+                <a:endParaRPr lang="en-US" altLang="zh-TW" sz="2400" b="1" dirty="0"/>
+              </a:p>
+            </p:txBody>
+          </p:sp>
+        </mc:Choice>
+        <mc:Fallback xmlns="">
+          <p:sp>
+            <p:nvSpPr>
+              <p:cNvPr id="10" name="內容版面配置區 2">
+                <a:extLst>
+                  <a:ext uri="{FF2B5EF4-FFF2-40B4-BE49-F238E27FC236}">
+                    <a16:creationId xmlns="" xmlns:a16="http://schemas.microsoft.com/office/drawing/2014/main" id="{2E881D55-3B47-403F-8F0E-EDFDE34A1B22}"/>
+                  </a:ext>
+                </a:extLst>
+              </p:cNvPr>
+              <p:cNvSpPr>
+                <a:spLocks noGrp="1" noRot="1" noChangeAspect="1" noMove="1" noResize="1" noEditPoints="1" noAdjustHandles="1" noChangeArrowheads="1" noChangeShapeType="1" noTextEdit="1"/>
+              </p:cNvSpPr>
+              <p:nvPr>
+                <p:ph idx="1"/>
+              </p:nvPr>
+            </p:nvSpPr>
+            <p:spPr>
+              <a:xfrm>
+                <a:off x="192197" y="1700808"/>
+                <a:ext cx="11590847" cy="4384009"/>
+              </a:xfrm>
+              <a:blipFill rotWithShape="1">
+                <a:blip r:embed="rId3"/>
+                <a:stretch>
+                  <a:fillRect l="-421" r="-789"/>
+                </a:stretch>
+              </a:blipFill>
+            </p:spPr>
+            <p:txBody>
+              <a:bodyPr/>
+              <a:lstStyle/>
+              <a:p>
+                <a:r>
+                  <a:rPr lang="zh-TW" altLang="en-US">
+                    <a:noFill/>
+                  </a:rPr>
+                  <a:t> </a:t>
+                </a:r>
+              </a:p>
+            </p:txBody>
+          </p:sp>
+        </mc:Fallback>
+      </mc:AlternateContent>
       <p:sp>
         <p:nvSpPr>
           <p:cNvPr id="5" name="投影片編號版面配置區 4"/>
@@ -8008,7 +9056,7 @@
           <p:cNvPr id="19" name="標題 1">
             <a:extLst>
               <a:ext uri="{FF2B5EF4-FFF2-40B4-BE49-F238E27FC236}">
-                <a16:creationId xmlns="" xmlns:a16="http://schemas.microsoft.com/office/drawing/2014/main" id="{50E9A64D-4207-4980-8736-4201C3E0DC63}"/>
+                <a16:creationId xmlns:a16="http://schemas.microsoft.com/office/drawing/2014/main" xmlns="" id="{50E9A64D-4207-4980-8736-4201C3E0DC63}"/>
               </a:ext>
             </a:extLst>
           </p:cNvPr>
@@ -8032,8 +9080,8 @@
           <a:lstStyle/>
           <a:p>
             <a:r>
-              <a:rPr lang="zh-TW" altLang="en-US" sz="4000" b="1" dirty="0" smtClean="0"/>
-              <a:t>四</a:t>
+              <a:rPr lang="zh-TW" altLang="en-US" sz="4000" b="1" dirty="0"/>
+              <a:t>三</a:t>
             </a:r>
             <a:r>
               <a:rPr lang="zh-TW" altLang="en-US" sz="4000" b="1" dirty="0" smtClean="0"/>
@@ -8049,7 +9097,31 @@
                   </a:outerShdw>
                 </a:effectLst>
               </a:rPr>
-              <a:t>結論</a:t>
+              <a:t>系統設計</a:t>
+            </a:r>
+            <a:r>
+              <a:rPr lang="zh-TW" altLang="en-US" sz="4000" dirty="0" smtClean="0">
+                <a:effectLst>
+                  <a:outerShdw blurRad="38100" dist="38100" dir="2700000" algn="tl">
+                    <a:srgbClr val="000000">
+                      <a:alpha val="43137"/>
+                    </a:srgbClr>
+                  </a:outerShdw>
+                </a:effectLst>
+              </a:rPr>
+              <a:t>及</a:t>
+            </a:r>
+            <a:r>
+              <a:rPr lang="zh-TW" altLang="en-US" sz="4000" dirty="0">
+                <a:effectLst>
+                  <a:outerShdw blurRad="38100" dist="38100" dir="2700000" algn="tl">
+                    <a:srgbClr val="000000">
+                      <a:alpha val="43137"/>
+                    </a:srgbClr>
+                  </a:outerShdw>
+                </a:effectLst>
+              </a:rPr>
+              <a:t>專題成果</a:t>
             </a:r>
             <a:endParaRPr lang="zh-TW" altLang="en-US" sz="4000" b="1" dirty="0"/>
           </a:p>
@@ -8060,7 +9132,7 @@
           <p:cNvPr id="24" name="內容版面配置區 2">
             <a:extLst>
               <a:ext uri="{FF2B5EF4-FFF2-40B4-BE49-F238E27FC236}">
-                <a16:creationId xmlns="" xmlns:a16="http://schemas.microsoft.com/office/drawing/2014/main" id="{F5C22ADD-7A5D-44F8-969C-F4721C016703}"/>
+                <a16:creationId xmlns:a16="http://schemas.microsoft.com/office/drawing/2014/main" xmlns="" id="{F5C22ADD-7A5D-44F8-969C-F4721C016703}"/>
               </a:ext>
             </a:extLst>
           </p:cNvPr>
@@ -8300,13 +9372,113 @@
                 <a:latin typeface="微軟正黑體" panose="020B0604030504040204" pitchFamily="34" charset="-120"/>
                 <a:ea typeface="微軟正黑體" panose="020B0604030504040204" pitchFamily="34" charset="-120"/>
               </a:rPr>
-              <a:t>○○○</a:t>
-            </a:r>
-            <a:endParaRPr lang="en-US" altLang="zh-TW" sz="2800" b="1" dirty="0">
+              <a:t>傳統</a:t>
+            </a:r>
+            <a:r>
+              <a:rPr lang="en-US" altLang="zh-TW" sz="2800" b="1" dirty="0">
+                <a:solidFill>
+                  <a:schemeClr val="accent1">
+                    <a:lumMod val="75000"/>
+                  </a:schemeClr>
+                </a:solidFill>
+                <a:latin typeface="微軟正黑體" panose="020B0604030504040204" pitchFamily="34" charset="-120"/>
+                <a:ea typeface="微軟正黑體" panose="020B0604030504040204" pitchFamily="34" charset="-120"/>
+              </a:rPr>
+              <a:t>ZKP — </a:t>
+            </a:r>
+            <a:r>
+              <a:rPr lang="zh-TW" altLang="en-US" sz="2800" b="1" dirty="0">
+                <a:solidFill>
+                  <a:schemeClr val="accent1">
+                    <a:lumMod val="75000"/>
+                  </a:schemeClr>
+                </a:solidFill>
+                <a:latin typeface="微軟正黑體" panose="020B0604030504040204" pitchFamily="34" charset="-120"/>
+                <a:ea typeface="微軟正黑體" panose="020B0604030504040204" pitchFamily="34" charset="-120"/>
+              </a:rPr>
+              <a:t>以</a:t>
+            </a:r>
+            <a:r>
+              <a:rPr lang="en-US" altLang="zh-TW" sz="2800" b="1" dirty="0">
+                <a:solidFill>
+                  <a:schemeClr val="accent1">
+                    <a:lumMod val="75000"/>
+                  </a:schemeClr>
+                </a:solidFill>
+                <a:latin typeface="微軟正黑體" panose="020B0604030504040204" pitchFamily="34" charset="-120"/>
+                <a:ea typeface="微軟正黑體" panose="020B0604030504040204" pitchFamily="34" charset="-120"/>
+              </a:rPr>
+              <a:t>Graph 3-colorability</a:t>
+            </a:r>
+            <a:r>
+              <a:rPr lang="zh-TW" altLang="en-US" sz="2800" b="1" dirty="0">
+                <a:solidFill>
+                  <a:schemeClr val="accent1">
+                    <a:lumMod val="75000"/>
+                  </a:schemeClr>
+                </a:solidFill>
+                <a:latin typeface="微軟正黑體" panose="020B0604030504040204" pitchFamily="34" charset="-120"/>
+                <a:ea typeface="微軟正黑體" panose="020B0604030504040204" pitchFamily="34" charset="-120"/>
+              </a:rPr>
+              <a:t>（簡稱</a:t>
+            </a:r>
+            <a:r>
+              <a:rPr lang="en-US" altLang="zh-TW" sz="2800" b="1" dirty="0">
+                <a:solidFill>
+                  <a:schemeClr val="accent1">
+                    <a:lumMod val="75000"/>
+                  </a:schemeClr>
+                </a:solidFill>
+                <a:latin typeface="微軟正黑體" panose="020B0604030504040204" pitchFamily="34" charset="-120"/>
+                <a:ea typeface="微軟正黑體" panose="020B0604030504040204" pitchFamily="34" charset="-120"/>
+              </a:rPr>
+              <a:t>G3C</a:t>
+            </a:r>
+            <a:r>
+              <a:rPr lang="zh-TW" altLang="en-US" sz="2800" b="1" dirty="0">
+                <a:solidFill>
+                  <a:schemeClr val="accent1">
+                    <a:lumMod val="75000"/>
+                  </a:schemeClr>
+                </a:solidFill>
+                <a:latin typeface="微軟正黑體" panose="020B0604030504040204" pitchFamily="34" charset="-120"/>
+                <a:ea typeface="微軟正黑體" panose="020B0604030504040204" pitchFamily="34" charset="-120"/>
+              </a:rPr>
+              <a:t>）為</a:t>
+            </a:r>
+            <a:r>
+              <a:rPr lang="zh-TW" altLang="en-US" sz="2800" b="1" dirty="0" smtClean="0">
+                <a:solidFill>
+                  <a:schemeClr val="accent1">
+                    <a:lumMod val="75000"/>
+                  </a:schemeClr>
+                </a:solidFill>
+                <a:latin typeface="微軟正黑體" panose="020B0604030504040204" pitchFamily="34" charset="-120"/>
+                <a:ea typeface="微軟正黑體" panose="020B0604030504040204" pitchFamily="34" charset="-120"/>
+              </a:rPr>
+              <a:t>例子 </a:t>
+            </a:r>
+            <a:r>
+              <a:rPr lang="en-US" altLang="zh-TW" sz="2800" b="1" dirty="0" smtClean="0">
+                <a:solidFill>
+                  <a:srgbClr val="FF0000"/>
+                </a:solidFill>
+                <a:latin typeface="微軟正黑體" panose="020B0604030504040204" pitchFamily="34" charset="-120"/>
+                <a:ea typeface="微軟正黑體" panose="020B0604030504040204" pitchFamily="34" charset="-120"/>
+              </a:rPr>
+              <a:t>(3/3)</a:t>
+            </a:r>
+          </a:p>
+          <a:p>
+            <a:pPr marL="274320" lvl="1" indent="0" algn="just">
+              <a:buClr>
+                <a:schemeClr val="accent1"/>
+              </a:buClr>
+              <a:buNone/>
+            </a:pPr>
+            <a:endParaRPr lang="en-US" altLang="zh-TW" b="1" dirty="0">
               <a:solidFill>
-                <a:schemeClr val="accent1">
-                  <a:lumMod val="75000"/>
-                </a:schemeClr>
+                <a:srgbClr val="FF0000"/>
               </a:solidFill>
               <a:latin typeface="微軟正黑體" panose="020B0604030504040204" pitchFamily="34" charset="-120"/>
               <a:ea typeface="微軟正黑體" panose="020B0604030504040204" pitchFamily="34" charset="-120"/>
@@ -8327,74 +9499,59 @@
           </a:p>
         </p:txBody>
       </p:sp>
-      <p:sp>
-        <p:nvSpPr>
-          <p:cNvPr id="20" name="內容版面配置區 2">
-            <a:extLst>
-              <a:ext uri="{FF2B5EF4-FFF2-40B4-BE49-F238E27FC236}">
-                <a16:creationId xmlns="" xmlns:a16="http://schemas.microsoft.com/office/drawing/2014/main" id="{2E881D55-3B47-403F-8F0E-EDFDE34A1B22}"/>
-              </a:ext>
-            </a:extLst>
-          </p:cNvPr>
-          <p:cNvSpPr>
-            <a:spLocks noGrp="1"/>
-          </p:cNvSpPr>
-          <p:nvPr>
-            <p:ph idx="1"/>
-          </p:nvPr>
-        </p:nvSpPr>
+      <p:pic>
+        <p:nvPicPr>
+          <p:cNvPr id="8" name="圖片 7"/>
+          <p:cNvPicPr/>
+          <p:nvPr/>
+        </p:nvPicPr>
+        <p:blipFill>
+          <a:blip r:embed="rId4"/>
+          <a:stretch>
+            <a:fillRect/>
+          </a:stretch>
+        </p:blipFill>
         <p:spPr>
           <a:xfrm>
-            <a:off x="192197" y="1700808"/>
-            <a:ext cx="11590847" cy="4384009"/>
+            <a:off x="4552768" y="2501900"/>
+            <a:ext cx="7518307" cy="3591396"/>
           </a:xfrm>
+          <a:prstGeom prst="rect">
+            <a:avLst/>
+          </a:prstGeom>
+          <a:ln w="3175">
+            <a:solidFill>
+              <a:schemeClr val="tx1"/>
+            </a:solidFill>
+          </a:ln>
         </p:spPr>
-        <p:txBody>
-          <a:bodyPr>
-            <a:normAutofit/>
-          </a:bodyPr>
-          <a:lstStyle/>
-          <a:p>
-            <a:pPr marL="274320" lvl="1" indent="-274320" algn="just">
-              <a:lnSpc>
-                <a:spcPct val="150000"/>
-              </a:lnSpc>
-              <a:spcBef>
-                <a:spcPts val="1800"/>
-              </a:spcBef>
-              <a:buSzPct val="80000"/>
-              <a:buFont typeface="Wingdings" panose="05000000000000000000" pitchFamily="2" charset="2"/>
-              <a:buChar char="Ø"/>
-            </a:pPr>
-            <a:r>
-              <a:rPr lang="zh-TW" altLang="en-US" sz="2400" b="1" dirty="0" smtClean="0"/>
-              <a:t>○○○</a:t>
-            </a:r>
-            <a:endParaRPr lang="en-US" altLang="zh-TW" sz="2400" b="1" dirty="0" smtClean="0"/>
-          </a:p>
-          <a:p>
-            <a:pPr marL="548640" lvl="2" indent="-274320" algn="just">
-              <a:lnSpc>
-                <a:spcPct val="150000"/>
-              </a:lnSpc>
-              <a:spcBef>
-                <a:spcPts val="1800"/>
-              </a:spcBef>
-              <a:buFont typeface="Wingdings" panose="05000000000000000000" pitchFamily="2" charset="2"/>
-              <a:buChar char="Ø"/>
-            </a:pPr>
-            <a:r>
-              <a:rPr lang="zh-TW" altLang="en-US" sz="2200" dirty="0" smtClean="0"/>
-              <a:t>○○○</a:t>
-            </a:r>
-            <a:endParaRPr lang="en-US" altLang="zh-TW" sz="2400" b="1" dirty="0"/>
-          </a:p>
-        </p:txBody>
-      </p:sp>
+      </p:pic>
+      <p:pic>
+        <p:nvPicPr>
+          <p:cNvPr id="9" name="圖片 8"/>
+          <p:cNvPicPr/>
+          <p:nvPr/>
+        </p:nvPicPr>
+        <p:blipFill>
+          <a:blip r:embed="rId5"/>
+          <a:stretch>
+            <a:fillRect/>
+          </a:stretch>
+        </p:blipFill>
+        <p:spPr>
+          <a:xfrm>
+            <a:off x="1197868" y="4198759"/>
+            <a:ext cx="3096344" cy="1390481"/>
+          </a:xfrm>
+          <a:prstGeom prst="rect">
+            <a:avLst/>
+          </a:prstGeom>
+        </p:spPr>
+      </p:pic>
     </p:spTree>
     <p:extLst>
       <p:ext uri="{BB962C8B-B14F-4D97-AF65-F5344CB8AC3E}">
-        <p14:creationId xmlns:p14="http://schemas.microsoft.com/office/powerpoint/2010/main" val="1539068087"/>
+        <p14:creationId xmlns:p14="http://schemas.microsoft.com/office/powerpoint/2010/main" val="2680999868"/>
       </p:ext>
     </p:extLst>
   </p:cSld>
@@ -8440,12 +9597,721 @@
           <a:chExt cx="0" cy="0"/>
         </a:xfrm>
       </p:grpSpPr>
-      <p:sp>
-        <p:nvSpPr>
-          <p:cNvPr id="3" name="標題 2">
+      <mc:AlternateContent xmlns:mc="http://schemas.openxmlformats.org/markup-compatibility/2006" xmlns:a14="http://schemas.microsoft.com/office/drawing/2010/main">
+        <mc:Choice Requires="a14">
+          <p:sp>
+            <p:nvSpPr>
+              <p:cNvPr id="10" name="內容版面配置區 2">
+                <a:extLst>
+                  <a:ext uri="{FF2B5EF4-FFF2-40B4-BE49-F238E27FC236}">
+                    <a16:creationId xmlns:a16="http://schemas.microsoft.com/office/drawing/2014/main" xmlns="" id="{2E881D55-3B47-403F-8F0E-EDFDE34A1B22}"/>
+                  </a:ext>
+                </a:extLst>
+              </p:cNvPr>
+              <p:cNvSpPr>
+                <a:spLocks noGrp="1"/>
+              </p:cNvSpPr>
+              <p:nvPr>
+                <p:ph idx="1"/>
+              </p:nvPr>
+            </p:nvSpPr>
+            <p:spPr>
+              <a:xfrm>
+                <a:off x="192197" y="1700808"/>
+                <a:ext cx="11590847" cy="4384009"/>
+              </a:xfrm>
+            </p:spPr>
+            <p:txBody>
+              <a:bodyPr>
+                <a:normAutofit fontScale="92500"/>
+              </a:bodyPr>
+              <a:lstStyle/>
+              <a:p>
+                <a:pPr marL="274320" lvl="1" indent="-274320" algn="just">
+                  <a:lnSpc>
+                    <a:spcPct val="150000"/>
+                  </a:lnSpc>
+                  <a:spcBef>
+                    <a:spcPts val="1800"/>
+                  </a:spcBef>
+                  <a:buSzPct val="80000"/>
+                  <a:buFont typeface="Wingdings" panose="05000000000000000000" pitchFamily="2" charset="2"/>
+                  <a:buChar char="Ø"/>
+                </a:pPr>
+                <a:r>
+                  <a:rPr lang="zh-TW" altLang="zh-TW" sz="2400" dirty="0" smtClean="0"/>
+                  <a:t>以</a:t>
+                </a:r>
+                <a:r>
+                  <a:rPr lang="zh-TW" altLang="zh-TW" sz="2400" b="1" dirty="0"/>
+                  <a:t>離散對數之難度</a:t>
+                </a:r>
+                <a:r>
+                  <a:rPr lang="zh-TW" altLang="zh-TW" sz="2400" dirty="0"/>
+                  <a:t>作為</a:t>
+                </a:r>
+                <a:r>
+                  <a:rPr lang="zh-TW" altLang="zh-TW" sz="2400" dirty="0" smtClean="0"/>
+                  <a:t>核心</a:t>
+                </a:r>
+                <a:r>
+                  <a:rPr lang="zh-TW" altLang="en-US" sz="2400" dirty="0" smtClean="0"/>
+                  <a:t>。</a:t>
+                </a:r>
+                <a:endParaRPr lang="en-US" altLang="zh-TW" sz="2400" dirty="0" smtClean="0"/>
+              </a:p>
+              <a:p>
+                <a:pPr marL="274320" lvl="1" indent="-274320" algn="just">
+                  <a:lnSpc>
+                    <a:spcPct val="150000"/>
+                  </a:lnSpc>
+                  <a:spcBef>
+                    <a:spcPts val="1800"/>
+                  </a:spcBef>
+                  <a:buSzPct val="80000"/>
+                  <a:buFont typeface="Wingdings" panose="05000000000000000000" pitchFamily="2" charset="2"/>
+                  <a:buChar char="Ø"/>
+                </a:pPr>
+                <a:r>
+                  <a:rPr lang="en-US" altLang="zh-TW" sz="2400" dirty="0"/>
+                  <a:t>Prover </a:t>
+                </a:r>
+                <a:r>
+                  <a:rPr lang="zh-TW" altLang="zh-TW" sz="2400" dirty="0"/>
+                  <a:t>知道一個秘密私鑰</a:t>
+                </a:r>
+                <a14:m>
+                  <m:oMath xmlns:m="http://schemas.openxmlformats.org/officeDocument/2006/math">
+                    <m:r>
+                      <a:rPr lang="en-US" altLang="zh-TW" sz="2400" b="1" i="1">
+                        <a:latin typeface="Cambria Math"/>
+                      </a:rPr>
+                      <m:t>  </m:t>
+                    </m:r>
+                    <m:r>
+                      <a:rPr lang="en-US" altLang="zh-TW" sz="2400" b="1" i="1">
+                        <a:latin typeface="Cambria Math"/>
+                      </a:rPr>
+                      <m:t>𝒙</m:t>
+                    </m:r>
+                  </m:oMath>
+                </a14:m>
+                <a:r>
+                  <a:rPr lang="zh-TW" altLang="zh-TW" sz="2400" dirty="0"/>
+                  <a:t>，計算</a:t>
+                </a:r>
+                <a14:m>
+                  <m:oMath xmlns:m="http://schemas.openxmlformats.org/officeDocument/2006/math">
+                    <m:r>
+                      <a:rPr lang="zh-TW" altLang="zh-TW" sz="2400">
+                        <a:latin typeface="Cambria Math"/>
+                      </a:rPr>
+                      <m:t> </m:t>
+                    </m:r>
+                    <m:r>
+                      <a:rPr lang="en-US" altLang="zh-TW" sz="2400" b="1" i="1">
+                        <a:latin typeface="Cambria Math"/>
+                      </a:rPr>
+                      <m:t>𝒚</m:t>
+                    </m:r>
+                    <m:r>
+                      <a:rPr lang="en-US" altLang="zh-TW" sz="2400" b="1" i="1">
+                        <a:latin typeface="Cambria Math"/>
+                      </a:rPr>
+                      <m:t>≡</m:t>
+                    </m:r>
+                    <m:sSup>
+                      <m:sSupPr>
+                        <m:ctrlPr>
+                          <a:rPr lang="zh-TW" altLang="zh-TW" sz="2400" b="1" i="1">
+                            <a:latin typeface="Cambria Math"/>
+                          </a:rPr>
+                        </m:ctrlPr>
+                      </m:sSupPr>
+                      <m:e>
+                        <m:r>
+                          <a:rPr lang="en-US" altLang="zh-TW" sz="2400" b="1" i="1">
+                            <a:latin typeface="Cambria Math"/>
+                          </a:rPr>
+                          <m:t>𝒈</m:t>
+                        </m:r>
+                      </m:e>
+                      <m:sup>
+                        <m:r>
+                          <a:rPr lang="en-US" altLang="zh-TW" sz="2400" b="1" i="1">
+                            <a:latin typeface="Cambria Math"/>
+                          </a:rPr>
+                          <m:t>𝒙</m:t>
+                        </m:r>
+                      </m:sup>
+                    </m:sSup>
+                    <m:r>
+                      <a:rPr lang="en-US" altLang="zh-TW" sz="2400" b="1" i="1">
+                        <a:latin typeface="Cambria Math"/>
+                      </a:rPr>
+                      <m:t>(</m:t>
+                    </m:r>
+                    <m:r>
+                      <a:rPr lang="en-US" altLang="zh-TW" sz="2400" b="1" i="1">
+                        <a:latin typeface="Cambria Math"/>
+                      </a:rPr>
+                      <m:t>𝒎𝒐𝒅</m:t>
+                    </m:r>
+                    <m:r>
+                      <a:rPr lang="en-US" altLang="zh-TW" sz="2400" b="1" i="1">
+                        <a:latin typeface="Cambria Math"/>
+                      </a:rPr>
+                      <m:t> </m:t>
+                    </m:r>
+                    <m:r>
+                      <a:rPr lang="en-US" altLang="zh-TW" sz="2400" b="1" i="1">
+                        <a:latin typeface="Cambria Math"/>
+                      </a:rPr>
+                      <m:t>𝒑</m:t>
+                    </m:r>
+                    <m:r>
+                      <a:rPr lang="en-US" altLang="zh-TW" sz="2400" b="1" i="1">
+                        <a:latin typeface="Cambria Math"/>
+                      </a:rPr>
+                      <m:t>)</m:t>
+                    </m:r>
+                  </m:oMath>
+                </a14:m>
+                <a:r>
+                  <a:rPr lang="zh-TW" altLang="zh-TW" sz="2400" dirty="0"/>
+                  <a:t>，並提供 </a:t>
+                </a:r>
+                <a:r>
+                  <a:rPr lang="en-US" altLang="zh-TW" sz="2400" dirty="0"/>
+                  <a:t>Verifier </a:t>
+                </a:r>
+                <a:r>
+                  <a:rPr lang="zh-TW" altLang="zh-TW" sz="2400" dirty="0"/>
+                  <a:t>公鑰</a:t>
+                </a:r>
+                <a14:m>
+                  <m:oMath xmlns:m="http://schemas.openxmlformats.org/officeDocument/2006/math">
+                    <m:r>
+                      <a:rPr lang="zh-TW" altLang="zh-TW" sz="2400">
+                        <a:latin typeface="Cambria Math"/>
+                      </a:rPr>
+                      <m:t> </m:t>
+                    </m:r>
+                    <m:d>
+                      <m:dPr>
+                        <m:ctrlPr>
+                          <a:rPr lang="zh-TW" altLang="zh-TW" sz="2400" b="1" i="1">
+                            <a:latin typeface="Cambria Math"/>
+                          </a:rPr>
+                        </m:ctrlPr>
+                      </m:dPr>
+                      <m:e>
+                        <m:r>
+                          <a:rPr lang="en-US" altLang="zh-TW" sz="2400" b="1" i="1">
+                            <a:latin typeface="Cambria Math"/>
+                          </a:rPr>
+                          <m:t>𝒑</m:t>
+                        </m:r>
+                        <m:r>
+                          <a:rPr lang="en-US" altLang="zh-TW" sz="2400" b="1" i="1">
+                            <a:latin typeface="Cambria Math"/>
+                          </a:rPr>
+                          <m:t> , </m:t>
+                        </m:r>
+                        <m:r>
+                          <a:rPr lang="en-US" altLang="zh-TW" sz="2400" b="1" i="1">
+                            <a:latin typeface="Cambria Math"/>
+                          </a:rPr>
+                          <m:t>𝒈</m:t>
+                        </m:r>
+                        <m:r>
+                          <a:rPr lang="en-US" altLang="zh-TW" sz="2400" b="1" i="1">
+                            <a:latin typeface="Cambria Math"/>
+                          </a:rPr>
+                          <m:t> , </m:t>
+                        </m:r>
+                        <m:r>
+                          <a:rPr lang="en-US" altLang="zh-TW" sz="2400" b="1" i="1">
+                            <a:latin typeface="Cambria Math"/>
+                          </a:rPr>
+                          <m:t>𝒚</m:t>
+                        </m:r>
+                      </m:e>
+                    </m:d>
+                  </m:oMath>
+                </a14:m>
+                <a:r>
+                  <a:rPr lang="zh-TW" altLang="zh-TW" sz="2400" dirty="0"/>
+                  <a:t>，</a:t>
+                </a:r>
+                <a:r>
+                  <a:rPr lang="en-US" altLang="zh-TW" sz="2400" dirty="0"/>
+                  <a:t>Prover </a:t>
+                </a:r>
+                <a:r>
+                  <a:rPr lang="zh-TW" altLang="zh-TW" sz="2400" dirty="0"/>
+                  <a:t>欲在不透漏</a:t>
+                </a:r>
+                <a14:m>
+                  <m:oMath xmlns:m="http://schemas.openxmlformats.org/officeDocument/2006/math">
+                    <m:r>
+                      <a:rPr lang="en-US" altLang="zh-TW" sz="2400" b="1" i="1">
+                        <a:latin typeface="Cambria Math"/>
+                      </a:rPr>
+                      <m:t>  </m:t>
+                    </m:r>
+                    <m:r>
+                      <a:rPr lang="en-US" altLang="zh-TW" sz="2400" b="1" i="1">
+                        <a:latin typeface="Cambria Math"/>
+                      </a:rPr>
+                      <m:t>𝒙</m:t>
+                    </m:r>
+                    <m:r>
+                      <a:rPr lang="en-US" altLang="zh-TW" sz="2400" b="1" i="1">
+                        <a:latin typeface="Cambria Math"/>
+                      </a:rPr>
+                      <m:t> </m:t>
+                    </m:r>
+                  </m:oMath>
+                </a14:m>
+                <a:r>
+                  <a:rPr lang="zh-TW" altLang="zh-TW" sz="2400" dirty="0"/>
+                  <a:t>的情況下，讓 </a:t>
+                </a:r>
+                <a:r>
+                  <a:rPr lang="en-US" altLang="zh-TW" sz="2400" dirty="0"/>
+                  <a:t>Verifier </a:t>
+                </a:r>
+                <a:r>
+                  <a:rPr lang="zh-TW" altLang="zh-TW" sz="2400" dirty="0"/>
+                  <a:t>相信其知道秘密</a:t>
+                </a:r>
+                <a14:m>
+                  <m:oMath xmlns:m="http://schemas.openxmlformats.org/officeDocument/2006/math">
+                    <m:r>
+                      <a:rPr lang="en-US" altLang="zh-TW" sz="2400" b="1" i="1">
+                        <a:latin typeface="Cambria Math"/>
+                      </a:rPr>
+                      <m:t>  </m:t>
+                    </m:r>
+                    <m:r>
+                      <a:rPr lang="en-US" altLang="zh-TW" sz="2400" b="1" i="1">
+                        <a:latin typeface="Cambria Math"/>
+                      </a:rPr>
+                      <m:t>𝒙</m:t>
+                    </m:r>
+                  </m:oMath>
+                </a14:m>
+                <a:r>
+                  <a:rPr lang="zh-TW" altLang="en-US" sz="2400" b="1" dirty="0" smtClean="0"/>
+                  <a:t>。</a:t>
+                </a:r>
+                <a:endParaRPr lang="en-US" altLang="zh-TW" sz="2400" b="1" dirty="0" smtClean="0"/>
+              </a:p>
+              <a:p>
+                <a:pPr lvl="1"/>
+                <a:r>
+                  <a:rPr lang="zh-TW" altLang="zh-TW" dirty="0"/>
+                  <a:t>質數</a:t>
+                </a:r>
+                <a:r>
+                  <a:rPr lang="zh-TW" altLang="zh-TW" b="1" dirty="0"/>
+                  <a:t>：</a:t>
+                </a:r>
+                <a14:m>
+                  <m:oMath xmlns:m="http://schemas.openxmlformats.org/officeDocument/2006/math">
+                    <m:r>
+                      <a:rPr lang="zh-TW" altLang="zh-TW">
+                        <a:latin typeface="Cambria Math"/>
+                      </a:rPr>
+                      <m:t> </m:t>
+                    </m:r>
+                    <m:r>
+                      <a:rPr lang="en-US" altLang="zh-TW" b="1" i="1">
+                        <a:latin typeface="Cambria Math"/>
+                      </a:rPr>
+                      <m:t>𝒑</m:t>
+                    </m:r>
+                  </m:oMath>
+                </a14:m>
+                <a:r>
+                  <a:rPr lang="zh-TW" altLang="zh-TW" dirty="0"/>
+                  <a:t>：隨機挑選的大質數</a:t>
+                </a:r>
+                <a:endParaRPr lang="zh-TW" altLang="zh-TW" sz="1600" dirty="0"/>
+              </a:p>
+              <a:p>
+                <a:pPr marL="0" indent="0">
+                  <a:buNone/>
+                </a:pPr>
+                <a14:m>
+                  <m:oMath xmlns:m="http://schemas.openxmlformats.org/officeDocument/2006/math">
+                    <m:r>
+                      <a:rPr lang="zh-TW" altLang="en-US" b="1" i="0" smtClean="0">
+                        <a:latin typeface="Cambria Math"/>
+                      </a:rPr>
+                      <m:t> </m:t>
+                    </m:r>
+                    <m:r>
+                      <a:rPr lang="zh-TW" altLang="en-US" b="1" i="1" smtClean="0">
+                        <a:latin typeface="Cambria Math"/>
+                      </a:rPr>
+                      <m:t>   </m:t>
+                    </m:r>
+                    <m:r>
+                      <a:rPr lang="en-US" altLang="zh-TW" b="1">
+                        <a:latin typeface="Cambria Math"/>
+                      </a:rPr>
+                      <m:t>              </m:t>
+                    </m:r>
+                    <m:r>
+                      <a:rPr lang="zh-TW" altLang="en-US" b="1" i="1" smtClean="0">
+                        <a:latin typeface="Cambria Math"/>
+                      </a:rPr>
+                      <m:t>  </m:t>
+                    </m:r>
+                    <m:r>
+                      <a:rPr lang="en-US" altLang="zh-TW" b="1" i="1">
+                        <a:latin typeface="Cambria Math"/>
+                      </a:rPr>
+                      <m:t>𝒒</m:t>
+                    </m:r>
+                  </m:oMath>
+                </a14:m>
+                <a:r>
+                  <a:rPr lang="zh-TW" altLang="zh-TW" dirty="0"/>
+                  <a:t>：</a:t>
+                </a:r>
+                <a14:m>
+                  <m:oMath xmlns:m="http://schemas.openxmlformats.org/officeDocument/2006/math">
+                    <m:r>
+                      <a:rPr lang="zh-TW" altLang="zh-TW">
+                        <a:latin typeface="Cambria Math"/>
+                      </a:rPr>
+                      <m:t> </m:t>
+                    </m:r>
+                    <m:r>
+                      <a:rPr lang="en-US" altLang="zh-TW" b="1" i="1">
+                        <a:latin typeface="Cambria Math"/>
+                      </a:rPr>
+                      <m:t>𝒒</m:t>
+                    </m:r>
+                    <m:r>
+                      <a:rPr lang="en-US" altLang="zh-TW" b="1" i="1">
+                        <a:latin typeface="Cambria Math"/>
+                      </a:rPr>
+                      <m:t> | (</m:t>
+                    </m:r>
+                    <m:r>
+                      <a:rPr lang="en-US" altLang="zh-TW" b="1" i="1">
+                        <a:latin typeface="Cambria Math"/>
+                      </a:rPr>
+                      <m:t>𝒑</m:t>
+                    </m:r>
+                    <m:r>
+                      <a:rPr lang="en-US" altLang="zh-TW" b="1" i="1">
+                        <a:latin typeface="Cambria Math"/>
+                      </a:rPr>
+                      <m:t>−</m:t>
+                    </m:r>
+                    <m:r>
+                      <a:rPr lang="en-US" altLang="zh-TW" b="1" i="1">
+                        <a:latin typeface="Cambria Math"/>
+                      </a:rPr>
+                      <m:t>𝟏</m:t>
+                    </m:r>
+                    <m:r>
+                      <a:rPr lang="en-US" altLang="zh-TW" b="1" i="1">
+                        <a:latin typeface="Cambria Math"/>
+                      </a:rPr>
+                      <m:t>)</m:t>
+                    </m:r>
+                  </m:oMath>
+                </a14:m>
+                <a:endParaRPr lang="zh-TW" altLang="zh-TW" sz="2000" dirty="0"/>
+              </a:p>
+              <a:p>
+                <a:pPr lvl="1"/>
+                <a:r>
+                  <a:rPr lang="zh-TW" altLang="zh-TW" dirty="0"/>
+                  <a:t>生成元（</a:t>
+                </a:r>
+                <a14:m>
+                  <m:oMath xmlns:m="http://schemas.openxmlformats.org/officeDocument/2006/math">
+                    <m:r>
+                      <a:rPr lang="en-US" altLang="zh-TW" b="1" i="1">
+                        <a:latin typeface="Cambria Math"/>
+                      </a:rPr>
+                      <m:t>𝒈𝒆𝒏𝒆𝒓𝒂𝒕𝒐𝒓</m:t>
+                    </m:r>
+                  </m:oMath>
+                </a14:m>
+                <a:r>
+                  <a:rPr lang="zh-TW" altLang="zh-TW" dirty="0"/>
+                  <a:t>）</a:t>
+                </a:r>
+                <a:r>
+                  <a:rPr lang="zh-TW" altLang="zh-TW" b="1" dirty="0"/>
+                  <a:t>：</a:t>
+                </a:r>
+                <a14:m>
+                  <m:oMath xmlns:m="http://schemas.openxmlformats.org/officeDocument/2006/math">
+                    <m:r>
+                      <a:rPr lang="en-US" altLang="zh-TW" b="1" i="1">
+                        <a:latin typeface="Cambria Math"/>
+                      </a:rPr>
+                      <m:t>𝒈</m:t>
+                    </m:r>
+                    <m:r>
+                      <a:rPr lang="en-US" altLang="zh-TW" b="1">
+                        <a:latin typeface="Cambria Math"/>
+                      </a:rPr>
+                      <m:t> </m:t>
+                    </m:r>
+                    <m:r>
+                      <a:rPr lang="en-US" altLang="zh-TW" b="1" i="1">
+                        <a:latin typeface="Cambria Math"/>
+                      </a:rPr>
+                      <m:t>𝛜</m:t>
+                    </m:r>
+                    <m:r>
+                      <a:rPr lang="en-US" altLang="zh-TW" b="1">
+                        <a:latin typeface="Cambria Math"/>
+                      </a:rPr>
+                      <m:t> </m:t>
+                    </m:r>
+                    <m:sSubSup>
+                      <m:sSubSupPr>
+                        <m:ctrlPr>
+                          <a:rPr lang="zh-TW" altLang="zh-TW" b="1" i="1">
+                            <a:latin typeface="Cambria Math"/>
+                          </a:rPr>
+                        </m:ctrlPr>
+                      </m:sSubSupPr>
+                      <m:e>
+                        <m:r>
+                          <a:rPr lang="en-US" altLang="zh-TW" b="1" i="1">
+                            <a:latin typeface="Cambria Math"/>
+                          </a:rPr>
+                          <m:t>𝑭</m:t>
+                        </m:r>
+                      </m:e>
+                      <m:sub>
+                        <m:r>
+                          <a:rPr lang="en-US" altLang="zh-TW" b="1" i="1">
+                            <a:latin typeface="Cambria Math"/>
+                          </a:rPr>
+                          <m:t>𝒑</m:t>
+                        </m:r>
+                      </m:sub>
+                      <m:sup>
+                        <m:r>
+                          <a:rPr lang="en-US" altLang="zh-TW" b="1" i="1">
+                            <a:latin typeface="Cambria Math"/>
+                          </a:rPr>
+                          <m:t>∗</m:t>
+                        </m:r>
+                      </m:sup>
+                    </m:sSubSup>
+                  </m:oMath>
+                </a14:m>
+                <a:endParaRPr lang="zh-TW" altLang="zh-TW" sz="1600" dirty="0"/>
+              </a:p>
+              <a:p>
+                <a:pPr lvl="1"/>
+                <a:r>
+                  <a:rPr lang="zh-TW" altLang="zh-TW" dirty="0"/>
+                  <a:t>私鑰</a:t>
+                </a:r>
+                <a:r>
+                  <a:rPr lang="zh-TW" altLang="zh-TW" b="1" dirty="0"/>
+                  <a:t>：</a:t>
+                </a:r>
+                <a14:m>
+                  <m:oMath xmlns:m="http://schemas.openxmlformats.org/officeDocument/2006/math">
+                    <m:r>
+                      <a:rPr lang="en-US" altLang="zh-TW" b="1" i="1">
+                        <a:latin typeface="Cambria Math"/>
+                      </a:rPr>
+                      <m:t>𝒙</m:t>
+                    </m:r>
+                  </m:oMath>
+                </a14:m>
+                <a:r>
+                  <a:rPr lang="en-US" altLang="zh-TW" b="1" dirty="0"/>
+                  <a:t> </a:t>
+                </a:r>
+                <a:r>
+                  <a:rPr lang="zh-TW" altLang="zh-TW" b="1" dirty="0"/>
+                  <a:t>（隨機挑選）</a:t>
+                </a:r>
+                <a:endParaRPr lang="zh-TW" altLang="zh-TW" sz="1600" dirty="0"/>
+              </a:p>
+              <a:p>
+                <a:pPr lvl="1"/>
+                <a:r>
+                  <a:rPr lang="zh-TW" altLang="zh-TW" dirty="0"/>
+                  <a:t>公鑰</a:t>
+                </a:r>
+                <a:r>
+                  <a:rPr lang="zh-TW" altLang="zh-TW" b="1" dirty="0"/>
+                  <a:t>：</a:t>
+                </a:r>
+                <a:r>
+                  <a:rPr lang="zh-TW" altLang="zh-TW" dirty="0"/>
+                  <a:t> </a:t>
+                </a:r>
+                <a14:m>
+                  <m:oMath xmlns:m="http://schemas.openxmlformats.org/officeDocument/2006/math">
+                    <m:r>
+                      <a:rPr lang="en-US" altLang="zh-TW" b="1" i="1">
+                        <a:latin typeface="Cambria Math"/>
+                      </a:rPr>
+                      <m:t>( </m:t>
+                    </m:r>
+                    <m:r>
+                      <a:rPr lang="en-US" altLang="zh-TW" b="1" i="1">
+                        <a:latin typeface="Cambria Math"/>
+                      </a:rPr>
+                      <m:t>𝒑</m:t>
+                    </m:r>
+                    <m:r>
+                      <a:rPr lang="en-US" altLang="zh-TW" b="1" i="1">
+                        <a:latin typeface="Cambria Math"/>
+                      </a:rPr>
+                      <m:t> ,  </m:t>
+                    </m:r>
+                    <m:r>
+                      <a:rPr lang="en-US" altLang="zh-TW" b="1" i="1">
+                        <a:latin typeface="Cambria Math"/>
+                      </a:rPr>
+                      <m:t>𝒒</m:t>
+                    </m:r>
+                    <m:r>
+                      <a:rPr lang="en-US" altLang="zh-TW" b="1" i="1">
+                        <a:latin typeface="Cambria Math"/>
+                      </a:rPr>
+                      <m:t> ,  </m:t>
+                    </m:r>
+                    <m:r>
+                      <a:rPr lang="en-US" altLang="zh-TW" b="1" i="1">
+                        <a:latin typeface="Cambria Math"/>
+                      </a:rPr>
+                      <m:t>𝒈</m:t>
+                    </m:r>
+                    <m:r>
+                      <a:rPr lang="en-US" altLang="zh-TW" b="1" i="1">
+                        <a:latin typeface="Cambria Math"/>
+                      </a:rPr>
+                      <m:t> , </m:t>
+                    </m:r>
+                    <m:r>
+                      <a:rPr lang="en-US" altLang="zh-TW" b="1" i="1">
+                        <a:latin typeface="Cambria Math"/>
+                      </a:rPr>
+                      <m:t>𝒚</m:t>
+                    </m:r>
+                    <m:r>
+                      <a:rPr lang="en-US" altLang="zh-TW" b="1" i="1">
+                        <a:latin typeface="Cambria Math"/>
+                      </a:rPr>
+                      <m:t>)</m:t>
+                    </m:r>
+                  </m:oMath>
+                </a14:m>
+                <a:endParaRPr lang="zh-TW" altLang="zh-TW" sz="1600" dirty="0"/>
+              </a:p>
+              <a:p>
+                <a:pPr marL="274320" lvl="1" indent="-274320" algn="just">
+                  <a:lnSpc>
+                    <a:spcPct val="150000"/>
+                  </a:lnSpc>
+                  <a:spcBef>
+                    <a:spcPts val="1800"/>
+                  </a:spcBef>
+                  <a:buSzPct val="80000"/>
+                  <a:buFont typeface="Wingdings" panose="05000000000000000000" pitchFamily="2" charset="2"/>
+                  <a:buChar char="Ø"/>
+                </a:pPr>
+                <a:endParaRPr lang="en-US" altLang="zh-TW" sz="2400" b="1" dirty="0"/>
+              </a:p>
+            </p:txBody>
+          </p:sp>
+        </mc:Choice>
+        <mc:Fallback xmlns="">
+          <p:sp>
+            <p:nvSpPr>
+              <p:cNvPr id="10" name="內容版面配置區 2">
+                <a:extLst>
+                  <a:ext uri="{FF2B5EF4-FFF2-40B4-BE49-F238E27FC236}">
+                    <a16:creationId xmlns="" xmlns:a16="http://schemas.microsoft.com/office/drawing/2014/main" id="{2E881D55-3B47-403F-8F0E-EDFDE34A1B22}"/>
+                  </a:ext>
+                </a:extLst>
+              </p:cNvPr>
+              <p:cNvSpPr>
+                <a:spLocks noGrp="1" noRot="1" noChangeAspect="1" noMove="1" noResize="1" noEditPoints="1" noAdjustHandles="1" noChangeArrowheads="1" noChangeShapeType="1" noTextEdit="1"/>
+              </p:cNvSpPr>
+              <p:nvPr>
+                <p:ph idx="1"/>
+              </p:nvPr>
+            </p:nvSpPr>
+            <p:spPr>
+              <a:xfrm>
+                <a:off x="192197" y="1700808"/>
+                <a:ext cx="11590847" cy="4384009"/>
+              </a:xfrm>
+              <a:blipFill rotWithShape="1">
+                <a:blip r:embed="rId3"/>
+                <a:stretch>
+                  <a:fillRect l="-316" r="-684"/>
+                </a:stretch>
+              </a:blipFill>
+            </p:spPr>
+            <p:txBody>
+              <a:bodyPr/>
+              <a:lstStyle/>
+              <a:p>
+                <a:r>
+                  <a:rPr lang="zh-TW" altLang="en-US">
+                    <a:noFill/>
+                  </a:rPr>
+                  <a:t> </a:t>
+                </a:r>
+              </a:p>
+            </p:txBody>
+          </p:sp>
+        </mc:Fallback>
+      </mc:AlternateContent>
+      <p:sp>
+        <p:nvSpPr>
+          <p:cNvPr id="5" name="投影片編號版面配置區 4"/>
+          <p:cNvSpPr>
+            <a:spLocks noGrp="1"/>
+          </p:cNvSpPr>
+          <p:nvPr>
+            <p:ph type="sldNum" sz="quarter" idx="12"/>
+          </p:nvPr>
+        </p:nvSpPr>
+        <p:spPr/>
+        <p:txBody>
+          <a:bodyPr/>
+          <a:lstStyle/>
+          <a:p>
+            <a:fld id="{DF28FB93-0A08-4E7D-8E63-9EFA29F1E093}" type="slidenum">
+              <a:rPr lang="en-US" altLang="zh-TW" noProof="0" smtClean="0"/>
+              <a:pPr/>
+              <a:t>12</a:t>
+            </a:fld>
+            <a:endParaRPr lang="zh-TW" altLang="en-US" noProof="0"/>
+          </a:p>
+        </p:txBody>
+      </p:sp>
+      <p:sp>
+        <p:nvSpPr>
+          <p:cNvPr id="19" name="標題 1">
             <a:extLst>
               <a:ext uri="{FF2B5EF4-FFF2-40B4-BE49-F238E27FC236}">
-                <a16:creationId xmlns="" xmlns:a16="http://schemas.microsoft.com/office/drawing/2014/main" id="{4ABAB1B2-9811-49A5-968D-AA6F881D5BFC}"/>
+                <a16:creationId xmlns:a16="http://schemas.microsoft.com/office/drawing/2014/main" xmlns="" id="{50E9A64D-4207-4980-8736-4201C3E0DC63}"/>
               </a:ext>
             </a:extLst>
           </p:cNvPr>
@@ -8458,8 +10324,8 @@
         </p:nvSpPr>
         <p:spPr>
           <a:xfrm>
-            <a:off x="0" y="2492896"/>
-            <a:ext cx="5950396" cy="1066800"/>
+            <a:off x="178447" y="203231"/>
+            <a:ext cx="9143538" cy="1066800"/>
           </a:xfrm>
         </p:spPr>
         <p:txBody>
@@ -8468,13 +10334,16 @@
           </a:bodyPr>
           <a:lstStyle/>
           <a:p>
-            <a:pPr>
-              <a:spcAft>
-                <a:spcPts val="1800"/>
-              </a:spcAft>
-            </a:pPr>
-            <a:r>
-              <a:rPr lang="zh-TW" altLang="en-US" sz="3600" dirty="0" smtClean="0">
+            <a:r>
+              <a:rPr lang="zh-TW" altLang="en-US" sz="4000" b="1" dirty="0"/>
+              <a:t>三</a:t>
+            </a:r>
+            <a:r>
+              <a:rPr lang="zh-TW" altLang="en-US" sz="4000" b="1" dirty="0" smtClean="0"/>
+              <a:t>、</a:t>
+            </a:r>
+            <a:r>
+              <a:rPr lang="zh-TW" altLang="en-US" sz="4000" dirty="0">
                 <a:effectLst>
                   <a:outerShdw blurRad="38100" dist="38100" dir="2700000" algn="tl">
                     <a:srgbClr val="000000">
@@ -8483,10 +10352,10 @@
                   </a:outerShdw>
                 </a:effectLst>
               </a:rPr>
-              <a:t>五</a:t>
-            </a:r>
-            <a:r>
-              <a:rPr lang="zh-TW" altLang="en-US" sz="3600" dirty="0" smtClean="0">
+              <a:t>系統設計</a:t>
+            </a:r>
+            <a:r>
+              <a:rPr lang="zh-TW" altLang="en-US" sz="4000" dirty="0" smtClean="0">
                 <a:effectLst>
                   <a:outerShdw blurRad="38100" dist="38100" dir="2700000" algn="tl">
                     <a:srgbClr val="000000">
@@ -8495,10 +10364,10 @@
                   </a:outerShdw>
                 </a:effectLst>
               </a:rPr>
-              <a:t>、</a:t>
-            </a:r>
-            <a:r>
-              <a:rPr lang="zh-TW" altLang="en-US" sz="3600" dirty="0">
+              <a:t>及</a:t>
+            </a:r>
+            <a:r>
+              <a:rPr lang="zh-TW" altLang="en-US" sz="4000" dirty="0">
                 <a:effectLst>
                   <a:outerShdw blurRad="38100" dist="38100" dir="2700000" algn="tl">
                     <a:srgbClr val="000000">
@@ -8507,148 +10376,304 @@
                   </a:outerShdw>
                 </a:effectLst>
               </a:rPr>
-              <a:t>未來展望</a:t>
-            </a:r>
-            <a:endParaRPr lang="en-US" altLang="zh-TW" sz="3600" dirty="0">
-              <a:effectLst>
-                <a:outerShdw blurRad="38100" dist="38100" dir="2700000" algn="tl">
-                  <a:srgbClr val="000000">
-                    <a:alpha val="43137"/>
-                  </a:srgbClr>
-                </a:outerShdw>
-              </a:effectLst>
-            </a:endParaRPr>
-          </a:p>
-        </p:txBody>
-      </p:sp>
-      <p:sp>
-        <p:nvSpPr>
-          <p:cNvPr id="4" name="內容版面配置區 3">
+              <a:t>專題成果</a:t>
+            </a:r>
+            <a:endParaRPr lang="zh-TW" altLang="en-US" sz="4000" b="1" dirty="0"/>
+          </a:p>
+        </p:txBody>
+      </p:sp>
+      <p:sp>
+        <p:nvSpPr>
+          <p:cNvPr id="24" name="內容版面配置區 2">
             <a:extLst>
               <a:ext uri="{FF2B5EF4-FFF2-40B4-BE49-F238E27FC236}">
-                <a16:creationId xmlns="" xmlns:a16="http://schemas.microsoft.com/office/drawing/2014/main" id="{FCCA5DD9-09D4-479C-9F96-62D1622C7DB1}"/>
+                <a16:creationId xmlns:a16="http://schemas.microsoft.com/office/drawing/2014/main" xmlns="" id="{F5C22ADD-7A5D-44F8-969C-F4721C016703}"/>
               </a:ext>
             </a:extLst>
           </p:cNvPr>
-          <p:cNvSpPr>
-            <a:spLocks noGrp="1"/>
+          <p:cNvSpPr txBox="1">
+            <a:spLocks/>
           </p:cNvSpPr>
-          <p:nvPr>
-            <p:ph idx="1"/>
-          </p:nvPr>
+          <p:nvPr/>
         </p:nvSpPr>
         <p:spPr>
           <a:xfrm>
-            <a:off x="6886500" y="1772816"/>
-            <a:ext cx="6336704" cy="3888432"/>
+            <a:off x="148040" y="1193817"/>
+            <a:ext cx="11758153" cy="4608512"/>
           </a:xfrm>
+          <a:prstGeom prst="rect">
+            <a:avLst/>
+          </a:prstGeom>
         </p:spPr>
         <p:txBody>
-          <a:bodyPr>
-            <a:noAutofit/>
+          <a:bodyPr vert="horz" lIns="91440" tIns="45720" rIns="91440" bIns="45720" rtlCol="0">
+            <a:normAutofit/>
           </a:bodyPr>
-          <a:lstStyle/>
-          <a:p>
-            <a:pPr>
+          <a:lstStyle>
+            <a:lvl1pPr marL="274320" indent="-274320" algn="l" defTabSz="914400" rtl="0" eaLnBrk="1" latinLnBrk="0" hangingPunct="1">
               <a:lnSpc>
-                <a:spcPct val="170000"/>
+                <a:spcPct val="90000"/>
               </a:lnSpc>
               <a:spcBef>
-                <a:spcPts val="0"/>
+                <a:spcPts val="1800"/>
               </a:spcBef>
               <a:buClr>
-                <a:schemeClr val="bg2">
-                  <a:lumMod val="90000"/>
-                </a:schemeClr>
+                <a:schemeClr val="tx1"/>
+              </a:buClr>
+              <a:buSzPct val="80000"/>
+              <a:buFont typeface="Wingdings" pitchFamily="2" charset="2"/>
+              <a:buChar char="§"/>
+              <a:defRPr sz="2400" kern="1200">
+                <a:solidFill>
+                  <a:schemeClr val="tx1"/>
+                </a:solidFill>
+                <a:latin typeface="Microsoft JhengHei UI" panose="020B0604030504040204" pitchFamily="34" charset="-120"/>
+                <a:ea typeface="Microsoft JhengHei UI" panose="020B0604030504040204" pitchFamily="34" charset="-120"/>
+                <a:cs typeface="+mn-cs"/>
+              </a:defRPr>
+            </a:lvl1pPr>
+            <a:lvl2pPr marL="548640" indent="-228600" algn="l" defTabSz="914400" rtl="0" eaLnBrk="1" latinLnBrk="0" hangingPunct="1">
+              <a:lnSpc>
+                <a:spcPct val="90000"/>
+              </a:lnSpc>
+              <a:spcBef>
+                <a:spcPts val="1000"/>
+              </a:spcBef>
+              <a:buClr>
+                <a:schemeClr val="tx1"/>
               </a:buClr>
               <a:buSzPct val="100000"/>
-            </a:pPr>
-            <a:r>
-              <a:rPr lang="zh-TW" altLang="en-US" sz="2400" dirty="0" smtClean="0"/>
-              <a:t>○</a:t>
-            </a:r>
-            <a:r>
-              <a:rPr lang="zh-TW" altLang="en-US" sz="2400" dirty="0"/>
-              <a:t> </a:t>
-            </a:r>
-            <a:r>
-              <a:rPr lang="zh-TW" altLang="en-US" sz="2400" dirty="0" smtClean="0"/>
-              <a:t>○</a:t>
-            </a:r>
-            <a:r>
-              <a:rPr lang="zh-TW" altLang="en-US" sz="2400" dirty="0"/>
-              <a:t> </a:t>
-            </a:r>
-            <a:r>
-              <a:rPr lang="zh-TW" altLang="en-US" sz="2400" dirty="0" smtClean="0"/>
-              <a:t>○</a:t>
-            </a:r>
-            <a:endParaRPr lang="en-US" altLang="zh-TW" sz="2600" dirty="0" smtClean="0"/>
-          </a:p>
-          <a:p>
-            <a:pPr>
+              <a:buFont typeface="Arial" pitchFamily="34" charset="0"/>
+              <a:buChar char="–"/>
+              <a:defRPr sz="2000" kern="1200">
+                <a:solidFill>
+                  <a:schemeClr val="tx1"/>
+                </a:solidFill>
+                <a:latin typeface="Microsoft JhengHei UI" panose="020B0604030504040204" pitchFamily="34" charset="-120"/>
+                <a:ea typeface="Microsoft JhengHei UI" panose="020B0604030504040204" pitchFamily="34" charset="-120"/>
+                <a:cs typeface="+mn-cs"/>
+              </a:defRPr>
+            </a:lvl2pPr>
+            <a:lvl3pPr marL="822960" indent="-228600" algn="l" defTabSz="914400" rtl="0" eaLnBrk="1" latinLnBrk="0" hangingPunct="1">
               <a:lnSpc>
-                <a:spcPct val="170000"/>
+                <a:spcPct val="90000"/>
               </a:lnSpc>
               <a:spcBef>
-                <a:spcPts val="0"/>
+                <a:spcPts val="800"/>
               </a:spcBef>
               <a:buClr>
-                <a:schemeClr val="bg2">
-                  <a:lumMod val="90000"/>
-                </a:schemeClr>
+                <a:schemeClr val="tx1"/>
+              </a:buClr>
+              <a:buSzPct val="80000"/>
+              <a:buFont typeface="Wingdings" pitchFamily="2" charset="2"/>
+              <a:buChar char="§"/>
+              <a:defRPr sz="1800" kern="1200">
+                <a:solidFill>
+                  <a:schemeClr val="tx1"/>
+                </a:solidFill>
+                <a:latin typeface="Microsoft JhengHei UI" panose="020B0604030504040204" pitchFamily="34" charset="-120"/>
+                <a:ea typeface="Microsoft JhengHei UI" panose="020B0604030504040204" pitchFamily="34" charset="-120"/>
+                <a:cs typeface="+mn-cs"/>
+              </a:defRPr>
+            </a:lvl3pPr>
+            <a:lvl4pPr marL="1097280" indent="-228600" algn="l" defTabSz="914400" rtl="0" eaLnBrk="1" latinLnBrk="0" hangingPunct="1">
+              <a:lnSpc>
+                <a:spcPct val="90000"/>
+              </a:lnSpc>
+              <a:spcBef>
+                <a:spcPts val="800"/>
+              </a:spcBef>
+              <a:buClr>
+                <a:schemeClr val="tx1"/>
               </a:buClr>
               <a:buSzPct val="100000"/>
-            </a:pPr>
-            <a:endParaRPr lang="zh-TW" altLang="en-US" sz="2600" dirty="0"/>
-          </a:p>
-          <a:p>
-            <a:pPr>
+              <a:buFont typeface="Arial" pitchFamily="34" charset="0"/>
+              <a:buChar char="–"/>
+              <a:defRPr sz="1600" kern="1200">
+                <a:solidFill>
+                  <a:schemeClr val="tx1"/>
+                </a:solidFill>
+                <a:latin typeface="Microsoft JhengHei UI" panose="020B0604030504040204" pitchFamily="34" charset="-120"/>
+                <a:ea typeface="Microsoft JhengHei UI" panose="020B0604030504040204" pitchFamily="34" charset="-120"/>
+                <a:cs typeface="+mn-cs"/>
+              </a:defRPr>
+            </a:lvl4pPr>
+            <a:lvl5pPr marL="1325880" indent="-228600" algn="l" defTabSz="914400" rtl="0" eaLnBrk="1" latinLnBrk="0" hangingPunct="1">
               <a:lnSpc>
-                <a:spcPct val="170000"/>
+                <a:spcPct val="90000"/>
               </a:lnSpc>
               <a:spcBef>
-                <a:spcPts val="0"/>
+                <a:spcPts val="800"/>
               </a:spcBef>
               <a:buClr>
-                <a:schemeClr val="bg2">
-                  <a:lumMod val="90000"/>
-                </a:schemeClr>
+                <a:schemeClr val="tx1"/>
+              </a:buClr>
+              <a:buSzPct val="80000"/>
+              <a:buFont typeface="Wingdings" pitchFamily="2" charset="2"/>
+              <a:buChar char="§"/>
+              <a:defRPr sz="1600" kern="1200">
+                <a:solidFill>
+                  <a:schemeClr val="tx1"/>
+                </a:solidFill>
+                <a:latin typeface="Microsoft JhengHei UI" panose="020B0604030504040204" pitchFamily="34" charset="-120"/>
+                <a:ea typeface="Microsoft JhengHei UI" panose="020B0604030504040204" pitchFamily="34" charset="-120"/>
+                <a:cs typeface="+mn-cs"/>
+              </a:defRPr>
+            </a:lvl5pPr>
+            <a:lvl6pPr marL="1554480" indent="-228600" algn="l" defTabSz="914400" rtl="0" eaLnBrk="1" latinLnBrk="0" hangingPunct="1">
+              <a:lnSpc>
+                <a:spcPct val="90000"/>
+              </a:lnSpc>
+              <a:spcBef>
+                <a:spcPts val="800"/>
+              </a:spcBef>
+              <a:buClr>
+                <a:schemeClr val="tx1"/>
               </a:buClr>
               <a:buSzPct val="100000"/>
+              <a:buFont typeface="Arial" pitchFamily="34" charset="0"/>
+              <a:buChar char="–"/>
+              <a:defRPr sz="1600" kern="1200">
+                <a:solidFill>
+                  <a:schemeClr val="tx1"/>
+                </a:solidFill>
+                <a:latin typeface="+mn-lt"/>
+                <a:ea typeface="+mn-ea"/>
+                <a:cs typeface="+mn-cs"/>
+              </a:defRPr>
+            </a:lvl6pPr>
+            <a:lvl7pPr marL="1783080" indent="-228600" algn="l" defTabSz="914400" rtl="0" eaLnBrk="1" latinLnBrk="0" hangingPunct="1">
+              <a:lnSpc>
+                <a:spcPct val="90000"/>
+              </a:lnSpc>
+              <a:spcBef>
+                <a:spcPts val="800"/>
+              </a:spcBef>
+              <a:buClr>
+                <a:schemeClr val="tx1"/>
+              </a:buClr>
+              <a:buSzPct val="80000"/>
+              <a:buFont typeface="Wingdings" pitchFamily="2" charset="2"/>
+              <a:buChar char="§"/>
+              <a:defRPr sz="1600" kern="1200">
+                <a:solidFill>
+                  <a:schemeClr val="tx1"/>
+                </a:solidFill>
+                <a:latin typeface="+mn-lt"/>
+                <a:ea typeface="+mn-ea"/>
+                <a:cs typeface="+mn-cs"/>
+              </a:defRPr>
+            </a:lvl7pPr>
+            <a:lvl8pPr marL="2011680" indent="-228600" algn="l" defTabSz="914400" rtl="0" eaLnBrk="1" latinLnBrk="0" hangingPunct="1">
+              <a:lnSpc>
+                <a:spcPct val="90000"/>
+              </a:lnSpc>
+              <a:spcBef>
+                <a:spcPts val="800"/>
+              </a:spcBef>
+              <a:buClr>
+                <a:schemeClr val="tx1"/>
+              </a:buClr>
+              <a:buSzPct val="100000"/>
+              <a:buFont typeface="Arial" pitchFamily="34" charset="0"/>
+              <a:buChar char="–"/>
+              <a:defRPr sz="1600" kern="1200">
+                <a:solidFill>
+                  <a:schemeClr val="tx1"/>
+                </a:solidFill>
+                <a:latin typeface="+mn-lt"/>
+                <a:ea typeface="+mn-ea"/>
+                <a:cs typeface="+mn-cs"/>
+              </a:defRPr>
+            </a:lvl8pPr>
+            <a:lvl9pPr marL="2240280" indent="-228600" algn="l" defTabSz="914400" rtl="0" eaLnBrk="1" latinLnBrk="0" hangingPunct="1">
+              <a:lnSpc>
+                <a:spcPct val="90000"/>
+              </a:lnSpc>
+              <a:spcBef>
+                <a:spcPts val="800"/>
+              </a:spcBef>
+              <a:buClr>
+                <a:schemeClr val="tx1"/>
+              </a:buClr>
+              <a:buSzPct val="80000"/>
+              <a:buFont typeface="Wingdings" pitchFamily="2" charset="2"/>
+              <a:buChar char="§"/>
+              <a:defRPr sz="1600" kern="1200">
+                <a:solidFill>
+                  <a:schemeClr val="tx1"/>
+                </a:solidFill>
+                <a:latin typeface="+mn-lt"/>
+                <a:ea typeface="+mn-ea"/>
+                <a:cs typeface="+mn-cs"/>
+              </a:defRPr>
+            </a:lvl9pPr>
+          </a:lstStyle>
+          <a:p>
+            <a:pPr marL="285750" indent="-285750" algn="just">
+              <a:buClr>
+                <a:schemeClr val="accent1"/>
+              </a:buClr>
+              <a:buFont typeface="Wingdings" panose="05000000000000000000" pitchFamily="2" charset="2"/>
+              <a:buChar char="n"/>
             </a:pPr>
-            <a:endParaRPr lang="en-US" altLang="zh-TW" sz="2600" dirty="0"/>
-          </a:p>
-        </p:txBody>
-      </p:sp>
-      <p:sp>
-        <p:nvSpPr>
-          <p:cNvPr id="6" name="投影片編號版面配置區 5"/>
-          <p:cNvSpPr>
-            <a:spLocks noGrp="1"/>
-          </p:cNvSpPr>
-          <p:nvPr>
-            <p:ph type="sldNum" sz="quarter" idx="12"/>
-          </p:nvPr>
-        </p:nvSpPr>
-        <p:spPr/>
-        <p:txBody>
-          <a:bodyPr/>
-          <a:lstStyle/>
-          <a:p>
-            <a:fld id="{DF28FB93-0A08-4E7D-8E63-9EFA29F1E093}" type="slidenum">
-              <a:rPr lang="en-US" altLang="zh-TW" noProof="0" smtClean="0"/>
-              <a:pPr/>
-              <a:t>12</a:t>
-            </a:fld>
-            <a:endParaRPr lang="zh-TW" altLang="en-US" noProof="0"/>
+            <a:r>
+              <a:rPr lang="en-US" altLang="zh-TW" sz="2800" b="1" dirty="0" smtClean="0">
+                <a:solidFill>
+                  <a:schemeClr val="accent1">
+                    <a:lumMod val="75000"/>
+                  </a:schemeClr>
+                </a:solidFill>
+                <a:latin typeface="微軟正黑體" panose="020B0604030504040204" pitchFamily="34" charset="-120"/>
+                <a:ea typeface="微軟正黑體" panose="020B0604030504040204" pitchFamily="34" charset="-120"/>
+              </a:rPr>
+              <a:t>Schnorr Protocol </a:t>
+            </a:r>
+            <a:r>
+              <a:rPr lang="en-US" altLang="zh-TW" sz="2800" b="1" dirty="0" smtClean="0">
+                <a:solidFill>
+                  <a:srgbClr val="FF0000"/>
+                </a:solidFill>
+                <a:latin typeface="微軟正黑體" panose="020B0604030504040204" pitchFamily="34" charset="-120"/>
+                <a:ea typeface="微軟正黑體" panose="020B0604030504040204" pitchFamily="34" charset="-120"/>
+              </a:rPr>
+              <a:t>(1/3)</a:t>
+            </a:r>
+          </a:p>
+          <a:p>
+            <a:pPr marL="274320" lvl="1" indent="0" algn="just">
+              <a:buClr>
+                <a:schemeClr val="accent1"/>
+              </a:buClr>
+              <a:buNone/>
+            </a:pPr>
+            <a:endParaRPr lang="en-US" altLang="zh-TW" b="1" dirty="0">
+              <a:solidFill>
+                <a:srgbClr val="FF0000"/>
+              </a:solidFill>
+              <a:latin typeface="微軟正黑體" panose="020B0604030504040204" pitchFamily="34" charset="-120"/>
+              <a:ea typeface="微軟正黑體" panose="020B0604030504040204" pitchFamily="34" charset="-120"/>
+            </a:endParaRPr>
+          </a:p>
+          <a:p>
+            <a:pPr marL="285750" indent="-285750" algn="just">
+              <a:buClr>
+                <a:schemeClr val="accent1"/>
+              </a:buClr>
+              <a:buFont typeface="Wingdings" panose="05000000000000000000" pitchFamily="2" charset="2"/>
+              <a:buChar char="n"/>
+            </a:pPr>
+            <a:endParaRPr lang="en-US" altLang="zh-TW" b="1" dirty="0">
+              <a:latin typeface="微軟正黑體" panose="020B0604030504040204" pitchFamily="34" charset="-120"/>
+              <a:ea typeface="微軟正黑體" panose="020B0604030504040204" pitchFamily="34" charset="-120"/>
+            </a:endParaRPr>
           </a:p>
         </p:txBody>
       </p:sp>
     </p:spTree>
     <p:extLst>
       <p:ext uri="{BB962C8B-B14F-4D97-AF65-F5344CB8AC3E}">
-        <p14:creationId xmlns:p14="http://schemas.microsoft.com/office/powerpoint/2010/main" val="4253339589"/>
+        <p14:creationId xmlns:p14="http://schemas.microsoft.com/office/powerpoint/2010/main" val="662163584"/>
       </p:ext>
     </p:extLst>
   </p:cSld>
@@ -8723,7 +10748,7 @@
           <p:cNvPr id="19" name="標題 1">
             <a:extLst>
               <a:ext uri="{FF2B5EF4-FFF2-40B4-BE49-F238E27FC236}">
-                <a16:creationId xmlns="" xmlns:a16="http://schemas.microsoft.com/office/drawing/2014/main" id="{50E9A64D-4207-4980-8736-4201C3E0DC63}"/>
+                <a16:creationId xmlns:a16="http://schemas.microsoft.com/office/drawing/2014/main" xmlns="" id="{50E9A64D-4207-4980-8736-4201C3E0DC63}"/>
               </a:ext>
             </a:extLst>
           </p:cNvPr>
@@ -8748,11 +10773,47 @@
           <a:p>
             <a:r>
               <a:rPr lang="zh-TW" altLang="en-US" sz="4000" b="1" dirty="0"/>
-              <a:t>五</a:t>
+              <a:t>三</a:t>
             </a:r>
             <a:r>
               <a:rPr lang="zh-TW" altLang="en-US" sz="4000" b="1" dirty="0" smtClean="0"/>
-              <a:t>、未來展望</a:t>
+              <a:t>、</a:t>
+            </a:r>
+            <a:r>
+              <a:rPr lang="zh-TW" altLang="en-US" sz="4000" dirty="0">
+                <a:effectLst>
+                  <a:outerShdw blurRad="38100" dist="38100" dir="2700000" algn="tl">
+                    <a:srgbClr val="000000">
+                      <a:alpha val="43137"/>
+                    </a:srgbClr>
+                  </a:outerShdw>
+                </a:effectLst>
+              </a:rPr>
+              <a:t>系統設計</a:t>
+            </a:r>
+            <a:r>
+              <a:rPr lang="zh-TW" altLang="en-US" sz="4000" dirty="0" smtClean="0">
+                <a:effectLst>
+                  <a:outerShdw blurRad="38100" dist="38100" dir="2700000" algn="tl">
+                    <a:srgbClr val="000000">
+                      <a:alpha val="43137"/>
+                    </a:srgbClr>
+                  </a:outerShdw>
+                </a:effectLst>
+              </a:rPr>
+              <a:t>及</a:t>
+            </a:r>
+            <a:r>
+              <a:rPr lang="zh-TW" altLang="en-US" sz="4000" dirty="0">
+                <a:effectLst>
+                  <a:outerShdw blurRad="38100" dist="38100" dir="2700000" algn="tl">
+                    <a:srgbClr val="000000">
+                      <a:alpha val="43137"/>
+                    </a:srgbClr>
+                  </a:outerShdw>
+                </a:effectLst>
+              </a:rPr>
+              <a:t>專題成果</a:t>
             </a:r>
             <a:endParaRPr lang="zh-TW" altLang="en-US" sz="4000" b="1" dirty="0"/>
           </a:p>
@@ -8763,7 +10824,7 @@
           <p:cNvPr id="24" name="內容版面配置區 2">
             <a:extLst>
               <a:ext uri="{FF2B5EF4-FFF2-40B4-BE49-F238E27FC236}">
-                <a16:creationId xmlns="" xmlns:a16="http://schemas.microsoft.com/office/drawing/2014/main" id="{F5C22ADD-7A5D-44F8-969C-F4721C016703}"/>
+                <a16:creationId xmlns:a16="http://schemas.microsoft.com/office/drawing/2014/main" xmlns="" id="{F5C22ADD-7A5D-44F8-969C-F4721C016703}"/>
               </a:ext>
             </a:extLst>
           </p:cNvPr>
@@ -8994,7 +11055,7 @@
               <a:buChar char="n"/>
             </a:pPr>
             <a:r>
-              <a:rPr lang="zh-TW" altLang="en-US" sz="2800" b="1" dirty="0" smtClean="0">
+              <a:rPr lang="en-US" altLang="zh-TW" sz="2800" b="1" dirty="0" smtClean="0">
                 <a:solidFill>
                   <a:schemeClr val="accent1">
                     <a:lumMod val="75000"/>
@@ -9003,13 +11064,29 @@
                 <a:latin typeface="微軟正黑體" panose="020B0604030504040204" pitchFamily="34" charset="-120"/>
                 <a:ea typeface="微軟正黑體" panose="020B0604030504040204" pitchFamily="34" charset="-120"/>
               </a:rPr>
-              <a:t>○○○</a:t>
-            </a:r>
-            <a:endParaRPr lang="en-US" altLang="zh-TW" sz="2800" b="1" dirty="0">
+              <a:t>Schnorr Protocol </a:t>
+            </a:r>
+            <a:r>
+              <a:rPr lang="en-US" altLang="zh-TW" sz="2800" b="1" dirty="0" smtClean="0">
+                <a:solidFill>
+                  <a:srgbClr val="FF0000"/>
+                </a:solidFill>
+                <a:latin typeface="微軟正黑體" panose="020B0604030504040204" pitchFamily="34" charset="-120"/>
+                <a:ea typeface="微軟正黑體" panose="020B0604030504040204" pitchFamily="34" charset="-120"/>
+              </a:rPr>
+              <a:t>(2/3)</a:t>
+            </a:r>
+          </a:p>
+          <a:p>
+            <a:pPr marL="274320" lvl="1" indent="0" algn="just">
+              <a:buClr>
+                <a:schemeClr val="accent1"/>
+              </a:buClr>
+              <a:buNone/>
+            </a:pPr>
+            <a:endParaRPr lang="en-US" altLang="zh-TW" b="1" dirty="0">
               <a:solidFill>
-                <a:schemeClr val="accent1">
-                  <a:lumMod val="75000"/>
-                </a:schemeClr>
+                <a:srgbClr val="FF0000"/>
               </a:solidFill>
               <a:latin typeface="微軟正黑體" panose="020B0604030504040204" pitchFamily="34" charset="-120"/>
               <a:ea typeface="微軟正黑體" panose="020B0604030504040204" pitchFamily="34" charset="-120"/>
@@ -9030,74 +11107,86 @@
           </a:p>
         </p:txBody>
       </p:sp>
-      <p:sp>
-        <p:nvSpPr>
-          <p:cNvPr id="20" name="內容版面配置區 2">
+      <p:pic>
+        <p:nvPicPr>
+          <p:cNvPr id="7" name="圖片 6"/>
+          <p:cNvPicPr/>
+          <p:nvPr/>
+        </p:nvPicPr>
+        <p:blipFill>
+          <a:blip r:embed="rId3"/>
+          <a:stretch>
+            <a:fillRect/>
+          </a:stretch>
+        </p:blipFill>
+        <p:spPr>
+          <a:xfrm>
+            <a:off x="261764" y="1773432"/>
+            <a:ext cx="6192688" cy="4247856"/>
+          </a:xfrm>
+          <a:prstGeom prst="rect">
+            <a:avLst/>
+          </a:prstGeom>
+        </p:spPr>
+      </p:pic>
+      <p:pic>
+        <p:nvPicPr>
+          <p:cNvPr id="2050" name="Picture 2"/>
+          <p:cNvPicPr>
+            <a:picLocks noChangeAspect="1" noChangeArrowheads="1"/>
+          </p:cNvPicPr>
+          <p:nvPr/>
+        </p:nvPicPr>
+        <p:blipFill>
+          <a:blip r:embed="rId4">
             <a:extLst>
-              <a:ext uri="{FF2B5EF4-FFF2-40B4-BE49-F238E27FC236}">
-                <a16:creationId xmlns="" xmlns:a16="http://schemas.microsoft.com/office/drawing/2014/main" id="{2E881D55-3B47-403F-8F0E-EDFDE34A1B22}"/>
+              <a:ext uri="{28A0092B-C50C-407E-A947-70E740481C1C}">
+                <a14:useLocalDpi xmlns:a14="http://schemas.microsoft.com/office/drawing/2010/main" val="0"/>
               </a:ext>
             </a:extLst>
-          </p:cNvPr>
-          <p:cNvSpPr>
-            <a:spLocks noGrp="1"/>
-          </p:cNvSpPr>
-          <p:nvPr>
-            <p:ph idx="1"/>
-          </p:nvPr>
-        </p:nvSpPr>
-        <p:spPr>
+          </a:blip>
+          <a:srcRect/>
+          <a:stretch>
+            <a:fillRect/>
+          </a:stretch>
+        </p:blipFill>
+        <p:spPr bwMode="auto">
           <a:xfrm>
-            <a:off x="192197" y="1700808"/>
-            <a:ext cx="11590847" cy="4384009"/>
+            <a:off x="6454453" y="1838925"/>
+            <a:ext cx="5616624" cy="3963403"/>
           </a:xfrm>
+          <a:prstGeom prst="rect">
+            <a:avLst/>
+          </a:prstGeom>
+          <a:noFill/>
+          <a:ln>
+            <a:noFill/>
+          </a:ln>
+          <a:extLst>
+            <a:ext uri="{909E8E84-426E-40DD-AFC4-6F175D3DCCD1}">
+              <a14:hiddenFill xmlns:a14="http://schemas.microsoft.com/office/drawing/2010/main">
+                <a:solidFill>
+                  <a:schemeClr val="accent1"/>
+                </a:solidFill>
+              </a14:hiddenFill>
+            </a:ext>
+            <a:ext uri="{91240B29-F687-4F45-9708-019B960494DF}">
+              <a14:hiddenLine xmlns:a14="http://schemas.microsoft.com/office/drawing/2010/main" w="9525">
+                <a:solidFill>
+                  <a:schemeClr val="tx1"/>
+                </a:solidFill>
+                <a:miter lim="800000"/>
+                <a:headEnd/>
+                <a:tailEnd/>
+              </a14:hiddenLine>
+            </a:ext>
+          </a:extLst>
         </p:spPr>
-        <p:txBody>
-          <a:bodyPr>
-            <a:normAutofit/>
-          </a:bodyPr>
-          <a:lstStyle/>
-          <a:p>
-            <a:pPr marL="274320" lvl="1" indent="-274320" algn="just">
-              <a:lnSpc>
-                <a:spcPct val="150000"/>
-              </a:lnSpc>
-              <a:spcBef>
-                <a:spcPts val="1800"/>
-              </a:spcBef>
-              <a:buSzPct val="80000"/>
-              <a:buFont typeface="Wingdings" panose="05000000000000000000" pitchFamily="2" charset="2"/>
-              <a:buChar char="Ø"/>
-            </a:pPr>
-            <a:r>
-              <a:rPr lang="zh-TW" altLang="en-US" sz="2400" b="1" dirty="0" smtClean="0"/>
-              <a:t>○○○</a:t>
-            </a:r>
-            <a:endParaRPr lang="en-US" altLang="zh-TW" sz="2400" b="1" dirty="0" smtClean="0"/>
-          </a:p>
-          <a:p>
-            <a:pPr marL="548640" lvl="2" indent="-274320" algn="just">
-              <a:lnSpc>
-                <a:spcPct val="150000"/>
-              </a:lnSpc>
-              <a:spcBef>
-                <a:spcPts val="1800"/>
-              </a:spcBef>
-              <a:buFont typeface="Wingdings" panose="05000000000000000000" pitchFamily="2" charset="2"/>
-              <a:buChar char="Ø"/>
-            </a:pPr>
-            <a:r>
-              <a:rPr lang="zh-TW" altLang="en-US" sz="2200" dirty="0" smtClean="0"/>
-              <a:t>○○○</a:t>
-            </a:r>
-            <a:endParaRPr lang="en-US" altLang="zh-TW" sz="2400" b="1" dirty="0"/>
-          </a:p>
-        </p:txBody>
-      </p:sp>
+      </p:pic>
     </p:spTree>
     <p:extLst>
       <p:ext uri="{BB962C8B-B14F-4D97-AF65-F5344CB8AC3E}">
-        <p14:creationId xmlns:p14="http://schemas.microsoft.com/office/powerpoint/2010/main" val="1730274943"/>
+        <p14:creationId xmlns:p14="http://schemas.microsoft.com/office/powerpoint/2010/main" val="2456970336"/>
       </p:ext>
     </p:extLst>
   </p:cSld>
@@ -9172,7 +11261,7 @@
           <p:cNvPr id="19" name="標題 1">
             <a:extLst>
               <a:ext uri="{FF2B5EF4-FFF2-40B4-BE49-F238E27FC236}">
-                <a16:creationId xmlns="" xmlns:a16="http://schemas.microsoft.com/office/drawing/2014/main" id="{50E9A64D-4207-4980-8736-4201C3E0DC63}"/>
+                <a16:creationId xmlns:a16="http://schemas.microsoft.com/office/drawing/2014/main" xmlns="" id="{50E9A64D-4207-4980-8736-4201C3E0DC63}"/>
               </a:ext>
             </a:extLst>
           </p:cNvPr>
@@ -9197,7 +11286,47 @@
           <a:p>
             <a:r>
               <a:rPr lang="zh-TW" altLang="en-US" sz="4000" b="1" dirty="0"/>
-              <a:t>參考文獻</a:t>
+              <a:t>三</a:t>
+            </a:r>
+            <a:r>
+              <a:rPr lang="zh-TW" altLang="en-US" sz="4000" b="1" dirty="0" smtClean="0"/>
+              <a:t>、</a:t>
+            </a:r>
+            <a:r>
+              <a:rPr lang="zh-TW" altLang="en-US" sz="4000" dirty="0">
+                <a:effectLst>
+                  <a:outerShdw blurRad="38100" dist="38100" dir="2700000" algn="tl">
+                    <a:srgbClr val="000000">
+                      <a:alpha val="43137"/>
+                    </a:srgbClr>
+                  </a:outerShdw>
+                </a:effectLst>
+              </a:rPr>
+              <a:t>系統設計</a:t>
+            </a:r>
+            <a:r>
+              <a:rPr lang="zh-TW" altLang="en-US" sz="4000" dirty="0" smtClean="0">
+                <a:effectLst>
+                  <a:outerShdw blurRad="38100" dist="38100" dir="2700000" algn="tl">
+                    <a:srgbClr val="000000">
+                      <a:alpha val="43137"/>
+                    </a:srgbClr>
+                  </a:outerShdw>
+                </a:effectLst>
+              </a:rPr>
+              <a:t>及</a:t>
+            </a:r>
+            <a:r>
+              <a:rPr lang="zh-TW" altLang="en-US" sz="4000" dirty="0">
+                <a:effectLst>
+                  <a:outerShdw blurRad="38100" dist="38100" dir="2700000" algn="tl">
+                    <a:srgbClr val="000000">
+                      <a:alpha val="43137"/>
+                    </a:srgbClr>
+                  </a:outerShdw>
+                </a:effectLst>
+              </a:rPr>
+              <a:t>專題成果</a:t>
             </a:r>
             <a:endParaRPr lang="zh-TW" altLang="en-US" sz="4000" b="1" dirty="0"/>
           </a:p>
@@ -9208,7 +11337,7 @@
           <p:cNvPr id="24" name="內容版面配置區 2">
             <a:extLst>
               <a:ext uri="{FF2B5EF4-FFF2-40B4-BE49-F238E27FC236}">
-                <a16:creationId xmlns="" xmlns:a16="http://schemas.microsoft.com/office/drawing/2014/main" id="{F5C22ADD-7A5D-44F8-969C-F4721C016703}"/>
+                <a16:creationId xmlns:a16="http://schemas.microsoft.com/office/drawing/2014/main" xmlns="" id="{F5C22ADD-7A5D-44F8-969C-F4721C016703}"/>
               </a:ext>
             </a:extLst>
           </p:cNvPr>
@@ -9439,7 +11568,7 @@
               <a:buChar char="n"/>
             </a:pPr>
             <a:r>
-              <a:rPr lang="zh-TW" altLang="en-US" sz="2800" b="1" dirty="0" smtClean="0">
+              <a:rPr lang="en-US" altLang="zh-TW" sz="2800" b="1" dirty="0" smtClean="0">
                 <a:solidFill>
                   <a:schemeClr val="accent1">
                     <a:lumMod val="75000"/>
@@ -9448,13 +11577,29 @@
                 <a:latin typeface="微軟正黑體" panose="020B0604030504040204" pitchFamily="34" charset="-120"/>
                 <a:ea typeface="微軟正黑體" panose="020B0604030504040204" pitchFamily="34" charset="-120"/>
               </a:rPr>
-              <a:t>○○○</a:t>
-            </a:r>
-            <a:endParaRPr lang="en-US" altLang="zh-TW" sz="2800" b="1" dirty="0">
+              <a:t>Schnorr Protocol </a:t>
+            </a:r>
+            <a:r>
+              <a:rPr lang="en-US" altLang="zh-TW" sz="2800" b="1" dirty="0" smtClean="0">
+                <a:solidFill>
+                  <a:srgbClr val="FF0000"/>
+                </a:solidFill>
+                <a:latin typeface="微軟正黑體" panose="020B0604030504040204" pitchFamily="34" charset="-120"/>
+                <a:ea typeface="微軟正黑體" panose="020B0604030504040204" pitchFamily="34" charset="-120"/>
+              </a:rPr>
+              <a:t>(3/3)</a:t>
+            </a:r>
+          </a:p>
+          <a:p>
+            <a:pPr marL="274320" lvl="1" indent="0" algn="just">
+              <a:buClr>
+                <a:schemeClr val="accent1"/>
+              </a:buClr>
+              <a:buNone/>
+            </a:pPr>
+            <a:endParaRPr lang="en-US" altLang="zh-TW" b="1" dirty="0">
               <a:solidFill>
-                <a:schemeClr val="accent1">
-                  <a:lumMod val="75000"/>
-                </a:schemeClr>
+                <a:srgbClr val="FF0000"/>
               </a:solidFill>
               <a:latin typeface="微軟正黑體" panose="020B0604030504040204" pitchFamily="34" charset="-120"/>
               <a:ea typeface="微軟正黑體" panose="020B0604030504040204" pitchFamily="34" charset="-120"/>
@@ -9475,74 +11620,163 @@
           </a:p>
         </p:txBody>
       </p:sp>
-      <p:sp>
-        <p:nvSpPr>
-          <p:cNvPr id="20" name="內容版面配置區 2">
+      <p:pic>
+        <p:nvPicPr>
+          <p:cNvPr id="4098" name="Picture 2"/>
+          <p:cNvPicPr>
+            <a:picLocks noChangeAspect="1" noChangeArrowheads="1"/>
+          </p:cNvPicPr>
+          <p:nvPr/>
+        </p:nvPicPr>
+        <p:blipFill>
+          <a:blip r:embed="rId3">
             <a:extLst>
-              <a:ext uri="{FF2B5EF4-FFF2-40B4-BE49-F238E27FC236}">
-                <a16:creationId xmlns="" xmlns:a16="http://schemas.microsoft.com/office/drawing/2014/main" id="{2E881D55-3B47-403F-8F0E-EDFDE34A1B22}"/>
+              <a:ext uri="{28A0092B-C50C-407E-A947-70E740481C1C}">
+                <a14:useLocalDpi xmlns:a14="http://schemas.microsoft.com/office/drawing/2010/main" val="0"/>
               </a:ext>
             </a:extLst>
-          </p:cNvPr>
-          <p:cNvSpPr>
-            <a:spLocks noGrp="1"/>
-          </p:cNvSpPr>
-          <p:nvPr>
-            <p:ph idx="1"/>
-          </p:nvPr>
+          </a:blip>
+          <a:srcRect/>
+          <a:stretch>
+            <a:fillRect/>
+          </a:stretch>
+        </p:blipFill>
+        <p:spPr bwMode="auto">
+          <a:xfrm>
+            <a:off x="2854052" y="1754997"/>
+            <a:ext cx="6010275" cy="1743075"/>
+          </a:xfrm>
+          <a:prstGeom prst="rect">
+            <a:avLst/>
+          </a:prstGeom>
+          <a:noFill/>
+          <a:ln>
+            <a:noFill/>
+          </a:ln>
+          <a:extLst>
+            <a:ext uri="{909E8E84-426E-40DD-AFC4-6F175D3DCCD1}">
+              <a14:hiddenFill xmlns:a14="http://schemas.microsoft.com/office/drawing/2010/main">
+                <a:solidFill>
+                  <a:schemeClr val="accent1"/>
+                </a:solidFill>
+              </a14:hiddenFill>
+            </a:ext>
+            <a:ext uri="{91240B29-F687-4F45-9708-019B960494DF}">
+              <a14:hiddenLine xmlns:a14="http://schemas.microsoft.com/office/drawing/2010/main" w="9525">
+                <a:solidFill>
+                  <a:schemeClr val="tx1"/>
+                </a:solidFill>
+                <a:miter lim="800000"/>
+                <a:headEnd/>
+                <a:tailEnd/>
+              </a14:hiddenLine>
+            </a:ext>
+          </a:extLst>
+        </p:spPr>
+      </p:pic>
+      <p:sp>
+        <p:nvSpPr>
+          <p:cNvPr id="2" name="文字方塊 1"/>
+          <p:cNvSpPr txBox="1"/>
+          <p:nvPr/>
         </p:nvSpPr>
         <p:spPr>
           <a:xfrm>
-            <a:off x="192197" y="1700808"/>
-            <a:ext cx="11590847" cy="4384009"/>
+            <a:off x="5302324" y="3539623"/>
+            <a:ext cx="720080" cy="1015663"/>
           </a:xfrm>
+          <a:prstGeom prst="rect">
+            <a:avLst/>
+          </a:prstGeom>
+          <a:noFill/>
+          <a:ln>
+            <a:noFill/>
+          </a:ln>
         </p:spPr>
         <p:txBody>
-          <a:bodyPr>
-            <a:normAutofit/>
+          <a:bodyPr wrap="square" rtlCol="0" anchor="ctr" anchorCtr="1">
+            <a:spAutoFit/>
           </a:bodyPr>
           <a:lstStyle/>
           <a:p>
-            <a:pPr marL="274320" lvl="1" indent="-274320" algn="just">
-              <a:lnSpc>
-                <a:spcPct val="150000"/>
-              </a:lnSpc>
-              <a:spcBef>
-                <a:spcPts val="1800"/>
-              </a:spcBef>
-              <a:buSzPct val="80000"/>
-              <a:buFont typeface="Wingdings" panose="05000000000000000000" pitchFamily="2" charset="2"/>
-              <a:buChar char="Ø"/>
-            </a:pPr>
-            <a:r>
-              <a:rPr lang="zh-TW" altLang="en-US" sz="2400" b="1" dirty="0" smtClean="0"/>
-              <a:t>○○○</a:t>
-            </a:r>
-            <a:endParaRPr lang="en-US" altLang="zh-TW" sz="2400" b="1" dirty="0" smtClean="0"/>
-          </a:p>
-          <a:p>
-            <a:pPr marL="548640" lvl="2" indent="-274320" algn="just">
-              <a:lnSpc>
-                <a:spcPct val="150000"/>
-              </a:lnSpc>
-              <a:spcBef>
-                <a:spcPts val="1800"/>
-              </a:spcBef>
-              <a:buFont typeface="Wingdings" panose="05000000000000000000" pitchFamily="2" charset="2"/>
-              <a:buChar char="Ø"/>
-            </a:pPr>
-            <a:r>
-              <a:rPr lang="zh-TW" altLang="en-US" sz="2200" dirty="0" smtClean="0"/>
-              <a:t>○○○</a:t>
-            </a:r>
-            <a:endParaRPr lang="en-US" altLang="zh-TW" sz="2400" b="1" dirty="0"/>
-          </a:p>
-        </p:txBody>
-      </p:sp>
+            <a:r>
+              <a:rPr lang="en-US" altLang="zh-TW" sz="2000" b="1" dirty="0" smtClean="0"/>
+              <a:t>.</a:t>
+            </a:r>
+          </a:p>
+          <a:p>
+            <a:r>
+              <a:rPr lang="en-US" altLang="zh-TW" sz="2000" b="1" dirty="0" smtClean="0"/>
+              <a:t>.</a:t>
+            </a:r>
+          </a:p>
+          <a:p>
+            <a:r>
+              <a:rPr lang="en-US" altLang="zh-TW" sz="2000" b="1" dirty="0"/>
+              <a:t>.</a:t>
+            </a:r>
+            <a:endParaRPr lang="zh-TW" altLang="en-US" sz="2000" b="1" dirty="0" smtClean="0"/>
+          </a:p>
+        </p:txBody>
+      </p:sp>
+      <p:pic>
+        <p:nvPicPr>
+          <p:cNvPr id="4099" name="Picture 3"/>
+          <p:cNvPicPr>
+            <a:picLocks noChangeAspect="1" noChangeArrowheads="1"/>
+          </p:cNvPicPr>
+          <p:nvPr/>
+        </p:nvPicPr>
+        <p:blipFill>
+          <a:blip r:embed="rId4">
+            <a:extLst>
+              <a:ext uri="{28A0092B-C50C-407E-A947-70E740481C1C}">
+                <a14:useLocalDpi xmlns:a14="http://schemas.microsoft.com/office/drawing/2010/main" val="0"/>
+              </a:ext>
+            </a:extLst>
+          </a:blip>
+          <a:srcRect/>
+          <a:stretch>
+            <a:fillRect/>
+          </a:stretch>
+        </p:blipFill>
+        <p:spPr bwMode="auto">
+          <a:xfrm>
+            <a:off x="2710036" y="4514692"/>
+            <a:ext cx="6496050" cy="1543050"/>
+          </a:xfrm>
+          <a:prstGeom prst="rect">
+            <a:avLst/>
+          </a:prstGeom>
+          <a:noFill/>
+          <a:ln>
+            <a:noFill/>
+          </a:ln>
+          <a:extLst>
+            <a:ext uri="{909E8E84-426E-40DD-AFC4-6F175D3DCCD1}">
+              <a14:hiddenFill xmlns:a14="http://schemas.microsoft.com/office/drawing/2010/main">
+                <a:solidFill>
+                  <a:schemeClr val="accent1"/>
+                </a:solidFill>
+              </a14:hiddenFill>
+            </a:ext>
+            <a:ext uri="{91240B29-F687-4F45-9708-019B960494DF}">
+              <a14:hiddenLine xmlns:a14="http://schemas.microsoft.com/office/drawing/2010/main" w="9525">
+                <a:solidFill>
+                  <a:schemeClr val="tx1"/>
+                </a:solidFill>
+                <a:miter lim="800000"/>
+                <a:headEnd/>
+                <a:tailEnd/>
+              </a14:hiddenLine>
+            </a:ext>
+          </a:extLst>
+        </p:spPr>
+      </p:pic>
     </p:spTree>
     <p:extLst>
       <p:ext uri="{BB962C8B-B14F-4D97-AF65-F5344CB8AC3E}">
-        <p14:creationId xmlns:p14="http://schemas.microsoft.com/office/powerpoint/2010/main" val="3353313354"/>
+        <p14:creationId xmlns:p14="http://schemas.microsoft.com/office/powerpoint/2010/main" val="4292928545"/>
       </p:ext>
     </p:extLst>
   </p:cSld>
@@ -9590,6 +11824,433 @@
       </p:grpSpPr>
       <p:sp>
         <p:nvSpPr>
+          <p:cNvPr id="24" name="內容版面配置區 2">
+            <a:extLst>
+              <a:ext uri="{FF2B5EF4-FFF2-40B4-BE49-F238E27FC236}">
+                <a16:creationId xmlns:a16="http://schemas.microsoft.com/office/drawing/2014/main" xmlns="" id="{F5C22ADD-7A5D-44F8-969C-F4721C016703}"/>
+              </a:ext>
+            </a:extLst>
+          </p:cNvPr>
+          <p:cNvSpPr txBox="1">
+            <a:spLocks/>
+          </p:cNvSpPr>
+          <p:nvPr/>
+        </p:nvSpPr>
+        <p:spPr>
+          <a:xfrm>
+            <a:off x="148040" y="1193817"/>
+            <a:ext cx="11758153" cy="4608512"/>
+          </a:xfrm>
+          <a:prstGeom prst="rect">
+            <a:avLst/>
+          </a:prstGeom>
+        </p:spPr>
+        <p:txBody>
+          <a:bodyPr vert="horz" lIns="91440" tIns="45720" rIns="91440" bIns="45720" rtlCol="0">
+            <a:normAutofit/>
+          </a:bodyPr>
+          <a:lstStyle>
+            <a:lvl1pPr marL="274320" indent="-274320" algn="l" defTabSz="914400" rtl="0" eaLnBrk="1" latinLnBrk="0" hangingPunct="1">
+              <a:lnSpc>
+                <a:spcPct val="90000"/>
+              </a:lnSpc>
+              <a:spcBef>
+                <a:spcPts val="1800"/>
+              </a:spcBef>
+              <a:buClr>
+                <a:schemeClr val="tx1"/>
+              </a:buClr>
+              <a:buSzPct val="80000"/>
+              <a:buFont typeface="Wingdings" pitchFamily="2" charset="2"/>
+              <a:buChar char="§"/>
+              <a:defRPr sz="2400" kern="1200">
+                <a:solidFill>
+                  <a:schemeClr val="tx1"/>
+                </a:solidFill>
+                <a:latin typeface="Microsoft JhengHei UI" panose="020B0604030504040204" pitchFamily="34" charset="-120"/>
+                <a:ea typeface="Microsoft JhengHei UI" panose="020B0604030504040204" pitchFamily="34" charset="-120"/>
+                <a:cs typeface="+mn-cs"/>
+              </a:defRPr>
+            </a:lvl1pPr>
+            <a:lvl2pPr marL="548640" indent="-228600" algn="l" defTabSz="914400" rtl="0" eaLnBrk="1" latinLnBrk="0" hangingPunct="1">
+              <a:lnSpc>
+                <a:spcPct val="90000"/>
+              </a:lnSpc>
+              <a:spcBef>
+                <a:spcPts val="1000"/>
+              </a:spcBef>
+              <a:buClr>
+                <a:schemeClr val="tx1"/>
+              </a:buClr>
+              <a:buSzPct val="100000"/>
+              <a:buFont typeface="Arial" pitchFamily="34" charset="0"/>
+              <a:buChar char="–"/>
+              <a:defRPr sz="2000" kern="1200">
+                <a:solidFill>
+                  <a:schemeClr val="tx1"/>
+                </a:solidFill>
+                <a:latin typeface="Microsoft JhengHei UI" panose="020B0604030504040204" pitchFamily="34" charset="-120"/>
+                <a:ea typeface="Microsoft JhengHei UI" panose="020B0604030504040204" pitchFamily="34" charset="-120"/>
+                <a:cs typeface="+mn-cs"/>
+              </a:defRPr>
+            </a:lvl2pPr>
+            <a:lvl3pPr marL="822960" indent="-228600" algn="l" defTabSz="914400" rtl="0" eaLnBrk="1" latinLnBrk="0" hangingPunct="1">
+              <a:lnSpc>
+                <a:spcPct val="90000"/>
+              </a:lnSpc>
+              <a:spcBef>
+                <a:spcPts val="800"/>
+              </a:spcBef>
+              <a:buClr>
+                <a:schemeClr val="tx1"/>
+              </a:buClr>
+              <a:buSzPct val="80000"/>
+              <a:buFont typeface="Wingdings" pitchFamily="2" charset="2"/>
+              <a:buChar char="§"/>
+              <a:defRPr sz="1800" kern="1200">
+                <a:solidFill>
+                  <a:schemeClr val="tx1"/>
+                </a:solidFill>
+                <a:latin typeface="Microsoft JhengHei UI" panose="020B0604030504040204" pitchFamily="34" charset="-120"/>
+                <a:ea typeface="Microsoft JhengHei UI" panose="020B0604030504040204" pitchFamily="34" charset="-120"/>
+                <a:cs typeface="+mn-cs"/>
+              </a:defRPr>
+            </a:lvl3pPr>
+            <a:lvl4pPr marL="1097280" indent="-228600" algn="l" defTabSz="914400" rtl="0" eaLnBrk="1" latinLnBrk="0" hangingPunct="1">
+              <a:lnSpc>
+                <a:spcPct val="90000"/>
+              </a:lnSpc>
+              <a:spcBef>
+                <a:spcPts val="800"/>
+              </a:spcBef>
+              <a:buClr>
+                <a:schemeClr val="tx1"/>
+              </a:buClr>
+              <a:buSzPct val="100000"/>
+              <a:buFont typeface="Arial" pitchFamily="34" charset="0"/>
+              <a:buChar char="–"/>
+              <a:defRPr sz="1600" kern="1200">
+                <a:solidFill>
+                  <a:schemeClr val="tx1"/>
+                </a:solidFill>
+                <a:latin typeface="Microsoft JhengHei UI" panose="020B0604030504040204" pitchFamily="34" charset="-120"/>
+                <a:ea typeface="Microsoft JhengHei UI" panose="020B0604030504040204" pitchFamily="34" charset="-120"/>
+                <a:cs typeface="+mn-cs"/>
+              </a:defRPr>
+            </a:lvl4pPr>
+            <a:lvl5pPr marL="1325880" indent="-228600" algn="l" defTabSz="914400" rtl="0" eaLnBrk="1" latinLnBrk="0" hangingPunct="1">
+              <a:lnSpc>
+                <a:spcPct val="90000"/>
+              </a:lnSpc>
+              <a:spcBef>
+                <a:spcPts val="800"/>
+              </a:spcBef>
+              <a:buClr>
+                <a:schemeClr val="tx1"/>
+              </a:buClr>
+              <a:buSzPct val="80000"/>
+              <a:buFont typeface="Wingdings" pitchFamily="2" charset="2"/>
+              <a:buChar char="§"/>
+              <a:defRPr sz="1600" kern="1200">
+                <a:solidFill>
+                  <a:schemeClr val="tx1"/>
+                </a:solidFill>
+                <a:latin typeface="Microsoft JhengHei UI" panose="020B0604030504040204" pitchFamily="34" charset="-120"/>
+                <a:ea typeface="Microsoft JhengHei UI" panose="020B0604030504040204" pitchFamily="34" charset="-120"/>
+                <a:cs typeface="+mn-cs"/>
+              </a:defRPr>
+            </a:lvl5pPr>
+            <a:lvl6pPr marL="1554480" indent="-228600" algn="l" defTabSz="914400" rtl="0" eaLnBrk="1" latinLnBrk="0" hangingPunct="1">
+              <a:lnSpc>
+                <a:spcPct val="90000"/>
+              </a:lnSpc>
+              <a:spcBef>
+                <a:spcPts val="800"/>
+              </a:spcBef>
+              <a:buClr>
+                <a:schemeClr val="tx1"/>
+              </a:buClr>
+              <a:buSzPct val="100000"/>
+              <a:buFont typeface="Arial" pitchFamily="34" charset="0"/>
+              <a:buChar char="–"/>
+              <a:defRPr sz="1600" kern="1200">
+                <a:solidFill>
+                  <a:schemeClr val="tx1"/>
+                </a:solidFill>
+                <a:latin typeface="+mn-lt"/>
+                <a:ea typeface="+mn-ea"/>
+                <a:cs typeface="+mn-cs"/>
+              </a:defRPr>
+            </a:lvl6pPr>
+            <a:lvl7pPr marL="1783080" indent="-228600" algn="l" defTabSz="914400" rtl="0" eaLnBrk="1" latinLnBrk="0" hangingPunct="1">
+              <a:lnSpc>
+                <a:spcPct val="90000"/>
+              </a:lnSpc>
+              <a:spcBef>
+                <a:spcPts val="800"/>
+              </a:spcBef>
+              <a:buClr>
+                <a:schemeClr val="tx1"/>
+              </a:buClr>
+              <a:buSzPct val="80000"/>
+              <a:buFont typeface="Wingdings" pitchFamily="2" charset="2"/>
+              <a:buChar char="§"/>
+              <a:defRPr sz="1600" kern="1200">
+                <a:solidFill>
+                  <a:schemeClr val="tx1"/>
+                </a:solidFill>
+                <a:latin typeface="+mn-lt"/>
+                <a:ea typeface="+mn-ea"/>
+                <a:cs typeface="+mn-cs"/>
+              </a:defRPr>
+            </a:lvl7pPr>
+            <a:lvl8pPr marL="2011680" indent="-228600" algn="l" defTabSz="914400" rtl="0" eaLnBrk="1" latinLnBrk="0" hangingPunct="1">
+              <a:lnSpc>
+                <a:spcPct val="90000"/>
+              </a:lnSpc>
+              <a:spcBef>
+                <a:spcPts val="800"/>
+              </a:spcBef>
+              <a:buClr>
+                <a:schemeClr val="tx1"/>
+              </a:buClr>
+              <a:buSzPct val="100000"/>
+              <a:buFont typeface="Arial" pitchFamily="34" charset="0"/>
+              <a:buChar char="–"/>
+              <a:defRPr sz="1600" kern="1200">
+                <a:solidFill>
+                  <a:schemeClr val="tx1"/>
+                </a:solidFill>
+                <a:latin typeface="+mn-lt"/>
+                <a:ea typeface="+mn-ea"/>
+                <a:cs typeface="+mn-cs"/>
+              </a:defRPr>
+            </a:lvl8pPr>
+            <a:lvl9pPr marL="2240280" indent="-228600" algn="l" defTabSz="914400" rtl="0" eaLnBrk="1" latinLnBrk="0" hangingPunct="1">
+              <a:lnSpc>
+                <a:spcPct val="90000"/>
+              </a:lnSpc>
+              <a:spcBef>
+                <a:spcPts val="800"/>
+              </a:spcBef>
+              <a:buClr>
+                <a:schemeClr val="tx1"/>
+              </a:buClr>
+              <a:buSzPct val="80000"/>
+              <a:buFont typeface="Wingdings" pitchFamily="2" charset="2"/>
+              <a:buChar char="§"/>
+              <a:defRPr sz="1600" kern="1200">
+                <a:solidFill>
+                  <a:schemeClr val="tx1"/>
+                </a:solidFill>
+                <a:latin typeface="+mn-lt"/>
+                <a:ea typeface="+mn-ea"/>
+                <a:cs typeface="+mn-cs"/>
+              </a:defRPr>
+            </a:lvl9pPr>
+          </a:lstStyle>
+          <a:p>
+            <a:pPr marL="285750" indent="-285750" algn="just">
+              <a:buClr>
+                <a:schemeClr val="accent1"/>
+              </a:buClr>
+              <a:buFont typeface="Wingdings" panose="05000000000000000000" pitchFamily="2" charset="2"/>
+              <a:buChar char="n"/>
+            </a:pPr>
+            <a:r>
+              <a:rPr lang="en-US" altLang="zh-TW" sz="2800" b="1" dirty="0" smtClean="0">
+                <a:solidFill>
+                  <a:schemeClr val="accent1">
+                    <a:lumMod val="75000"/>
+                  </a:schemeClr>
+                </a:solidFill>
+                <a:latin typeface="微軟正黑體" panose="020B0604030504040204" pitchFamily="34" charset="-120"/>
+                <a:ea typeface="微軟正黑體" panose="020B0604030504040204" pitchFamily="34" charset="-120"/>
+              </a:rPr>
+              <a:t>Fiat–Shamir </a:t>
+            </a:r>
+            <a:r>
+              <a:rPr lang="en-US" altLang="zh-TW" sz="2800" b="1" dirty="0">
+                <a:solidFill>
+                  <a:schemeClr val="accent1">
+                    <a:lumMod val="75000"/>
+                  </a:schemeClr>
+                </a:solidFill>
+                <a:latin typeface="微軟正黑體" panose="020B0604030504040204" pitchFamily="34" charset="-120"/>
+                <a:ea typeface="微軟正黑體" panose="020B0604030504040204" pitchFamily="34" charset="-120"/>
+              </a:rPr>
+              <a:t>Heuristic </a:t>
+            </a:r>
+            <a:r>
+              <a:rPr lang="en-US" altLang="zh-TW" sz="2800" b="1" dirty="0" smtClean="0">
+                <a:solidFill>
+                  <a:srgbClr val="FF0000"/>
+                </a:solidFill>
+                <a:latin typeface="微軟正黑體" panose="020B0604030504040204" pitchFamily="34" charset="-120"/>
+                <a:ea typeface="微軟正黑體" panose="020B0604030504040204" pitchFamily="34" charset="-120"/>
+              </a:rPr>
+              <a:t>(</a:t>
+            </a:r>
+            <a:r>
+              <a:rPr lang="zh-TW" altLang="en-US" sz="2800" b="1" dirty="0">
+                <a:solidFill>
+                  <a:srgbClr val="FF0000"/>
+                </a:solidFill>
+                <a:latin typeface="微軟正黑體" panose="020B0604030504040204" pitchFamily="34" charset="-120"/>
+                <a:ea typeface="微軟正黑體" panose="020B0604030504040204" pitchFamily="34" charset="-120"/>
+              </a:rPr>
+              <a:t>○ </a:t>
+            </a:r>
+            <a:r>
+              <a:rPr lang="en-US" altLang="zh-TW" sz="2800" b="1" dirty="0" smtClean="0">
+                <a:solidFill>
+                  <a:srgbClr val="FF0000"/>
+                </a:solidFill>
+                <a:latin typeface="微軟正黑體" panose="020B0604030504040204" pitchFamily="34" charset="-120"/>
+                <a:ea typeface="微軟正黑體" panose="020B0604030504040204" pitchFamily="34" charset="-120"/>
+              </a:rPr>
+              <a:t>/</a:t>
+            </a:r>
+            <a:r>
+              <a:rPr lang="zh-TW" altLang="en-US" sz="2800" b="1" dirty="0" smtClean="0">
+                <a:solidFill>
+                  <a:srgbClr val="FF0000"/>
+                </a:solidFill>
+                <a:latin typeface="微軟正黑體" panose="020B0604030504040204" pitchFamily="34" charset="-120"/>
+                <a:ea typeface="微軟正黑體" panose="020B0604030504040204" pitchFamily="34" charset="-120"/>
+              </a:rPr>
+              <a:t>○</a:t>
+            </a:r>
+            <a:r>
+              <a:rPr lang="en-US" altLang="zh-TW" sz="2800" b="1" dirty="0" smtClean="0">
+                <a:solidFill>
+                  <a:srgbClr val="FF0000"/>
+                </a:solidFill>
+                <a:latin typeface="微軟正黑體" panose="020B0604030504040204" pitchFamily="34" charset="-120"/>
+                <a:ea typeface="微軟正黑體" panose="020B0604030504040204" pitchFamily="34" charset="-120"/>
+              </a:rPr>
+              <a:t>)</a:t>
+            </a:r>
+          </a:p>
+          <a:p>
+            <a:pPr marL="274320" lvl="1" indent="0" algn="just">
+              <a:buClr>
+                <a:schemeClr val="accent1"/>
+              </a:buClr>
+              <a:buNone/>
+            </a:pPr>
+            <a:endParaRPr lang="en-US" altLang="zh-TW" b="1" dirty="0">
+              <a:solidFill>
+                <a:srgbClr val="FF0000"/>
+              </a:solidFill>
+              <a:latin typeface="微軟正黑體" panose="020B0604030504040204" pitchFamily="34" charset="-120"/>
+              <a:ea typeface="微軟正黑體" panose="020B0604030504040204" pitchFamily="34" charset="-120"/>
+            </a:endParaRPr>
+          </a:p>
+          <a:p>
+            <a:pPr marL="285750" indent="-285750" algn="just">
+              <a:buClr>
+                <a:schemeClr val="accent1"/>
+              </a:buClr>
+              <a:buFont typeface="Wingdings" panose="05000000000000000000" pitchFamily="2" charset="2"/>
+              <a:buChar char="n"/>
+            </a:pPr>
+            <a:endParaRPr lang="en-US" altLang="zh-TW" b="1" dirty="0">
+              <a:latin typeface="微軟正黑體" panose="020B0604030504040204" pitchFamily="34" charset="-120"/>
+              <a:ea typeface="微軟正黑體" panose="020B0604030504040204" pitchFamily="34" charset="-120"/>
+            </a:endParaRPr>
+          </a:p>
+        </p:txBody>
+      </p:sp>
+      <p:sp>
+        <p:nvSpPr>
+          <p:cNvPr id="10" name="內容版面配置區 2">
+            <a:extLst>
+              <a:ext uri="{FF2B5EF4-FFF2-40B4-BE49-F238E27FC236}">
+                <a16:creationId xmlns:a16="http://schemas.microsoft.com/office/drawing/2014/main" xmlns="" id="{2E881D55-3B47-403F-8F0E-EDFDE34A1B22}"/>
+              </a:ext>
+            </a:extLst>
+          </p:cNvPr>
+          <p:cNvSpPr>
+            <a:spLocks noGrp="1"/>
+          </p:cNvSpPr>
+          <p:nvPr>
+            <p:ph idx="1"/>
+          </p:nvPr>
+        </p:nvSpPr>
+        <p:spPr>
+          <a:xfrm>
+            <a:off x="192197" y="1700808"/>
+            <a:ext cx="11590847" cy="4384009"/>
+          </a:xfrm>
+        </p:spPr>
+        <p:txBody>
+          <a:bodyPr>
+            <a:normAutofit/>
+          </a:bodyPr>
+          <a:lstStyle/>
+          <a:p>
+            <a:pPr marL="274320" lvl="1" indent="-274320" algn="just">
+              <a:lnSpc>
+                <a:spcPct val="150000"/>
+              </a:lnSpc>
+              <a:spcBef>
+                <a:spcPts val="1800"/>
+              </a:spcBef>
+              <a:buSzPct val="80000"/>
+              <a:buFont typeface="Wingdings" panose="05000000000000000000" pitchFamily="2" charset="2"/>
+              <a:buChar char="Ø"/>
+            </a:pPr>
+            <a:r>
+              <a:rPr lang="zh-TW" altLang="en-US" sz="2400" b="1" dirty="0" smtClean="0">
+                <a:solidFill>
+                  <a:srgbClr val="FF0000"/>
+                </a:solidFill>
+              </a:rPr>
+              <a:t>待</a:t>
+            </a:r>
+            <a:r>
+              <a:rPr lang="zh-TW" altLang="en-US" sz="2400" b="1" dirty="0">
+                <a:solidFill>
+                  <a:srgbClr val="FF0000"/>
+                </a:solidFill>
+              </a:rPr>
+              <a:t>研</a:t>
+            </a:r>
+            <a:r>
+              <a:rPr lang="zh-TW" altLang="en-US" sz="2400" b="1" dirty="0" smtClean="0">
+                <a:solidFill>
+                  <a:srgbClr val="FF0000"/>
+                </a:solidFill>
+              </a:rPr>
+              <a:t>擬</a:t>
+            </a:r>
+            <a:r>
+              <a:rPr lang="en-US" altLang="zh-TW" sz="2400" b="1" dirty="0" smtClean="0">
+                <a:solidFill>
+                  <a:srgbClr val="FF0000"/>
+                </a:solidFill>
+              </a:rPr>
+              <a:t>…</a:t>
+            </a:r>
+          </a:p>
+          <a:p>
+            <a:pPr marL="0" lvl="1" indent="0" algn="just">
+              <a:lnSpc>
+                <a:spcPct val="150000"/>
+              </a:lnSpc>
+              <a:spcBef>
+                <a:spcPts val="1800"/>
+              </a:spcBef>
+              <a:buSzPct val="80000"/>
+              <a:buNone/>
+            </a:pPr>
+            <a:endParaRPr lang="en-US" altLang="zh-TW" sz="2400" b="1" dirty="0"/>
+          </a:p>
+        </p:txBody>
+      </p:sp>
+      <p:sp>
+        <p:nvSpPr>
           <p:cNvPr id="5" name="投影片編號版面配置區 4"/>
           <p:cNvSpPr>
             <a:spLocks noGrp="1"/>
@@ -9614,10 +12275,440 @@
       </p:sp>
       <p:sp>
         <p:nvSpPr>
-          <p:cNvPr id="7" name="標題 1">
+          <p:cNvPr id="19" name="標題 1">
             <a:extLst>
               <a:ext uri="{FF2B5EF4-FFF2-40B4-BE49-F238E27FC236}">
-                <a16:creationId xmlns="" xmlns:a16="http://schemas.microsoft.com/office/drawing/2014/main" id="{50E9A64D-4207-4980-8736-4201C3E0DC63}"/>
+                <a16:creationId xmlns:a16="http://schemas.microsoft.com/office/drawing/2014/main" xmlns="" id="{50E9A64D-4207-4980-8736-4201C3E0DC63}"/>
+              </a:ext>
+            </a:extLst>
+          </p:cNvPr>
+          <p:cNvSpPr>
+            <a:spLocks noGrp="1"/>
+          </p:cNvSpPr>
+          <p:nvPr>
+            <p:ph type="title"/>
+          </p:nvPr>
+        </p:nvSpPr>
+        <p:spPr>
+          <a:xfrm>
+            <a:off x="178447" y="203231"/>
+            <a:ext cx="9143538" cy="1066800"/>
+          </a:xfrm>
+        </p:spPr>
+        <p:txBody>
+          <a:bodyPr>
+            <a:normAutofit/>
+          </a:bodyPr>
+          <a:lstStyle/>
+          <a:p>
+            <a:r>
+              <a:rPr lang="zh-TW" altLang="en-US" sz="4000" b="1" dirty="0"/>
+              <a:t>三</a:t>
+            </a:r>
+            <a:r>
+              <a:rPr lang="zh-TW" altLang="en-US" sz="4000" b="1" dirty="0" smtClean="0"/>
+              <a:t>、</a:t>
+            </a:r>
+            <a:r>
+              <a:rPr lang="zh-TW" altLang="en-US" sz="4000" dirty="0">
+                <a:effectLst>
+                  <a:outerShdw blurRad="38100" dist="38100" dir="2700000" algn="tl">
+                    <a:srgbClr val="000000">
+                      <a:alpha val="43137"/>
+                    </a:srgbClr>
+                  </a:outerShdw>
+                </a:effectLst>
+              </a:rPr>
+              <a:t>系統設計</a:t>
+            </a:r>
+            <a:r>
+              <a:rPr lang="zh-TW" altLang="en-US" sz="4000" dirty="0" smtClean="0">
+                <a:effectLst>
+                  <a:outerShdw blurRad="38100" dist="38100" dir="2700000" algn="tl">
+                    <a:srgbClr val="000000">
+                      <a:alpha val="43137"/>
+                    </a:srgbClr>
+                  </a:outerShdw>
+                </a:effectLst>
+              </a:rPr>
+              <a:t>及</a:t>
+            </a:r>
+            <a:r>
+              <a:rPr lang="zh-TW" altLang="en-US" sz="4000" dirty="0">
+                <a:effectLst>
+                  <a:outerShdw blurRad="38100" dist="38100" dir="2700000" algn="tl">
+                    <a:srgbClr val="000000">
+                      <a:alpha val="43137"/>
+                    </a:srgbClr>
+                  </a:outerShdw>
+                </a:effectLst>
+              </a:rPr>
+              <a:t>專題成果</a:t>
+            </a:r>
+            <a:endParaRPr lang="zh-TW" altLang="en-US" sz="4000" b="1" dirty="0"/>
+          </a:p>
+        </p:txBody>
+      </p:sp>
+    </p:spTree>
+    <p:extLst>
+      <p:ext uri="{BB962C8B-B14F-4D97-AF65-F5344CB8AC3E}">
+        <p14:creationId xmlns:p14="http://schemas.microsoft.com/office/powerpoint/2010/main" val="682866028"/>
+      </p:ext>
+    </p:extLst>
+  </p:cSld>
+  <p:clrMapOvr>
+    <a:masterClrMapping/>
+  </p:clrMapOvr>
+  <mc:AlternateContent xmlns:mc="http://schemas.openxmlformats.org/markup-compatibility/2006" xmlns:p14="http://schemas.microsoft.com/office/powerpoint/2010/main">
+    <mc:Choice Requires="p14">
+      <p:transition spd="med" p14:dur="700">
+        <p:fade/>
+      </p:transition>
+    </mc:Choice>
+    <mc:Fallback xmlns="">
+      <p:transition spd="med">
+        <p:fade/>
+      </p:transition>
+    </mc:Fallback>
+  </mc:AlternateContent>
+  <p:timing>
+    <p:tnLst>
+      <p:par>
+        <p:cTn id="1" dur="indefinite" restart="never" nodeType="tmRoot"/>
+      </p:par>
+    </p:tnLst>
+  </p:timing>
+</p:sld>
+</file>
+
+<file path=ppt/slides/slide16.xml><?xml version="1.0" encoding="utf-8"?>
+<p:sld xmlns:a="http://schemas.openxmlformats.org/drawingml/2006/main" xmlns:r="http://schemas.openxmlformats.org/officeDocument/2006/relationships" xmlns:p="http://schemas.openxmlformats.org/presentationml/2006/main">
+  <p:cSld>
+    <p:spTree>
+      <p:nvGrpSpPr>
+        <p:cNvPr id="1" name=""/>
+        <p:cNvGrpSpPr/>
+        <p:nvPr/>
+      </p:nvGrpSpPr>
+      <p:grpSpPr>
+        <a:xfrm>
+          <a:off x="0" y="0"/>
+          <a:ext cx="0" cy="0"/>
+          <a:chOff x="0" y="0"/>
+          <a:chExt cx="0" cy="0"/>
+        </a:xfrm>
+      </p:grpSpPr>
+      <p:sp>
+        <p:nvSpPr>
+          <p:cNvPr id="3" name="標題 2">
+            <a:extLst>
+              <a:ext uri="{FF2B5EF4-FFF2-40B4-BE49-F238E27FC236}">
+                <a16:creationId xmlns:a16="http://schemas.microsoft.com/office/drawing/2014/main" xmlns="" id="{4ABAB1B2-9811-49A5-968D-AA6F881D5BFC}"/>
+              </a:ext>
+            </a:extLst>
+          </p:cNvPr>
+          <p:cNvSpPr>
+            <a:spLocks noGrp="1"/>
+          </p:cNvSpPr>
+          <p:nvPr>
+            <p:ph type="title"/>
+          </p:nvPr>
+        </p:nvSpPr>
+        <p:spPr>
+          <a:xfrm>
+            <a:off x="0" y="2492896"/>
+            <a:ext cx="5950396" cy="1066800"/>
+          </a:xfrm>
+        </p:spPr>
+        <p:txBody>
+          <a:bodyPr>
+            <a:normAutofit/>
+          </a:bodyPr>
+          <a:lstStyle/>
+          <a:p>
+            <a:pPr>
+              <a:spcAft>
+                <a:spcPts val="1800"/>
+              </a:spcAft>
+            </a:pPr>
+            <a:r>
+              <a:rPr lang="zh-TW" altLang="en-US" dirty="0">
+                <a:effectLst>
+                  <a:outerShdw blurRad="38100" dist="38100" dir="2700000" algn="tl">
+                    <a:srgbClr val="000000">
+                      <a:alpha val="43137"/>
+                    </a:srgbClr>
+                  </a:outerShdw>
+                </a:effectLst>
+              </a:rPr>
+              <a:t>四</a:t>
+            </a:r>
+            <a:r>
+              <a:rPr lang="zh-TW" altLang="en-US" dirty="0" smtClean="0">
+                <a:effectLst>
+                  <a:outerShdw blurRad="38100" dist="38100" dir="2700000" algn="tl">
+                    <a:srgbClr val="000000">
+                      <a:alpha val="43137"/>
+                    </a:srgbClr>
+                  </a:outerShdw>
+                </a:effectLst>
+              </a:rPr>
+              <a:t>、</a:t>
+            </a:r>
+            <a:r>
+              <a:rPr lang="zh-TW" altLang="en-US" dirty="0">
+                <a:effectLst>
+                  <a:outerShdw blurRad="38100" dist="38100" dir="2700000" algn="tl">
+                    <a:srgbClr val="000000">
+                      <a:alpha val="43137"/>
+                    </a:srgbClr>
+                  </a:outerShdw>
+                </a:effectLst>
+              </a:rPr>
+              <a:t>結論</a:t>
+            </a:r>
+            <a:endParaRPr lang="en-US" altLang="zh-TW" dirty="0">
+              <a:effectLst>
+                <a:outerShdw blurRad="38100" dist="38100" dir="2700000" algn="tl">
+                  <a:srgbClr val="000000">
+                    <a:alpha val="43137"/>
+                  </a:srgbClr>
+                </a:outerShdw>
+              </a:effectLst>
+            </a:endParaRPr>
+          </a:p>
+        </p:txBody>
+      </p:sp>
+      <p:sp>
+        <p:nvSpPr>
+          <p:cNvPr id="4" name="內容版面配置區 3">
+            <a:extLst>
+              <a:ext uri="{FF2B5EF4-FFF2-40B4-BE49-F238E27FC236}">
+                <a16:creationId xmlns:a16="http://schemas.microsoft.com/office/drawing/2014/main" xmlns="" id="{FCCA5DD9-09D4-479C-9F96-62D1622C7DB1}"/>
+              </a:ext>
+            </a:extLst>
+          </p:cNvPr>
+          <p:cNvSpPr>
+            <a:spLocks noGrp="1"/>
+          </p:cNvSpPr>
+          <p:nvPr>
+            <p:ph idx="1"/>
+          </p:nvPr>
+        </p:nvSpPr>
+        <p:spPr>
+          <a:xfrm>
+            <a:off x="6886500" y="1772816"/>
+            <a:ext cx="6336704" cy="3888432"/>
+          </a:xfrm>
+        </p:spPr>
+        <p:txBody>
+          <a:bodyPr>
+            <a:noAutofit/>
+          </a:bodyPr>
+          <a:lstStyle/>
+          <a:p>
+            <a:pPr>
+              <a:lnSpc>
+                <a:spcPct val="170000"/>
+              </a:lnSpc>
+              <a:spcBef>
+                <a:spcPts val="0"/>
+              </a:spcBef>
+              <a:buClr>
+                <a:schemeClr val="bg2">
+                  <a:lumMod val="90000"/>
+                </a:schemeClr>
+              </a:buClr>
+              <a:buSzPct val="100000"/>
+            </a:pPr>
+            <a:r>
+              <a:rPr lang="zh-TW" altLang="en-US" sz="2800" dirty="0" smtClean="0"/>
+              <a:t>○</a:t>
+            </a:r>
+            <a:r>
+              <a:rPr lang="zh-TW" altLang="en-US" sz="2800" dirty="0"/>
+              <a:t> </a:t>
+            </a:r>
+            <a:r>
+              <a:rPr lang="zh-TW" altLang="en-US" sz="2800" dirty="0" smtClean="0"/>
+              <a:t>○</a:t>
+            </a:r>
+            <a:r>
+              <a:rPr lang="zh-TW" altLang="en-US" sz="2800" dirty="0"/>
+              <a:t> ○</a:t>
+            </a:r>
+            <a:endParaRPr lang="zh-TW" altLang="en-US" sz="2600" dirty="0"/>
+          </a:p>
+          <a:p>
+            <a:pPr>
+              <a:lnSpc>
+                <a:spcPct val="170000"/>
+              </a:lnSpc>
+              <a:spcBef>
+                <a:spcPts val="0"/>
+              </a:spcBef>
+              <a:buClr>
+                <a:schemeClr val="bg2">
+                  <a:lumMod val="90000"/>
+                </a:schemeClr>
+              </a:buClr>
+              <a:buSzPct val="100000"/>
+            </a:pPr>
+            <a:endParaRPr lang="en-US" altLang="zh-TW" sz="2600" dirty="0"/>
+          </a:p>
+        </p:txBody>
+      </p:sp>
+      <p:sp>
+        <p:nvSpPr>
+          <p:cNvPr id="6" name="投影片編號版面配置區 5"/>
+          <p:cNvSpPr>
+            <a:spLocks noGrp="1"/>
+          </p:cNvSpPr>
+          <p:nvPr>
+            <p:ph type="sldNum" sz="quarter" idx="12"/>
+          </p:nvPr>
+        </p:nvSpPr>
+        <p:spPr/>
+        <p:txBody>
+          <a:bodyPr/>
+          <a:lstStyle/>
+          <a:p>
+            <a:fld id="{DF28FB93-0A08-4E7D-8E63-9EFA29F1E093}" type="slidenum">
+              <a:rPr lang="en-US" altLang="zh-TW" noProof="0" smtClean="0"/>
+              <a:pPr/>
+              <a:t>16</a:t>
+            </a:fld>
+            <a:endParaRPr lang="zh-TW" altLang="en-US" noProof="0"/>
+          </a:p>
+        </p:txBody>
+      </p:sp>
+    </p:spTree>
+    <p:extLst>
+      <p:ext uri="{BB962C8B-B14F-4D97-AF65-F5344CB8AC3E}">
+        <p14:creationId xmlns:p14="http://schemas.microsoft.com/office/powerpoint/2010/main" val="2996812069"/>
+      </p:ext>
+    </p:extLst>
+  </p:cSld>
+  <p:clrMapOvr>
+    <a:masterClrMapping/>
+  </p:clrMapOvr>
+  <mc:AlternateContent xmlns:mc="http://schemas.openxmlformats.org/markup-compatibility/2006" xmlns:p14="http://schemas.microsoft.com/office/powerpoint/2010/main">
+    <mc:Choice Requires="p14">
+      <p:transition spd="med" p14:dur="700">
+        <p:fade/>
+      </p:transition>
+    </mc:Choice>
+    <mc:Fallback xmlns="">
+      <p:transition spd="med">
+        <p:fade/>
+      </p:transition>
+    </mc:Fallback>
+  </mc:AlternateContent>
+  <p:timing>
+    <p:tnLst>
+      <p:par>
+        <p:cTn id="1" dur="indefinite" restart="never" nodeType="tmRoot"/>
+      </p:par>
+    </p:tnLst>
+  </p:timing>
+</p:sld>
+</file>
+
+<file path=ppt/slides/slide17.xml><?xml version="1.0" encoding="utf-8"?>
+<p:sld xmlns:a="http://schemas.openxmlformats.org/drawingml/2006/main" xmlns:r="http://schemas.openxmlformats.org/officeDocument/2006/relationships" xmlns:p="http://schemas.openxmlformats.org/presentationml/2006/main">
+  <p:cSld>
+    <p:spTree>
+      <p:nvGrpSpPr>
+        <p:cNvPr id="1" name=""/>
+        <p:cNvGrpSpPr/>
+        <p:nvPr/>
+      </p:nvGrpSpPr>
+      <p:grpSpPr>
+        <a:xfrm>
+          <a:off x="0" y="0"/>
+          <a:ext cx="0" cy="0"/>
+          <a:chOff x="0" y="0"/>
+          <a:chExt cx="0" cy="0"/>
+        </a:xfrm>
+      </p:grpSpPr>
+      <p:sp>
+        <p:nvSpPr>
+          <p:cNvPr id="5" name="投影片編號版面配置區 4"/>
+          <p:cNvSpPr>
+            <a:spLocks noGrp="1"/>
+          </p:cNvSpPr>
+          <p:nvPr>
+            <p:ph type="sldNum" sz="quarter" idx="12"/>
+          </p:nvPr>
+        </p:nvSpPr>
+        <p:spPr/>
+        <p:txBody>
+          <a:bodyPr/>
+          <a:lstStyle/>
+          <a:p>
+            <a:fld id="{DF28FB93-0A08-4E7D-8E63-9EFA29F1E093}" type="slidenum">
+              <a:rPr lang="en-US" altLang="zh-TW" noProof="0" smtClean="0"/>
+              <a:pPr/>
+              <a:t>17</a:t>
+            </a:fld>
+            <a:endParaRPr lang="zh-TW" altLang="en-US" noProof="0"/>
+          </a:p>
+        </p:txBody>
+      </p:sp>
+      <p:sp>
+        <p:nvSpPr>
+          <p:cNvPr id="19" name="標題 1">
+            <a:extLst>
+              <a:ext uri="{FF2B5EF4-FFF2-40B4-BE49-F238E27FC236}">
+                <a16:creationId xmlns:a16="http://schemas.microsoft.com/office/drawing/2014/main" xmlns="" id="{50E9A64D-4207-4980-8736-4201C3E0DC63}"/>
+              </a:ext>
+            </a:extLst>
+          </p:cNvPr>
+          <p:cNvSpPr>
+            <a:spLocks noGrp="1"/>
+          </p:cNvSpPr>
+          <p:nvPr>
+            <p:ph type="title"/>
+          </p:nvPr>
+        </p:nvSpPr>
+        <p:spPr>
+          <a:xfrm>
+            <a:off x="178447" y="203231"/>
+            <a:ext cx="9143538" cy="1066800"/>
+          </a:xfrm>
+        </p:spPr>
+        <p:txBody>
+          <a:bodyPr>
+            <a:normAutofit/>
+          </a:bodyPr>
+          <a:lstStyle/>
+          <a:p>
+            <a:r>
+              <a:rPr lang="zh-TW" altLang="en-US" sz="4000" b="1" dirty="0" smtClean="0"/>
+              <a:t>四、</a:t>
+            </a:r>
+            <a:r>
+              <a:rPr lang="zh-TW" altLang="en-US" sz="4000" dirty="0">
+                <a:effectLst>
+                  <a:outerShdw blurRad="38100" dist="38100" dir="2700000" algn="tl">
+                    <a:srgbClr val="000000">
+                      <a:alpha val="43137"/>
+                    </a:srgbClr>
+                  </a:outerShdw>
+                </a:effectLst>
+              </a:rPr>
+              <a:t>結論</a:t>
+            </a:r>
+            <a:endParaRPr lang="zh-TW" altLang="en-US" sz="4000" b="1" dirty="0"/>
+          </a:p>
+        </p:txBody>
+      </p:sp>
+      <p:sp>
+        <p:nvSpPr>
+          <p:cNvPr id="24" name="內容版面配置區 2">
+            <a:extLst>
+              <a:ext uri="{FF2B5EF4-FFF2-40B4-BE49-F238E27FC236}">
+                <a16:creationId xmlns:a16="http://schemas.microsoft.com/office/drawing/2014/main" xmlns="" id="{F5C22ADD-7A5D-44F8-969C-F4721C016703}"/>
               </a:ext>
             </a:extLst>
           </p:cNvPr>
@@ -9628,57 +12719,1021 @@
         </p:nvSpPr>
         <p:spPr>
           <a:xfrm>
-            <a:off x="2728398" y="2420888"/>
-            <a:ext cx="8982637" cy="1570856"/>
+            <a:off x="148040" y="1193817"/>
+            <a:ext cx="11758153" cy="4608512"/>
           </a:xfrm>
           <a:prstGeom prst="rect">
             <a:avLst/>
           </a:prstGeom>
         </p:spPr>
         <p:txBody>
-          <a:bodyPr vert="horz" lIns="91440" tIns="45720" rIns="91440" bIns="45720" rtlCol="0" anchor="b">
-            <a:normAutofit fontScale="97500"/>
+          <a:bodyPr vert="horz" lIns="91440" tIns="45720" rIns="91440" bIns="45720" rtlCol="0">
+            <a:normAutofit/>
           </a:bodyPr>
           <a:lstStyle>
-            <a:lvl1pPr algn="l" defTabSz="914400" rtl="0" eaLnBrk="1" latinLnBrk="0" hangingPunct="1">
+            <a:lvl1pPr marL="274320" indent="-274320" algn="l" defTabSz="914400" rtl="0" eaLnBrk="1" latinLnBrk="0" hangingPunct="1">
               <a:lnSpc>
                 <a:spcPct val="90000"/>
               </a:lnSpc>
               <a:spcBef>
-                <a:spcPct val="0"/>
+                <a:spcPts val="1800"/>
               </a:spcBef>
-              <a:buNone/>
-              <a:defRPr sz="3200" kern="1200">
+              <a:buClr>
+                <a:schemeClr val="tx1"/>
+              </a:buClr>
+              <a:buSzPct val="80000"/>
+              <a:buFont typeface="Wingdings" pitchFamily="2" charset="2"/>
+              <a:buChar char="§"/>
+              <a:defRPr sz="2400" kern="1200">
+                <a:solidFill>
+                  <a:schemeClr val="tx1"/>
+                </a:solidFill>
+                <a:latin typeface="Microsoft JhengHei UI" panose="020B0604030504040204" pitchFamily="34" charset="-120"/>
+                <a:ea typeface="Microsoft JhengHei UI" panose="020B0604030504040204" pitchFamily="34" charset="-120"/>
+                <a:cs typeface="+mn-cs"/>
+              </a:defRPr>
+            </a:lvl1pPr>
+            <a:lvl2pPr marL="548640" indent="-228600" algn="l" defTabSz="914400" rtl="0" eaLnBrk="1" latinLnBrk="0" hangingPunct="1">
+              <a:lnSpc>
+                <a:spcPct val="90000"/>
+              </a:lnSpc>
+              <a:spcBef>
+                <a:spcPts val="1000"/>
+              </a:spcBef>
+              <a:buClr>
+                <a:schemeClr val="tx1"/>
+              </a:buClr>
+              <a:buSzPct val="100000"/>
+              <a:buFont typeface="Arial" pitchFamily="34" charset="0"/>
+              <a:buChar char="–"/>
+              <a:defRPr sz="2000" kern="1200">
+                <a:solidFill>
+                  <a:schemeClr val="tx1"/>
+                </a:solidFill>
+                <a:latin typeface="Microsoft JhengHei UI" panose="020B0604030504040204" pitchFamily="34" charset="-120"/>
+                <a:ea typeface="Microsoft JhengHei UI" panose="020B0604030504040204" pitchFamily="34" charset="-120"/>
+                <a:cs typeface="+mn-cs"/>
+              </a:defRPr>
+            </a:lvl2pPr>
+            <a:lvl3pPr marL="822960" indent="-228600" algn="l" defTabSz="914400" rtl="0" eaLnBrk="1" latinLnBrk="0" hangingPunct="1">
+              <a:lnSpc>
+                <a:spcPct val="90000"/>
+              </a:lnSpc>
+              <a:spcBef>
+                <a:spcPts val="800"/>
+              </a:spcBef>
+              <a:buClr>
+                <a:schemeClr val="tx1"/>
+              </a:buClr>
+              <a:buSzPct val="80000"/>
+              <a:buFont typeface="Wingdings" pitchFamily="2" charset="2"/>
+              <a:buChar char="§"/>
+              <a:defRPr sz="1800" kern="1200">
+                <a:solidFill>
+                  <a:schemeClr val="tx1"/>
+                </a:solidFill>
+                <a:latin typeface="Microsoft JhengHei UI" panose="020B0604030504040204" pitchFamily="34" charset="-120"/>
+                <a:ea typeface="Microsoft JhengHei UI" panose="020B0604030504040204" pitchFamily="34" charset="-120"/>
+                <a:cs typeface="+mn-cs"/>
+              </a:defRPr>
+            </a:lvl3pPr>
+            <a:lvl4pPr marL="1097280" indent="-228600" algn="l" defTabSz="914400" rtl="0" eaLnBrk="1" latinLnBrk="0" hangingPunct="1">
+              <a:lnSpc>
+                <a:spcPct val="90000"/>
+              </a:lnSpc>
+              <a:spcBef>
+                <a:spcPts val="800"/>
+              </a:spcBef>
+              <a:buClr>
+                <a:schemeClr val="tx1"/>
+              </a:buClr>
+              <a:buSzPct val="100000"/>
+              <a:buFont typeface="Arial" pitchFamily="34" charset="0"/>
+              <a:buChar char="–"/>
+              <a:defRPr sz="1600" kern="1200">
+                <a:solidFill>
+                  <a:schemeClr val="tx1"/>
+                </a:solidFill>
+                <a:latin typeface="Microsoft JhengHei UI" panose="020B0604030504040204" pitchFamily="34" charset="-120"/>
+                <a:ea typeface="Microsoft JhengHei UI" panose="020B0604030504040204" pitchFamily="34" charset="-120"/>
+                <a:cs typeface="+mn-cs"/>
+              </a:defRPr>
+            </a:lvl4pPr>
+            <a:lvl5pPr marL="1325880" indent="-228600" algn="l" defTabSz="914400" rtl="0" eaLnBrk="1" latinLnBrk="0" hangingPunct="1">
+              <a:lnSpc>
+                <a:spcPct val="90000"/>
+              </a:lnSpc>
+              <a:spcBef>
+                <a:spcPts val="800"/>
+              </a:spcBef>
+              <a:buClr>
+                <a:schemeClr val="tx1"/>
+              </a:buClr>
+              <a:buSzPct val="80000"/>
+              <a:buFont typeface="Wingdings" pitchFamily="2" charset="2"/>
+              <a:buChar char="§"/>
+              <a:defRPr sz="1600" kern="1200">
+                <a:solidFill>
+                  <a:schemeClr val="tx1"/>
+                </a:solidFill>
+                <a:latin typeface="Microsoft JhengHei UI" panose="020B0604030504040204" pitchFamily="34" charset="-120"/>
+                <a:ea typeface="Microsoft JhengHei UI" panose="020B0604030504040204" pitchFamily="34" charset="-120"/>
+                <a:cs typeface="+mn-cs"/>
+              </a:defRPr>
+            </a:lvl5pPr>
+            <a:lvl6pPr marL="1554480" indent="-228600" algn="l" defTabSz="914400" rtl="0" eaLnBrk="1" latinLnBrk="0" hangingPunct="1">
+              <a:lnSpc>
+                <a:spcPct val="90000"/>
+              </a:lnSpc>
+              <a:spcBef>
+                <a:spcPts val="800"/>
+              </a:spcBef>
+              <a:buClr>
+                <a:schemeClr val="tx1"/>
+              </a:buClr>
+              <a:buSzPct val="100000"/>
+              <a:buFont typeface="Arial" pitchFamily="34" charset="0"/>
+              <a:buChar char="–"/>
+              <a:defRPr sz="1600" kern="1200">
+                <a:solidFill>
+                  <a:schemeClr val="tx1"/>
+                </a:solidFill>
+                <a:latin typeface="+mn-lt"/>
+                <a:ea typeface="+mn-ea"/>
+                <a:cs typeface="+mn-cs"/>
+              </a:defRPr>
+            </a:lvl6pPr>
+            <a:lvl7pPr marL="1783080" indent="-228600" algn="l" defTabSz="914400" rtl="0" eaLnBrk="1" latinLnBrk="0" hangingPunct="1">
+              <a:lnSpc>
+                <a:spcPct val="90000"/>
+              </a:lnSpc>
+              <a:spcBef>
+                <a:spcPts val="800"/>
+              </a:spcBef>
+              <a:buClr>
+                <a:schemeClr val="tx1"/>
+              </a:buClr>
+              <a:buSzPct val="80000"/>
+              <a:buFont typeface="Wingdings" pitchFamily="2" charset="2"/>
+              <a:buChar char="§"/>
+              <a:defRPr sz="1600" kern="1200">
+                <a:solidFill>
+                  <a:schemeClr val="tx1"/>
+                </a:solidFill>
+                <a:latin typeface="+mn-lt"/>
+                <a:ea typeface="+mn-ea"/>
+                <a:cs typeface="+mn-cs"/>
+              </a:defRPr>
+            </a:lvl7pPr>
+            <a:lvl8pPr marL="2011680" indent="-228600" algn="l" defTabSz="914400" rtl="0" eaLnBrk="1" latinLnBrk="0" hangingPunct="1">
+              <a:lnSpc>
+                <a:spcPct val="90000"/>
+              </a:lnSpc>
+              <a:spcBef>
+                <a:spcPts val="800"/>
+              </a:spcBef>
+              <a:buClr>
+                <a:schemeClr val="tx1"/>
+              </a:buClr>
+              <a:buSzPct val="100000"/>
+              <a:buFont typeface="Arial" pitchFamily="34" charset="0"/>
+              <a:buChar char="–"/>
+              <a:defRPr sz="1600" kern="1200">
+                <a:solidFill>
+                  <a:schemeClr val="tx1"/>
+                </a:solidFill>
+                <a:latin typeface="+mn-lt"/>
+                <a:ea typeface="+mn-ea"/>
+                <a:cs typeface="+mn-cs"/>
+              </a:defRPr>
+            </a:lvl8pPr>
+            <a:lvl9pPr marL="2240280" indent="-228600" algn="l" defTabSz="914400" rtl="0" eaLnBrk="1" latinLnBrk="0" hangingPunct="1">
+              <a:lnSpc>
+                <a:spcPct val="90000"/>
+              </a:lnSpc>
+              <a:spcBef>
+                <a:spcPts val="800"/>
+              </a:spcBef>
+              <a:buClr>
+                <a:schemeClr val="tx1"/>
+              </a:buClr>
+              <a:buSzPct val="80000"/>
+              <a:buFont typeface="Wingdings" pitchFamily="2" charset="2"/>
+              <a:buChar char="§"/>
+              <a:defRPr sz="1600" kern="1200">
+                <a:solidFill>
+                  <a:schemeClr val="tx1"/>
+                </a:solidFill>
+                <a:latin typeface="+mn-lt"/>
+                <a:ea typeface="+mn-ea"/>
+                <a:cs typeface="+mn-cs"/>
+              </a:defRPr>
+            </a:lvl9pPr>
+          </a:lstStyle>
+          <a:p>
+            <a:pPr marL="285750" indent="-285750" algn="just">
+              <a:buClr>
+                <a:schemeClr val="accent1"/>
+              </a:buClr>
+              <a:buFont typeface="Wingdings" panose="05000000000000000000" pitchFamily="2" charset="2"/>
+              <a:buChar char="n"/>
+            </a:pPr>
+            <a:r>
+              <a:rPr lang="zh-TW" altLang="en-US" sz="2800" b="1" dirty="0" smtClean="0">
                 <a:solidFill>
                   <a:schemeClr val="accent1">
-                    <a:lumMod val="50000"/>
+                    <a:lumMod val="75000"/>
                   </a:schemeClr>
                 </a:solidFill>
-                <a:latin typeface="Microsoft JhengHei UI" panose="020B0604030504040204" pitchFamily="34" charset="-120"/>
-                <a:ea typeface="Microsoft JhengHei UI" panose="020B0604030504040204" pitchFamily="34" charset="-120"/>
-                <a:cs typeface="+mj-cs"/>
-              </a:defRPr>
-            </a:lvl1pPr>
-          </a:lstStyle>
-          <a:p>
-            <a:r>
-              <a:rPr lang="en-US" altLang="zh-TW" sz="6000" b="1" smtClean="0">
                 <a:latin typeface="微軟正黑體" panose="020B0604030504040204" pitchFamily="34" charset="-120"/>
                 <a:ea typeface="微軟正黑體" panose="020B0604030504040204" pitchFamily="34" charset="-120"/>
               </a:rPr>
-              <a:t>Thanks for listening</a:t>
-            </a:r>
-            <a:endParaRPr lang="zh-TW" altLang="en-US" sz="6000" b="1" dirty="0">
+              <a:t>○○○</a:t>
+            </a:r>
+            <a:endParaRPr lang="en-US" altLang="zh-TW" sz="2800" b="1" dirty="0">
+              <a:solidFill>
+                <a:schemeClr val="accent1">
+                  <a:lumMod val="75000"/>
+                </a:schemeClr>
+              </a:solidFill>
               <a:latin typeface="微軟正黑體" panose="020B0604030504040204" pitchFamily="34" charset="-120"/>
               <a:ea typeface="微軟正黑體" panose="020B0604030504040204" pitchFamily="34" charset="-120"/>
             </a:endParaRPr>
           </a:p>
+          <a:p>
+            <a:pPr marL="285750" indent="-285750" algn="just">
+              <a:buClr>
+                <a:schemeClr val="accent1"/>
+              </a:buClr>
+              <a:buFont typeface="Wingdings" panose="05000000000000000000" pitchFamily="2" charset="2"/>
+              <a:buChar char="n"/>
+            </a:pPr>
+            <a:endParaRPr lang="en-US" altLang="zh-TW" b="1" dirty="0">
+              <a:latin typeface="微軟正黑體" panose="020B0604030504040204" pitchFamily="34" charset="-120"/>
+              <a:ea typeface="微軟正黑體" panose="020B0604030504040204" pitchFamily="34" charset="-120"/>
+            </a:endParaRPr>
+          </a:p>
+        </p:txBody>
+      </p:sp>
+      <p:sp>
+        <p:nvSpPr>
+          <p:cNvPr id="20" name="內容版面配置區 2">
+            <a:extLst>
+              <a:ext uri="{FF2B5EF4-FFF2-40B4-BE49-F238E27FC236}">
+                <a16:creationId xmlns:a16="http://schemas.microsoft.com/office/drawing/2014/main" xmlns="" id="{2E881D55-3B47-403F-8F0E-EDFDE34A1B22}"/>
+              </a:ext>
+            </a:extLst>
+          </p:cNvPr>
+          <p:cNvSpPr>
+            <a:spLocks noGrp="1"/>
+          </p:cNvSpPr>
+          <p:nvPr>
+            <p:ph idx="1"/>
+          </p:nvPr>
+        </p:nvSpPr>
+        <p:spPr>
+          <a:xfrm>
+            <a:off x="192197" y="1700808"/>
+            <a:ext cx="11590847" cy="4384009"/>
+          </a:xfrm>
+        </p:spPr>
+        <p:txBody>
+          <a:bodyPr>
+            <a:normAutofit/>
+          </a:bodyPr>
+          <a:lstStyle/>
+          <a:p>
+            <a:pPr marL="274320" lvl="1" indent="-274320" algn="just">
+              <a:lnSpc>
+                <a:spcPct val="150000"/>
+              </a:lnSpc>
+              <a:spcBef>
+                <a:spcPts val="1800"/>
+              </a:spcBef>
+              <a:buSzPct val="80000"/>
+              <a:buFont typeface="Wingdings" panose="05000000000000000000" pitchFamily="2" charset="2"/>
+              <a:buChar char="Ø"/>
+            </a:pPr>
+            <a:r>
+              <a:rPr lang="zh-TW" altLang="en-US" sz="2400" b="1" dirty="0" smtClean="0"/>
+              <a:t>○○○</a:t>
+            </a:r>
+            <a:endParaRPr lang="en-US" altLang="zh-TW" sz="2400" b="1" dirty="0" smtClean="0"/>
+          </a:p>
+          <a:p>
+            <a:pPr marL="548640" lvl="2" indent="-274320" algn="just">
+              <a:lnSpc>
+                <a:spcPct val="150000"/>
+              </a:lnSpc>
+              <a:spcBef>
+                <a:spcPts val="1800"/>
+              </a:spcBef>
+              <a:buFont typeface="Wingdings" panose="05000000000000000000" pitchFamily="2" charset="2"/>
+              <a:buChar char="Ø"/>
+            </a:pPr>
+            <a:r>
+              <a:rPr lang="zh-TW" altLang="en-US" sz="2200" dirty="0" smtClean="0"/>
+              <a:t>○○○</a:t>
+            </a:r>
+            <a:endParaRPr lang="en-US" altLang="zh-TW" sz="2400" b="1" dirty="0"/>
+          </a:p>
         </p:txBody>
       </p:sp>
     </p:spTree>
     <p:extLst>
       <p:ext uri="{BB962C8B-B14F-4D97-AF65-F5344CB8AC3E}">
-        <p14:creationId xmlns:p14="http://schemas.microsoft.com/office/powerpoint/2010/main" val="3563819598"/>
+        <p14:creationId xmlns:p14="http://schemas.microsoft.com/office/powerpoint/2010/main" val="1539068087"/>
+      </p:ext>
+    </p:extLst>
+  </p:cSld>
+  <p:clrMapOvr>
+    <a:masterClrMapping/>
+  </p:clrMapOvr>
+  <mc:AlternateContent xmlns:mc="http://schemas.openxmlformats.org/markup-compatibility/2006" xmlns:p14="http://schemas.microsoft.com/office/powerpoint/2010/main">
+    <mc:Choice Requires="p14">
+      <p:transition spd="med" p14:dur="700">
+        <p:fade/>
+      </p:transition>
+    </mc:Choice>
+    <mc:Fallback xmlns="">
+      <p:transition spd="med">
+        <p:fade/>
+      </p:transition>
+    </mc:Fallback>
+  </mc:AlternateContent>
+  <p:timing>
+    <p:tnLst>
+      <p:par>
+        <p:cTn id="1" dur="indefinite" restart="never" nodeType="tmRoot"/>
+      </p:par>
+    </p:tnLst>
+  </p:timing>
+</p:sld>
+</file>
+
+<file path=ppt/slides/slide18.xml><?xml version="1.0" encoding="utf-8"?>
+<p:sld xmlns:a="http://schemas.openxmlformats.org/drawingml/2006/main" xmlns:r="http://schemas.openxmlformats.org/officeDocument/2006/relationships" xmlns:p="http://schemas.openxmlformats.org/presentationml/2006/main">
+  <p:cSld>
+    <p:spTree>
+      <p:nvGrpSpPr>
+        <p:cNvPr id="1" name=""/>
+        <p:cNvGrpSpPr/>
+        <p:nvPr/>
+      </p:nvGrpSpPr>
+      <p:grpSpPr>
+        <a:xfrm>
+          <a:off x="0" y="0"/>
+          <a:ext cx="0" cy="0"/>
+          <a:chOff x="0" y="0"/>
+          <a:chExt cx="0" cy="0"/>
+        </a:xfrm>
+      </p:grpSpPr>
+      <p:sp>
+        <p:nvSpPr>
+          <p:cNvPr id="3" name="標題 2">
+            <a:extLst>
+              <a:ext uri="{FF2B5EF4-FFF2-40B4-BE49-F238E27FC236}">
+                <a16:creationId xmlns:a16="http://schemas.microsoft.com/office/drawing/2014/main" xmlns="" id="{4ABAB1B2-9811-49A5-968D-AA6F881D5BFC}"/>
+              </a:ext>
+            </a:extLst>
+          </p:cNvPr>
+          <p:cNvSpPr>
+            <a:spLocks noGrp="1"/>
+          </p:cNvSpPr>
+          <p:nvPr>
+            <p:ph type="title"/>
+          </p:nvPr>
+        </p:nvSpPr>
+        <p:spPr>
+          <a:xfrm>
+            <a:off x="0" y="2492896"/>
+            <a:ext cx="5950396" cy="1066800"/>
+          </a:xfrm>
+        </p:spPr>
+        <p:txBody>
+          <a:bodyPr>
+            <a:normAutofit/>
+          </a:bodyPr>
+          <a:lstStyle/>
+          <a:p>
+            <a:pPr>
+              <a:spcAft>
+                <a:spcPts val="1800"/>
+              </a:spcAft>
+            </a:pPr>
+            <a:r>
+              <a:rPr lang="zh-TW" altLang="en-US" sz="3600" dirty="0" smtClean="0">
+                <a:effectLst>
+                  <a:outerShdw blurRad="38100" dist="38100" dir="2700000" algn="tl">
+                    <a:srgbClr val="000000">
+                      <a:alpha val="43137"/>
+                    </a:srgbClr>
+                  </a:outerShdw>
+                </a:effectLst>
+              </a:rPr>
+              <a:t>五、</a:t>
+            </a:r>
+            <a:r>
+              <a:rPr lang="zh-TW" altLang="en-US" sz="3600" dirty="0">
+                <a:effectLst>
+                  <a:outerShdw blurRad="38100" dist="38100" dir="2700000" algn="tl">
+                    <a:srgbClr val="000000">
+                      <a:alpha val="43137"/>
+                    </a:srgbClr>
+                  </a:outerShdw>
+                </a:effectLst>
+              </a:rPr>
+              <a:t>未來展望</a:t>
+            </a:r>
+            <a:endParaRPr lang="en-US" altLang="zh-TW" sz="3600" dirty="0">
+              <a:effectLst>
+                <a:outerShdw blurRad="38100" dist="38100" dir="2700000" algn="tl">
+                  <a:srgbClr val="000000">
+                    <a:alpha val="43137"/>
+                  </a:srgbClr>
+                </a:outerShdw>
+              </a:effectLst>
+            </a:endParaRPr>
+          </a:p>
+        </p:txBody>
+      </p:sp>
+      <p:sp>
+        <p:nvSpPr>
+          <p:cNvPr id="4" name="內容版面配置區 3">
+            <a:extLst>
+              <a:ext uri="{FF2B5EF4-FFF2-40B4-BE49-F238E27FC236}">
+                <a16:creationId xmlns:a16="http://schemas.microsoft.com/office/drawing/2014/main" xmlns="" id="{FCCA5DD9-09D4-479C-9F96-62D1622C7DB1}"/>
+              </a:ext>
+            </a:extLst>
+          </p:cNvPr>
+          <p:cNvSpPr>
+            <a:spLocks noGrp="1"/>
+          </p:cNvSpPr>
+          <p:nvPr>
+            <p:ph idx="1"/>
+          </p:nvPr>
+        </p:nvSpPr>
+        <p:spPr>
+          <a:xfrm>
+            <a:off x="6886500" y="1772816"/>
+            <a:ext cx="6336704" cy="3888432"/>
+          </a:xfrm>
+        </p:spPr>
+        <p:txBody>
+          <a:bodyPr>
+            <a:noAutofit/>
+          </a:bodyPr>
+          <a:lstStyle/>
+          <a:p>
+            <a:pPr>
+              <a:lnSpc>
+                <a:spcPct val="170000"/>
+              </a:lnSpc>
+              <a:spcBef>
+                <a:spcPts val="0"/>
+              </a:spcBef>
+              <a:buClr>
+                <a:schemeClr val="bg2">
+                  <a:lumMod val="90000"/>
+                </a:schemeClr>
+              </a:buClr>
+              <a:buSzPct val="100000"/>
+            </a:pPr>
+            <a:r>
+              <a:rPr lang="zh-TW" altLang="en-US" sz="2400" dirty="0" smtClean="0"/>
+              <a:t>○</a:t>
+            </a:r>
+            <a:r>
+              <a:rPr lang="zh-TW" altLang="en-US" sz="2400" dirty="0"/>
+              <a:t> </a:t>
+            </a:r>
+            <a:r>
+              <a:rPr lang="zh-TW" altLang="en-US" sz="2400" dirty="0" smtClean="0"/>
+              <a:t>○</a:t>
+            </a:r>
+            <a:r>
+              <a:rPr lang="zh-TW" altLang="en-US" sz="2400" dirty="0"/>
+              <a:t> </a:t>
+            </a:r>
+            <a:r>
+              <a:rPr lang="zh-TW" altLang="en-US" sz="2400" dirty="0" smtClean="0"/>
+              <a:t>○</a:t>
+            </a:r>
+            <a:endParaRPr lang="en-US" altLang="zh-TW" sz="2600" dirty="0" smtClean="0"/>
+          </a:p>
+          <a:p>
+            <a:pPr>
+              <a:lnSpc>
+                <a:spcPct val="170000"/>
+              </a:lnSpc>
+              <a:spcBef>
+                <a:spcPts val="0"/>
+              </a:spcBef>
+              <a:buClr>
+                <a:schemeClr val="bg2">
+                  <a:lumMod val="90000"/>
+                </a:schemeClr>
+              </a:buClr>
+              <a:buSzPct val="100000"/>
+            </a:pPr>
+            <a:endParaRPr lang="zh-TW" altLang="en-US" sz="2600" dirty="0"/>
+          </a:p>
+          <a:p>
+            <a:pPr>
+              <a:lnSpc>
+                <a:spcPct val="170000"/>
+              </a:lnSpc>
+              <a:spcBef>
+                <a:spcPts val="0"/>
+              </a:spcBef>
+              <a:buClr>
+                <a:schemeClr val="bg2">
+                  <a:lumMod val="90000"/>
+                </a:schemeClr>
+              </a:buClr>
+              <a:buSzPct val="100000"/>
+            </a:pPr>
+            <a:endParaRPr lang="en-US" altLang="zh-TW" sz="2600" dirty="0"/>
+          </a:p>
+        </p:txBody>
+      </p:sp>
+      <p:sp>
+        <p:nvSpPr>
+          <p:cNvPr id="6" name="投影片編號版面配置區 5"/>
+          <p:cNvSpPr>
+            <a:spLocks noGrp="1"/>
+          </p:cNvSpPr>
+          <p:nvPr>
+            <p:ph type="sldNum" sz="quarter" idx="12"/>
+          </p:nvPr>
+        </p:nvSpPr>
+        <p:spPr/>
+        <p:txBody>
+          <a:bodyPr/>
+          <a:lstStyle/>
+          <a:p>
+            <a:fld id="{DF28FB93-0A08-4E7D-8E63-9EFA29F1E093}" type="slidenum">
+              <a:rPr lang="en-US" altLang="zh-TW" noProof="0" smtClean="0"/>
+              <a:pPr/>
+              <a:t>18</a:t>
+            </a:fld>
+            <a:endParaRPr lang="zh-TW" altLang="en-US" noProof="0"/>
+          </a:p>
+        </p:txBody>
+      </p:sp>
+    </p:spTree>
+    <p:extLst>
+      <p:ext uri="{BB962C8B-B14F-4D97-AF65-F5344CB8AC3E}">
+        <p14:creationId xmlns:p14="http://schemas.microsoft.com/office/powerpoint/2010/main" val="4253339589"/>
+      </p:ext>
+    </p:extLst>
+  </p:cSld>
+  <p:clrMapOvr>
+    <a:masterClrMapping/>
+  </p:clrMapOvr>
+  <mc:AlternateContent xmlns:mc="http://schemas.openxmlformats.org/markup-compatibility/2006" xmlns:p14="http://schemas.microsoft.com/office/powerpoint/2010/main">
+    <mc:Choice Requires="p14">
+      <p:transition spd="med" p14:dur="700">
+        <p:fade/>
+      </p:transition>
+    </mc:Choice>
+    <mc:Fallback xmlns="">
+      <p:transition spd="med">
+        <p:fade/>
+      </p:transition>
+    </mc:Fallback>
+  </mc:AlternateContent>
+  <p:timing>
+    <p:tnLst>
+      <p:par>
+        <p:cTn id="1" dur="indefinite" restart="never" nodeType="tmRoot"/>
+      </p:par>
+    </p:tnLst>
+  </p:timing>
+</p:sld>
+</file>
+
+<file path=ppt/slides/slide19.xml><?xml version="1.0" encoding="utf-8"?>
+<p:sld xmlns:a="http://schemas.openxmlformats.org/drawingml/2006/main" xmlns:r="http://schemas.openxmlformats.org/officeDocument/2006/relationships" xmlns:p="http://schemas.openxmlformats.org/presentationml/2006/main">
+  <p:cSld>
+    <p:spTree>
+      <p:nvGrpSpPr>
+        <p:cNvPr id="1" name=""/>
+        <p:cNvGrpSpPr/>
+        <p:nvPr/>
+      </p:nvGrpSpPr>
+      <p:grpSpPr>
+        <a:xfrm>
+          <a:off x="0" y="0"/>
+          <a:ext cx="0" cy="0"/>
+          <a:chOff x="0" y="0"/>
+          <a:chExt cx="0" cy="0"/>
+        </a:xfrm>
+      </p:grpSpPr>
+      <p:sp>
+        <p:nvSpPr>
+          <p:cNvPr id="5" name="投影片編號版面配置區 4"/>
+          <p:cNvSpPr>
+            <a:spLocks noGrp="1"/>
+          </p:cNvSpPr>
+          <p:nvPr>
+            <p:ph type="sldNum" sz="quarter" idx="12"/>
+          </p:nvPr>
+        </p:nvSpPr>
+        <p:spPr/>
+        <p:txBody>
+          <a:bodyPr/>
+          <a:lstStyle/>
+          <a:p>
+            <a:fld id="{DF28FB93-0A08-4E7D-8E63-9EFA29F1E093}" type="slidenum">
+              <a:rPr lang="en-US" altLang="zh-TW" noProof="0" smtClean="0"/>
+              <a:pPr/>
+              <a:t>19</a:t>
+            </a:fld>
+            <a:endParaRPr lang="zh-TW" altLang="en-US" noProof="0"/>
+          </a:p>
+        </p:txBody>
+      </p:sp>
+      <p:sp>
+        <p:nvSpPr>
+          <p:cNvPr id="19" name="標題 1">
+            <a:extLst>
+              <a:ext uri="{FF2B5EF4-FFF2-40B4-BE49-F238E27FC236}">
+                <a16:creationId xmlns:a16="http://schemas.microsoft.com/office/drawing/2014/main" xmlns="" id="{50E9A64D-4207-4980-8736-4201C3E0DC63}"/>
+              </a:ext>
+            </a:extLst>
+          </p:cNvPr>
+          <p:cNvSpPr>
+            <a:spLocks noGrp="1"/>
+          </p:cNvSpPr>
+          <p:nvPr>
+            <p:ph type="title"/>
+          </p:nvPr>
+        </p:nvSpPr>
+        <p:spPr>
+          <a:xfrm>
+            <a:off x="178447" y="203231"/>
+            <a:ext cx="9143538" cy="1066800"/>
+          </a:xfrm>
+        </p:spPr>
+        <p:txBody>
+          <a:bodyPr>
+            <a:normAutofit/>
+          </a:bodyPr>
+          <a:lstStyle/>
+          <a:p>
+            <a:r>
+              <a:rPr lang="zh-TW" altLang="en-US" sz="4000" b="1" dirty="0"/>
+              <a:t>五</a:t>
+            </a:r>
+            <a:r>
+              <a:rPr lang="zh-TW" altLang="en-US" sz="4000" b="1" dirty="0" smtClean="0"/>
+              <a:t>、未來展望</a:t>
+            </a:r>
+            <a:endParaRPr lang="zh-TW" altLang="en-US" sz="4000" b="1" dirty="0"/>
+          </a:p>
+        </p:txBody>
+      </p:sp>
+      <p:sp>
+        <p:nvSpPr>
+          <p:cNvPr id="24" name="內容版面配置區 2">
+            <a:extLst>
+              <a:ext uri="{FF2B5EF4-FFF2-40B4-BE49-F238E27FC236}">
+                <a16:creationId xmlns:a16="http://schemas.microsoft.com/office/drawing/2014/main" xmlns="" id="{F5C22ADD-7A5D-44F8-969C-F4721C016703}"/>
+              </a:ext>
+            </a:extLst>
+          </p:cNvPr>
+          <p:cNvSpPr txBox="1">
+            <a:spLocks/>
+          </p:cNvSpPr>
+          <p:nvPr/>
+        </p:nvSpPr>
+        <p:spPr>
+          <a:xfrm>
+            <a:off x="148040" y="1193817"/>
+            <a:ext cx="11758153" cy="4608512"/>
+          </a:xfrm>
+          <a:prstGeom prst="rect">
+            <a:avLst/>
+          </a:prstGeom>
+        </p:spPr>
+        <p:txBody>
+          <a:bodyPr vert="horz" lIns="91440" tIns="45720" rIns="91440" bIns="45720" rtlCol="0">
+            <a:normAutofit/>
+          </a:bodyPr>
+          <a:lstStyle>
+            <a:lvl1pPr marL="274320" indent="-274320" algn="l" defTabSz="914400" rtl="0" eaLnBrk="1" latinLnBrk="0" hangingPunct="1">
+              <a:lnSpc>
+                <a:spcPct val="90000"/>
+              </a:lnSpc>
+              <a:spcBef>
+                <a:spcPts val="1800"/>
+              </a:spcBef>
+              <a:buClr>
+                <a:schemeClr val="tx1"/>
+              </a:buClr>
+              <a:buSzPct val="80000"/>
+              <a:buFont typeface="Wingdings" pitchFamily="2" charset="2"/>
+              <a:buChar char="§"/>
+              <a:defRPr sz="2400" kern="1200">
+                <a:solidFill>
+                  <a:schemeClr val="tx1"/>
+                </a:solidFill>
+                <a:latin typeface="Microsoft JhengHei UI" panose="020B0604030504040204" pitchFamily="34" charset="-120"/>
+                <a:ea typeface="Microsoft JhengHei UI" panose="020B0604030504040204" pitchFamily="34" charset="-120"/>
+                <a:cs typeface="+mn-cs"/>
+              </a:defRPr>
+            </a:lvl1pPr>
+            <a:lvl2pPr marL="548640" indent="-228600" algn="l" defTabSz="914400" rtl="0" eaLnBrk="1" latinLnBrk="0" hangingPunct="1">
+              <a:lnSpc>
+                <a:spcPct val="90000"/>
+              </a:lnSpc>
+              <a:spcBef>
+                <a:spcPts val="1000"/>
+              </a:spcBef>
+              <a:buClr>
+                <a:schemeClr val="tx1"/>
+              </a:buClr>
+              <a:buSzPct val="100000"/>
+              <a:buFont typeface="Arial" pitchFamily="34" charset="0"/>
+              <a:buChar char="–"/>
+              <a:defRPr sz="2000" kern="1200">
+                <a:solidFill>
+                  <a:schemeClr val="tx1"/>
+                </a:solidFill>
+                <a:latin typeface="Microsoft JhengHei UI" panose="020B0604030504040204" pitchFamily="34" charset="-120"/>
+                <a:ea typeface="Microsoft JhengHei UI" panose="020B0604030504040204" pitchFamily="34" charset="-120"/>
+                <a:cs typeface="+mn-cs"/>
+              </a:defRPr>
+            </a:lvl2pPr>
+            <a:lvl3pPr marL="822960" indent="-228600" algn="l" defTabSz="914400" rtl="0" eaLnBrk="1" latinLnBrk="0" hangingPunct="1">
+              <a:lnSpc>
+                <a:spcPct val="90000"/>
+              </a:lnSpc>
+              <a:spcBef>
+                <a:spcPts val="800"/>
+              </a:spcBef>
+              <a:buClr>
+                <a:schemeClr val="tx1"/>
+              </a:buClr>
+              <a:buSzPct val="80000"/>
+              <a:buFont typeface="Wingdings" pitchFamily="2" charset="2"/>
+              <a:buChar char="§"/>
+              <a:defRPr sz="1800" kern="1200">
+                <a:solidFill>
+                  <a:schemeClr val="tx1"/>
+                </a:solidFill>
+                <a:latin typeface="Microsoft JhengHei UI" panose="020B0604030504040204" pitchFamily="34" charset="-120"/>
+                <a:ea typeface="Microsoft JhengHei UI" panose="020B0604030504040204" pitchFamily="34" charset="-120"/>
+                <a:cs typeface="+mn-cs"/>
+              </a:defRPr>
+            </a:lvl3pPr>
+            <a:lvl4pPr marL="1097280" indent="-228600" algn="l" defTabSz="914400" rtl="0" eaLnBrk="1" latinLnBrk="0" hangingPunct="1">
+              <a:lnSpc>
+                <a:spcPct val="90000"/>
+              </a:lnSpc>
+              <a:spcBef>
+                <a:spcPts val="800"/>
+              </a:spcBef>
+              <a:buClr>
+                <a:schemeClr val="tx1"/>
+              </a:buClr>
+              <a:buSzPct val="100000"/>
+              <a:buFont typeface="Arial" pitchFamily="34" charset="0"/>
+              <a:buChar char="–"/>
+              <a:defRPr sz="1600" kern="1200">
+                <a:solidFill>
+                  <a:schemeClr val="tx1"/>
+                </a:solidFill>
+                <a:latin typeface="Microsoft JhengHei UI" panose="020B0604030504040204" pitchFamily="34" charset="-120"/>
+                <a:ea typeface="Microsoft JhengHei UI" panose="020B0604030504040204" pitchFamily="34" charset="-120"/>
+                <a:cs typeface="+mn-cs"/>
+              </a:defRPr>
+            </a:lvl4pPr>
+            <a:lvl5pPr marL="1325880" indent="-228600" algn="l" defTabSz="914400" rtl="0" eaLnBrk="1" latinLnBrk="0" hangingPunct="1">
+              <a:lnSpc>
+                <a:spcPct val="90000"/>
+              </a:lnSpc>
+              <a:spcBef>
+                <a:spcPts val="800"/>
+              </a:spcBef>
+              <a:buClr>
+                <a:schemeClr val="tx1"/>
+              </a:buClr>
+              <a:buSzPct val="80000"/>
+              <a:buFont typeface="Wingdings" pitchFamily="2" charset="2"/>
+              <a:buChar char="§"/>
+              <a:defRPr sz="1600" kern="1200">
+                <a:solidFill>
+                  <a:schemeClr val="tx1"/>
+                </a:solidFill>
+                <a:latin typeface="Microsoft JhengHei UI" panose="020B0604030504040204" pitchFamily="34" charset="-120"/>
+                <a:ea typeface="Microsoft JhengHei UI" panose="020B0604030504040204" pitchFamily="34" charset="-120"/>
+                <a:cs typeface="+mn-cs"/>
+              </a:defRPr>
+            </a:lvl5pPr>
+            <a:lvl6pPr marL="1554480" indent="-228600" algn="l" defTabSz="914400" rtl="0" eaLnBrk="1" latinLnBrk="0" hangingPunct="1">
+              <a:lnSpc>
+                <a:spcPct val="90000"/>
+              </a:lnSpc>
+              <a:spcBef>
+                <a:spcPts val="800"/>
+              </a:spcBef>
+              <a:buClr>
+                <a:schemeClr val="tx1"/>
+              </a:buClr>
+              <a:buSzPct val="100000"/>
+              <a:buFont typeface="Arial" pitchFamily="34" charset="0"/>
+              <a:buChar char="–"/>
+              <a:defRPr sz="1600" kern="1200">
+                <a:solidFill>
+                  <a:schemeClr val="tx1"/>
+                </a:solidFill>
+                <a:latin typeface="+mn-lt"/>
+                <a:ea typeface="+mn-ea"/>
+                <a:cs typeface="+mn-cs"/>
+              </a:defRPr>
+            </a:lvl6pPr>
+            <a:lvl7pPr marL="1783080" indent="-228600" algn="l" defTabSz="914400" rtl="0" eaLnBrk="1" latinLnBrk="0" hangingPunct="1">
+              <a:lnSpc>
+                <a:spcPct val="90000"/>
+              </a:lnSpc>
+              <a:spcBef>
+                <a:spcPts val="800"/>
+              </a:spcBef>
+              <a:buClr>
+                <a:schemeClr val="tx1"/>
+              </a:buClr>
+              <a:buSzPct val="80000"/>
+              <a:buFont typeface="Wingdings" pitchFamily="2" charset="2"/>
+              <a:buChar char="§"/>
+              <a:defRPr sz="1600" kern="1200">
+                <a:solidFill>
+                  <a:schemeClr val="tx1"/>
+                </a:solidFill>
+                <a:latin typeface="+mn-lt"/>
+                <a:ea typeface="+mn-ea"/>
+                <a:cs typeface="+mn-cs"/>
+              </a:defRPr>
+            </a:lvl7pPr>
+            <a:lvl8pPr marL="2011680" indent="-228600" algn="l" defTabSz="914400" rtl="0" eaLnBrk="1" latinLnBrk="0" hangingPunct="1">
+              <a:lnSpc>
+                <a:spcPct val="90000"/>
+              </a:lnSpc>
+              <a:spcBef>
+                <a:spcPts val="800"/>
+              </a:spcBef>
+              <a:buClr>
+                <a:schemeClr val="tx1"/>
+              </a:buClr>
+              <a:buSzPct val="100000"/>
+              <a:buFont typeface="Arial" pitchFamily="34" charset="0"/>
+              <a:buChar char="–"/>
+              <a:defRPr sz="1600" kern="1200">
+                <a:solidFill>
+                  <a:schemeClr val="tx1"/>
+                </a:solidFill>
+                <a:latin typeface="+mn-lt"/>
+                <a:ea typeface="+mn-ea"/>
+                <a:cs typeface="+mn-cs"/>
+              </a:defRPr>
+            </a:lvl8pPr>
+            <a:lvl9pPr marL="2240280" indent="-228600" algn="l" defTabSz="914400" rtl="0" eaLnBrk="1" latinLnBrk="0" hangingPunct="1">
+              <a:lnSpc>
+                <a:spcPct val="90000"/>
+              </a:lnSpc>
+              <a:spcBef>
+                <a:spcPts val="800"/>
+              </a:spcBef>
+              <a:buClr>
+                <a:schemeClr val="tx1"/>
+              </a:buClr>
+              <a:buSzPct val="80000"/>
+              <a:buFont typeface="Wingdings" pitchFamily="2" charset="2"/>
+              <a:buChar char="§"/>
+              <a:defRPr sz="1600" kern="1200">
+                <a:solidFill>
+                  <a:schemeClr val="tx1"/>
+                </a:solidFill>
+                <a:latin typeface="+mn-lt"/>
+                <a:ea typeface="+mn-ea"/>
+                <a:cs typeface="+mn-cs"/>
+              </a:defRPr>
+            </a:lvl9pPr>
+          </a:lstStyle>
+          <a:p>
+            <a:pPr marL="285750" indent="-285750" algn="just">
+              <a:buClr>
+                <a:schemeClr val="accent1"/>
+              </a:buClr>
+              <a:buFont typeface="Wingdings" panose="05000000000000000000" pitchFamily="2" charset="2"/>
+              <a:buChar char="n"/>
+            </a:pPr>
+            <a:r>
+              <a:rPr lang="zh-TW" altLang="en-US" sz="2800" b="1" dirty="0" smtClean="0">
+                <a:solidFill>
+                  <a:schemeClr val="accent1">
+                    <a:lumMod val="75000"/>
+                  </a:schemeClr>
+                </a:solidFill>
+                <a:latin typeface="微軟正黑體" panose="020B0604030504040204" pitchFamily="34" charset="-120"/>
+                <a:ea typeface="微軟正黑體" panose="020B0604030504040204" pitchFamily="34" charset="-120"/>
+              </a:rPr>
+              <a:t>○○○</a:t>
+            </a:r>
+            <a:endParaRPr lang="en-US" altLang="zh-TW" sz="2800" b="1" dirty="0">
+              <a:solidFill>
+                <a:schemeClr val="accent1">
+                  <a:lumMod val="75000"/>
+                </a:schemeClr>
+              </a:solidFill>
+              <a:latin typeface="微軟正黑體" panose="020B0604030504040204" pitchFamily="34" charset="-120"/>
+              <a:ea typeface="微軟正黑體" panose="020B0604030504040204" pitchFamily="34" charset="-120"/>
+            </a:endParaRPr>
+          </a:p>
+          <a:p>
+            <a:pPr marL="285750" indent="-285750" algn="just">
+              <a:buClr>
+                <a:schemeClr val="accent1"/>
+              </a:buClr>
+              <a:buFont typeface="Wingdings" panose="05000000000000000000" pitchFamily="2" charset="2"/>
+              <a:buChar char="n"/>
+            </a:pPr>
+            <a:endParaRPr lang="en-US" altLang="zh-TW" b="1" dirty="0">
+              <a:latin typeface="微軟正黑體" panose="020B0604030504040204" pitchFamily="34" charset="-120"/>
+              <a:ea typeface="微軟正黑體" panose="020B0604030504040204" pitchFamily="34" charset="-120"/>
+            </a:endParaRPr>
+          </a:p>
+        </p:txBody>
+      </p:sp>
+      <p:sp>
+        <p:nvSpPr>
+          <p:cNvPr id="20" name="內容版面配置區 2">
+            <a:extLst>
+              <a:ext uri="{FF2B5EF4-FFF2-40B4-BE49-F238E27FC236}">
+                <a16:creationId xmlns:a16="http://schemas.microsoft.com/office/drawing/2014/main" xmlns="" id="{2E881D55-3B47-403F-8F0E-EDFDE34A1B22}"/>
+              </a:ext>
+            </a:extLst>
+          </p:cNvPr>
+          <p:cNvSpPr>
+            <a:spLocks noGrp="1"/>
+          </p:cNvSpPr>
+          <p:nvPr>
+            <p:ph idx="1"/>
+          </p:nvPr>
+        </p:nvSpPr>
+        <p:spPr>
+          <a:xfrm>
+            <a:off x="192197" y="1700808"/>
+            <a:ext cx="11590847" cy="4384009"/>
+          </a:xfrm>
+        </p:spPr>
+        <p:txBody>
+          <a:bodyPr>
+            <a:normAutofit/>
+          </a:bodyPr>
+          <a:lstStyle/>
+          <a:p>
+            <a:pPr marL="274320" lvl="1" indent="-274320" algn="just">
+              <a:lnSpc>
+                <a:spcPct val="150000"/>
+              </a:lnSpc>
+              <a:spcBef>
+                <a:spcPts val="1800"/>
+              </a:spcBef>
+              <a:buSzPct val="80000"/>
+              <a:buFont typeface="Wingdings" panose="05000000000000000000" pitchFamily="2" charset="2"/>
+              <a:buChar char="Ø"/>
+            </a:pPr>
+            <a:r>
+              <a:rPr lang="zh-TW" altLang="en-US" sz="2400" b="1" dirty="0" smtClean="0"/>
+              <a:t>○○○</a:t>
+            </a:r>
+            <a:endParaRPr lang="en-US" altLang="zh-TW" sz="2400" b="1" dirty="0" smtClean="0"/>
+          </a:p>
+          <a:p>
+            <a:pPr marL="548640" lvl="2" indent="-274320" algn="just">
+              <a:lnSpc>
+                <a:spcPct val="150000"/>
+              </a:lnSpc>
+              <a:spcBef>
+                <a:spcPts val="1800"/>
+              </a:spcBef>
+              <a:buFont typeface="Wingdings" panose="05000000000000000000" pitchFamily="2" charset="2"/>
+              <a:buChar char="Ø"/>
+            </a:pPr>
+            <a:r>
+              <a:rPr lang="zh-TW" altLang="en-US" sz="2200" dirty="0" smtClean="0"/>
+              <a:t>○○○</a:t>
+            </a:r>
+            <a:endParaRPr lang="en-US" altLang="zh-TW" sz="2400" b="1" dirty="0"/>
+          </a:p>
+        </p:txBody>
+      </p:sp>
+    </p:spTree>
+    <p:extLst>
+      <p:ext uri="{BB962C8B-B14F-4D97-AF65-F5344CB8AC3E}">
+        <p14:creationId xmlns:p14="http://schemas.microsoft.com/office/powerpoint/2010/main" val="1730274943"/>
       </p:ext>
     </p:extLst>
   </p:cSld>
@@ -9729,7 +13784,7 @@
           <p:cNvPr id="4" name="標題 1">
             <a:extLst>
               <a:ext uri="{FF2B5EF4-FFF2-40B4-BE49-F238E27FC236}">
-                <a16:creationId xmlns="" xmlns:a16="http://schemas.microsoft.com/office/drawing/2014/main" id="{5E6B7CFB-F29E-40F1-941C-60839576EFD3}"/>
+                <a16:creationId xmlns:a16="http://schemas.microsoft.com/office/drawing/2014/main" xmlns="" id="{5E6B7CFB-F29E-40F1-941C-60839576EFD3}"/>
               </a:ext>
             </a:extLst>
           </p:cNvPr>
@@ -9795,7 +13850,7 @@
           <p:cNvPr id="5" name="內容版面配置區 2">
             <a:extLst>
               <a:ext uri="{FF2B5EF4-FFF2-40B4-BE49-F238E27FC236}">
-                <a16:creationId xmlns="" xmlns:a16="http://schemas.microsoft.com/office/drawing/2014/main" id="{A302D0AD-FC16-4984-8880-9A709EF0C7EB}"/>
+                <a16:creationId xmlns:a16="http://schemas.microsoft.com/office/drawing/2014/main" xmlns="" id="{A302D0AD-FC16-4984-8880-9A709EF0C7EB}"/>
               </a:ext>
             </a:extLst>
           </p:cNvPr>
@@ -10042,19 +14097,7 @@
                   </a:outerShdw>
                 </a:effectLst>
               </a:rPr>
-              <a:t>背景</a:t>
-            </a:r>
-            <a:r>
-              <a:rPr lang="zh-TW" altLang="en-US" sz="3200" b="1" dirty="0" smtClean="0">
-                <a:effectLst>
-                  <a:outerShdw blurRad="38100" dist="38100" dir="2700000" algn="tl">
-                    <a:srgbClr val="000000">
-                      <a:alpha val="43137"/>
-                    </a:srgbClr>
-                  </a:outerShdw>
-                </a:effectLst>
-              </a:rPr>
-              <a:t>介紹及動機說明</a:t>
+              <a:t>背景介紹及動機說明</a:t>
             </a:r>
             <a:endParaRPr lang="en-US" altLang="zh-TW" sz="3200" b="1" dirty="0">
               <a:effectLst>
@@ -10264,6 +14307,586 @@
     <p:extLst>
       <p:ext uri="{BB962C8B-B14F-4D97-AF65-F5344CB8AC3E}">
         <p14:creationId xmlns:p14="http://schemas.microsoft.com/office/powerpoint/2010/main" val="1670488199"/>
+      </p:ext>
+    </p:extLst>
+  </p:cSld>
+  <p:clrMapOvr>
+    <a:masterClrMapping/>
+  </p:clrMapOvr>
+  <mc:AlternateContent xmlns:mc="http://schemas.openxmlformats.org/markup-compatibility/2006" xmlns:p14="http://schemas.microsoft.com/office/powerpoint/2010/main">
+    <mc:Choice Requires="p14">
+      <p:transition spd="med" p14:dur="700">
+        <p:fade/>
+      </p:transition>
+    </mc:Choice>
+    <mc:Fallback xmlns="">
+      <p:transition spd="med">
+        <p:fade/>
+      </p:transition>
+    </mc:Fallback>
+  </mc:AlternateContent>
+  <p:timing>
+    <p:tnLst>
+      <p:par>
+        <p:cTn id="1" dur="indefinite" restart="never" nodeType="tmRoot"/>
+      </p:par>
+    </p:tnLst>
+  </p:timing>
+</p:sld>
+</file>
+
+<file path=ppt/slides/slide20.xml><?xml version="1.0" encoding="utf-8"?>
+<p:sld xmlns:a="http://schemas.openxmlformats.org/drawingml/2006/main" xmlns:r="http://schemas.openxmlformats.org/officeDocument/2006/relationships" xmlns:p="http://schemas.openxmlformats.org/presentationml/2006/main">
+  <p:cSld>
+    <p:spTree>
+      <p:nvGrpSpPr>
+        <p:cNvPr id="1" name=""/>
+        <p:cNvGrpSpPr/>
+        <p:nvPr/>
+      </p:nvGrpSpPr>
+      <p:grpSpPr>
+        <a:xfrm>
+          <a:off x="0" y="0"/>
+          <a:ext cx="0" cy="0"/>
+          <a:chOff x="0" y="0"/>
+          <a:chExt cx="0" cy="0"/>
+        </a:xfrm>
+      </p:grpSpPr>
+      <p:sp>
+        <p:nvSpPr>
+          <p:cNvPr id="5" name="投影片編號版面配置區 4"/>
+          <p:cNvSpPr>
+            <a:spLocks noGrp="1"/>
+          </p:cNvSpPr>
+          <p:nvPr>
+            <p:ph type="sldNum" sz="quarter" idx="12"/>
+          </p:nvPr>
+        </p:nvSpPr>
+        <p:spPr/>
+        <p:txBody>
+          <a:bodyPr/>
+          <a:lstStyle/>
+          <a:p>
+            <a:fld id="{DF28FB93-0A08-4E7D-8E63-9EFA29F1E093}" type="slidenum">
+              <a:rPr lang="en-US" altLang="zh-TW" noProof="0" smtClean="0"/>
+              <a:pPr/>
+              <a:t>20</a:t>
+            </a:fld>
+            <a:endParaRPr lang="zh-TW" altLang="en-US" noProof="0"/>
+          </a:p>
+        </p:txBody>
+      </p:sp>
+      <p:sp>
+        <p:nvSpPr>
+          <p:cNvPr id="19" name="標題 1">
+            <a:extLst>
+              <a:ext uri="{FF2B5EF4-FFF2-40B4-BE49-F238E27FC236}">
+                <a16:creationId xmlns:a16="http://schemas.microsoft.com/office/drawing/2014/main" xmlns="" id="{50E9A64D-4207-4980-8736-4201C3E0DC63}"/>
+              </a:ext>
+            </a:extLst>
+          </p:cNvPr>
+          <p:cNvSpPr>
+            <a:spLocks noGrp="1"/>
+          </p:cNvSpPr>
+          <p:nvPr>
+            <p:ph type="title"/>
+          </p:nvPr>
+        </p:nvSpPr>
+        <p:spPr>
+          <a:xfrm>
+            <a:off x="178447" y="203231"/>
+            <a:ext cx="9143538" cy="1066800"/>
+          </a:xfrm>
+        </p:spPr>
+        <p:txBody>
+          <a:bodyPr>
+            <a:normAutofit/>
+          </a:bodyPr>
+          <a:lstStyle/>
+          <a:p>
+            <a:r>
+              <a:rPr lang="zh-TW" altLang="en-US" sz="4000" b="1" dirty="0"/>
+              <a:t>參考文獻</a:t>
+            </a:r>
+          </a:p>
+        </p:txBody>
+      </p:sp>
+      <p:sp>
+        <p:nvSpPr>
+          <p:cNvPr id="24" name="內容版面配置區 2">
+            <a:extLst>
+              <a:ext uri="{FF2B5EF4-FFF2-40B4-BE49-F238E27FC236}">
+                <a16:creationId xmlns:a16="http://schemas.microsoft.com/office/drawing/2014/main" xmlns="" id="{F5C22ADD-7A5D-44F8-969C-F4721C016703}"/>
+              </a:ext>
+            </a:extLst>
+          </p:cNvPr>
+          <p:cNvSpPr txBox="1">
+            <a:spLocks/>
+          </p:cNvSpPr>
+          <p:nvPr/>
+        </p:nvSpPr>
+        <p:spPr>
+          <a:xfrm>
+            <a:off x="148040" y="1193817"/>
+            <a:ext cx="11758153" cy="4608512"/>
+          </a:xfrm>
+          <a:prstGeom prst="rect">
+            <a:avLst/>
+          </a:prstGeom>
+        </p:spPr>
+        <p:txBody>
+          <a:bodyPr vert="horz" lIns="91440" tIns="45720" rIns="91440" bIns="45720" rtlCol="0">
+            <a:normAutofit/>
+          </a:bodyPr>
+          <a:lstStyle>
+            <a:lvl1pPr marL="274320" indent="-274320" algn="l" defTabSz="914400" rtl="0" eaLnBrk="1" latinLnBrk="0" hangingPunct="1">
+              <a:lnSpc>
+                <a:spcPct val="90000"/>
+              </a:lnSpc>
+              <a:spcBef>
+                <a:spcPts val="1800"/>
+              </a:spcBef>
+              <a:buClr>
+                <a:schemeClr val="tx1"/>
+              </a:buClr>
+              <a:buSzPct val="80000"/>
+              <a:buFont typeface="Wingdings" pitchFamily="2" charset="2"/>
+              <a:buChar char="§"/>
+              <a:defRPr sz="2400" kern="1200">
+                <a:solidFill>
+                  <a:schemeClr val="tx1"/>
+                </a:solidFill>
+                <a:latin typeface="Microsoft JhengHei UI" panose="020B0604030504040204" pitchFamily="34" charset="-120"/>
+                <a:ea typeface="Microsoft JhengHei UI" panose="020B0604030504040204" pitchFamily="34" charset="-120"/>
+                <a:cs typeface="+mn-cs"/>
+              </a:defRPr>
+            </a:lvl1pPr>
+            <a:lvl2pPr marL="548640" indent="-228600" algn="l" defTabSz="914400" rtl="0" eaLnBrk="1" latinLnBrk="0" hangingPunct="1">
+              <a:lnSpc>
+                <a:spcPct val="90000"/>
+              </a:lnSpc>
+              <a:spcBef>
+                <a:spcPts val="1000"/>
+              </a:spcBef>
+              <a:buClr>
+                <a:schemeClr val="tx1"/>
+              </a:buClr>
+              <a:buSzPct val="100000"/>
+              <a:buFont typeface="Arial" pitchFamily="34" charset="0"/>
+              <a:buChar char="–"/>
+              <a:defRPr sz="2000" kern="1200">
+                <a:solidFill>
+                  <a:schemeClr val="tx1"/>
+                </a:solidFill>
+                <a:latin typeface="Microsoft JhengHei UI" panose="020B0604030504040204" pitchFamily="34" charset="-120"/>
+                <a:ea typeface="Microsoft JhengHei UI" panose="020B0604030504040204" pitchFamily="34" charset="-120"/>
+                <a:cs typeface="+mn-cs"/>
+              </a:defRPr>
+            </a:lvl2pPr>
+            <a:lvl3pPr marL="822960" indent="-228600" algn="l" defTabSz="914400" rtl="0" eaLnBrk="1" latinLnBrk="0" hangingPunct="1">
+              <a:lnSpc>
+                <a:spcPct val="90000"/>
+              </a:lnSpc>
+              <a:spcBef>
+                <a:spcPts val="800"/>
+              </a:spcBef>
+              <a:buClr>
+                <a:schemeClr val="tx1"/>
+              </a:buClr>
+              <a:buSzPct val="80000"/>
+              <a:buFont typeface="Wingdings" pitchFamily="2" charset="2"/>
+              <a:buChar char="§"/>
+              <a:defRPr sz="1800" kern="1200">
+                <a:solidFill>
+                  <a:schemeClr val="tx1"/>
+                </a:solidFill>
+                <a:latin typeface="Microsoft JhengHei UI" panose="020B0604030504040204" pitchFamily="34" charset="-120"/>
+                <a:ea typeface="Microsoft JhengHei UI" panose="020B0604030504040204" pitchFamily="34" charset="-120"/>
+                <a:cs typeface="+mn-cs"/>
+              </a:defRPr>
+            </a:lvl3pPr>
+            <a:lvl4pPr marL="1097280" indent="-228600" algn="l" defTabSz="914400" rtl="0" eaLnBrk="1" latinLnBrk="0" hangingPunct="1">
+              <a:lnSpc>
+                <a:spcPct val="90000"/>
+              </a:lnSpc>
+              <a:spcBef>
+                <a:spcPts val="800"/>
+              </a:spcBef>
+              <a:buClr>
+                <a:schemeClr val="tx1"/>
+              </a:buClr>
+              <a:buSzPct val="100000"/>
+              <a:buFont typeface="Arial" pitchFamily="34" charset="0"/>
+              <a:buChar char="–"/>
+              <a:defRPr sz="1600" kern="1200">
+                <a:solidFill>
+                  <a:schemeClr val="tx1"/>
+                </a:solidFill>
+                <a:latin typeface="Microsoft JhengHei UI" panose="020B0604030504040204" pitchFamily="34" charset="-120"/>
+                <a:ea typeface="Microsoft JhengHei UI" panose="020B0604030504040204" pitchFamily="34" charset="-120"/>
+                <a:cs typeface="+mn-cs"/>
+              </a:defRPr>
+            </a:lvl4pPr>
+            <a:lvl5pPr marL="1325880" indent="-228600" algn="l" defTabSz="914400" rtl="0" eaLnBrk="1" latinLnBrk="0" hangingPunct="1">
+              <a:lnSpc>
+                <a:spcPct val="90000"/>
+              </a:lnSpc>
+              <a:spcBef>
+                <a:spcPts val="800"/>
+              </a:spcBef>
+              <a:buClr>
+                <a:schemeClr val="tx1"/>
+              </a:buClr>
+              <a:buSzPct val="80000"/>
+              <a:buFont typeface="Wingdings" pitchFamily="2" charset="2"/>
+              <a:buChar char="§"/>
+              <a:defRPr sz="1600" kern="1200">
+                <a:solidFill>
+                  <a:schemeClr val="tx1"/>
+                </a:solidFill>
+                <a:latin typeface="Microsoft JhengHei UI" panose="020B0604030504040204" pitchFamily="34" charset="-120"/>
+                <a:ea typeface="Microsoft JhengHei UI" panose="020B0604030504040204" pitchFamily="34" charset="-120"/>
+                <a:cs typeface="+mn-cs"/>
+              </a:defRPr>
+            </a:lvl5pPr>
+            <a:lvl6pPr marL="1554480" indent="-228600" algn="l" defTabSz="914400" rtl="0" eaLnBrk="1" latinLnBrk="0" hangingPunct="1">
+              <a:lnSpc>
+                <a:spcPct val="90000"/>
+              </a:lnSpc>
+              <a:spcBef>
+                <a:spcPts val="800"/>
+              </a:spcBef>
+              <a:buClr>
+                <a:schemeClr val="tx1"/>
+              </a:buClr>
+              <a:buSzPct val="100000"/>
+              <a:buFont typeface="Arial" pitchFamily="34" charset="0"/>
+              <a:buChar char="–"/>
+              <a:defRPr sz="1600" kern="1200">
+                <a:solidFill>
+                  <a:schemeClr val="tx1"/>
+                </a:solidFill>
+                <a:latin typeface="+mn-lt"/>
+                <a:ea typeface="+mn-ea"/>
+                <a:cs typeface="+mn-cs"/>
+              </a:defRPr>
+            </a:lvl6pPr>
+            <a:lvl7pPr marL="1783080" indent="-228600" algn="l" defTabSz="914400" rtl="0" eaLnBrk="1" latinLnBrk="0" hangingPunct="1">
+              <a:lnSpc>
+                <a:spcPct val="90000"/>
+              </a:lnSpc>
+              <a:spcBef>
+                <a:spcPts val="800"/>
+              </a:spcBef>
+              <a:buClr>
+                <a:schemeClr val="tx1"/>
+              </a:buClr>
+              <a:buSzPct val="80000"/>
+              <a:buFont typeface="Wingdings" pitchFamily="2" charset="2"/>
+              <a:buChar char="§"/>
+              <a:defRPr sz="1600" kern="1200">
+                <a:solidFill>
+                  <a:schemeClr val="tx1"/>
+                </a:solidFill>
+                <a:latin typeface="+mn-lt"/>
+                <a:ea typeface="+mn-ea"/>
+                <a:cs typeface="+mn-cs"/>
+              </a:defRPr>
+            </a:lvl7pPr>
+            <a:lvl8pPr marL="2011680" indent="-228600" algn="l" defTabSz="914400" rtl="0" eaLnBrk="1" latinLnBrk="0" hangingPunct="1">
+              <a:lnSpc>
+                <a:spcPct val="90000"/>
+              </a:lnSpc>
+              <a:spcBef>
+                <a:spcPts val="800"/>
+              </a:spcBef>
+              <a:buClr>
+                <a:schemeClr val="tx1"/>
+              </a:buClr>
+              <a:buSzPct val="100000"/>
+              <a:buFont typeface="Arial" pitchFamily="34" charset="0"/>
+              <a:buChar char="–"/>
+              <a:defRPr sz="1600" kern="1200">
+                <a:solidFill>
+                  <a:schemeClr val="tx1"/>
+                </a:solidFill>
+                <a:latin typeface="+mn-lt"/>
+                <a:ea typeface="+mn-ea"/>
+                <a:cs typeface="+mn-cs"/>
+              </a:defRPr>
+            </a:lvl8pPr>
+            <a:lvl9pPr marL="2240280" indent="-228600" algn="l" defTabSz="914400" rtl="0" eaLnBrk="1" latinLnBrk="0" hangingPunct="1">
+              <a:lnSpc>
+                <a:spcPct val="90000"/>
+              </a:lnSpc>
+              <a:spcBef>
+                <a:spcPts val="800"/>
+              </a:spcBef>
+              <a:buClr>
+                <a:schemeClr val="tx1"/>
+              </a:buClr>
+              <a:buSzPct val="80000"/>
+              <a:buFont typeface="Wingdings" pitchFamily="2" charset="2"/>
+              <a:buChar char="§"/>
+              <a:defRPr sz="1600" kern="1200">
+                <a:solidFill>
+                  <a:schemeClr val="tx1"/>
+                </a:solidFill>
+                <a:latin typeface="+mn-lt"/>
+                <a:ea typeface="+mn-ea"/>
+                <a:cs typeface="+mn-cs"/>
+              </a:defRPr>
+            </a:lvl9pPr>
+          </a:lstStyle>
+          <a:p>
+            <a:pPr marL="285750" indent="-285750" algn="just">
+              <a:buClr>
+                <a:schemeClr val="accent1"/>
+              </a:buClr>
+              <a:buFont typeface="Wingdings" panose="05000000000000000000" pitchFamily="2" charset="2"/>
+              <a:buChar char="n"/>
+            </a:pPr>
+            <a:r>
+              <a:rPr lang="zh-TW" altLang="en-US" sz="2800" b="1" dirty="0" smtClean="0">
+                <a:solidFill>
+                  <a:schemeClr val="accent1">
+                    <a:lumMod val="75000"/>
+                  </a:schemeClr>
+                </a:solidFill>
+                <a:latin typeface="微軟正黑體" panose="020B0604030504040204" pitchFamily="34" charset="-120"/>
+                <a:ea typeface="微軟正黑體" panose="020B0604030504040204" pitchFamily="34" charset="-120"/>
+              </a:rPr>
+              <a:t>○○○</a:t>
+            </a:r>
+            <a:endParaRPr lang="en-US" altLang="zh-TW" sz="2800" b="1" dirty="0">
+              <a:solidFill>
+                <a:schemeClr val="accent1">
+                  <a:lumMod val="75000"/>
+                </a:schemeClr>
+              </a:solidFill>
+              <a:latin typeface="微軟正黑體" panose="020B0604030504040204" pitchFamily="34" charset="-120"/>
+              <a:ea typeface="微軟正黑體" panose="020B0604030504040204" pitchFamily="34" charset="-120"/>
+            </a:endParaRPr>
+          </a:p>
+          <a:p>
+            <a:pPr marL="285750" indent="-285750" algn="just">
+              <a:buClr>
+                <a:schemeClr val="accent1"/>
+              </a:buClr>
+              <a:buFont typeface="Wingdings" panose="05000000000000000000" pitchFamily="2" charset="2"/>
+              <a:buChar char="n"/>
+            </a:pPr>
+            <a:endParaRPr lang="en-US" altLang="zh-TW" b="1" dirty="0">
+              <a:latin typeface="微軟正黑體" panose="020B0604030504040204" pitchFamily="34" charset="-120"/>
+              <a:ea typeface="微軟正黑體" panose="020B0604030504040204" pitchFamily="34" charset="-120"/>
+            </a:endParaRPr>
+          </a:p>
+        </p:txBody>
+      </p:sp>
+      <p:sp>
+        <p:nvSpPr>
+          <p:cNvPr id="20" name="內容版面配置區 2">
+            <a:extLst>
+              <a:ext uri="{FF2B5EF4-FFF2-40B4-BE49-F238E27FC236}">
+                <a16:creationId xmlns:a16="http://schemas.microsoft.com/office/drawing/2014/main" xmlns="" id="{2E881D55-3B47-403F-8F0E-EDFDE34A1B22}"/>
+              </a:ext>
+            </a:extLst>
+          </p:cNvPr>
+          <p:cNvSpPr>
+            <a:spLocks noGrp="1"/>
+          </p:cNvSpPr>
+          <p:nvPr>
+            <p:ph idx="1"/>
+          </p:nvPr>
+        </p:nvSpPr>
+        <p:spPr>
+          <a:xfrm>
+            <a:off x="192197" y="1700808"/>
+            <a:ext cx="11590847" cy="4384009"/>
+          </a:xfrm>
+        </p:spPr>
+        <p:txBody>
+          <a:bodyPr>
+            <a:normAutofit/>
+          </a:bodyPr>
+          <a:lstStyle/>
+          <a:p>
+            <a:pPr marL="274320" lvl="1" indent="-274320" algn="just">
+              <a:lnSpc>
+                <a:spcPct val="150000"/>
+              </a:lnSpc>
+              <a:spcBef>
+                <a:spcPts val="1800"/>
+              </a:spcBef>
+              <a:buSzPct val="80000"/>
+              <a:buFont typeface="Wingdings" panose="05000000000000000000" pitchFamily="2" charset="2"/>
+              <a:buChar char="Ø"/>
+            </a:pPr>
+            <a:r>
+              <a:rPr lang="zh-TW" altLang="en-US" sz="2400" b="1" dirty="0" smtClean="0"/>
+              <a:t>○○○</a:t>
+            </a:r>
+            <a:endParaRPr lang="en-US" altLang="zh-TW" sz="2400" b="1" dirty="0" smtClean="0"/>
+          </a:p>
+          <a:p>
+            <a:pPr marL="548640" lvl="2" indent="-274320" algn="just">
+              <a:lnSpc>
+                <a:spcPct val="150000"/>
+              </a:lnSpc>
+              <a:spcBef>
+                <a:spcPts val="1800"/>
+              </a:spcBef>
+              <a:buFont typeface="Wingdings" panose="05000000000000000000" pitchFamily="2" charset="2"/>
+              <a:buChar char="Ø"/>
+            </a:pPr>
+            <a:r>
+              <a:rPr lang="zh-TW" altLang="en-US" sz="2200" dirty="0" smtClean="0"/>
+              <a:t>○○○</a:t>
+            </a:r>
+            <a:endParaRPr lang="en-US" altLang="zh-TW" sz="2400" b="1" dirty="0"/>
+          </a:p>
+        </p:txBody>
+      </p:sp>
+    </p:spTree>
+    <p:extLst>
+      <p:ext uri="{BB962C8B-B14F-4D97-AF65-F5344CB8AC3E}">
+        <p14:creationId xmlns:p14="http://schemas.microsoft.com/office/powerpoint/2010/main" val="3353313354"/>
+      </p:ext>
+    </p:extLst>
+  </p:cSld>
+  <p:clrMapOvr>
+    <a:masterClrMapping/>
+  </p:clrMapOvr>
+  <mc:AlternateContent xmlns:mc="http://schemas.openxmlformats.org/markup-compatibility/2006" xmlns:p14="http://schemas.microsoft.com/office/powerpoint/2010/main">
+    <mc:Choice Requires="p14">
+      <p:transition spd="med" p14:dur="700">
+        <p:fade/>
+      </p:transition>
+    </mc:Choice>
+    <mc:Fallback xmlns="">
+      <p:transition spd="med">
+        <p:fade/>
+      </p:transition>
+    </mc:Fallback>
+  </mc:AlternateContent>
+  <p:timing>
+    <p:tnLst>
+      <p:par>
+        <p:cTn id="1" dur="indefinite" restart="never" nodeType="tmRoot"/>
+      </p:par>
+    </p:tnLst>
+  </p:timing>
+</p:sld>
+</file>
+
+<file path=ppt/slides/slide21.xml><?xml version="1.0" encoding="utf-8"?>
+<p:sld xmlns:a="http://schemas.openxmlformats.org/drawingml/2006/main" xmlns:r="http://schemas.openxmlformats.org/officeDocument/2006/relationships" xmlns:p="http://schemas.openxmlformats.org/presentationml/2006/main">
+  <p:cSld>
+    <p:spTree>
+      <p:nvGrpSpPr>
+        <p:cNvPr id="1" name=""/>
+        <p:cNvGrpSpPr/>
+        <p:nvPr/>
+      </p:nvGrpSpPr>
+      <p:grpSpPr>
+        <a:xfrm>
+          <a:off x="0" y="0"/>
+          <a:ext cx="0" cy="0"/>
+          <a:chOff x="0" y="0"/>
+          <a:chExt cx="0" cy="0"/>
+        </a:xfrm>
+      </p:grpSpPr>
+      <p:sp>
+        <p:nvSpPr>
+          <p:cNvPr id="5" name="投影片編號版面配置區 4"/>
+          <p:cNvSpPr>
+            <a:spLocks noGrp="1"/>
+          </p:cNvSpPr>
+          <p:nvPr>
+            <p:ph type="sldNum" sz="quarter" idx="12"/>
+          </p:nvPr>
+        </p:nvSpPr>
+        <p:spPr/>
+        <p:txBody>
+          <a:bodyPr/>
+          <a:lstStyle/>
+          <a:p>
+            <a:fld id="{DF28FB93-0A08-4E7D-8E63-9EFA29F1E093}" type="slidenum">
+              <a:rPr lang="en-US" altLang="zh-TW" noProof="0" smtClean="0"/>
+              <a:pPr/>
+              <a:t>21</a:t>
+            </a:fld>
+            <a:endParaRPr lang="zh-TW" altLang="en-US" noProof="0"/>
+          </a:p>
+        </p:txBody>
+      </p:sp>
+      <p:sp>
+        <p:nvSpPr>
+          <p:cNvPr id="7" name="標題 1">
+            <a:extLst>
+              <a:ext uri="{FF2B5EF4-FFF2-40B4-BE49-F238E27FC236}">
+                <a16:creationId xmlns:a16="http://schemas.microsoft.com/office/drawing/2014/main" xmlns="" id="{50E9A64D-4207-4980-8736-4201C3E0DC63}"/>
+              </a:ext>
+            </a:extLst>
+          </p:cNvPr>
+          <p:cNvSpPr txBox="1">
+            <a:spLocks/>
+          </p:cNvSpPr>
+          <p:nvPr/>
+        </p:nvSpPr>
+        <p:spPr>
+          <a:xfrm>
+            <a:off x="2728398" y="2420888"/>
+            <a:ext cx="8982637" cy="1570856"/>
+          </a:xfrm>
+          <a:prstGeom prst="rect">
+            <a:avLst/>
+          </a:prstGeom>
+        </p:spPr>
+        <p:txBody>
+          <a:bodyPr vert="horz" lIns="91440" tIns="45720" rIns="91440" bIns="45720" rtlCol="0" anchor="b">
+            <a:normAutofit fontScale="97500"/>
+          </a:bodyPr>
+          <a:lstStyle>
+            <a:lvl1pPr algn="l" defTabSz="914400" rtl="0" eaLnBrk="1" latinLnBrk="0" hangingPunct="1">
+              <a:lnSpc>
+                <a:spcPct val="90000"/>
+              </a:lnSpc>
+              <a:spcBef>
+                <a:spcPct val="0"/>
+              </a:spcBef>
+              <a:buNone/>
+              <a:defRPr sz="3200" kern="1200">
+                <a:solidFill>
+                  <a:schemeClr val="accent1">
+                    <a:lumMod val="50000"/>
+                  </a:schemeClr>
+                </a:solidFill>
+                <a:latin typeface="Microsoft JhengHei UI" panose="020B0604030504040204" pitchFamily="34" charset="-120"/>
+                <a:ea typeface="Microsoft JhengHei UI" panose="020B0604030504040204" pitchFamily="34" charset="-120"/>
+                <a:cs typeface="+mj-cs"/>
+              </a:defRPr>
+            </a:lvl1pPr>
+          </a:lstStyle>
+          <a:p>
+            <a:r>
+              <a:rPr lang="en-US" altLang="zh-TW" sz="6000" b="1" smtClean="0">
+                <a:latin typeface="微軟正黑體" panose="020B0604030504040204" pitchFamily="34" charset="-120"/>
+                <a:ea typeface="微軟正黑體" panose="020B0604030504040204" pitchFamily="34" charset="-120"/>
+              </a:rPr>
+              <a:t>Thanks for listening</a:t>
+            </a:r>
+            <a:endParaRPr lang="zh-TW" altLang="en-US" sz="6000" b="1" dirty="0">
+              <a:latin typeface="微軟正黑體" panose="020B0604030504040204" pitchFamily="34" charset="-120"/>
+              <a:ea typeface="微軟正黑體" panose="020B0604030504040204" pitchFamily="34" charset="-120"/>
+            </a:endParaRPr>
+          </a:p>
+        </p:txBody>
+      </p:sp>
+    </p:spTree>
+    <p:extLst>
+      <p:ext uri="{BB962C8B-B14F-4D97-AF65-F5344CB8AC3E}">
+        <p14:creationId xmlns:p14="http://schemas.microsoft.com/office/powerpoint/2010/main" val="3563819598"/>
       </p:ext>
     </p:extLst>
   </p:cSld>
@@ -10314,7 +14937,7 @@
           <p:cNvPr id="3" name="標題 2">
             <a:extLst>
               <a:ext uri="{FF2B5EF4-FFF2-40B4-BE49-F238E27FC236}">
-                <a16:creationId xmlns="" xmlns:a16="http://schemas.microsoft.com/office/drawing/2014/main" id="{4ABAB1B2-9811-49A5-968D-AA6F881D5BFC}"/>
+                <a16:creationId xmlns:a16="http://schemas.microsoft.com/office/drawing/2014/main" xmlns="" id="{4ABAB1B2-9811-49A5-968D-AA6F881D5BFC}"/>
               </a:ext>
             </a:extLst>
           </p:cNvPr>
@@ -10371,7 +14994,7 @@
           <p:cNvPr id="4" name="內容版面配置區 3">
             <a:extLst>
               <a:ext uri="{FF2B5EF4-FFF2-40B4-BE49-F238E27FC236}">
-                <a16:creationId xmlns="" xmlns:a16="http://schemas.microsoft.com/office/drawing/2014/main" id="{FCCA5DD9-09D4-479C-9F96-62D1622C7DB1}"/>
+                <a16:creationId xmlns:a16="http://schemas.microsoft.com/office/drawing/2014/main" xmlns="" id="{FCCA5DD9-09D4-479C-9F96-62D1622C7DB1}"/>
               </a:ext>
             </a:extLst>
           </p:cNvPr>
@@ -10547,7 +15170,7 @@
           <p:cNvPr id="19" name="標題 1">
             <a:extLst>
               <a:ext uri="{FF2B5EF4-FFF2-40B4-BE49-F238E27FC236}">
-                <a16:creationId xmlns="" xmlns:a16="http://schemas.microsoft.com/office/drawing/2014/main" id="{50E9A64D-4207-4980-8736-4201C3E0DC63}"/>
+                <a16:creationId xmlns:a16="http://schemas.microsoft.com/office/drawing/2014/main" xmlns="" id="{50E9A64D-4207-4980-8736-4201C3E0DC63}"/>
               </a:ext>
             </a:extLst>
           </p:cNvPr>
@@ -10572,11 +15195,7 @@
           <a:p>
             <a:r>
               <a:rPr lang="zh-TW" altLang="en-US" sz="4000" b="1" dirty="0" smtClean="0"/>
-              <a:t>一、背景</a:t>
-            </a:r>
-            <a:r>
-              <a:rPr lang="zh-TW" altLang="en-US" sz="4000" b="1" dirty="0" smtClean="0"/>
-              <a:t>介紹及動機說明</a:t>
+              <a:t>一、背景介紹及動機說明</a:t>
             </a:r>
             <a:endParaRPr lang="zh-TW" altLang="en-US" sz="4000" b="1" dirty="0"/>
           </a:p>
@@ -10587,7 +15206,7 @@
           <p:cNvPr id="24" name="內容版面配置區 2">
             <a:extLst>
               <a:ext uri="{FF2B5EF4-FFF2-40B4-BE49-F238E27FC236}">
-                <a16:creationId xmlns="" xmlns:a16="http://schemas.microsoft.com/office/drawing/2014/main" id="{F5C22ADD-7A5D-44F8-969C-F4721C016703}"/>
+                <a16:creationId xmlns:a16="http://schemas.microsoft.com/office/drawing/2014/main" xmlns="" id="{F5C22ADD-7A5D-44F8-969C-F4721C016703}"/>
               </a:ext>
             </a:extLst>
           </p:cNvPr>
@@ -10856,65 +15475,946 @@
       </p:sp>
       <p:sp>
         <p:nvSpPr>
-          <p:cNvPr id="20" name="內容版面配置區 2">
-            <a:extLst>
-              <a:ext uri="{FF2B5EF4-FFF2-40B4-BE49-F238E27FC236}">
-                <a16:creationId xmlns="" xmlns:a16="http://schemas.microsoft.com/office/drawing/2014/main" id="{2E881D55-3B47-403F-8F0E-EDFDE34A1B22}"/>
-              </a:ext>
-            </a:extLst>
-          </p:cNvPr>
-          <p:cNvSpPr>
-            <a:spLocks noGrp="1"/>
-          </p:cNvSpPr>
-          <p:nvPr>
-            <p:ph idx="1"/>
-          </p:nvPr>
+          <p:cNvPr id="3" name="文字方塊 2"/>
+          <p:cNvSpPr txBox="1"/>
+          <p:nvPr/>
         </p:nvSpPr>
         <p:spPr>
           <a:xfrm>
-            <a:off x="192197" y="1700808"/>
-            <a:ext cx="11590847" cy="4384009"/>
+            <a:off x="1413892" y="2193394"/>
+            <a:ext cx="3168352" cy="553998"/>
           </a:xfrm>
+          <a:prstGeom prst="rect">
+            <a:avLst/>
+          </a:prstGeom>
+          <a:noFill/>
+          <a:ln>
+            <a:noFill/>
+          </a:ln>
         </p:spPr>
         <p:txBody>
-          <a:bodyPr>
-            <a:normAutofit/>
+          <a:bodyPr wrap="square" rtlCol="0" anchor="ctr" anchorCtr="1">
+            <a:spAutoFit/>
           </a:bodyPr>
           <a:lstStyle/>
           <a:p>
-            <a:pPr marL="274320" lvl="1" indent="-274320" algn="just">
-              <a:lnSpc>
-                <a:spcPct val="150000"/>
-              </a:lnSpc>
-              <a:spcBef>
-                <a:spcPts val="1800"/>
-              </a:spcBef>
-              <a:buSzPct val="80000"/>
-              <a:buFont typeface="Wingdings" panose="05000000000000000000" pitchFamily="2" charset="2"/>
-              <a:buChar char="Ø"/>
-            </a:pPr>
-            <a:r>
-              <a:rPr lang="zh-TW" altLang="en-US" sz="2400" b="1" dirty="0" smtClean="0"/>
-              <a:t>○○○</a:t>
-            </a:r>
-            <a:endParaRPr lang="en-US" altLang="zh-TW" sz="2400" b="1" dirty="0" smtClean="0"/>
-          </a:p>
-          <a:p>
-            <a:pPr marL="548640" lvl="2" indent="-274320" algn="just">
-              <a:lnSpc>
-                <a:spcPct val="150000"/>
-              </a:lnSpc>
-              <a:spcBef>
-                <a:spcPts val="1800"/>
-              </a:spcBef>
-              <a:buFont typeface="Wingdings" panose="05000000000000000000" pitchFamily="2" charset="2"/>
-              <a:buChar char="Ø"/>
-            </a:pPr>
-            <a:r>
-              <a:rPr lang="zh-TW" altLang="en-US" sz="2200" dirty="0" smtClean="0"/>
-              <a:t>○○○</a:t>
-            </a:r>
-            <a:endParaRPr lang="en-US" altLang="zh-TW" sz="2400" b="1" dirty="0"/>
+            <a:r>
+              <a:rPr lang="zh-TW" altLang="en-US" sz="3000" b="1" dirty="0" smtClean="0">
+                <a:solidFill>
+                  <a:schemeClr val="accent5">
+                    <a:lumMod val="50000"/>
+                  </a:schemeClr>
+                </a:solidFill>
+                <a:latin typeface="微軟正黑體" panose="020B0604030504040204" pitchFamily="34" charset="-120"/>
+                <a:ea typeface="微軟正黑體" panose="020B0604030504040204" pitchFamily="34" charset="-120"/>
+              </a:rPr>
+              <a:t>早期驗證系統</a:t>
+            </a:r>
+          </a:p>
+        </p:txBody>
+      </p:sp>
+      <p:sp>
+        <p:nvSpPr>
+          <p:cNvPr id="6" name="圓角矩形 5"/>
+          <p:cNvSpPr/>
+          <p:nvPr/>
+        </p:nvSpPr>
+        <p:spPr>
+          <a:xfrm>
+            <a:off x="789554" y="2819400"/>
+            <a:ext cx="1392692" cy="720080"/>
+          </a:xfrm>
+          <a:prstGeom prst="roundRect">
+            <a:avLst/>
+          </a:prstGeom>
+        </p:spPr>
+        <p:style>
+          <a:lnRef idx="1">
+            <a:schemeClr val="accent5"/>
+          </a:lnRef>
+          <a:fillRef idx="2">
+            <a:schemeClr val="accent5"/>
+          </a:fillRef>
+          <a:effectRef idx="1">
+            <a:schemeClr val="accent5"/>
+          </a:effectRef>
+          <a:fontRef idx="minor">
+            <a:schemeClr val="dk1"/>
+          </a:fontRef>
+        </p:style>
+        <p:txBody>
+          <a:bodyPr rtlCol="0" anchor="ctr"/>
+          <a:lstStyle/>
+          <a:p>
+            <a:pPr algn="ctr"/>
+            <a:r>
+              <a:rPr lang="zh-TW" altLang="en-US" sz="2200" b="1" dirty="0" smtClean="0">
+                <a:latin typeface="微軟正黑體" panose="020B0604030504040204" pitchFamily="34" charset="-120"/>
+                <a:ea typeface="微軟正黑體" panose="020B0604030504040204" pitchFamily="34" charset="-120"/>
+              </a:rPr>
+              <a:t>密碼登入</a:t>
+            </a:r>
+          </a:p>
+        </p:txBody>
+      </p:sp>
+      <p:sp>
+        <p:nvSpPr>
+          <p:cNvPr id="10" name="圓角矩形 9"/>
+          <p:cNvSpPr/>
+          <p:nvPr/>
+        </p:nvSpPr>
+        <p:spPr>
+          <a:xfrm>
+            <a:off x="2277988" y="2780928"/>
+            <a:ext cx="1392692" cy="720080"/>
+          </a:xfrm>
+          <a:prstGeom prst="roundRect">
+            <a:avLst/>
+          </a:prstGeom>
+        </p:spPr>
+        <p:style>
+          <a:lnRef idx="1">
+            <a:schemeClr val="accent5"/>
+          </a:lnRef>
+          <a:fillRef idx="2">
+            <a:schemeClr val="accent5"/>
+          </a:fillRef>
+          <a:effectRef idx="1">
+            <a:schemeClr val="accent5"/>
+          </a:effectRef>
+          <a:fontRef idx="minor">
+            <a:schemeClr val="dk1"/>
+          </a:fontRef>
+        </p:style>
+        <p:txBody>
+          <a:bodyPr rtlCol="0" anchor="ctr"/>
+          <a:lstStyle/>
+          <a:p>
+            <a:pPr algn="ctr"/>
+            <a:r>
+              <a:rPr lang="zh-TW" altLang="en-US" sz="2200" b="1" dirty="0" smtClean="0">
+                <a:latin typeface="微軟正黑體" panose="020B0604030504040204" pitchFamily="34" charset="-120"/>
+                <a:ea typeface="微軟正黑體" panose="020B0604030504040204" pitchFamily="34" charset="-120"/>
+              </a:rPr>
+              <a:t>提交文件</a:t>
+            </a:r>
+          </a:p>
+        </p:txBody>
+      </p:sp>
+      <p:sp>
+        <p:nvSpPr>
+          <p:cNvPr id="11" name="圓角矩形 10"/>
+          <p:cNvSpPr/>
+          <p:nvPr/>
+        </p:nvSpPr>
+        <p:spPr>
+          <a:xfrm>
+            <a:off x="3765616" y="2780928"/>
+            <a:ext cx="1392692" cy="720080"/>
+          </a:xfrm>
+          <a:prstGeom prst="roundRect">
+            <a:avLst/>
+          </a:prstGeom>
+        </p:spPr>
+        <p:style>
+          <a:lnRef idx="1">
+            <a:schemeClr val="accent5"/>
+          </a:lnRef>
+          <a:fillRef idx="2">
+            <a:schemeClr val="accent5"/>
+          </a:fillRef>
+          <a:effectRef idx="1">
+            <a:schemeClr val="accent5"/>
+          </a:effectRef>
+          <a:fontRef idx="minor">
+            <a:schemeClr val="dk1"/>
+          </a:fontRef>
+        </p:style>
+        <p:txBody>
+          <a:bodyPr rtlCol="0" anchor="ctr"/>
+          <a:lstStyle/>
+          <a:p>
+            <a:pPr algn="ctr"/>
+            <a:r>
+              <a:rPr lang="zh-TW" altLang="en-US" sz="2200" b="1" dirty="0" smtClean="0">
+                <a:latin typeface="微軟正黑體" panose="020B0604030504040204" pitchFamily="34" charset="-120"/>
+                <a:ea typeface="微軟正黑體" panose="020B0604030504040204" pitchFamily="34" charset="-120"/>
+              </a:rPr>
+              <a:t>生物特徵</a:t>
+            </a:r>
+          </a:p>
+        </p:txBody>
+      </p:sp>
+      <p:sp>
+        <p:nvSpPr>
+          <p:cNvPr id="7" name="向下箭號 6"/>
+          <p:cNvSpPr/>
+          <p:nvPr/>
+        </p:nvSpPr>
+        <p:spPr>
+          <a:xfrm>
+            <a:off x="1197868" y="3645024"/>
+            <a:ext cx="648072" cy="576064"/>
+          </a:xfrm>
+          <a:prstGeom prst="downArrow">
+            <a:avLst/>
+          </a:prstGeom>
+          <a:solidFill>
+            <a:schemeClr val="accent1">
+              <a:lumMod val="50000"/>
+            </a:schemeClr>
+          </a:solidFill>
+        </p:spPr>
+        <p:style>
+          <a:lnRef idx="2">
+            <a:schemeClr val="accent1">
+              <a:shade val="50000"/>
+            </a:schemeClr>
+          </a:lnRef>
+          <a:fillRef idx="1">
+            <a:schemeClr val="accent1"/>
+          </a:fillRef>
+          <a:effectRef idx="0">
+            <a:schemeClr val="accent1"/>
+          </a:effectRef>
+          <a:fontRef idx="minor">
+            <a:schemeClr val="lt1"/>
+          </a:fontRef>
+        </p:style>
+        <p:txBody>
+          <a:bodyPr rtlCol="0" anchor="ctr"/>
+          <a:lstStyle/>
+          <a:p>
+            <a:pPr algn="ctr"/>
+            <a:endParaRPr lang="zh-TW" altLang="en-US" dirty="0" err="1" smtClean="0"/>
+          </a:p>
+        </p:txBody>
+      </p:sp>
+      <p:sp>
+        <p:nvSpPr>
+          <p:cNvPr id="13" name="向下箭號 12"/>
+          <p:cNvSpPr/>
+          <p:nvPr/>
+        </p:nvSpPr>
+        <p:spPr>
+          <a:xfrm>
+            <a:off x="2638028" y="3645024"/>
+            <a:ext cx="648072" cy="576064"/>
+          </a:xfrm>
+          <a:prstGeom prst="downArrow">
+            <a:avLst/>
+          </a:prstGeom>
+          <a:solidFill>
+            <a:schemeClr val="accent1">
+              <a:lumMod val="50000"/>
+            </a:schemeClr>
+          </a:solidFill>
+        </p:spPr>
+        <p:style>
+          <a:lnRef idx="2">
+            <a:schemeClr val="accent1">
+              <a:shade val="50000"/>
+            </a:schemeClr>
+          </a:lnRef>
+          <a:fillRef idx="1">
+            <a:schemeClr val="accent1"/>
+          </a:fillRef>
+          <a:effectRef idx="0">
+            <a:schemeClr val="accent1"/>
+          </a:effectRef>
+          <a:fontRef idx="minor">
+            <a:schemeClr val="lt1"/>
+          </a:fontRef>
+        </p:style>
+        <p:txBody>
+          <a:bodyPr rtlCol="0" anchor="ctr"/>
+          <a:lstStyle/>
+          <a:p>
+            <a:pPr algn="ctr"/>
+            <a:endParaRPr lang="zh-TW" altLang="en-US" dirty="0" err="1" smtClean="0"/>
+          </a:p>
+        </p:txBody>
+      </p:sp>
+      <p:sp>
+        <p:nvSpPr>
+          <p:cNvPr id="14" name="向下箭號 13"/>
+          <p:cNvSpPr/>
+          <p:nvPr/>
+        </p:nvSpPr>
+        <p:spPr>
+          <a:xfrm>
+            <a:off x="4078188" y="3645024"/>
+            <a:ext cx="648072" cy="576064"/>
+          </a:xfrm>
+          <a:prstGeom prst="downArrow">
+            <a:avLst/>
+          </a:prstGeom>
+          <a:solidFill>
+            <a:schemeClr val="accent1">
+              <a:lumMod val="50000"/>
+            </a:schemeClr>
+          </a:solidFill>
+        </p:spPr>
+        <p:style>
+          <a:lnRef idx="2">
+            <a:schemeClr val="accent1">
+              <a:shade val="50000"/>
+            </a:schemeClr>
+          </a:lnRef>
+          <a:fillRef idx="1">
+            <a:schemeClr val="accent1"/>
+          </a:fillRef>
+          <a:effectRef idx="0">
+            <a:schemeClr val="accent1"/>
+          </a:effectRef>
+          <a:fontRef idx="minor">
+            <a:schemeClr val="lt1"/>
+          </a:fontRef>
+        </p:style>
+        <p:txBody>
+          <a:bodyPr rtlCol="0" anchor="ctr"/>
+          <a:lstStyle/>
+          <a:p>
+            <a:pPr algn="ctr"/>
+            <a:endParaRPr lang="zh-TW" altLang="en-US" dirty="0" err="1" smtClean="0"/>
+          </a:p>
+        </p:txBody>
+      </p:sp>
+      <p:sp>
+        <p:nvSpPr>
+          <p:cNvPr id="15" name="圓角矩形 14"/>
+          <p:cNvSpPr/>
+          <p:nvPr/>
+        </p:nvSpPr>
+        <p:spPr>
+          <a:xfrm>
+            <a:off x="765820" y="4365104"/>
+            <a:ext cx="1392692" cy="720080"/>
+          </a:xfrm>
+          <a:prstGeom prst="roundRect">
+            <a:avLst/>
+          </a:prstGeom>
+          <a:solidFill>
+            <a:srgbClr val="FF0000"/>
+          </a:solidFill>
+        </p:spPr>
+        <p:style>
+          <a:lnRef idx="1">
+            <a:schemeClr val="accent4"/>
+          </a:lnRef>
+          <a:fillRef idx="2">
+            <a:schemeClr val="accent4"/>
+          </a:fillRef>
+          <a:effectRef idx="1">
+            <a:schemeClr val="accent4"/>
+          </a:effectRef>
+          <a:fontRef idx="minor">
+            <a:schemeClr val="dk1"/>
+          </a:fontRef>
+        </p:style>
+        <p:txBody>
+          <a:bodyPr rtlCol="0" anchor="ctr"/>
+          <a:lstStyle/>
+          <a:p>
+            <a:pPr algn="ctr"/>
+            <a:r>
+              <a:rPr lang="zh-TW" altLang="en-US" sz="2200" b="1" dirty="0" smtClean="0">
+                <a:latin typeface="微軟正黑體" panose="020B0604030504040204" pitchFamily="34" charset="-120"/>
+                <a:ea typeface="微軟正黑體" panose="020B0604030504040204" pitchFamily="34" charset="-120"/>
+              </a:rPr>
+              <a:t>重放攻擊</a:t>
+            </a:r>
+          </a:p>
+        </p:txBody>
+      </p:sp>
+      <p:sp>
+        <p:nvSpPr>
+          <p:cNvPr id="16" name="圓角矩形 15"/>
+          <p:cNvSpPr/>
+          <p:nvPr/>
+        </p:nvSpPr>
+        <p:spPr>
+          <a:xfrm>
+            <a:off x="2254254" y="4365104"/>
+            <a:ext cx="1392692" cy="720080"/>
+          </a:xfrm>
+          <a:prstGeom prst="roundRect">
+            <a:avLst/>
+          </a:prstGeom>
+          <a:solidFill>
+            <a:srgbClr val="FF0000"/>
+          </a:solidFill>
+        </p:spPr>
+        <p:style>
+          <a:lnRef idx="1">
+            <a:schemeClr val="accent4"/>
+          </a:lnRef>
+          <a:fillRef idx="2">
+            <a:schemeClr val="accent4"/>
+          </a:fillRef>
+          <a:effectRef idx="1">
+            <a:schemeClr val="accent4"/>
+          </a:effectRef>
+          <a:fontRef idx="minor">
+            <a:schemeClr val="dk1"/>
+          </a:fontRef>
+        </p:style>
+        <p:txBody>
+          <a:bodyPr rtlCol="0" anchor="ctr"/>
+          <a:lstStyle/>
+          <a:p>
+            <a:pPr algn="ctr"/>
+            <a:r>
+              <a:rPr lang="zh-TW" altLang="en-US" sz="2200" b="1" dirty="0" smtClean="0">
+                <a:latin typeface="微軟正黑體" panose="020B0604030504040204" pitchFamily="34" charset="-120"/>
+                <a:ea typeface="微軟正黑體" panose="020B0604030504040204" pitchFamily="34" charset="-120"/>
+              </a:rPr>
+              <a:t>資料外洩</a:t>
+            </a:r>
+          </a:p>
+        </p:txBody>
+      </p:sp>
+      <p:sp>
+        <p:nvSpPr>
+          <p:cNvPr id="17" name="圓角矩形 16"/>
+          <p:cNvSpPr/>
+          <p:nvPr/>
+        </p:nvSpPr>
+        <p:spPr>
+          <a:xfrm>
+            <a:off x="3741882" y="4365104"/>
+            <a:ext cx="1392692" cy="720080"/>
+          </a:xfrm>
+          <a:prstGeom prst="roundRect">
+            <a:avLst/>
+          </a:prstGeom>
+          <a:solidFill>
+            <a:srgbClr val="FF0000"/>
+          </a:solidFill>
+        </p:spPr>
+        <p:style>
+          <a:lnRef idx="1">
+            <a:schemeClr val="accent4"/>
+          </a:lnRef>
+          <a:fillRef idx="2">
+            <a:schemeClr val="accent4"/>
+          </a:fillRef>
+          <a:effectRef idx="1">
+            <a:schemeClr val="accent4"/>
+          </a:effectRef>
+          <a:fontRef idx="minor">
+            <a:schemeClr val="dk1"/>
+          </a:fontRef>
+        </p:style>
+        <p:txBody>
+          <a:bodyPr rtlCol="0" anchor="ctr"/>
+          <a:lstStyle/>
+          <a:p>
+            <a:pPr algn="ctr"/>
+            <a:r>
+              <a:rPr lang="zh-TW" altLang="en-US" sz="2200" b="1" dirty="0" smtClean="0">
+                <a:latin typeface="微軟正黑體" panose="020B0604030504040204" pitchFamily="34" charset="-120"/>
+                <a:ea typeface="微軟正黑體" panose="020B0604030504040204" pitchFamily="34" charset="-120"/>
+              </a:rPr>
+              <a:t>個資外洩</a:t>
+            </a:r>
+          </a:p>
+        </p:txBody>
+      </p:sp>
+      <p:sp>
+        <p:nvSpPr>
+          <p:cNvPr id="8" name="向右箭號 7"/>
+          <p:cNvSpPr/>
+          <p:nvPr/>
+        </p:nvSpPr>
+        <p:spPr>
+          <a:xfrm>
+            <a:off x="5559064" y="3140968"/>
+            <a:ext cx="936104" cy="864096"/>
+          </a:xfrm>
+          <a:prstGeom prst="rightArrow">
+            <a:avLst/>
+          </a:prstGeom>
+        </p:spPr>
+        <p:style>
+          <a:lnRef idx="1">
+            <a:schemeClr val="accent1"/>
+          </a:lnRef>
+          <a:fillRef idx="2">
+            <a:schemeClr val="accent1"/>
+          </a:fillRef>
+          <a:effectRef idx="1">
+            <a:schemeClr val="accent1"/>
+          </a:effectRef>
+          <a:fontRef idx="minor">
+            <a:schemeClr val="dk1"/>
+          </a:fontRef>
+        </p:style>
+        <p:txBody>
+          <a:bodyPr rtlCol="0" anchor="ctr"/>
+          <a:lstStyle/>
+          <a:p>
+            <a:pPr algn="ctr"/>
+            <a:endParaRPr lang="zh-TW" altLang="en-US" dirty="0" err="1" smtClean="0"/>
+          </a:p>
+        </p:txBody>
+      </p:sp>
+      <p:sp>
+        <p:nvSpPr>
+          <p:cNvPr id="21" name="文字方塊 20"/>
+          <p:cNvSpPr txBox="1"/>
+          <p:nvPr/>
+        </p:nvSpPr>
+        <p:spPr>
+          <a:xfrm>
+            <a:off x="7678588" y="2204864"/>
+            <a:ext cx="3456384" cy="553998"/>
+          </a:xfrm>
+          <a:prstGeom prst="rect">
+            <a:avLst/>
+          </a:prstGeom>
+          <a:noFill/>
+          <a:ln>
+            <a:noFill/>
+          </a:ln>
+        </p:spPr>
+        <p:txBody>
+          <a:bodyPr wrap="square" rtlCol="0" anchor="ctr" anchorCtr="1">
+            <a:spAutoFit/>
+          </a:bodyPr>
+          <a:lstStyle/>
+          <a:p>
+            <a:r>
+              <a:rPr lang="zh-TW" altLang="en-US" sz="3000" b="1" dirty="0" smtClean="0">
+                <a:solidFill>
+                  <a:schemeClr val="bg2">
+                    <a:lumMod val="50000"/>
+                  </a:schemeClr>
+                </a:solidFill>
+                <a:latin typeface="微軟正黑體" panose="020B0604030504040204" pitchFamily="34" charset="-120"/>
+                <a:ea typeface="微軟正黑體" panose="020B0604030504040204" pitchFamily="34" charset="-120"/>
+              </a:rPr>
+              <a:t>零知識證明（</a:t>
+            </a:r>
+            <a:r>
+              <a:rPr lang="en-US" altLang="zh-TW" sz="3000" b="1" dirty="0" smtClean="0">
+                <a:solidFill>
+                  <a:schemeClr val="bg2">
+                    <a:lumMod val="50000"/>
+                  </a:schemeClr>
+                </a:solidFill>
+                <a:latin typeface="微軟正黑體" panose="020B0604030504040204" pitchFamily="34" charset="-120"/>
+                <a:ea typeface="微軟正黑體" panose="020B0604030504040204" pitchFamily="34" charset="-120"/>
+              </a:rPr>
+              <a:t>ZKP</a:t>
+            </a:r>
+            <a:r>
+              <a:rPr lang="zh-TW" altLang="en-US" sz="3000" b="1" dirty="0" smtClean="0">
+                <a:solidFill>
+                  <a:schemeClr val="bg2">
+                    <a:lumMod val="50000"/>
+                  </a:schemeClr>
+                </a:solidFill>
+                <a:latin typeface="微軟正黑體" panose="020B0604030504040204" pitchFamily="34" charset="-120"/>
+                <a:ea typeface="微軟正黑體" panose="020B0604030504040204" pitchFamily="34" charset="-120"/>
+              </a:rPr>
+              <a:t>）</a:t>
+            </a:r>
+          </a:p>
+        </p:txBody>
+      </p:sp>
+      <p:sp>
+        <p:nvSpPr>
+          <p:cNvPr id="22" name="圓角矩形 21"/>
+          <p:cNvSpPr/>
+          <p:nvPr/>
+        </p:nvSpPr>
+        <p:spPr>
+          <a:xfrm>
+            <a:off x="6861960" y="2780928"/>
+            <a:ext cx="5044232" cy="720080"/>
+          </a:xfrm>
+          <a:prstGeom prst="roundRect">
+            <a:avLst/>
+          </a:prstGeom>
+        </p:spPr>
+        <p:style>
+          <a:lnRef idx="1">
+            <a:schemeClr val="accent4"/>
+          </a:lnRef>
+          <a:fillRef idx="2">
+            <a:schemeClr val="accent4"/>
+          </a:fillRef>
+          <a:effectRef idx="1">
+            <a:schemeClr val="accent4"/>
+          </a:effectRef>
+          <a:fontRef idx="minor">
+            <a:schemeClr val="dk1"/>
+          </a:fontRef>
+        </p:style>
+        <p:txBody>
+          <a:bodyPr rtlCol="0" anchor="ctr"/>
+          <a:lstStyle/>
+          <a:p>
+            <a:pPr algn="ctr"/>
+            <a:r>
+              <a:rPr lang="zh-TW" altLang="en-US" sz="2200" b="1" dirty="0" smtClean="0">
+                <a:latin typeface="微軟正黑體" panose="020B0604030504040204" pitchFamily="34" charset="-120"/>
+                <a:ea typeface="微軟正黑體" panose="020B0604030504040204" pitchFamily="34" charset="-120"/>
+              </a:rPr>
+              <a:t>互動式的證明方式</a:t>
+            </a:r>
+          </a:p>
+        </p:txBody>
+      </p:sp>
+      <p:sp>
+        <p:nvSpPr>
+          <p:cNvPr id="23" name="圓角矩形 22"/>
+          <p:cNvSpPr/>
+          <p:nvPr/>
+        </p:nvSpPr>
+        <p:spPr>
+          <a:xfrm>
+            <a:off x="6886500" y="3573016"/>
+            <a:ext cx="1584176" cy="936104"/>
+          </a:xfrm>
+          <a:prstGeom prst="roundRect">
+            <a:avLst/>
+          </a:prstGeom>
+          <a:solidFill>
+            <a:schemeClr val="accent6">
+              <a:lumMod val="60000"/>
+              <a:lumOff val="40000"/>
+            </a:schemeClr>
+          </a:solidFill>
+        </p:spPr>
+        <p:style>
+          <a:lnRef idx="1">
+            <a:schemeClr val="accent4"/>
+          </a:lnRef>
+          <a:fillRef idx="2">
+            <a:schemeClr val="accent4"/>
+          </a:fillRef>
+          <a:effectRef idx="1">
+            <a:schemeClr val="accent4"/>
+          </a:effectRef>
+          <a:fontRef idx="minor">
+            <a:schemeClr val="dk1"/>
+          </a:fontRef>
+        </p:style>
+        <p:txBody>
+          <a:bodyPr rtlCol="0" anchor="ctr"/>
+          <a:lstStyle/>
+          <a:p>
+            <a:pPr algn="ctr"/>
+            <a:r>
+              <a:rPr lang="zh-TW" altLang="en-US" sz="2200" b="1" dirty="0" smtClean="0">
+                <a:latin typeface="微軟正黑體" panose="020B0604030504040204" pitchFamily="34" charset="-120"/>
+                <a:ea typeface="微軟正黑體" panose="020B0604030504040204" pitchFamily="34" charset="-120"/>
+              </a:rPr>
+              <a:t>可靠性</a:t>
+            </a:r>
+            <a:endParaRPr lang="en-US" altLang="zh-TW" sz="2200" b="1" dirty="0" smtClean="0">
+              <a:latin typeface="微軟正黑體" panose="020B0604030504040204" pitchFamily="34" charset="-120"/>
+              <a:ea typeface="微軟正黑體" panose="020B0604030504040204" pitchFamily="34" charset="-120"/>
+            </a:endParaRPr>
+          </a:p>
+          <a:p>
+            <a:pPr algn="ctr"/>
+            <a:r>
+              <a:rPr lang="zh-TW" altLang="en-US" sz="1200" b="1" dirty="0" smtClean="0">
+                <a:latin typeface="微軟正黑體" panose="020B0604030504040204" pitchFamily="34" charset="-120"/>
+                <a:ea typeface="微軟正黑體" panose="020B0604030504040204" pitchFamily="34" charset="-120"/>
+              </a:rPr>
+              <a:t>（</a:t>
+            </a:r>
+            <a:r>
+              <a:rPr lang="en-US" altLang="zh-TW" sz="1200" b="1" dirty="0" smtClean="0">
+                <a:latin typeface="微軟正黑體" panose="020B0604030504040204" pitchFamily="34" charset="-120"/>
+                <a:ea typeface="微軟正黑體" panose="020B0604030504040204" pitchFamily="34" charset="-120"/>
+              </a:rPr>
+              <a:t>Soundness</a:t>
+            </a:r>
+            <a:r>
+              <a:rPr lang="zh-TW" altLang="en-US" sz="1200" b="1" dirty="0" smtClean="0">
+                <a:latin typeface="微軟正黑體" panose="020B0604030504040204" pitchFamily="34" charset="-120"/>
+                <a:ea typeface="微軟正黑體" panose="020B0604030504040204" pitchFamily="34" charset="-120"/>
+              </a:rPr>
+              <a:t>）</a:t>
+            </a:r>
+          </a:p>
+        </p:txBody>
+      </p:sp>
+      <p:sp>
+        <p:nvSpPr>
+          <p:cNvPr id="25" name="圓角矩形 24"/>
+          <p:cNvSpPr/>
+          <p:nvPr/>
+        </p:nvSpPr>
+        <p:spPr>
+          <a:xfrm>
+            <a:off x="8542684" y="3573016"/>
+            <a:ext cx="1584176" cy="936104"/>
+          </a:xfrm>
+          <a:prstGeom prst="roundRect">
+            <a:avLst/>
+          </a:prstGeom>
+          <a:solidFill>
+            <a:schemeClr val="accent6">
+              <a:lumMod val="60000"/>
+              <a:lumOff val="40000"/>
+            </a:schemeClr>
+          </a:solidFill>
+        </p:spPr>
+        <p:style>
+          <a:lnRef idx="1">
+            <a:schemeClr val="accent4"/>
+          </a:lnRef>
+          <a:fillRef idx="2">
+            <a:schemeClr val="accent4"/>
+          </a:fillRef>
+          <a:effectRef idx="1">
+            <a:schemeClr val="accent4"/>
+          </a:effectRef>
+          <a:fontRef idx="minor">
+            <a:schemeClr val="dk1"/>
+          </a:fontRef>
+        </p:style>
+        <p:txBody>
+          <a:bodyPr rtlCol="0" anchor="ctr"/>
+          <a:lstStyle/>
+          <a:p>
+            <a:pPr algn="ctr"/>
+            <a:r>
+              <a:rPr lang="zh-TW" altLang="en-US" sz="2200" b="1" dirty="0" smtClean="0">
+                <a:latin typeface="微軟正黑體" panose="020B0604030504040204" pitchFamily="34" charset="-120"/>
+                <a:ea typeface="微軟正黑體" panose="020B0604030504040204" pitchFamily="34" charset="-120"/>
+              </a:rPr>
+              <a:t>完整性</a:t>
+            </a:r>
+            <a:endParaRPr lang="en-US" altLang="zh-TW" sz="2200" b="1" dirty="0" smtClean="0">
+              <a:latin typeface="微軟正黑體" panose="020B0604030504040204" pitchFamily="34" charset="-120"/>
+              <a:ea typeface="微軟正黑體" panose="020B0604030504040204" pitchFamily="34" charset="-120"/>
+            </a:endParaRPr>
+          </a:p>
+          <a:p>
+            <a:pPr algn="ctr"/>
+            <a:r>
+              <a:rPr lang="zh-TW" altLang="en-US" sz="1200" b="1" dirty="0" smtClean="0">
+                <a:latin typeface="微軟正黑體" panose="020B0604030504040204" pitchFamily="34" charset="-120"/>
+                <a:ea typeface="微軟正黑體" panose="020B0604030504040204" pitchFamily="34" charset="-120"/>
+              </a:rPr>
+              <a:t>（</a:t>
+            </a:r>
+            <a:r>
+              <a:rPr lang="en-US" altLang="zh-TW" sz="1200" b="1" dirty="0" smtClean="0">
+                <a:latin typeface="微軟正黑體" panose="020B0604030504040204" pitchFamily="34" charset="-120"/>
+                <a:ea typeface="微軟正黑體" panose="020B0604030504040204" pitchFamily="34" charset="-120"/>
+              </a:rPr>
+              <a:t>Completeness</a:t>
+            </a:r>
+            <a:r>
+              <a:rPr lang="zh-TW" altLang="en-US" sz="1200" b="1" dirty="0" smtClean="0">
+                <a:latin typeface="微軟正黑體" panose="020B0604030504040204" pitchFamily="34" charset="-120"/>
+                <a:ea typeface="微軟正黑體" panose="020B0604030504040204" pitchFamily="34" charset="-120"/>
+              </a:rPr>
+              <a:t>）</a:t>
+            </a:r>
+            <a:endParaRPr lang="zh-TW" altLang="en-US" sz="1200" b="1" dirty="0">
+              <a:latin typeface="微軟正黑體" panose="020B0604030504040204" pitchFamily="34" charset="-120"/>
+              <a:ea typeface="微軟正黑體" panose="020B0604030504040204" pitchFamily="34" charset="-120"/>
+            </a:endParaRPr>
+          </a:p>
+        </p:txBody>
+      </p:sp>
+      <p:sp>
+        <p:nvSpPr>
+          <p:cNvPr id="26" name="圓角矩形 25"/>
+          <p:cNvSpPr/>
+          <p:nvPr/>
+        </p:nvSpPr>
+        <p:spPr>
+          <a:xfrm>
+            <a:off x="10246335" y="3573016"/>
+            <a:ext cx="1659857" cy="936104"/>
+          </a:xfrm>
+          <a:prstGeom prst="roundRect">
+            <a:avLst/>
+          </a:prstGeom>
+          <a:solidFill>
+            <a:schemeClr val="accent6">
+              <a:lumMod val="60000"/>
+              <a:lumOff val="40000"/>
+            </a:schemeClr>
+          </a:solidFill>
+        </p:spPr>
+        <p:style>
+          <a:lnRef idx="1">
+            <a:schemeClr val="accent4"/>
+          </a:lnRef>
+          <a:fillRef idx="2">
+            <a:schemeClr val="accent4"/>
+          </a:fillRef>
+          <a:effectRef idx="1">
+            <a:schemeClr val="accent4"/>
+          </a:effectRef>
+          <a:fontRef idx="minor">
+            <a:schemeClr val="dk1"/>
+          </a:fontRef>
+        </p:style>
+        <p:txBody>
+          <a:bodyPr rtlCol="0" anchor="ctr"/>
+          <a:lstStyle/>
+          <a:p>
+            <a:pPr algn="ctr"/>
+            <a:r>
+              <a:rPr lang="zh-TW" altLang="en-US" sz="2200" b="1" dirty="0" smtClean="0">
+                <a:latin typeface="微軟正黑體" panose="020B0604030504040204" pitchFamily="34" charset="-120"/>
+                <a:ea typeface="微軟正黑體" panose="020B0604030504040204" pitchFamily="34" charset="-120"/>
+              </a:rPr>
+              <a:t>零知識</a:t>
+            </a:r>
+            <a:endParaRPr lang="en-US" altLang="zh-TW" sz="2200" b="1" dirty="0" smtClean="0">
+              <a:latin typeface="微軟正黑體" panose="020B0604030504040204" pitchFamily="34" charset="-120"/>
+              <a:ea typeface="微軟正黑體" panose="020B0604030504040204" pitchFamily="34" charset="-120"/>
+            </a:endParaRPr>
+          </a:p>
+          <a:p>
+            <a:pPr algn="ctr"/>
+            <a:r>
+              <a:rPr lang="zh-TW" altLang="en-US" sz="1200" b="1" dirty="0" smtClean="0">
+                <a:latin typeface="微軟正黑體" panose="020B0604030504040204" pitchFamily="34" charset="-120"/>
+                <a:ea typeface="微軟正黑體" panose="020B0604030504040204" pitchFamily="34" charset="-120"/>
+              </a:rPr>
+              <a:t>（</a:t>
+            </a:r>
+            <a:r>
+              <a:rPr lang="en-US" altLang="zh-TW" sz="1200" b="1" dirty="0" smtClean="0">
+                <a:latin typeface="微軟正黑體" panose="020B0604030504040204" pitchFamily="34" charset="-120"/>
+                <a:ea typeface="微軟正黑體" panose="020B0604030504040204" pitchFamily="34" charset="-120"/>
+              </a:rPr>
+              <a:t>Zero</a:t>
+            </a:r>
+            <a:r>
+              <a:rPr lang="zh-TW" altLang="en-US" sz="1200" b="1" dirty="0" smtClean="0">
+                <a:latin typeface="微軟正黑體" panose="020B0604030504040204" pitchFamily="34" charset="-120"/>
+                <a:ea typeface="微軟正黑體" panose="020B0604030504040204" pitchFamily="34" charset="-120"/>
+              </a:rPr>
+              <a:t> </a:t>
+            </a:r>
+            <a:r>
+              <a:rPr lang="en-US" altLang="zh-TW" sz="1200" b="1" dirty="0" smtClean="0">
+                <a:latin typeface="微軟正黑體" panose="020B0604030504040204" pitchFamily="34" charset="-120"/>
+                <a:ea typeface="微軟正黑體" panose="020B0604030504040204" pitchFamily="34" charset="-120"/>
+              </a:rPr>
+              <a:t>Knowledge</a:t>
+            </a:r>
+            <a:r>
+              <a:rPr lang="zh-TW" altLang="en-US" sz="1200" b="1" dirty="0" smtClean="0">
+                <a:latin typeface="微軟正黑體" panose="020B0604030504040204" pitchFamily="34" charset="-120"/>
+                <a:ea typeface="微軟正黑體" panose="020B0604030504040204" pitchFamily="34" charset="-120"/>
+              </a:rPr>
+              <a:t>）</a:t>
+            </a:r>
+            <a:endParaRPr lang="zh-TW" altLang="en-US" sz="1200" b="1" dirty="0">
+              <a:latin typeface="微軟正黑體" panose="020B0604030504040204" pitchFamily="34" charset="-120"/>
+              <a:ea typeface="微軟正黑體" panose="020B0604030504040204" pitchFamily="34" charset="-120"/>
+            </a:endParaRPr>
+          </a:p>
+        </p:txBody>
+      </p:sp>
+      <p:sp>
+        <p:nvSpPr>
+          <p:cNvPr id="18" name="矩形 17"/>
+          <p:cNvSpPr/>
+          <p:nvPr/>
+        </p:nvSpPr>
+        <p:spPr>
+          <a:xfrm>
+            <a:off x="7030516" y="4540478"/>
+            <a:ext cx="1237839" cy="400110"/>
+          </a:xfrm>
+          <a:prstGeom prst="rect">
+            <a:avLst/>
+          </a:prstGeom>
+        </p:spPr>
+        <p:txBody>
+          <a:bodyPr wrap="none">
+            <a:spAutoFit/>
+          </a:bodyPr>
+          <a:lstStyle/>
+          <a:p>
+            <a:r>
+              <a:rPr lang="en-US" altLang="zh-TW" sz="2000" dirty="0"/>
+              <a:t>1 + 1 = </a:t>
+            </a:r>
+            <a:r>
+              <a:rPr lang="en-US" altLang="zh-TW" sz="2000" dirty="0" smtClean="0"/>
+              <a:t>3 ?</a:t>
+            </a:r>
+            <a:endParaRPr lang="zh-TW" altLang="en-US" sz="2000" dirty="0"/>
+          </a:p>
+        </p:txBody>
+      </p:sp>
+      <p:sp>
+        <p:nvSpPr>
+          <p:cNvPr id="28" name="矩形 27"/>
+          <p:cNvSpPr/>
+          <p:nvPr/>
+        </p:nvSpPr>
+        <p:spPr>
+          <a:xfrm>
+            <a:off x="8686700" y="4541058"/>
+            <a:ext cx="1237839" cy="400110"/>
+          </a:xfrm>
+          <a:prstGeom prst="rect">
+            <a:avLst/>
+          </a:prstGeom>
+        </p:spPr>
+        <p:txBody>
+          <a:bodyPr wrap="none">
+            <a:spAutoFit/>
+          </a:bodyPr>
+          <a:lstStyle/>
+          <a:p>
+            <a:r>
+              <a:rPr lang="en-US" altLang="zh-TW" sz="2000" dirty="0"/>
+              <a:t>1 + 1 = </a:t>
+            </a:r>
+            <a:r>
+              <a:rPr lang="en-US" altLang="zh-TW" sz="2000" dirty="0" smtClean="0"/>
+              <a:t>2 ?</a:t>
+            </a:r>
+            <a:endParaRPr lang="zh-TW" altLang="en-US" sz="2000" dirty="0"/>
+          </a:p>
+        </p:txBody>
+      </p:sp>
+      <p:sp>
+        <p:nvSpPr>
+          <p:cNvPr id="29" name="矩形 28"/>
+          <p:cNvSpPr/>
+          <p:nvPr/>
+        </p:nvSpPr>
+        <p:spPr>
+          <a:xfrm>
+            <a:off x="10342884" y="4509120"/>
+            <a:ext cx="1467068" cy="400110"/>
+          </a:xfrm>
+          <a:prstGeom prst="rect">
+            <a:avLst/>
+          </a:prstGeom>
+        </p:spPr>
+        <p:txBody>
+          <a:bodyPr wrap="none">
+            <a:spAutoFit/>
+          </a:bodyPr>
+          <a:lstStyle/>
+          <a:p>
+            <a:r>
+              <a:rPr lang="zh-TW" altLang="en-US" sz="2000" dirty="0" smtClean="0"/>
+              <a:t>不揭露秘密</a:t>
+            </a:r>
+            <a:endParaRPr lang="zh-TW" altLang="en-US" sz="2000" dirty="0"/>
           </a:p>
         </p:txBody>
       </p:sp>
@@ -10996,7 +16496,7 @@
           <p:cNvPr id="19" name="標題 1">
             <a:extLst>
               <a:ext uri="{FF2B5EF4-FFF2-40B4-BE49-F238E27FC236}">
-                <a16:creationId xmlns="" xmlns:a16="http://schemas.microsoft.com/office/drawing/2014/main" id="{50E9A64D-4207-4980-8736-4201C3E0DC63}"/>
+                <a16:creationId xmlns:a16="http://schemas.microsoft.com/office/drawing/2014/main" xmlns="" id="{50E9A64D-4207-4980-8736-4201C3E0DC63}"/>
               </a:ext>
             </a:extLst>
           </p:cNvPr>
@@ -11027,7 +16527,6 @@
               <a:rPr lang="zh-TW" altLang="en-US" sz="4000" b="1" dirty="0"/>
               <a:t>、背景介紹及動機說明</a:t>
             </a:r>
-            <a:endParaRPr lang="zh-TW" altLang="en-US" sz="4000" b="1" dirty="0"/>
           </a:p>
         </p:txBody>
       </p:sp>
@@ -11036,7 +16535,7 @@
           <p:cNvPr id="24" name="內容版面配置區 2">
             <a:extLst>
               <a:ext uri="{FF2B5EF4-FFF2-40B4-BE49-F238E27FC236}">
-                <a16:creationId xmlns="" xmlns:a16="http://schemas.microsoft.com/office/drawing/2014/main" id="{F5C22ADD-7A5D-44F8-969C-F4721C016703}"/>
+                <a16:creationId xmlns:a16="http://schemas.microsoft.com/office/drawing/2014/main" xmlns="" id="{F5C22ADD-7A5D-44F8-969C-F4721C016703}"/>
               </a:ext>
             </a:extLst>
           </p:cNvPr>
@@ -11308,7 +16807,7 @@
           <p:cNvPr id="20" name="內容版面配置區 2">
             <a:extLst>
               <a:ext uri="{FF2B5EF4-FFF2-40B4-BE49-F238E27FC236}">
-                <a16:creationId xmlns="" xmlns:a16="http://schemas.microsoft.com/office/drawing/2014/main" id="{2E881D55-3B47-403F-8F0E-EDFDE34A1B22}"/>
+                <a16:creationId xmlns:a16="http://schemas.microsoft.com/office/drawing/2014/main" xmlns="" id="{2E881D55-3B47-403F-8F0E-EDFDE34A1B22}"/>
               </a:ext>
             </a:extLst>
           </p:cNvPr>
@@ -11343,8 +16842,12 @@
               <a:buChar char="Ø"/>
             </a:pPr>
             <a:r>
+              <a:rPr lang="en-US" altLang="zh-TW" sz="2400" b="1" dirty="0" smtClean="0"/>
+              <a:t>ZKP</a:t>
+            </a:r>
+            <a:r>
               <a:rPr lang="zh-TW" altLang="en-US" sz="2400" b="1" dirty="0" smtClean="0"/>
-              <a:t>○○○</a:t>
+              <a:t>的重要性：</a:t>
             </a:r>
             <a:endParaRPr lang="en-US" altLang="zh-TW" sz="2400" b="1" dirty="0" smtClean="0"/>
           </a:p>
@@ -11360,10 +16863,111 @@
               <a:buChar char="Ø"/>
             </a:pPr>
             <a:r>
+              <a:rPr lang="zh-TW" altLang="zh-TW" sz="2200" dirty="0"/>
+              <a:t>當今資訊安全與隱私保護的雙重</a:t>
+            </a:r>
+            <a:r>
+              <a:rPr lang="zh-TW" altLang="zh-TW" sz="2200" dirty="0" smtClean="0"/>
+              <a:t>需求</a:t>
+            </a:r>
+            <a:r>
               <a:rPr lang="zh-TW" altLang="en-US" sz="2200" dirty="0" smtClean="0"/>
-              <a:t>○○○</a:t>
-            </a:r>
-            <a:endParaRPr lang="en-US" altLang="zh-TW" sz="2400" b="1" dirty="0"/>
+              <a:t>。</a:t>
+            </a:r>
+            <a:endParaRPr lang="en-US" altLang="zh-TW" sz="2200" b="1" dirty="0"/>
+          </a:p>
+          <a:p>
+            <a:pPr marL="548640" lvl="2" indent="-274320" algn="just">
+              <a:lnSpc>
+                <a:spcPct val="150000"/>
+              </a:lnSpc>
+              <a:spcBef>
+                <a:spcPts val="1800"/>
+              </a:spcBef>
+              <a:buFont typeface="Wingdings" panose="05000000000000000000" pitchFamily="2" charset="2"/>
+              <a:buChar char="Ø"/>
+            </a:pPr>
+            <a:r>
+              <a:rPr lang="zh-TW" altLang="en-US" sz="2200" dirty="0" smtClean="0"/>
+              <a:t>奠定互動性驗證基礎。</a:t>
+            </a:r>
+            <a:endParaRPr lang="en-US" altLang="zh-TW" sz="2400" dirty="0"/>
+          </a:p>
+          <a:p>
+            <a:pPr marL="274320" lvl="1" indent="-274320" algn="just">
+              <a:lnSpc>
+                <a:spcPct val="150000"/>
+              </a:lnSpc>
+              <a:spcBef>
+                <a:spcPts val="1800"/>
+              </a:spcBef>
+              <a:buSzPct val="80000"/>
+              <a:buFont typeface="Wingdings" panose="05000000000000000000" pitchFamily="2" charset="2"/>
+              <a:buChar char="Ø"/>
+            </a:pPr>
+            <a:r>
+              <a:rPr lang="zh-TW" altLang="en-US" sz="2400" b="1" dirty="0" smtClean="0"/>
+              <a:t>課程</a:t>
+            </a:r>
+            <a:r>
+              <a:rPr lang="zh-TW" altLang="en-US" sz="2400" b="1" dirty="0"/>
+              <a:t>外</a:t>
+            </a:r>
+            <a:r>
+              <a:rPr lang="zh-TW" altLang="en-US" sz="2400" b="1" dirty="0" smtClean="0"/>
+              <a:t>補充的重要知識：</a:t>
+            </a:r>
+            <a:endParaRPr lang="en-US" altLang="zh-TW" sz="2400" b="1" dirty="0" smtClean="0"/>
+          </a:p>
+          <a:p>
+            <a:pPr marL="548640" lvl="2" indent="-274320" algn="just">
+              <a:lnSpc>
+                <a:spcPct val="150000"/>
+              </a:lnSpc>
+              <a:spcBef>
+                <a:spcPts val="1800"/>
+              </a:spcBef>
+              <a:buFont typeface="Wingdings" panose="05000000000000000000" pitchFamily="2" charset="2"/>
+              <a:buChar char="Ø"/>
+            </a:pPr>
+            <a:r>
+              <a:rPr lang="zh-TW" altLang="en-US" sz="2200" dirty="0"/>
+              <a:t>藉此</a:t>
+            </a:r>
+            <a:r>
+              <a:rPr lang="zh-TW" altLang="en-US" sz="2200" dirty="0" smtClean="0"/>
+              <a:t>學習</a:t>
+            </a:r>
+            <a:r>
+              <a:rPr lang="en-US" altLang="zh-TW" sz="2200" dirty="0" smtClean="0"/>
+              <a:t>ZKP</a:t>
+            </a:r>
+            <a:r>
+              <a:rPr lang="zh-TW" altLang="en-US" sz="2200" dirty="0" smtClean="0"/>
+              <a:t>相關重要機制。</a:t>
+            </a:r>
+            <a:endParaRPr lang="en-US" altLang="zh-TW" sz="2200" dirty="0" smtClean="0"/>
+          </a:p>
+          <a:p>
+            <a:pPr marL="548640" lvl="2" indent="-274320" algn="just">
+              <a:lnSpc>
+                <a:spcPct val="150000"/>
+              </a:lnSpc>
+              <a:spcBef>
+                <a:spcPts val="1800"/>
+              </a:spcBef>
+              <a:buFont typeface="Wingdings" panose="05000000000000000000" pitchFamily="2" charset="2"/>
+              <a:buChar char="Ø"/>
+            </a:pPr>
+            <a:r>
+              <a:rPr lang="zh-TW" altLang="en-US" sz="2200" dirty="0"/>
+              <a:t>透過實作</a:t>
+            </a:r>
+            <a:r>
+              <a:rPr lang="zh-TW" altLang="en-US" sz="2200" dirty="0" smtClean="0"/>
+              <a:t>強化對該領域的認知。</a:t>
+            </a:r>
+            <a:endParaRPr lang="en-US" altLang="zh-TW" sz="2200" dirty="0" smtClean="0"/>
           </a:p>
         </p:txBody>
       </p:sp>
@@ -11421,7 +17025,7 @@
           <p:cNvPr id="3" name="標題 2">
             <a:extLst>
               <a:ext uri="{FF2B5EF4-FFF2-40B4-BE49-F238E27FC236}">
-                <a16:creationId xmlns="" xmlns:a16="http://schemas.microsoft.com/office/drawing/2014/main" id="{4ABAB1B2-9811-49A5-968D-AA6F881D5BFC}"/>
+                <a16:creationId xmlns:a16="http://schemas.microsoft.com/office/drawing/2014/main" xmlns="" id="{4ABAB1B2-9811-49A5-968D-AA6F881D5BFC}"/>
               </a:ext>
             </a:extLst>
           </p:cNvPr>
@@ -11490,7 +17094,7 @@
           <p:cNvPr id="4" name="內容版面配置區 3">
             <a:extLst>
               <a:ext uri="{FF2B5EF4-FFF2-40B4-BE49-F238E27FC236}">
-                <a16:creationId xmlns="" xmlns:a16="http://schemas.microsoft.com/office/drawing/2014/main" id="{FCCA5DD9-09D4-479C-9F96-62D1622C7DB1}"/>
+                <a16:creationId xmlns:a16="http://schemas.microsoft.com/office/drawing/2014/main" xmlns="" id="{FCCA5DD9-09D4-479C-9F96-62D1622C7DB1}"/>
               </a:ext>
             </a:extLst>
           </p:cNvPr>
@@ -11528,8 +17132,86 @@
               <a:buSzPct val="100000"/>
             </a:pPr>
             <a:r>
+              <a:rPr lang="zh-TW" altLang="en-US" sz="2400" dirty="0" smtClean="0"/>
+              <a:t>傳</a:t>
+            </a:r>
+            <a:r>
+              <a:rPr lang="zh-TW" altLang="zh-TW" sz="2400" dirty="0" smtClean="0"/>
+              <a:t>統</a:t>
+            </a:r>
+            <a:r>
+              <a:rPr lang="en-US" altLang="zh-TW" sz="2400" dirty="0"/>
+              <a:t>ZKP</a:t>
+            </a:r>
+            <a:r>
+              <a:rPr lang="zh-TW" altLang="zh-TW" sz="2400" dirty="0"/>
+              <a:t>（互動式驗證機制）</a:t>
+            </a:r>
+            <a:r>
+              <a:rPr lang="zh-TW" altLang="en-US" sz="2400" dirty="0" smtClean="0"/>
+              <a:t> 。</a:t>
+            </a:r>
+            <a:endParaRPr lang="en-US" altLang="zh-TW" sz="2400" dirty="0" smtClean="0"/>
+          </a:p>
+          <a:p>
+            <a:pPr>
+              <a:lnSpc>
+                <a:spcPct val="170000"/>
+              </a:lnSpc>
+              <a:spcBef>
+                <a:spcPts val="0"/>
+              </a:spcBef>
+              <a:buClr>
+                <a:schemeClr val="bg2">
+                  <a:lumMod val="90000"/>
+                </a:schemeClr>
+              </a:buClr>
+              <a:buSzPct val="100000"/>
+            </a:pPr>
+            <a:r>
+              <a:rPr lang="en-US" altLang="zh-TW" sz="2400" dirty="0"/>
+              <a:t>Schnorr Protocol</a:t>
+            </a:r>
+            <a:r>
               <a:rPr lang="zh-TW" altLang="en-US" sz="2400" dirty="0"/>
-              <a:t>○ ○ ○ </a:t>
+              <a:t>（簡化版互動式驗證機制</a:t>
+            </a:r>
+            <a:r>
+              <a:rPr lang="zh-TW" altLang="en-US" sz="2400" dirty="0" smtClean="0"/>
+              <a:t>）。</a:t>
+            </a:r>
+            <a:endParaRPr lang="en-US" altLang="zh-TW" sz="2400" dirty="0" smtClean="0"/>
+          </a:p>
+          <a:p>
+            <a:pPr>
+              <a:lnSpc>
+                <a:spcPct val="170000"/>
+              </a:lnSpc>
+              <a:spcBef>
+                <a:spcPts val="0"/>
+              </a:spcBef>
+              <a:buClr>
+                <a:schemeClr val="bg2">
+                  <a:lumMod val="90000"/>
+                </a:schemeClr>
+              </a:buClr>
+              <a:buSzPct val="100000"/>
+            </a:pPr>
+            <a:r>
+              <a:rPr lang="en-US" altLang="zh-TW" sz="2400" dirty="0" smtClean="0"/>
+              <a:t>F</a:t>
+            </a:r>
+            <a:r>
+              <a:rPr lang="en-US" altLang="zh-TW" sz="2400" dirty="0"/>
+              <a:t>iat–Shamir Heuristic</a:t>
+            </a:r>
+            <a:r>
+              <a:rPr lang="zh-TW" altLang="zh-TW" sz="2400" dirty="0"/>
+              <a:t>（非互動式驗證機制</a:t>
+            </a:r>
+            <a:r>
+              <a:rPr lang="zh-TW" altLang="zh-TW" sz="2400" dirty="0" smtClean="0"/>
+              <a:t>）</a:t>
             </a:r>
             <a:r>
               <a:rPr lang="zh-TW" altLang="en-US" sz="2400" dirty="0" smtClean="0"/>
@@ -11658,7 +17340,7 @@
           <p:cNvPr id="19" name="標題 1">
             <a:extLst>
               <a:ext uri="{FF2B5EF4-FFF2-40B4-BE49-F238E27FC236}">
-                <a16:creationId xmlns="" xmlns:a16="http://schemas.microsoft.com/office/drawing/2014/main" id="{50E9A64D-4207-4980-8736-4201C3E0DC63}"/>
+                <a16:creationId xmlns:a16="http://schemas.microsoft.com/office/drawing/2014/main" xmlns="" id="{50E9A64D-4207-4980-8736-4201C3E0DC63}"/>
               </a:ext>
             </a:extLst>
           </p:cNvPr>
@@ -11698,7 +17380,7 @@
           <p:cNvPr id="24" name="內容版面配置區 2">
             <a:extLst>
               <a:ext uri="{FF2B5EF4-FFF2-40B4-BE49-F238E27FC236}">
-                <a16:creationId xmlns="" xmlns:a16="http://schemas.microsoft.com/office/drawing/2014/main" id="{F5C22ADD-7A5D-44F8-969C-F4721C016703}"/>
+                <a16:creationId xmlns:a16="http://schemas.microsoft.com/office/drawing/2014/main" xmlns="" id="{F5C22ADD-7A5D-44F8-969C-F4721C016703}"/>
               </a:ext>
             </a:extLst>
           </p:cNvPr>
@@ -11928,104 +17610,991 @@
               <a:buFont typeface="Wingdings" panose="05000000000000000000" pitchFamily="2" charset="2"/>
               <a:buChar char="n"/>
             </a:pPr>
-            <a:r>
-              <a:rPr lang="zh-TW" altLang="en-US" sz="2800" b="1" dirty="0" smtClean="0">
-                <a:solidFill>
-                  <a:schemeClr val="accent1">
-                    <a:lumMod val="75000"/>
-                  </a:schemeClr>
-                </a:solidFill>
+            <a:endParaRPr lang="en-US" altLang="zh-TW" b="1" dirty="0">
+              <a:latin typeface="微軟正黑體" panose="020B0604030504040204" pitchFamily="34" charset="-120"/>
+              <a:ea typeface="微軟正黑體" panose="020B0604030504040204" pitchFamily="34" charset="-120"/>
+            </a:endParaRPr>
+          </a:p>
+        </p:txBody>
+      </p:sp>
+      <p:sp>
+        <p:nvSpPr>
+          <p:cNvPr id="4" name="圓角矩形 3"/>
+          <p:cNvSpPr/>
+          <p:nvPr/>
+        </p:nvSpPr>
+        <p:spPr>
+          <a:xfrm>
+            <a:off x="693812" y="1556792"/>
+            <a:ext cx="2736304" cy="1509233"/>
+          </a:xfrm>
+          <a:prstGeom prst="roundRect">
+            <a:avLst/>
+          </a:prstGeom>
+        </p:spPr>
+        <p:style>
+          <a:lnRef idx="1">
+            <a:schemeClr val="accent1"/>
+          </a:lnRef>
+          <a:fillRef idx="2">
+            <a:schemeClr val="accent1"/>
+          </a:fillRef>
+          <a:effectRef idx="1">
+            <a:schemeClr val="accent1"/>
+          </a:effectRef>
+          <a:fontRef idx="minor">
+            <a:schemeClr val="dk1"/>
+          </a:fontRef>
+        </p:style>
+        <p:txBody>
+          <a:bodyPr rtlCol="0" anchor="ctr"/>
+          <a:lstStyle/>
+          <a:p>
+            <a:pPr algn="ctr"/>
+            <a:r>
+              <a:rPr lang="zh-TW" altLang="en-US" sz="3000" b="1" dirty="0" smtClean="0">
                 <a:latin typeface="微軟正黑體" panose="020B0604030504040204" pitchFamily="34" charset="-120"/>
                 <a:ea typeface="微軟正黑體" panose="020B0604030504040204" pitchFamily="34" charset="-120"/>
               </a:rPr>
-              <a:t>○○○</a:t>
-            </a:r>
-            <a:endParaRPr lang="en-US" altLang="zh-TW" sz="2800" b="1" dirty="0">
+              <a:t>傳</a:t>
+            </a:r>
+            <a:r>
+              <a:rPr lang="zh-TW" altLang="zh-TW" sz="3000" b="1" dirty="0" smtClean="0">
+                <a:latin typeface="微軟正黑體" panose="020B0604030504040204" pitchFamily="34" charset="-120"/>
+                <a:ea typeface="微軟正黑體" panose="020B0604030504040204" pitchFamily="34" charset="-120"/>
+              </a:rPr>
+              <a:t>統</a:t>
+            </a:r>
+            <a:r>
+              <a:rPr lang="en-US" altLang="zh-TW" sz="3000" b="1" dirty="0" smtClean="0">
+                <a:latin typeface="微軟正黑體" panose="020B0604030504040204" pitchFamily="34" charset="-120"/>
+                <a:ea typeface="微軟正黑體" panose="020B0604030504040204" pitchFamily="34" charset="-120"/>
+              </a:rPr>
+              <a:t>ZKP</a:t>
+            </a:r>
+          </a:p>
+          <a:p>
+            <a:pPr algn="ctr"/>
+            <a:r>
+              <a:rPr lang="zh-TW" altLang="zh-TW" sz="3000" b="1" dirty="0" smtClean="0">
+                <a:latin typeface="微軟正黑體" panose="020B0604030504040204" pitchFamily="34" charset="-120"/>
+                <a:ea typeface="微軟正黑體" panose="020B0604030504040204" pitchFamily="34" charset="-120"/>
+              </a:rPr>
+              <a:t>（互動式）</a:t>
+            </a:r>
+            <a:endParaRPr lang="zh-TW" altLang="en-US" sz="3000" dirty="0" smtClean="0">
+              <a:latin typeface="微軟正黑體" panose="020B0604030504040204" pitchFamily="34" charset="-120"/>
+              <a:ea typeface="微軟正黑體" panose="020B0604030504040204" pitchFamily="34" charset="-120"/>
+            </a:endParaRPr>
+          </a:p>
+        </p:txBody>
+      </p:sp>
+      <p:sp>
+        <p:nvSpPr>
+          <p:cNvPr id="9" name="圓角矩形 8"/>
+          <p:cNvSpPr/>
+          <p:nvPr/>
+        </p:nvSpPr>
+        <p:spPr>
+          <a:xfrm>
+            <a:off x="4582244" y="1556792"/>
+            <a:ext cx="2736304" cy="1509233"/>
+          </a:xfrm>
+          <a:prstGeom prst="roundRect">
+            <a:avLst/>
+          </a:prstGeom>
+        </p:spPr>
+        <p:style>
+          <a:lnRef idx="1">
+            <a:schemeClr val="accent4"/>
+          </a:lnRef>
+          <a:fillRef idx="2">
+            <a:schemeClr val="accent4"/>
+          </a:fillRef>
+          <a:effectRef idx="1">
+            <a:schemeClr val="accent4"/>
+          </a:effectRef>
+          <a:fontRef idx="minor">
+            <a:schemeClr val="dk1"/>
+          </a:fontRef>
+        </p:style>
+        <p:txBody>
+          <a:bodyPr rtlCol="0" anchor="ctr"/>
+          <a:lstStyle/>
+          <a:p>
+            <a:pPr algn="ctr"/>
+            <a:r>
+              <a:rPr lang="en-US" altLang="zh-TW" sz="3000" b="1" dirty="0" smtClean="0">
+                <a:latin typeface="微軟正黑體" panose="020B0604030504040204" pitchFamily="34" charset="-120"/>
+                <a:ea typeface="微軟正黑體" panose="020B0604030504040204" pitchFamily="34" charset="-120"/>
+              </a:rPr>
+              <a:t>Schnorr</a:t>
+            </a:r>
+          </a:p>
+          <a:p>
+            <a:pPr algn="ctr"/>
+            <a:r>
+              <a:rPr lang="zh-TW" altLang="zh-TW" sz="3000" b="1" dirty="0" smtClean="0">
+                <a:latin typeface="微軟正黑體" panose="020B0604030504040204" pitchFamily="34" charset="-120"/>
+                <a:ea typeface="微軟正黑體" panose="020B0604030504040204" pitchFamily="34" charset="-120"/>
+              </a:rPr>
+              <a:t>（</a:t>
+            </a:r>
+            <a:r>
+              <a:rPr lang="zh-TW" altLang="en-US" sz="3000" b="1" dirty="0" smtClean="0">
+                <a:latin typeface="微軟正黑體" panose="020B0604030504040204" pitchFamily="34" charset="-120"/>
+                <a:ea typeface="微軟正黑體" panose="020B0604030504040204" pitchFamily="34" charset="-120"/>
+              </a:rPr>
+              <a:t>簡化</a:t>
+            </a:r>
+            <a:r>
+              <a:rPr lang="zh-TW" altLang="zh-TW" sz="3000" b="1" dirty="0" smtClean="0">
+                <a:latin typeface="微軟正黑體" panose="020B0604030504040204" pitchFamily="34" charset="-120"/>
+                <a:ea typeface="微軟正黑體" panose="020B0604030504040204" pitchFamily="34" charset="-120"/>
+              </a:rPr>
+              <a:t>互動式）</a:t>
+            </a:r>
+            <a:endParaRPr lang="zh-TW" altLang="en-US" sz="3000" dirty="0" smtClean="0">
+              <a:latin typeface="微軟正黑體" panose="020B0604030504040204" pitchFamily="34" charset="-120"/>
+              <a:ea typeface="微軟正黑體" panose="020B0604030504040204" pitchFamily="34" charset="-120"/>
+            </a:endParaRPr>
+          </a:p>
+        </p:txBody>
+      </p:sp>
+      <p:sp>
+        <p:nvSpPr>
+          <p:cNvPr id="10" name="圓角矩形 9"/>
+          <p:cNvSpPr/>
+          <p:nvPr/>
+        </p:nvSpPr>
+        <p:spPr>
+          <a:xfrm>
+            <a:off x="8470676" y="1556792"/>
+            <a:ext cx="2736304" cy="1509233"/>
+          </a:xfrm>
+          <a:prstGeom prst="roundRect">
+            <a:avLst/>
+          </a:prstGeom>
+        </p:spPr>
+        <p:style>
+          <a:lnRef idx="1">
+            <a:schemeClr val="accent6"/>
+          </a:lnRef>
+          <a:fillRef idx="2">
+            <a:schemeClr val="accent6"/>
+          </a:fillRef>
+          <a:effectRef idx="1">
+            <a:schemeClr val="accent6"/>
+          </a:effectRef>
+          <a:fontRef idx="minor">
+            <a:schemeClr val="dk1"/>
+          </a:fontRef>
+        </p:style>
+        <p:txBody>
+          <a:bodyPr rtlCol="0" anchor="ctr"/>
+          <a:lstStyle/>
+          <a:p>
+            <a:pPr algn="ctr"/>
+            <a:r>
+              <a:rPr lang="en-US" altLang="zh-TW" sz="3200" b="1" dirty="0" smtClean="0"/>
+              <a:t>Fiat–Shamir </a:t>
+            </a:r>
+            <a:r>
+              <a:rPr lang="en-US" altLang="zh-TW" sz="3200" b="1" dirty="0"/>
+              <a:t>Heuristic</a:t>
+            </a:r>
+            <a:endParaRPr lang="en-US" altLang="zh-TW" sz="3000" b="1" dirty="0" smtClean="0">
+              <a:latin typeface="微軟正黑體" panose="020B0604030504040204" pitchFamily="34" charset="-120"/>
+              <a:ea typeface="微軟正黑體" panose="020B0604030504040204" pitchFamily="34" charset="-120"/>
+            </a:endParaRPr>
+          </a:p>
+          <a:p>
+            <a:pPr algn="ctr"/>
+            <a:r>
+              <a:rPr lang="zh-TW" altLang="zh-TW" sz="3000" b="1" dirty="0" smtClean="0">
+                <a:latin typeface="微軟正黑體" panose="020B0604030504040204" pitchFamily="34" charset="-120"/>
+                <a:ea typeface="微軟正黑體" panose="020B0604030504040204" pitchFamily="34" charset="-120"/>
+              </a:rPr>
+              <a:t>（</a:t>
+            </a:r>
+            <a:r>
+              <a:rPr lang="zh-TW" altLang="en-US" sz="3000" b="1" dirty="0" smtClean="0">
+                <a:latin typeface="微軟正黑體" panose="020B0604030504040204" pitchFamily="34" charset="-120"/>
+                <a:ea typeface="微軟正黑體" panose="020B0604030504040204" pitchFamily="34" charset="-120"/>
+              </a:rPr>
+              <a:t>非</a:t>
+            </a:r>
+            <a:r>
+              <a:rPr lang="zh-TW" altLang="zh-TW" sz="3000" b="1" dirty="0" smtClean="0">
+                <a:latin typeface="微軟正黑體" panose="020B0604030504040204" pitchFamily="34" charset="-120"/>
+                <a:ea typeface="微軟正黑體" panose="020B0604030504040204" pitchFamily="34" charset="-120"/>
+              </a:rPr>
+              <a:t>互動式）</a:t>
+            </a:r>
+            <a:endParaRPr lang="zh-TW" altLang="en-US" sz="3000" dirty="0" smtClean="0">
+              <a:latin typeface="微軟正黑體" panose="020B0604030504040204" pitchFamily="34" charset="-120"/>
+              <a:ea typeface="微軟正黑體" panose="020B0604030504040204" pitchFamily="34" charset="-120"/>
+            </a:endParaRPr>
+          </a:p>
+        </p:txBody>
+      </p:sp>
+      <p:sp>
+        <p:nvSpPr>
+          <p:cNvPr id="6" name="向右箭號 5"/>
+          <p:cNvSpPr/>
+          <p:nvPr/>
+        </p:nvSpPr>
+        <p:spPr>
+          <a:xfrm>
+            <a:off x="3646140" y="1988840"/>
+            <a:ext cx="792088" cy="648072"/>
+          </a:xfrm>
+          <a:prstGeom prst="rightArrow">
+            <a:avLst/>
+          </a:prstGeom>
+          <a:solidFill>
+            <a:schemeClr val="accent3">
+              <a:lumMod val="60000"/>
+              <a:lumOff val="40000"/>
+            </a:schemeClr>
+          </a:solidFill>
+        </p:spPr>
+        <p:style>
+          <a:lnRef idx="2">
+            <a:schemeClr val="accent1">
+              <a:shade val="50000"/>
+            </a:schemeClr>
+          </a:lnRef>
+          <a:fillRef idx="1">
+            <a:schemeClr val="accent1"/>
+          </a:fillRef>
+          <a:effectRef idx="0">
+            <a:schemeClr val="accent1"/>
+          </a:effectRef>
+          <a:fontRef idx="minor">
+            <a:schemeClr val="lt1"/>
+          </a:fontRef>
+        </p:style>
+        <p:txBody>
+          <a:bodyPr rtlCol="0" anchor="ctr"/>
+          <a:lstStyle/>
+          <a:p>
+            <a:pPr algn="ctr"/>
+            <a:endParaRPr lang="zh-TW" altLang="en-US" dirty="0" err="1" smtClean="0"/>
+          </a:p>
+        </p:txBody>
+      </p:sp>
+      <p:sp>
+        <p:nvSpPr>
+          <p:cNvPr id="12" name="向右箭號 11"/>
+          <p:cNvSpPr/>
+          <p:nvPr/>
+        </p:nvSpPr>
+        <p:spPr>
+          <a:xfrm>
+            <a:off x="7534572" y="1988840"/>
+            <a:ext cx="792088" cy="648072"/>
+          </a:xfrm>
+          <a:prstGeom prst="rightArrow">
+            <a:avLst/>
+          </a:prstGeom>
+          <a:solidFill>
+            <a:schemeClr val="accent3">
+              <a:lumMod val="60000"/>
+              <a:lumOff val="40000"/>
+            </a:schemeClr>
+          </a:solidFill>
+        </p:spPr>
+        <p:style>
+          <a:lnRef idx="2">
+            <a:schemeClr val="accent1">
+              <a:shade val="50000"/>
+            </a:schemeClr>
+          </a:lnRef>
+          <a:fillRef idx="1">
+            <a:schemeClr val="accent1"/>
+          </a:fillRef>
+          <a:effectRef idx="0">
+            <a:schemeClr val="accent1"/>
+          </a:effectRef>
+          <a:fontRef idx="minor">
+            <a:schemeClr val="lt1"/>
+          </a:fontRef>
+        </p:style>
+        <p:txBody>
+          <a:bodyPr rtlCol="0" anchor="ctr"/>
+          <a:lstStyle/>
+          <a:p>
+            <a:pPr algn="ctr"/>
+            <a:endParaRPr lang="zh-TW" altLang="en-US" dirty="0" err="1" smtClean="0"/>
+          </a:p>
+        </p:txBody>
+      </p:sp>
+      <p:sp>
+        <p:nvSpPr>
+          <p:cNvPr id="7" name="矩形 6"/>
+          <p:cNvSpPr/>
+          <p:nvPr/>
+        </p:nvSpPr>
+        <p:spPr>
+          <a:xfrm>
+            <a:off x="599728" y="3320118"/>
+            <a:ext cx="3046412" cy="1754326"/>
+          </a:xfrm>
+          <a:prstGeom prst="rect">
+            <a:avLst/>
+          </a:prstGeom>
+        </p:spPr>
+        <p:txBody>
+          <a:bodyPr wrap="square">
+            <a:spAutoFit/>
+          </a:bodyPr>
+          <a:lstStyle/>
+          <a:p>
+            <a:pPr marL="285750" indent="-285750" algn="just">
+              <a:buFont typeface="Wingdings" panose="05000000000000000000" pitchFamily="2" charset="2"/>
+              <a:buChar char="l"/>
+            </a:pPr>
+            <a:r>
+              <a:rPr lang="zh-TW" altLang="zh-TW" b="1" dirty="0">
+                <a:latin typeface="微軟正黑體" panose="020B0604030504040204" pitchFamily="34" charset="-120"/>
+                <a:ea typeface="微軟正黑體" panose="020B0604030504040204" pitchFamily="34" charset="-120"/>
+              </a:rPr>
+              <a:t>由證明者與驗證者</a:t>
+            </a:r>
+            <a:r>
+              <a:rPr lang="zh-TW" altLang="zh-TW" b="1" dirty="0" smtClean="0">
+                <a:latin typeface="微軟正黑體" panose="020B0604030504040204" pitchFamily="34" charset="-120"/>
+                <a:ea typeface="微軟正黑體" panose="020B0604030504040204" pitchFamily="34" charset="-120"/>
+              </a:rPr>
+              <a:t>透過</a:t>
+            </a:r>
+            <a:r>
+              <a:rPr lang="zh-TW" altLang="en-US" b="1" dirty="0" smtClean="0">
+                <a:latin typeface="微軟正黑體" panose="020B0604030504040204" pitchFamily="34" charset="-120"/>
+                <a:ea typeface="微軟正黑體" panose="020B0604030504040204" pitchFamily="34" charset="-120"/>
+              </a:rPr>
+              <a:t>「</a:t>
+            </a:r>
+            <a:r>
+              <a:rPr lang="zh-TW" altLang="zh-TW" b="1" dirty="0">
+                <a:solidFill>
+                  <a:srgbClr val="FF0000"/>
+                </a:solidFill>
+                <a:latin typeface="微軟正黑體" panose="020B0604030504040204" pitchFamily="34" charset="-120"/>
+                <a:ea typeface="微軟正黑體" panose="020B0604030504040204" pitchFamily="34" charset="-120"/>
+              </a:rPr>
+              <a:t>多</a:t>
+            </a:r>
+            <a:r>
+              <a:rPr lang="zh-TW" altLang="en-US" b="1" dirty="0">
+                <a:solidFill>
+                  <a:srgbClr val="FF0000"/>
+                </a:solidFill>
+                <a:latin typeface="微軟正黑體" panose="020B0604030504040204" pitchFamily="34" charset="-120"/>
+                <a:ea typeface="微軟正黑體" panose="020B0604030504040204" pitchFamily="34" charset="-120"/>
+              </a:rPr>
+              <a:t>回合</a:t>
+            </a:r>
+            <a:r>
+              <a:rPr lang="zh-TW" altLang="en-US" b="1" dirty="0" smtClean="0">
+                <a:latin typeface="微軟正黑體" panose="020B0604030504040204" pitchFamily="34" charset="-120"/>
+                <a:ea typeface="微軟正黑體" panose="020B0604030504040204" pitchFamily="34" charset="-120"/>
+              </a:rPr>
+              <a:t>」</a:t>
+            </a:r>
+            <a:r>
+              <a:rPr lang="zh-TW" altLang="zh-TW" b="1" dirty="0" smtClean="0">
+                <a:latin typeface="微軟正黑體" panose="020B0604030504040204" pitchFamily="34" charset="-120"/>
+                <a:ea typeface="微軟正黑體" panose="020B0604030504040204" pitchFamily="34" charset="-120"/>
+              </a:rPr>
+              <a:t>隨機</a:t>
+            </a:r>
+            <a:r>
+              <a:rPr lang="zh-TW" altLang="zh-TW" b="1" dirty="0">
+                <a:latin typeface="微軟正黑體" panose="020B0604030504040204" pitchFamily="34" charset="-120"/>
+                <a:ea typeface="微軟正黑體" panose="020B0604030504040204" pitchFamily="34" charset="-120"/>
+              </a:rPr>
+              <a:t>挑戰與回應的方式達成</a:t>
+            </a:r>
+            <a:r>
+              <a:rPr lang="zh-TW" altLang="zh-TW" b="1" dirty="0" smtClean="0">
+                <a:latin typeface="微軟正黑體" panose="020B0604030504040204" pitchFamily="34" charset="-120"/>
+                <a:ea typeface="微軟正黑體" panose="020B0604030504040204" pitchFamily="34" charset="-120"/>
+              </a:rPr>
+              <a:t>驗證</a:t>
+            </a:r>
+            <a:r>
+              <a:rPr lang="zh-TW" altLang="en-US" b="1" dirty="0" smtClean="0">
+                <a:latin typeface="微軟正黑體" panose="020B0604030504040204" pitchFamily="34" charset="-120"/>
+                <a:ea typeface="微軟正黑體" panose="020B0604030504040204" pitchFamily="34" charset="-120"/>
+              </a:rPr>
+              <a:t>。</a:t>
+            </a:r>
+            <a:endParaRPr lang="en-US" altLang="zh-TW" b="1" dirty="0" smtClean="0">
+              <a:latin typeface="微軟正黑體" panose="020B0604030504040204" pitchFamily="34" charset="-120"/>
+              <a:ea typeface="微軟正黑體" panose="020B0604030504040204" pitchFamily="34" charset="-120"/>
+            </a:endParaRPr>
+          </a:p>
+          <a:p>
+            <a:pPr marL="285750" indent="-285750" algn="just">
+              <a:buFont typeface="Wingdings" panose="05000000000000000000" pitchFamily="2" charset="2"/>
+              <a:buChar char="l"/>
+            </a:pPr>
+            <a:r>
+              <a:rPr lang="zh-TW" altLang="zh-TW" b="1" dirty="0">
+                <a:solidFill>
+                  <a:srgbClr val="FF0000"/>
+                </a:solidFill>
+                <a:latin typeface="微軟正黑體" panose="020B0604030504040204" pitchFamily="34" charset="-120"/>
+                <a:ea typeface="微軟正黑體" panose="020B0604030504040204" pitchFamily="34" charset="-120"/>
+              </a:rPr>
+              <a:t>多輪互動、傳輸成本高，不利於一對多、非同步或網路不穩定的環境中</a:t>
+            </a:r>
+            <a:endParaRPr lang="zh-TW" altLang="en-US" b="1" dirty="0">
               <a:solidFill>
-                <a:schemeClr val="accent1">
-                  <a:lumMod val="75000"/>
-                </a:schemeClr>
+                <a:srgbClr val="FF0000"/>
               </a:solidFill>
               <a:latin typeface="微軟正黑體" panose="020B0604030504040204" pitchFamily="34" charset="-120"/>
               <a:ea typeface="微軟正黑體" panose="020B0604030504040204" pitchFamily="34" charset="-120"/>
             </a:endParaRPr>
           </a:p>
+        </p:txBody>
+      </p:sp>
+      <p:sp>
+        <p:nvSpPr>
+          <p:cNvPr id="14" name="矩形 13"/>
+          <p:cNvSpPr/>
+          <p:nvPr/>
+        </p:nvSpPr>
+        <p:spPr>
+          <a:xfrm>
+            <a:off x="4510236" y="3314015"/>
+            <a:ext cx="3046412" cy="2862322"/>
+          </a:xfrm>
+          <a:prstGeom prst="rect">
+            <a:avLst/>
+          </a:prstGeom>
+        </p:spPr>
+        <p:txBody>
+          <a:bodyPr wrap="square">
+            <a:spAutoFit/>
+          </a:bodyPr>
+          <a:lstStyle/>
           <a:p>
             <a:pPr marL="285750" indent="-285750" algn="just">
-              <a:buClr>
-                <a:schemeClr val="accent1"/>
-              </a:buClr>
               <a:buFont typeface="Wingdings" panose="05000000000000000000" pitchFamily="2" charset="2"/>
-              <a:buChar char="n"/>
+              <a:buChar char="l"/>
             </a:pPr>
+            <a:r>
+              <a:rPr lang="zh-TW" altLang="zh-TW" b="1" dirty="0">
+                <a:latin typeface="微軟正黑體" panose="020B0604030504040204" pitchFamily="34" charset="-120"/>
+                <a:ea typeface="微軟正黑體" panose="020B0604030504040204" pitchFamily="34" charset="-120"/>
+              </a:rPr>
+              <a:t>引入更簡潔的數學</a:t>
+            </a:r>
+            <a:r>
+              <a:rPr lang="zh-TW" altLang="zh-TW" b="1" dirty="0" smtClean="0">
+                <a:latin typeface="微軟正黑體" panose="020B0604030504040204" pitchFamily="34" charset="-120"/>
+                <a:ea typeface="微軟正黑體" panose="020B0604030504040204" pitchFamily="34" charset="-120"/>
+              </a:rPr>
+              <a:t>結構</a:t>
+            </a:r>
+            <a:endParaRPr lang="en-US" altLang="zh-TW" b="1" dirty="0" smtClean="0">
+              <a:latin typeface="微軟正黑體" panose="020B0604030504040204" pitchFamily="34" charset="-120"/>
+              <a:ea typeface="微軟正黑體" panose="020B0604030504040204" pitchFamily="34" charset="-120"/>
+            </a:endParaRPr>
+          </a:p>
+          <a:p>
+            <a:pPr algn="just"/>
+            <a:r>
+              <a:rPr lang="zh-TW" altLang="en-US" b="1" dirty="0">
+                <a:latin typeface="微軟正黑體" panose="020B0604030504040204" pitchFamily="34" charset="-120"/>
+                <a:ea typeface="微軟正黑體" panose="020B0604030504040204" pitchFamily="34" charset="-120"/>
+              </a:rPr>
+              <a:t> </a:t>
+            </a:r>
+            <a:r>
+              <a:rPr lang="zh-TW" altLang="en-US" b="1" dirty="0" smtClean="0">
+                <a:latin typeface="微軟正黑體" panose="020B0604030504040204" pitchFamily="34" charset="-120"/>
+                <a:ea typeface="微軟正黑體" panose="020B0604030504040204" pitchFamily="34" charset="-120"/>
+              </a:rPr>
+              <a:t>   </a:t>
+            </a:r>
+            <a:r>
+              <a:rPr lang="zh-TW" altLang="zh-TW" b="1" dirty="0" smtClean="0">
+                <a:latin typeface="微軟正黑體" panose="020B0604030504040204" pitchFamily="34" charset="-120"/>
+                <a:ea typeface="微軟正黑體" panose="020B0604030504040204" pitchFamily="34" charset="-120"/>
+              </a:rPr>
+              <a:t>承諾</a:t>
+            </a:r>
+            <a:r>
+              <a:rPr lang="zh-TW" altLang="zh-TW" b="1" dirty="0">
+                <a:latin typeface="微軟正黑體" panose="020B0604030504040204" pitchFamily="34" charset="-120"/>
+                <a:ea typeface="微軟正黑體" panose="020B0604030504040204" pitchFamily="34" charset="-120"/>
+              </a:rPr>
+              <a:t>（</a:t>
+            </a:r>
+            <a:r>
+              <a:rPr lang="en-US" altLang="zh-TW" b="1" dirty="0">
+                <a:latin typeface="微軟正黑體" panose="020B0604030504040204" pitchFamily="34" charset="-120"/>
+                <a:ea typeface="微軟正黑體" panose="020B0604030504040204" pitchFamily="34" charset="-120"/>
+              </a:rPr>
+              <a:t>commit</a:t>
+            </a:r>
+            <a:r>
+              <a:rPr lang="zh-TW" altLang="zh-TW" b="1" dirty="0" smtClean="0">
+                <a:latin typeface="微軟正黑體" panose="020B0604030504040204" pitchFamily="34" charset="-120"/>
+                <a:ea typeface="微軟正黑體" panose="020B0604030504040204" pitchFamily="34" charset="-120"/>
+              </a:rPr>
+              <a:t>）</a:t>
+            </a:r>
+            <a:endParaRPr lang="en-US" altLang="zh-TW" b="1" dirty="0" smtClean="0">
+              <a:latin typeface="微軟正黑體" panose="020B0604030504040204" pitchFamily="34" charset="-120"/>
+              <a:ea typeface="微軟正黑體" panose="020B0604030504040204" pitchFamily="34" charset="-120"/>
+            </a:endParaRPr>
+          </a:p>
+          <a:p>
+            <a:pPr algn="just"/>
+            <a:r>
+              <a:rPr lang="zh-TW" altLang="en-US" b="1" dirty="0" smtClean="0">
+                <a:latin typeface="微軟正黑體" panose="020B0604030504040204" pitchFamily="34" charset="-120"/>
+                <a:ea typeface="微軟正黑體" panose="020B0604030504040204" pitchFamily="34" charset="-120"/>
+              </a:rPr>
+              <a:t>    </a:t>
+            </a:r>
+            <a:r>
+              <a:rPr lang="zh-TW" altLang="zh-TW" b="1" dirty="0" smtClean="0">
+                <a:latin typeface="微軟正黑體" panose="020B0604030504040204" pitchFamily="34" charset="-120"/>
+                <a:ea typeface="微軟正黑體" panose="020B0604030504040204" pitchFamily="34" charset="-120"/>
+              </a:rPr>
+              <a:t>挑戰</a:t>
+            </a:r>
+            <a:r>
+              <a:rPr lang="zh-TW" altLang="zh-TW" b="1" dirty="0">
+                <a:latin typeface="微軟正黑體" panose="020B0604030504040204" pitchFamily="34" charset="-120"/>
+                <a:ea typeface="微軟正黑體" panose="020B0604030504040204" pitchFamily="34" charset="-120"/>
+              </a:rPr>
+              <a:t>（</a:t>
+            </a:r>
+            <a:r>
+              <a:rPr lang="en-US" altLang="zh-TW" b="1" dirty="0">
+                <a:latin typeface="微軟正黑體" panose="020B0604030504040204" pitchFamily="34" charset="-120"/>
+                <a:ea typeface="微軟正黑體" panose="020B0604030504040204" pitchFamily="34" charset="-120"/>
+              </a:rPr>
+              <a:t>challenge</a:t>
+            </a:r>
+            <a:r>
+              <a:rPr lang="zh-TW" altLang="zh-TW" b="1" dirty="0" smtClean="0">
+                <a:latin typeface="微軟正黑體" panose="020B0604030504040204" pitchFamily="34" charset="-120"/>
+                <a:ea typeface="微軟正黑體" panose="020B0604030504040204" pitchFamily="34" charset="-120"/>
+              </a:rPr>
+              <a:t>）</a:t>
+            </a:r>
+            <a:endParaRPr lang="en-US" altLang="zh-TW" b="1" dirty="0" smtClean="0">
+              <a:latin typeface="微軟正黑體" panose="020B0604030504040204" pitchFamily="34" charset="-120"/>
+              <a:ea typeface="微軟正黑體" panose="020B0604030504040204" pitchFamily="34" charset="-120"/>
+            </a:endParaRPr>
+          </a:p>
+          <a:p>
+            <a:pPr algn="just"/>
+            <a:r>
+              <a:rPr lang="zh-TW" altLang="en-US" b="1" dirty="0">
+                <a:latin typeface="微軟正黑體" panose="020B0604030504040204" pitchFamily="34" charset="-120"/>
+                <a:ea typeface="微軟正黑體" panose="020B0604030504040204" pitchFamily="34" charset="-120"/>
+              </a:rPr>
+              <a:t> </a:t>
+            </a:r>
+            <a:r>
+              <a:rPr lang="zh-TW" altLang="en-US" b="1" dirty="0" smtClean="0">
+                <a:latin typeface="微軟正黑體" panose="020B0604030504040204" pitchFamily="34" charset="-120"/>
+                <a:ea typeface="微軟正黑體" panose="020B0604030504040204" pitchFamily="34" charset="-120"/>
+              </a:rPr>
+              <a:t>   </a:t>
+            </a:r>
+            <a:r>
+              <a:rPr lang="zh-TW" altLang="zh-TW" b="1" dirty="0" smtClean="0">
+                <a:latin typeface="微軟正黑體" panose="020B0604030504040204" pitchFamily="34" charset="-120"/>
+                <a:ea typeface="微軟正黑體" panose="020B0604030504040204" pitchFamily="34" charset="-120"/>
+              </a:rPr>
+              <a:t>回應</a:t>
+            </a:r>
+            <a:r>
+              <a:rPr lang="zh-TW" altLang="zh-TW" b="1" dirty="0">
+                <a:latin typeface="微軟正黑體" panose="020B0604030504040204" pitchFamily="34" charset="-120"/>
+                <a:ea typeface="微軟正黑體" panose="020B0604030504040204" pitchFamily="34" charset="-120"/>
+              </a:rPr>
+              <a:t>（</a:t>
+            </a:r>
+            <a:r>
+              <a:rPr lang="en-US" altLang="zh-TW" b="1" dirty="0">
+                <a:latin typeface="微軟正黑體" panose="020B0604030504040204" pitchFamily="34" charset="-120"/>
+                <a:ea typeface="微軟正黑體" panose="020B0604030504040204" pitchFamily="34" charset="-120"/>
+              </a:rPr>
+              <a:t>response</a:t>
+            </a:r>
+            <a:r>
+              <a:rPr lang="zh-TW" altLang="zh-TW" b="1" dirty="0" smtClean="0">
+                <a:latin typeface="微軟正黑體" panose="020B0604030504040204" pitchFamily="34" charset="-120"/>
+                <a:ea typeface="微軟正黑體" panose="020B0604030504040204" pitchFamily="34" charset="-120"/>
+              </a:rPr>
+              <a:t>）</a:t>
+            </a:r>
             <a:endParaRPr lang="en-US" altLang="zh-TW" b="1" dirty="0">
               <a:latin typeface="微軟正黑體" panose="020B0604030504040204" pitchFamily="34" charset="-120"/>
               <a:ea typeface="微軟正黑體" panose="020B0604030504040204" pitchFamily="34" charset="-120"/>
             </a:endParaRPr>
           </a:p>
-        </p:txBody>
-      </p:sp>
-      <p:sp>
-        <p:nvSpPr>
-          <p:cNvPr id="20" name="內容版面配置區 2">
-            <a:extLst>
-              <a:ext uri="{FF2B5EF4-FFF2-40B4-BE49-F238E27FC236}">
-                <a16:creationId xmlns="" xmlns:a16="http://schemas.microsoft.com/office/drawing/2014/main" id="{2E881D55-3B47-403F-8F0E-EDFDE34A1B22}"/>
-              </a:ext>
-            </a:extLst>
-          </p:cNvPr>
-          <p:cNvSpPr>
-            <a:spLocks noGrp="1"/>
-          </p:cNvSpPr>
-          <p:nvPr>
-            <p:ph idx="1"/>
-          </p:nvPr>
+          <a:p>
+            <a:pPr marL="285750" indent="-285750" algn="just">
+              <a:buFont typeface="Wingdings" panose="05000000000000000000" pitchFamily="2" charset="2"/>
+              <a:buChar char="l"/>
+            </a:pPr>
+            <a:r>
+              <a:rPr lang="zh-TW" altLang="zh-TW" b="1" dirty="0">
+                <a:latin typeface="微軟正黑體" panose="020B0604030504040204" pitchFamily="34" charset="-120"/>
+                <a:ea typeface="微軟正黑體" panose="020B0604030504040204" pitchFamily="34" charset="-120"/>
+              </a:rPr>
+              <a:t>大幅</a:t>
+            </a:r>
+            <a:r>
+              <a:rPr lang="zh-TW" altLang="zh-TW" b="1" dirty="0" smtClean="0">
+                <a:latin typeface="微軟正黑體" panose="020B0604030504040204" pitchFamily="34" charset="-120"/>
+                <a:ea typeface="微軟正黑體" panose="020B0604030504040204" pitchFamily="34" charset="-120"/>
+              </a:rPr>
+              <a:t>降低通訊</a:t>
+            </a:r>
+            <a:r>
+              <a:rPr lang="zh-TW" altLang="zh-TW" b="1" dirty="0">
+                <a:latin typeface="微軟正黑體" panose="020B0604030504040204" pitchFamily="34" charset="-120"/>
+                <a:ea typeface="微軟正黑體" panose="020B0604030504040204" pitchFamily="34" charset="-120"/>
+              </a:rPr>
+              <a:t>成本，並具有實作上的簡便</a:t>
+            </a:r>
+            <a:r>
+              <a:rPr lang="zh-TW" altLang="zh-TW" b="1" dirty="0" smtClean="0">
+                <a:latin typeface="微軟正黑體" panose="020B0604030504040204" pitchFamily="34" charset="-120"/>
+                <a:ea typeface="微軟正黑體" panose="020B0604030504040204" pitchFamily="34" charset="-120"/>
+              </a:rPr>
+              <a:t>性</a:t>
+            </a:r>
+            <a:r>
+              <a:rPr lang="zh-TW" altLang="en-US" b="1" dirty="0" smtClean="0">
+                <a:latin typeface="微軟正黑體" panose="020B0604030504040204" pitchFamily="34" charset="-120"/>
+                <a:ea typeface="微軟正黑體" panose="020B0604030504040204" pitchFamily="34" charset="-120"/>
+              </a:rPr>
+              <a:t>。</a:t>
+            </a:r>
+            <a:endParaRPr lang="en-US" altLang="zh-TW" b="1" dirty="0" smtClean="0">
+              <a:latin typeface="微軟正黑體" panose="020B0604030504040204" pitchFamily="34" charset="-120"/>
+              <a:ea typeface="微軟正黑體" panose="020B0604030504040204" pitchFamily="34" charset="-120"/>
+            </a:endParaRPr>
+          </a:p>
+          <a:p>
+            <a:pPr marL="285750" indent="-285750" algn="just">
+              <a:buFont typeface="Wingdings" panose="05000000000000000000" pitchFamily="2" charset="2"/>
+              <a:buChar char="l"/>
+            </a:pPr>
+            <a:r>
+              <a:rPr lang="zh-TW" altLang="zh-TW" b="1" dirty="0">
+                <a:solidFill>
+                  <a:srgbClr val="FF0000"/>
+                </a:solidFill>
+                <a:latin typeface="微軟正黑體" panose="020B0604030504040204" pitchFamily="34" charset="-120"/>
+                <a:ea typeface="微軟正黑體" panose="020B0604030504040204" pitchFamily="34" charset="-120"/>
+              </a:rPr>
+              <a:t>仍</a:t>
+            </a:r>
+            <a:r>
+              <a:rPr lang="zh-TW" altLang="zh-TW" b="1" dirty="0" smtClean="0">
+                <a:solidFill>
+                  <a:srgbClr val="FF0000"/>
+                </a:solidFill>
+                <a:latin typeface="微軟正黑體" panose="020B0604030504040204" pitchFamily="34" charset="-120"/>
+                <a:ea typeface="微軟正黑體" panose="020B0604030504040204" pitchFamily="34" charset="-120"/>
+              </a:rPr>
+              <a:t>屬互動式</a:t>
+            </a:r>
+            <a:r>
+              <a:rPr lang="zh-TW" altLang="zh-TW" b="1" dirty="0">
+                <a:solidFill>
+                  <a:srgbClr val="FF0000"/>
+                </a:solidFill>
+                <a:latin typeface="微軟正黑體" panose="020B0604030504040204" pitchFamily="34" charset="-120"/>
+                <a:ea typeface="微軟正黑體" panose="020B0604030504040204" pitchFamily="34" charset="-120"/>
+              </a:rPr>
+              <a:t>協定</a:t>
+            </a:r>
+            <a:r>
+              <a:rPr lang="zh-TW" altLang="en-US" b="1" dirty="0">
+                <a:solidFill>
+                  <a:srgbClr val="FF0000"/>
+                </a:solidFill>
+                <a:latin typeface="微軟正黑體" panose="020B0604030504040204" pitchFamily="34" charset="-120"/>
+                <a:ea typeface="微軟正黑體" panose="020B0604030504040204" pitchFamily="34" charset="-120"/>
+              </a:rPr>
+              <a:t>，</a:t>
+            </a:r>
+            <a:r>
+              <a:rPr lang="zh-TW" altLang="zh-TW" b="1" dirty="0">
+                <a:solidFill>
+                  <a:srgbClr val="FF0000"/>
+                </a:solidFill>
+                <a:latin typeface="微軟正黑體" panose="020B0604030504040204" pitchFamily="34" charset="-120"/>
+                <a:ea typeface="微軟正黑體" panose="020B0604030504040204" pitchFamily="34" charset="-120"/>
+              </a:rPr>
+              <a:t>在分散式系統或無法同步傳輸的場景中仍有</a:t>
+            </a:r>
+            <a:r>
+              <a:rPr lang="zh-TW" altLang="zh-TW" b="1" dirty="0" smtClean="0">
+                <a:solidFill>
+                  <a:srgbClr val="FF0000"/>
+                </a:solidFill>
+                <a:latin typeface="微軟正黑體" panose="020B0604030504040204" pitchFamily="34" charset="-120"/>
+                <a:ea typeface="微軟正黑體" panose="020B0604030504040204" pitchFamily="34" charset="-120"/>
+              </a:rPr>
+              <a:t>侷限</a:t>
+            </a:r>
+            <a:r>
+              <a:rPr lang="zh-TW" altLang="en-US" b="1" dirty="0" smtClean="0">
+                <a:solidFill>
+                  <a:srgbClr val="FF0000"/>
+                </a:solidFill>
+                <a:latin typeface="微軟正黑體" panose="020B0604030504040204" pitchFamily="34" charset="-120"/>
+                <a:ea typeface="微軟正黑體" panose="020B0604030504040204" pitchFamily="34" charset="-120"/>
+              </a:rPr>
+              <a:t>。</a:t>
+            </a:r>
+            <a:endParaRPr lang="en-US" altLang="zh-TW" b="1" dirty="0">
+              <a:solidFill>
+                <a:srgbClr val="FF0000"/>
+              </a:solidFill>
+              <a:latin typeface="微軟正黑體" panose="020B0604030504040204" pitchFamily="34" charset="-120"/>
+              <a:ea typeface="微軟正黑體" panose="020B0604030504040204" pitchFamily="34" charset="-120"/>
+            </a:endParaRPr>
+          </a:p>
+          <a:p>
+            <a:pPr marL="285750" indent="-285750" algn="just">
+              <a:buFont typeface="Wingdings" panose="05000000000000000000" pitchFamily="2" charset="2"/>
+              <a:buChar char="l"/>
+            </a:pPr>
+            <a:endParaRPr lang="zh-TW" altLang="en-US" b="1" dirty="0">
+              <a:latin typeface="微軟正黑體" panose="020B0604030504040204" pitchFamily="34" charset="-120"/>
+              <a:ea typeface="微軟正黑體" panose="020B0604030504040204" pitchFamily="34" charset="-120"/>
+            </a:endParaRPr>
+          </a:p>
+        </p:txBody>
+      </p:sp>
+      <p:sp>
+        <p:nvSpPr>
+          <p:cNvPr id="15" name="矩形 14"/>
+          <p:cNvSpPr/>
+          <p:nvPr/>
         </p:nvSpPr>
         <p:spPr>
           <a:xfrm>
-            <a:off x="192197" y="1700808"/>
-            <a:ext cx="11590847" cy="4384009"/>
+            <a:off x="8326660" y="3314015"/>
+            <a:ext cx="3046412" cy="1754326"/>
           </a:xfrm>
+          <a:prstGeom prst="rect">
+            <a:avLst/>
+          </a:prstGeom>
         </p:spPr>
         <p:txBody>
-          <a:bodyPr>
-            <a:normAutofit/>
+          <a:bodyPr wrap="square">
+            <a:spAutoFit/>
           </a:bodyPr>
           <a:lstStyle/>
           <a:p>
-            <a:pPr marL="274320" lvl="1" indent="-274320" algn="just">
-              <a:lnSpc>
-                <a:spcPct val="150000"/>
-              </a:lnSpc>
-              <a:spcBef>
-                <a:spcPts val="1800"/>
-              </a:spcBef>
-              <a:buSzPct val="80000"/>
+            <a:pPr marL="285750" indent="-285750" algn="just">
               <a:buFont typeface="Wingdings" panose="05000000000000000000" pitchFamily="2" charset="2"/>
-              <a:buChar char="Ø"/>
+              <a:buChar char="l"/>
             </a:pPr>
             <a:r>
-              <a:rPr lang="zh-TW" altLang="en-US" sz="2400" b="1" dirty="0" smtClean="0"/>
-              <a:t>○○○</a:t>
-            </a:r>
-            <a:endParaRPr lang="en-US" altLang="zh-TW" sz="2400" b="1" dirty="0" smtClean="0"/>
-          </a:p>
-          <a:p>
-            <a:pPr marL="548640" lvl="2" indent="-274320" algn="just">
-              <a:lnSpc>
-                <a:spcPct val="150000"/>
-              </a:lnSpc>
-              <a:spcBef>
-                <a:spcPts val="1800"/>
-              </a:spcBef>
+              <a:rPr lang="zh-TW" altLang="en-US" b="1" dirty="0" smtClean="0">
+                <a:solidFill>
+                  <a:srgbClr val="FF0000"/>
+                </a:solidFill>
+                <a:latin typeface="微軟正黑體" panose="020B0604030504040204" pitchFamily="34" charset="-120"/>
+                <a:ea typeface="微軟正黑體" panose="020B0604030504040204" pitchFamily="34" charset="-120"/>
+              </a:rPr>
+              <a:t>取代</a:t>
+            </a:r>
+            <a:r>
+              <a:rPr lang="zh-TW" altLang="zh-TW" b="1" dirty="0" smtClean="0">
+                <a:latin typeface="微軟正黑體" panose="020B0604030504040204" pitchFamily="34" charset="-120"/>
+                <a:ea typeface="微軟正黑體" panose="020B0604030504040204" pitchFamily="34" charset="-120"/>
+              </a:rPr>
+              <a:t>互動式</a:t>
+            </a:r>
+            <a:r>
+              <a:rPr lang="zh-TW" altLang="zh-TW" b="1" dirty="0">
+                <a:latin typeface="微軟正黑體" panose="020B0604030504040204" pitchFamily="34" charset="-120"/>
+                <a:ea typeface="微軟正黑體" panose="020B0604030504040204" pitchFamily="34" charset="-120"/>
+              </a:rPr>
+              <a:t>協定中的隨機挑戰</a:t>
+            </a:r>
+            <a:r>
+              <a:rPr lang="zh-TW" altLang="zh-TW" b="1" dirty="0" smtClean="0">
+                <a:latin typeface="微軟正黑體" panose="020B0604030504040204" pitchFamily="34" charset="-120"/>
+                <a:ea typeface="微軟正黑體" panose="020B0604030504040204" pitchFamily="34" charset="-120"/>
+              </a:rPr>
+              <a:t>值，</a:t>
+            </a:r>
+            <a:r>
+              <a:rPr lang="zh-TW" altLang="zh-TW" b="1" dirty="0" smtClean="0">
+                <a:solidFill>
+                  <a:srgbClr val="FF0000"/>
+                </a:solidFill>
+                <a:latin typeface="微軟正黑體" panose="020B0604030504040204" pitchFamily="34" charset="-120"/>
+                <a:ea typeface="微軟正黑體" panose="020B0604030504040204" pitchFamily="34" charset="-120"/>
+              </a:rPr>
+              <a:t>改為</a:t>
+            </a:r>
+            <a:r>
+              <a:rPr lang="zh-TW" altLang="zh-TW" b="1" dirty="0">
+                <a:latin typeface="微軟正黑體" panose="020B0604030504040204" pitchFamily="34" charset="-120"/>
+                <a:ea typeface="微軟正黑體" panose="020B0604030504040204" pitchFamily="34" charset="-120"/>
+              </a:rPr>
+              <a:t>利用</a:t>
+            </a:r>
+            <a:r>
+              <a:rPr lang="en-US" altLang="zh-TW" b="1" dirty="0">
+                <a:latin typeface="微軟正黑體" panose="020B0604030504040204" pitchFamily="34" charset="-120"/>
+                <a:ea typeface="微軟正黑體" panose="020B0604030504040204" pitchFamily="34" charset="-120"/>
+              </a:rPr>
+              <a:t> hash </a:t>
+            </a:r>
+            <a:r>
+              <a:rPr lang="zh-TW" altLang="zh-TW" b="1" dirty="0">
+                <a:latin typeface="微軟正黑體" panose="020B0604030504040204" pitchFamily="34" charset="-120"/>
+                <a:ea typeface="微軟正黑體" panose="020B0604030504040204" pitchFamily="34" charset="-120"/>
+              </a:rPr>
+              <a:t>函數</a:t>
+            </a:r>
+            <a:r>
+              <a:rPr lang="zh-TW" altLang="zh-TW" b="1" dirty="0" smtClean="0">
+                <a:latin typeface="微軟正黑體" panose="020B0604030504040204" pitchFamily="34" charset="-120"/>
+                <a:ea typeface="微軟正黑體" panose="020B0604030504040204" pitchFamily="34" charset="-120"/>
+              </a:rPr>
+              <a:t>由</a:t>
+            </a:r>
+            <a:r>
+              <a:rPr lang="zh-TW" altLang="zh-TW" b="1" dirty="0">
+                <a:latin typeface="微軟正黑體" panose="020B0604030504040204" pitchFamily="34" charset="-120"/>
+                <a:ea typeface="微軟正黑體" panose="020B0604030504040204" pitchFamily="34" charset="-120"/>
+              </a:rPr>
+              <a:t>證明者本地端自行計算</a:t>
+            </a:r>
+            <a:r>
+              <a:rPr lang="zh-TW" altLang="zh-TW" b="1" dirty="0" smtClean="0">
+                <a:latin typeface="微軟正黑體" panose="020B0604030504040204" pitchFamily="34" charset="-120"/>
+                <a:ea typeface="微軟正黑體" panose="020B0604030504040204" pitchFamily="34" charset="-120"/>
+              </a:rPr>
+              <a:t>產生</a:t>
+            </a:r>
+            <a:r>
+              <a:rPr lang="zh-TW" altLang="en-US" b="1" dirty="0" smtClean="0">
+                <a:latin typeface="微軟正黑體" panose="020B0604030504040204" pitchFamily="34" charset="-120"/>
+                <a:ea typeface="微軟正黑體" panose="020B0604030504040204" pitchFamily="34" charset="-120"/>
+              </a:rPr>
+              <a:t>。</a:t>
+            </a:r>
+            <a:endParaRPr lang="en-US" altLang="zh-TW" b="1" dirty="0" smtClean="0">
+              <a:latin typeface="微軟正黑體" panose="020B0604030504040204" pitchFamily="34" charset="-120"/>
+              <a:ea typeface="微軟正黑體" panose="020B0604030504040204" pitchFamily="34" charset="-120"/>
+            </a:endParaRPr>
+          </a:p>
+          <a:p>
+            <a:pPr marL="285750" indent="-285750" algn="just">
               <a:buFont typeface="Wingdings" panose="05000000000000000000" pitchFamily="2" charset="2"/>
-              <a:buChar char="Ø"/>
+              <a:buChar char="l"/>
             </a:pPr>
             <a:r>
-              <a:rPr lang="zh-TW" altLang="en-US" sz="2200" dirty="0" smtClean="0"/>
-              <a:t>○○○</a:t>
-            </a:r>
-            <a:endParaRPr lang="en-US" altLang="zh-TW" sz="2400" b="1" dirty="0"/>
+              <a:rPr lang="zh-TW" altLang="zh-TW" b="1" dirty="0" smtClean="0">
+                <a:solidFill>
+                  <a:srgbClr val="FF0000"/>
+                </a:solidFill>
+                <a:latin typeface="微軟正黑體" panose="020B0604030504040204" pitchFamily="34" charset="-120"/>
+                <a:ea typeface="微軟正黑體" panose="020B0604030504040204" pitchFamily="34" charset="-120"/>
+              </a:rPr>
+              <a:t>可</a:t>
+            </a:r>
+            <a:r>
+              <a:rPr lang="zh-TW" altLang="zh-TW" b="1" dirty="0">
+                <a:solidFill>
+                  <a:srgbClr val="FF0000"/>
+                </a:solidFill>
+                <a:latin typeface="微軟正黑體" panose="020B0604030504040204" pitchFamily="34" charset="-120"/>
+                <a:ea typeface="微軟正黑體" panose="020B0604030504040204" pitchFamily="34" charset="-120"/>
+              </a:rPr>
+              <a:t>應用於區塊</a:t>
+            </a:r>
+            <a:r>
+              <a:rPr lang="zh-TW" altLang="zh-TW" b="1" dirty="0" smtClean="0">
+                <a:solidFill>
+                  <a:srgbClr val="FF0000"/>
+                </a:solidFill>
+                <a:latin typeface="微軟正黑體" panose="020B0604030504040204" pitchFamily="34" charset="-120"/>
+                <a:ea typeface="微軟正黑體" panose="020B0604030504040204" pitchFamily="34" charset="-120"/>
+              </a:rPr>
+              <a:t>鏈、</a:t>
+            </a:r>
+            <a:r>
+              <a:rPr lang="zh-TW" altLang="zh-TW" b="1" dirty="0">
+                <a:solidFill>
+                  <a:srgbClr val="FF0000"/>
+                </a:solidFill>
+                <a:latin typeface="微軟正黑體" panose="020B0604030504040204" pitchFamily="34" charset="-120"/>
+                <a:ea typeface="微軟正黑體" panose="020B0604030504040204" pitchFamily="34" charset="-120"/>
+              </a:rPr>
+              <a:t>電子</a:t>
+            </a:r>
+            <a:r>
+              <a:rPr lang="zh-TW" altLang="zh-TW" b="1" dirty="0" smtClean="0">
+                <a:solidFill>
+                  <a:srgbClr val="FF0000"/>
+                </a:solidFill>
+                <a:latin typeface="微軟正黑體" panose="020B0604030504040204" pitchFamily="34" charset="-120"/>
+                <a:ea typeface="微軟正黑體" panose="020B0604030504040204" pitchFamily="34" charset="-120"/>
+              </a:rPr>
+              <a:t>身份、</a:t>
+            </a:r>
+            <a:r>
+              <a:rPr lang="zh-TW" altLang="zh-TW" b="1" dirty="0">
+                <a:solidFill>
+                  <a:srgbClr val="FF0000"/>
+                </a:solidFill>
+                <a:latin typeface="微軟正黑體" panose="020B0604030504040204" pitchFamily="34" charset="-120"/>
+                <a:ea typeface="微軟正黑體" panose="020B0604030504040204" pitchFamily="34" charset="-120"/>
+              </a:rPr>
+              <a:t>無人監督驗證等</a:t>
+            </a:r>
+            <a:r>
+              <a:rPr lang="zh-TW" altLang="zh-TW" b="1" dirty="0" smtClean="0">
+                <a:solidFill>
+                  <a:srgbClr val="FF0000"/>
+                </a:solidFill>
+                <a:latin typeface="微軟正黑體" panose="020B0604030504040204" pitchFamily="34" charset="-120"/>
+                <a:ea typeface="微軟正黑體" panose="020B0604030504040204" pitchFamily="34" charset="-120"/>
+              </a:rPr>
+              <a:t>場景</a:t>
+            </a:r>
+            <a:r>
+              <a:rPr lang="zh-TW" altLang="en-US" dirty="0">
+                <a:solidFill>
+                  <a:srgbClr val="FF0000"/>
+                </a:solidFill>
+              </a:rPr>
+              <a:t>。</a:t>
+            </a:r>
+            <a:endParaRPr lang="zh-TW" altLang="en-US" b="1" dirty="0">
+              <a:solidFill>
+                <a:srgbClr val="FF0000"/>
+              </a:solidFill>
+              <a:latin typeface="微軟正黑體" panose="020B0604030504040204" pitchFamily="34" charset="-120"/>
+              <a:ea typeface="微軟正黑體" panose="020B0604030504040204" pitchFamily="34" charset="-120"/>
+            </a:endParaRPr>
           </a:p>
         </p:txBody>
       </p:sp>
@@ -12083,7 +18652,7 @@
           <p:cNvPr id="3" name="標題 2">
             <a:extLst>
               <a:ext uri="{FF2B5EF4-FFF2-40B4-BE49-F238E27FC236}">
-                <a16:creationId xmlns="" xmlns:a16="http://schemas.microsoft.com/office/drawing/2014/main" id="{4ABAB1B2-9811-49A5-968D-AA6F881D5BFC}"/>
+                <a16:creationId xmlns:a16="http://schemas.microsoft.com/office/drawing/2014/main" xmlns="" id="{4ABAB1B2-9811-49A5-968D-AA6F881D5BFC}"/>
               </a:ext>
             </a:extLst>
           </p:cNvPr>
@@ -12121,19 +18690,7 @@
                   </a:outerShdw>
                 </a:effectLst>
               </a:rPr>
-              <a:t>三</a:t>
-            </a:r>
-            <a:r>
-              <a:rPr lang="zh-TW" altLang="en-US" sz="3600" dirty="0" smtClean="0">
-                <a:effectLst>
-                  <a:outerShdw blurRad="38100" dist="38100" dir="2700000" algn="tl">
-                    <a:srgbClr val="000000">
-                      <a:alpha val="43137"/>
-                    </a:srgbClr>
-                  </a:outerShdw>
-                </a:effectLst>
-              </a:rPr>
-              <a:t>、</a:t>
+              <a:t>三、</a:t>
             </a:r>
             <a:r>
               <a:rPr lang="zh-TW" altLang="en-US" sz="3600" dirty="0">
@@ -12212,7 +18769,7 @@
           <p:cNvPr id="5" name="內容版面配置區 3">
             <a:extLst>
               <a:ext uri="{FF2B5EF4-FFF2-40B4-BE49-F238E27FC236}">
-                <a16:creationId xmlns="" xmlns:a16="http://schemas.microsoft.com/office/drawing/2014/main" id="{FCCA5DD9-09D4-479C-9F96-62D1622C7DB1}"/>
+                <a16:creationId xmlns:a16="http://schemas.microsoft.com/office/drawing/2014/main" xmlns="" id="{FCCA5DD9-09D4-479C-9F96-62D1622C7DB1}"/>
               </a:ext>
             </a:extLst>
           </p:cNvPr>
@@ -12460,8 +19017,90 @@
               <a:buSzPct val="100000"/>
             </a:pPr>
             <a:r>
+              <a:rPr lang="zh-TW" altLang="en-US" sz="2400" dirty="0"/>
+              <a:t>傳統</a:t>
+            </a:r>
+            <a:r>
+              <a:rPr lang="en-US" altLang="zh-TW" sz="2400" dirty="0"/>
+              <a:t>ZKP — </a:t>
+            </a:r>
+            <a:r>
+              <a:rPr lang="zh-TW" altLang="en-US" sz="2400" dirty="0"/>
+              <a:t>以</a:t>
+            </a:r>
+            <a:r>
+              <a:rPr lang="en-US" altLang="zh-TW" sz="2400" dirty="0"/>
+              <a:t>Graph 3-colorability</a:t>
+            </a:r>
+            <a:r>
+              <a:rPr lang="zh-TW" altLang="en-US" sz="2400" dirty="0"/>
+              <a:t>（簡稱</a:t>
+            </a:r>
+            <a:r>
+              <a:rPr lang="en-US" altLang="zh-TW" sz="2400" dirty="0"/>
+              <a:t>G3C</a:t>
+            </a:r>
+            <a:r>
+              <a:rPr lang="zh-TW" altLang="en-US" sz="2400" dirty="0"/>
+              <a:t>）為例子 </a:t>
+            </a:r>
+            <a:r>
               <a:rPr lang="zh-TW" altLang="en-US" sz="2400" dirty="0" smtClean="0"/>
-              <a:t>○ ○ ○ 。</a:t>
+              <a:t>。</a:t>
+            </a:r>
+            <a:endParaRPr lang="en-US" altLang="zh-TW" sz="2400" dirty="0" smtClean="0"/>
+          </a:p>
+          <a:p>
+            <a:pPr>
+              <a:lnSpc>
+                <a:spcPct val="170000"/>
+              </a:lnSpc>
+              <a:spcBef>
+                <a:spcPts val="0"/>
+              </a:spcBef>
+              <a:buClr>
+                <a:schemeClr val="bg2">
+                  <a:lumMod val="90000"/>
+                </a:schemeClr>
+              </a:buClr>
+              <a:buSzPct val="100000"/>
+            </a:pPr>
+            <a:r>
+              <a:rPr lang="en-US" altLang="zh-TW" sz="2400" dirty="0" smtClean="0"/>
+              <a:t>Schnorr Protocol</a:t>
+            </a:r>
+            <a:r>
+              <a:rPr lang="zh-TW" altLang="en-US" sz="2400" dirty="0" smtClean="0"/>
+              <a:t>。</a:t>
+            </a:r>
+            <a:endParaRPr lang="en-US" altLang="zh-TW" sz="2400" dirty="0" smtClean="0"/>
+          </a:p>
+          <a:p>
+            <a:pPr>
+              <a:lnSpc>
+                <a:spcPct val="170000"/>
+              </a:lnSpc>
+              <a:spcBef>
+                <a:spcPts val="0"/>
+              </a:spcBef>
+              <a:buClr>
+                <a:schemeClr val="bg2">
+                  <a:lumMod val="90000"/>
+                </a:schemeClr>
+              </a:buClr>
+              <a:buSzPct val="100000"/>
+            </a:pPr>
+            <a:r>
+              <a:rPr lang="en-US" altLang="zh-TW" sz="2400" dirty="0"/>
+              <a:t>Fiat–Shamir </a:t>
+            </a:r>
+            <a:r>
+              <a:rPr lang="en-US" altLang="zh-TW" sz="2400" dirty="0" smtClean="0"/>
+              <a:t>Heuristic</a:t>
+            </a:r>
+            <a:r>
+              <a:rPr lang="zh-TW" altLang="en-US" sz="2400" dirty="0" smtClean="0"/>
+              <a:t>。</a:t>
             </a:r>
             <a:endParaRPr lang="en-US" altLang="zh-TW" sz="2400" dirty="0" smtClean="0"/>
           </a:p>
@@ -12562,7 +19201,7 @@
           <p:cNvPr id="19" name="標題 1">
             <a:extLst>
               <a:ext uri="{FF2B5EF4-FFF2-40B4-BE49-F238E27FC236}">
-                <a16:creationId xmlns="" xmlns:a16="http://schemas.microsoft.com/office/drawing/2014/main" id="{50E9A64D-4207-4980-8736-4201C3E0DC63}"/>
+                <a16:creationId xmlns:a16="http://schemas.microsoft.com/office/drawing/2014/main" xmlns="" id="{50E9A64D-4207-4980-8736-4201C3E0DC63}"/>
               </a:ext>
             </a:extLst>
           </p:cNvPr>
@@ -12638,7 +19277,7 @@
           <p:cNvPr id="24" name="內容版面配置區 2">
             <a:extLst>
               <a:ext uri="{FF2B5EF4-FFF2-40B4-BE49-F238E27FC236}">
-                <a16:creationId xmlns="" xmlns:a16="http://schemas.microsoft.com/office/drawing/2014/main" id="{F5C22ADD-7A5D-44F8-969C-F4721C016703}"/>
+                <a16:creationId xmlns:a16="http://schemas.microsoft.com/office/drawing/2014/main" xmlns="" id="{F5C22ADD-7A5D-44F8-969C-F4721C016703}"/>
               </a:ext>
             </a:extLst>
           </p:cNvPr>
@@ -12878,13 +19517,105 @@
                 <a:latin typeface="微軟正黑體" panose="020B0604030504040204" pitchFamily="34" charset="-120"/>
                 <a:ea typeface="微軟正黑體" panose="020B0604030504040204" pitchFamily="34" charset="-120"/>
               </a:rPr>
-              <a:t>○○○</a:t>
+              <a:t>傳統</a:t>
+            </a:r>
+            <a:r>
+              <a:rPr lang="en-US" altLang="zh-TW" sz="2800" b="1" dirty="0">
+                <a:solidFill>
+                  <a:schemeClr val="accent1">
+                    <a:lumMod val="75000"/>
+                  </a:schemeClr>
+                </a:solidFill>
+                <a:latin typeface="微軟正黑體" panose="020B0604030504040204" pitchFamily="34" charset="-120"/>
+                <a:ea typeface="微軟正黑體" panose="020B0604030504040204" pitchFamily="34" charset="-120"/>
+              </a:rPr>
+              <a:t>ZKP — </a:t>
+            </a:r>
+            <a:r>
+              <a:rPr lang="zh-TW" altLang="en-US" sz="2800" b="1" dirty="0">
+                <a:solidFill>
+                  <a:schemeClr val="accent1">
+                    <a:lumMod val="75000"/>
+                  </a:schemeClr>
+                </a:solidFill>
+                <a:latin typeface="微軟正黑體" panose="020B0604030504040204" pitchFamily="34" charset="-120"/>
+                <a:ea typeface="微軟正黑體" panose="020B0604030504040204" pitchFamily="34" charset="-120"/>
+              </a:rPr>
+              <a:t>以</a:t>
+            </a:r>
+            <a:r>
+              <a:rPr lang="en-US" altLang="zh-TW" sz="2800" b="1" dirty="0">
+                <a:solidFill>
+                  <a:schemeClr val="accent1">
+                    <a:lumMod val="75000"/>
+                  </a:schemeClr>
+                </a:solidFill>
+                <a:latin typeface="微軟正黑體" panose="020B0604030504040204" pitchFamily="34" charset="-120"/>
+                <a:ea typeface="微軟正黑體" panose="020B0604030504040204" pitchFamily="34" charset="-120"/>
+              </a:rPr>
+              <a:t>Graph 3-colorability</a:t>
+            </a:r>
+            <a:r>
+              <a:rPr lang="zh-TW" altLang="en-US" sz="2800" b="1" dirty="0">
+                <a:solidFill>
+                  <a:schemeClr val="accent1">
+                    <a:lumMod val="75000"/>
+                  </a:schemeClr>
+                </a:solidFill>
+                <a:latin typeface="微軟正黑體" panose="020B0604030504040204" pitchFamily="34" charset="-120"/>
+                <a:ea typeface="微軟正黑體" panose="020B0604030504040204" pitchFamily="34" charset="-120"/>
+              </a:rPr>
+              <a:t>（簡稱</a:t>
+            </a:r>
+            <a:r>
+              <a:rPr lang="en-US" altLang="zh-TW" sz="2800" b="1" dirty="0">
+                <a:solidFill>
+                  <a:schemeClr val="accent1">
+                    <a:lumMod val="75000"/>
+                  </a:schemeClr>
+                </a:solidFill>
+                <a:latin typeface="微軟正黑體" panose="020B0604030504040204" pitchFamily="34" charset="-120"/>
+                <a:ea typeface="微軟正黑體" panose="020B0604030504040204" pitchFamily="34" charset="-120"/>
+              </a:rPr>
+              <a:t>G3C</a:t>
+            </a:r>
+            <a:r>
+              <a:rPr lang="zh-TW" altLang="en-US" sz="2800" b="1" dirty="0">
+                <a:solidFill>
+                  <a:schemeClr val="accent1">
+                    <a:lumMod val="75000"/>
+                  </a:schemeClr>
+                </a:solidFill>
+                <a:latin typeface="微軟正黑體" panose="020B0604030504040204" pitchFamily="34" charset="-120"/>
+                <a:ea typeface="微軟正黑體" panose="020B0604030504040204" pitchFamily="34" charset="-120"/>
+              </a:rPr>
+              <a:t>）為</a:t>
+            </a:r>
+            <a:r>
+              <a:rPr lang="zh-TW" altLang="en-US" sz="2800" b="1" dirty="0" smtClean="0">
+                <a:solidFill>
+                  <a:schemeClr val="accent1">
+                    <a:lumMod val="75000"/>
+                  </a:schemeClr>
+                </a:solidFill>
+                <a:latin typeface="微軟正黑體" panose="020B0604030504040204" pitchFamily="34" charset="-120"/>
+                <a:ea typeface="微軟正黑體" panose="020B0604030504040204" pitchFamily="34" charset="-120"/>
+              </a:rPr>
+              <a:t>例子 </a:t>
+            </a:r>
+            <a:r>
+              <a:rPr lang="en-US" altLang="zh-TW" sz="2800" b="1" dirty="0" smtClean="0">
+                <a:solidFill>
+                  <a:srgbClr val="FF0000"/>
+                </a:solidFill>
+                <a:latin typeface="微軟正黑體" panose="020B0604030504040204" pitchFamily="34" charset="-120"/>
+                <a:ea typeface="微軟正黑體" panose="020B0604030504040204" pitchFamily="34" charset="-120"/>
+              </a:rPr>
+              <a:t>(1/3)</a:t>
             </a:r>
             <a:endParaRPr lang="en-US" altLang="zh-TW" sz="2800" b="1" dirty="0">
               <a:solidFill>
-                <a:schemeClr val="accent1">
-                  <a:lumMod val="75000"/>
-                </a:schemeClr>
+                <a:srgbClr val="FF0000"/>
               </a:solidFill>
               <a:latin typeface="微軟正黑體" panose="020B0604030504040204" pitchFamily="34" charset="-120"/>
               <a:ea typeface="微軟正黑體" panose="020B0604030504040204" pitchFamily="34" charset="-120"/>
@@ -12905,70 +19636,665 @@
           </a:p>
         </p:txBody>
       </p:sp>
-      <p:sp>
-        <p:nvSpPr>
-          <p:cNvPr id="20" name="內容版面配置區 2">
-            <a:extLst>
-              <a:ext uri="{FF2B5EF4-FFF2-40B4-BE49-F238E27FC236}">
-                <a16:creationId xmlns="" xmlns:a16="http://schemas.microsoft.com/office/drawing/2014/main" id="{2E881D55-3B47-403F-8F0E-EDFDE34A1B22}"/>
-              </a:ext>
-            </a:extLst>
-          </p:cNvPr>
-          <p:cNvSpPr>
-            <a:spLocks noGrp="1"/>
-          </p:cNvSpPr>
-          <p:nvPr>
-            <p:ph idx="1"/>
-          </p:nvPr>
-        </p:nvSpPr>
-        <p:spPr>
-          <a:xfrm>
-            <a:off x="192197" y="1700808"/>
-            <a:ext cx="11590847" cy="4384009"/>
-          </a:xfrm>
-        </p:spPr>
-        <p:txBody>
-          <a:bodyPr>
-            <a:normAutofit/>
-          </a:bodyPr>
-          <a:lstStyle/>
-          <a:p>
-            <a:pPr marL="274320" lvl="1" indent="-274320" algn="just">
-              <a:lnSpc>
-                <a:spcPct val="150000"/>
-              </a:lnSpc>
-              <a:spcBef>
-                <a:spcPts val="1800"/>
-              </a:spcBef>
-              <a:buSzPct val="80000"/>
-              <a:buFont typeface="Wingdings" panose="05000000000000000000" pitchFamily="2" charset="2"/>
-              <a:buChar char="Ø"/>
-            </a:pPr>
-            <a:r>
-              <a:rPr lang="zh-TW" altLang="en-US" sz="2400" b="1" dirty="0" smtClean="0"/>
-              <a:t>○○○</a:t>
-            </a:r>
-            <a:endParaRPr lang="en-US" altLang="zh-TW" sz="2400" b="1" dirty="0" smtClean="0"/>
-          </a:p>
-          <a:p>
-            <a:pPr marL="548640" lvl="2" indent="-274320" algn="just">
-              <a:lnSpc>
-                <a:spcPct val="150000"/>
-              </a:lnSpc>
-              <a:spcBef>
-                <a:spcPts val="1800"/>
-              </a:spcBef>
-              <a:buFont typeface="Wingdings" panose="05000000000000000000" pitchFamily="2" charset="2"/>
-              <a:buChar char="Ø"/>
-            </a:pPr>
-            <a:r>
-              <a:rPr lang="zh-TW" altLang="en-US" sz="2200" dirty="0" smtClean="0"/>
-              <a:t>○○○</a:t>
-            </a:r>
-            <a:endParaRPr lang="en-US" altLang="zh-TW" sz="2400" b="1" dirty="0"/>
-          </a:p>
-        </p:txBody>
-      </p:sp>
+      <mc:AlternateContent xmlns:mc="http://schemas.openxmlformats.org/markup-compatibility/2006" xmlns:a14="http://schemas.microsoft.com/office/drawing/2010/main">
+        <mc:Choice Requires="a14">
+          <p:sp>
+            <p:nvSpPr>
+              <p:cNvPr id="20" name="內容版面配置區 2">
+                <a:extLst>
+                  <a:ext uri="{FF2B5EF4-FFF2-40B4-BE49-F238E27FC236}">
+                    <a16:creationId xmlns:a16="http://schemas.microsoft.com/office/drawing/2014/main" xmlns="" id="{2E881D55-3B47-403F-8F0E-EDFDE34A1B22}"/>
+                  </a:ext>
+                </a:extLst>
+              </p:cNvPr>
+              <p:cNvSpPr>
+                <a:spLocks noGrp="1"/>
+              </p:cNvSpPr>
+              <p:nvPr>
+                <p:ph idx="1"/>
+              </p:nvPr>
+            </p:nvSpPr>
+            <p:spPr>
+              <a:xfrm>
+                <a:off x="192197" y="1700808"/>
+                <a:ext cx="11590847" cy="4384009"/>
+              </a:xfrm>
+            </p:spPr>
+            <p:txBody>
+              <a:bodyPr>
+                <a:normAutofit/>
+              </a:bodyPr>
+              <a:lstStyle/>
+              <a:p>
+                <a:pPr marL="274320" lvl="1" indent="-274320" algn="just">
+                  <a:lnSpc>
+                    <a:spcPct val="150000"/>
+                  </a:lnSpc>
+                  <a:spcBef>
+                    <a:spcPts val="1800"/>
+                  </a:spcBef>
+                  <a:buSzPct val="80000"/>
+                  <a:buFont typeface="Wingdings" panose="05000000000000000000" pitchFamily="2" charset="2"/>
+                  <a:buChar char="Ø"/>
+                </a:pPr>
+                <a:r>
+                  <a:rPr lang="en-US" altLang="zh-TW" sz="2400" b="1" dirty="0" smtClean="0"/>
+                  <a:t>G3C</a:t>
+                </a:r>
+                <a:r>
+                  <a:rPr lang="zh-TW" altLang="en-US" sz="2400" b="1" dirty="0" smtClean="0"/>
+                  <a:t>：</a:t>
+                </a:r>
+                <a:r>
+                  <a:rPr lang="zh-TW" altLang="zh-TW" sz="2200" dirty="0" smtClean="0"/>
+                  <a:t>假設</a:t>
+                </a:r>
+                <a:r>
+                  <a:rPr lang="zh-TW" altLang="zh-TW" sz="2200" dirty="0"/>
+                  <a:t>有一</a:t>
+                </a:r>
+                <a:r>
+                  <a:rPr lang="en-US" altLang="zh-TW" sz="2200" dirty="0"/>
+                  <a:t>G = ( V , E )</a:t>
+                </a:r>
+                <a:r>
+                  <a:rPr lang="zh-TW" altLang="zh-TW" sz="2200" dirty="0"/>
+                  <a:t>，若存在一個映射（</a:t>
+                </a:r>
+                <a:r>
+                  <a:rPr lang="en-US" altLang="zh-TW" sz="2200" dirty="0"/>
+                  <a:t>mapping</a:t>
+                </a:r>
+                <a:r>
+                  <a:rPr lang="zh-TW" altLang="zh-TW" sz="2200" dirty="0"/>
+                  <a:t>）</a:t>
+                </a:r>
+                <a14:m>
+                  <m:oMath xmlns:m="http://schemas.openxmlformats.org/officeDocument/2006/math">
+                    <m:r>
+                      <m:rPr>
+                        <m:sty m:val="p"/>
+                      </m:rPr>
+                      <a:rPr lang="en-US" altLang="zh-TW" sz="2200">
+                        <a:latin typeface="Cambria Math"/>
+                      </a:rPr>
+                      <m:t>ϕ</m:t>
+                    </m:r>
+                    <m:r>
+                      <a:rPr lang="zh-TW" altLang="zh-TW" sz="2200">
+                        <a:latin typeface="Cambria Math"/>
+                      </a:rPr>
+                      <m:t>：</m:t>
+                    </m:r>
+                    <m:r>
+                      <m:rPr>
+                        <m:sty m:val="p"/>
+                      </m:rPr>
+                      <a:rPr lang="en-US" altLang="zh-TW" sz="2200">
+                        <a:latin typeface="Cambria Math"/>
+                      </a:rPr>
+                      <m:t>V</m:t>
+                    </m:r>
+                    <m:r>
+                      <a:rPr lang="zh-TW" altLang="zh-TW" sz="2200">
+                        <a:latin typeface="Cambria Math"/>
+                      </a:rPr>
+                      <m:t>→</m:t>
+                    </m:r>
+                    <m:d>
+                      <m:dPr>
+                        <m:begChr m:val="{"/>
+                        <m:endChr m:val="}"/>
+                        <m:ctrlPr>
+                          <a:rPr lang="zh-TW" altLang="zh-TW" sz="2200" i="1">
+                            <a:latin typeface="Cambria Math"/>
+                          </a:rPr>
+                        </m:ctrlPr>
+                      </m:dPr>
+                      <m:e>
+                        <m:r>
+                          <a:rPr lang="en-US" altLang="zh-TW" sz="2200">
+                            <a:latin typeface="Cambria Math"/>
+                          </a:rPr>
+                          <m:t>1,2,3</m:t>
+                        </m:r>
+                      </m:e>
+                    </m:d>
+                  </m:oMath>
+                </a14:m>
+                <a:r>
+                  <a:rPr lang="zh-TW" altLang="zh-TW" sz="2200" dirty="0"/>
+                  <a:t>，使得任一個邊</a:t>
+                </a:r>
+                <a14:m>
+                  <m:oMath xmlns:m="http://schemas.openxmlformats.org/officeDocument/2006/math">
+                    <m:d>
+                      <m:dPr>
+                        <m:ctrlPr>
+                          <a:rPr lang="zh-TW" altLang="zh-TW" sz="2200" i="1">
+                            <a:latin typeface="Cambria Math"/>
+                          </a:rPr>
+                        </m:ctrlPr>
+                      </m:dPr>
+                      <m:e>
+                        <m:r>
+                          <a:rPr lang="en-US" altLang="zh-TW" sz="2200" i="1">
+                            <a:latin typeface="Cambria Math"/>
+                          </a:rPr>
+                          <m:t>𝑢</m:t>
+                        </m:r>
+                        <m:r>
+                          <a:rPr lang="en-US" altLang="zh-TW" sz="2200">
+                            <a:latin typeface="Cambria Math"/>
+                          </a:rPr>
+                          <m:t>,</m:t>
+                        </m:r>
+                        <m:r>
+                          <a:rPr lang="en-US" altLang="zh-TW" sz="2200" i="1">
+                            <a:latin typeface="Cambria Math"/>
+                          </a:rPr>
+                          <m:t>𝑣</m:t>
+                        </m:r>
+                      </m:e>
+                    </m:d>
+                    <m:r>
+                      <a:rPr lang="en-US" altLang="zh-TW" sz="2200">
+                        <a:latin typeface="Cambria Math"/>
+                      </a:rPr>
+                      <m:t> </m:t>
+                    </m:r>
+                    <m:r>
+                      <m:rPr>
+                        <m:sty m:val="p"/>
+                      </m:rPr>
+                      <a:rPr lang="en-US" altLang="zh-TW" sz="2200">
+                        <a:latin typeface="Cambria Math"/>
+                      </a:rPr>
+                      <m:t>ϵ</m:t>
+                    </m:r>
+                    <m:r>
+                      <a:rPr lang="en-US" altLang="zh-TW" sz="2200">
+                        <a:latin typeface="Cambria Math"/>
+                      </a:rPr>
+                      <m:t> </m:t>
+                    </m:r>
+                    <m:r>
+                      <m:rPr>
+                        <m:sty m:val="p"/>
+                      </m:rPr>
+                      <a:rPr lang="en-US" altLang="zh-TW" sz="2200">
+                        <a:latin typeface="Cambria Math"/>
+                      </a:rPr>
+                      <m:t>E</m:t>
+                    </m:r>
+                  </m:oMath>
+                </a14:m>
+                <a:r>
+                  <a:rPr lang="zh-TW" altLang="zh-TW" sz="2200" dirty="0"/>
+                  <a:t>，其兩個端點為</a:t>
+                </a:r>
+                <a14:m>
+                  <m:oMath xmlns:m="http://schemas.openxmlformats.org/officeDocument/2006/math">
+                    <m:r>
+                      <a:rPr lang="en-US" altLang="zh-TW" sz="2200" i="1">
+                        <a:latin typeface="Cambria Math"/>
+                      </a:rPr>
+                      <m:t>𝜙</m:t>
+                    </m:r>
+                    <m:d>
+                      <m:dPr>
+                        <m:ctrlPr>
+                          <a:rPr lang="zh-TW" altLang="zh-TW" sz="2200" i="1">
+                            <a:latin typeface="Cambria Math"/>
+                          </a:rPr>
+                        </m:ctrlPr>
+                      </m:dPr>
+                      <m:e>
+                        <m:r>
+                          <a:rPr lang="en-US" altLang="zh-TW" sz="2200" i="1">
+                            <a:latin typeface="Cambria Math"/>
+                          </a:rPr>
+                          <m:t>𝑢</m:t>
+                        </m:r>
+                      </m:e>
+                    </m:d>
+                    <m:r>
+                      <a:rPr lang="en-US" altLang="zh-TW" sz="2200">
+                        <a:latin typeface="Cambria Math"/>
+                      </a:rPr>
+                      <m:t>≠</m:t>
+                    </m:r>
+                    <m:r>
+                      <a:rPr lang="en-US" altLang="zh-TW" sz="2200" i="1">
+                        <a:latin typeface="Cambria Math"/>
+                      </a:rPr>
+                      <m:t>𝜙</m:t>
+                    </m:r>
+                    <m:d>
+                      <m:dPr>
+                        <m:ctrlPr>
+                          <a:rPr lang="zh-TW" altLang="zh-TW" sz="2200" i="1">
+                            <a:latin typeface="Cambria Math"/>
+                          </a:rPr>
+                        </m:ctrlPr>
+                      </m:dPr>
+                      <m:e>
+                        <m:r>
+                          <a:rPr lang="en-US" altLang="zh-TW" sz="2200" i="1">
+                            <a:latin typeface="Cambria Math"/>
+                          </a:rPr>
+                          <m:t>𝑣</m:t>
+                        </m:r>
+                      </m:e>
+                    </m:d>
+                    <m:r>
+                      <a:rPr lang="en-US" altLang="zh-TW" sz="2200" i="1">
+                        <a:latin typeface="Cambria Math"/>
+                      </a:rPr>
+                      <m:t> </m:t>
+                    </m:r>
+                  </m:oMath>
+                </a14:m>
+                <a:r>
+                  <a:rPr lang="zh-TW" altLang="zh-TW" sz="2200" dirty="0"/>
+                  <a:t>，則稱</a:t>
+                </a:r>
+                <a:r>
+                  <a:rPr lang="en-US" altLang="zh-TW" sz="2200" dirty="0"/>
+                  <a:t>G</a:t>
+                </a:r>
+                <a:r>
+                  <a:rPr lang="zh-TW" altLang="zh-TW" sz="2200" dirty="0"/>
+                  <a:t>為「</a:t>
+                </a:r>
+                <a:r>
+                  <a:rPr lang="en-US" altLang="zh-TW" sz="2200" dirty="0"/>
+                  <a:t>3-colorable</a:t>
+                </a:r>
+                <a:r>
+                  <a:rPr lang="zh-TW" altLang="zh-TW" sz="2200" dirty="0"/>
+                  <a:t>」。</a:t>
+                </a:r>
+                <a:endParaRPr lang="en-US" altLang="zh-TW" sz="2200" b="1" dirty="0"/>
+              </a:p>
+              <a:p>
+                <a:pPr marL="274320" lvl="1" indent="-274320" algn="just">
+                  <a:lnSpc>
+                    <a:spcPct val="150000"/>
+                  </a:lnSpc>
+                  <a:spcBef>
+                    <a:spcPts val="1800"/>
+                  </a:spcBef>
+                  <a:buSzPct val="80000"/>
+                  <a:buFont typeface="Wingdings" panose="05000000000000000000" pitchFamily="2" charset="2"/>
+                  <a:buChar char="Ø"/>
+                </a:pPr>
+                <a14:m>
+                  <m:oMath xmlns:m="http://schemas.openxmlformats.org/officeDocument/2006/math">
+                    <m:r>
+                      <a:rPr lang="en-US" altLang="zh-TW" sz="2400" b="1" i="1">
+                        <a:latin typeface="Cambria Math"/>
+                      </a:rPr>
+                      <m:t>𝜳</m:t>
+                    </m:r>
+                  </m:oMath>
+                </a14:m>
+                <a:r>
+                  <a:rPr lang="zh-TW" altLang="zh-TW" sz="2400" b="1" dirty="0"/>
+                  <a:t>：</a:t>
+                </a:r>
+                <a:r>
+                  <a:rPr lang="zh-TW" altLang="zh-TW" sz="2400" dirty="0"/>
+                  <a:t>為</a:t>
+                </a:r>
+                <a:r>
+                  <a:rPr lang="en-US" altLang="zh-TW" sz="2400" dirty="0"/>
+                  <a:t>G</a:t>
+                </a:r>
+                <a:r>
+                  <a:rPr lang="zh-TW" altLang="zh-TW" sz="2400" dirty="0"/>
+                  <a:t>的一個</a:t>
+                </a:r>
+                <a:r>
+                  <a:rPr lang="en-US" altLang="zh-TW" sz="2400" dirty="0"/>
+                  <a:t>3-coloring</a:t>
+                </a:r>
+                <a:r>
+                  <a:rPr lang="zh-TW" altLang="zh-TW" sz="2400" dirty="0"/>
+                  <a:t>。</a:t>
+                </a:r>
+                <a:endParaRPr lang="en-US" altLang="zh-TW" sz="2400" dirty="0" smtClean="0"/>
+              </a:p>
+              <a:p>
+                <a:pPr marL="274320" lvl="1" indent="-274320" algn="just">
+                  <a:lnSpc>
+                    <a:spcPct val="150000"/>
+                  </a:lnSpc>
+                  <a:spcBef>
+                    <a:spcPts val="1800"/>
+                  </a:spcBef>
+                  <a:buSzPct val="80000"/>
+                  <a:buFont typeface="Wingdings" panose="05000000000000000000" pitchFamily="2" charset="2"/>
+                  <a:buChar char="Ø"/>
+                </a:pPr>
+                <a14:m>
+                  <m:oMath xmlns:m="http://schemas.openxmlformats.org/officeDocument/2006/math">
+                    <m:r>
+                      <a:rPr lang="en-US" altLang="zh-TW" sz="2400" b="1" i="1">
+                        <a:latin typeface="Cambria Math"/>
+                      </a:rPr>
+                      <m:t>𝝅</m:t>
+                    </m:r>
+                  </m:oMath>
+                </a14:m>
+                <a:r>
+                  <a:rPr lang="zh-TW" altLang="zh-TW" sz="2400" b="1" dirty="0"/>
+                  <a:t>：</a:t>
+                </a:r>
+                <a:r>
+                  <a:rPr lang="zh-TW" altLang="zh-TW" sz="2400" dirty="0"/>
+                  <a:t>為 </a:t>
+                </a:r>
+                <a14:m>
+                  <m:oMath xmlns:m="http://schemas.openxmlformats.org/officeDocument/2006/math">
+                    <m:d>
+                      <m:dPr>
+                        <m:begChr m:val="{"/>
+                        <m:endChr m:val="}"/>
+                        <m:ctrlPr>
+                          <a:rPr lang="zh-TW" altLang="zh-TW" sz="2400" i="1">
+                            <a:latin typeface="Cambria Math"/>
+                          </a:rPr>
+                        </m:ctrlPr>
+                      </m:dPr>
+                      <m:e>
+                        <m:r>
+                          <a:rPr lang="en-US" altLang="zh-TW" sz="2400">
+                            <a:latin typeface="Cambria Math"/>
+                          </a:rPr>
+                          <m:t>1,2,3</m:t>
+                        </m:r>
+                      </m:e>
+                    </m:d>
+                    <m:r>
+                      <a:rPr lang="en-US" altLang="zh-TW" sz="2400" i="1">
+                        <a:latin typeface="Cambria Math"/>
+                      </a:rPr>
+                      <m:t> </m:t>
+                    </m:r>
+                  </m:oMath>
+                </a14:m>
+                <a:r>
+                  <a:rPr lang="zh-TW" altLang="zh-TW" sz="2400" dirty="0"/>
+                  <a:t>的隨機排列</a:t>
+                </a:r>
+                <a:r>
+                  <a:rPr lang="zh-TW" altLang="zh-TW" sz="2400" dirty="0" smtClean="0"/>
+                  <a:t>。</a:t>
+                </a:r>
+                <a:endParaRPr lang="en-US" altLang="zh-TW" sz="2400" dirty="0" smtClean="0"/>
+              </a:p>
+              <a:p>
+                <a:pPr marL="274320" lvl="1" indent="-274320" algn="just">
+                  <a:lnSpc>
+                    <a:spcPct val="150000"/>
+                  </a:lnSpc>
+                  <a:spcBef>
+                    <a:spcPts val="1800"/>
+                  </a:spcBef>
+                  <a:buSzPct val="80000"/>
+                  <a:buFont typeface="Wingdings" panose="05000000000000000000" pitchFamily="2" charset="2"/>
+                  <a:buChar char="Ø"/>
+                </a:pPr>
+                <a:r>
+                  <a:rPr lang="zh-TW" altLang="zh-TW" sz="2400" b="1" dirty="0" smtClean="0"/>
+                  <a:t> </a:t>
+                </a:r>
+                <a14:m>
+                  <m:oMath xmlns:m="http://schemas.openxmlformats.org/officeDocument/2006/math">
+                    <m:r>
+                      <a:rPr lang="en-US" altLang="zh-TW" sz="2400" b="1" i="1">
+                        <a:latin typeface="Cambria Math"/>
+                      </a:rPr>
+                      <m:t>𝝓</m:t>
+                    </m:r>
+                    <m:d>
+                      <m:dPr>
+                        <m:ctrlPr>
+                          <a:rPr lang="zh-TW" altLang="zh-TW" sz="2400" b="1" i="1">
+                            <a:latin typeface="Cambria Math"/>
+                          </a:rPr>
+                        </m:ctrlPr>
+                      </m:dPr>
+                      <m:e>
+                        <m:r>
+                          <a:rPr lang="en-US" altLang="zh-TW" sz="2400" b="1" i="1">
+                            <a:latin typeface="Cambria Math"/>
+                          </a:rPr>
+                          <m:t>𝒗</m:t>
+                        </m:r>
+                      </m:e>
+                    </m:d>
+                    <m:r>
+                      <a:rPr lang="en-US" altLang="zh-TW" sz="2400" b="1">
+                        <a:latin typeface="Cambria Math"/>
+                      </a:rPr>
+                      <m:t>=</m:t>
+                    </m:r>
+                    <m:r>
+                      <a:rPr lang="en-US" altLang="zh-TW" sz="2400" b="1" i="1">
+                        <a:latin typeface="Cambria Math"/>
+                      </a:rPr>
+                      <m:t>𝝅</m:t>
+                    </m:r>
+                    <m:r>
+                      <a:rPr lang="en-US" altLang="zh-TW" sz="2400" b="1" i="1">
+                        <a:latin typeface="Cambria Math"/>
+                      </a:rPr>
+                      <m:t>( </m:t>
+                    </m:r>
+                    <m:r>
+                      <a:rPr lang="en-US" altLang="zh-TW" sz="2400" b="1" i="1">
+                        <a:latin typeface="Cambria Math"/>
+                      </a:rPr>
+                      <m:t>𝜳</m:t>
+                    </m:r>
+                    <m:d>
+                      <m:dPr>
+                        <m:ctrlPr>
+                          <a:rPr lang="zh-TW" altLang="zh-TW" sz="2400" b="1" i="1">
+                            <a:latin typeface="Cambria Math"/>
+                          </a:rPr>
+                        </m:ctrlPr>
+                      </m:dPr>
+                      <m:e>
+                        <m:r>
+                          <a:rPr lang="en-US" altLang="zh-TW" sz="2400" b="1" i="1">
+                            <a:latin typeface="Cambria Math"/>
+                          </a:rPr>
+                          <m:t>𝒗</m:t>
+                        </m:r>
+                      </m:e>
+                    </m:d>
+                    <m:r>
+                      <a:rPr lang="en-US" altLang="zh-TW" sz="2400" b="1" i="1">
+                        <a:latin typeface="Cambria Math"/>
+                      </a:rPr>
+                      <m:t> )</m:t>
+                    </m:r>
+                  </m:oMath>
+                </a14:m>
+                <a:r>
+                  <a:rPr lang="en-US" altLang="zh-TW" sz="2400" b="1" dirty="0"/>
+                  <a:t> </a:t>
+                </a:r>
+                <a:r>
+                  <a:rPr lang="zh-TW" altLang="zh-TW" sz="2400" b="1" dirty="0"/>
+                  <a:t>：</a:t>
+                </a:r>
+                <a:r>
+                  <a:rPr lang="zh-TW" altLang="zh-TW" sz="2400" dirty="0"/>
+                  <a:t>為一隨機的</a:t>
+                </a:r>
+                <a:r>
+                  <a:rPr lang="en-US" altLang="zh-TW" sz="2400" dirty="0" smtClean="0"/>
+                  <a:t>3-coloring</a:t>
+                </a:r>
+                <a:r>
+                  <a:rPr lang="zh-TW" altLang="en-US" sz="2400" dirty="0"/>
+                  <a:t>，</a:t>
+                </a:r>
+                <a:r>
+                  <a:rPr lang="zh-TW" altLang="zh-TW" sz="2400" dirty="0" smtClean="0"/>
+                  <a:t>將</a:t>
+                </a:r>
+                <a:r>
+                  <a:rPr lang="zh-TW" altLang="zh-TW" sz="2400" dirty="0"/>
+                  <a:t>每個</a:t>
+                </a:r>
+                <a14:m>
+                  <m:oMath xmlns:m="http://schemas.openxmlformats.org/officeDocument/2006/math">
+                    <m:r>
+                      <a:rPr lang="zh-TW" altLang="zh-TW" sz="2400">
+                        <a:latin typeface="Cambria Math"/>
+                      </a:rPr>
+                      <m:t> </m:t>
+                    </m:r>
+                    <m:r>
+                      <a:rPr lang="en-US" altLang="zh-TW" sz="2400" i="1">
+                        <a:latin typeface="Cambria Math"/>
+                      </a:rPr>
+                      <m:t>𝜙</m:t>
+                    </m:r>
+                    <m:d>
+                      <m:dPr>
+                        <m:ctrlPr>
+                          <a:rPr lang="zh-TW" altLang="zh-TW" sz="2400" i="1">
+                            <a:latin typeface="Cambria Math"/>
+                          </a:rPr>
+                        </m:ctrlPr>
+                      </m:dPr>
+                      <m:e>
+                        <m:r>
+                          <a:rPr lang="en-US" altLang="zh-TW" sz="2400" i="1">
+                            <a:latin typeface="Cambria Math"/>
+                          </a:rPr>
+                          <m:t>𝑣</m:t>
+                        </m:r>
+                      </m:e>
+                    </m:d>
+                    <m:r>
+                      <a:rPr lang="en-US" altLang="zh-TW" sz="2400" i="1">
+                        <a:latin typeface="Cambria Math"/>
+                      </a:rPr>
+                      <m:t> </m:t>
+                    </m:r>
+                  </m:oMath>
+                </a14:m>
+                <a:r>
+                  <a:rPr lang="zh-TW" altLang="zh-TW" sz="2400" dirty="0"/>
+                  <a:t>放入一個標註為</a:t>
+                </a:r>
+                <a14:m>
+                  <m:oMath xmlns:m="http://schemas.openxmlformats.org/officeDocument/2006/math">
+                    <m:r>
+                      <a:rPr lang="en-US" altLang="zh-TW" sz="2400" i="1">
+                        <a:latin typeface="Cambria Math"/>
+                      </a:rPr>
+                      <m:t>𝑣</m:t>
+                    </m:r>
+                  </m:oMath>
+                </a14:m>
+                <a:r>
+                  <a:rPr lang="zh-TW" altLang="zh-TW" sz="2400" dirty="0"/>
+                  <a:t>的箱子，並用金鑰（</a:t>
+                </a:r>
+                <a:r>
+                  <a:rPr lang="en-US" altLang="zh-TW" sz="2400" dirty="0" err="1"/>
+                  <a:t>Key</a:t>
+                </a:r>
+                <a:r>
+                  <a:rPr lang="en-US" altLang="zh-TW" sz="2400" i="1" baseline="-25000" dirty="0" err="1"/>
+                  <a:t>v</a:t>
+                </a:r>
+                <a:r>
+                  <a:rPr lang="zh-TW" altLang="zh-TW" sz="2400" dirty="0"/>
+                  <a:t>）上鎖。</a:t>
+                </a:r>
+              </a:p>
+              <a:p>
+                <a:pPr marL="548640" lvl="2" indent="-274320" algn="just">
+                  <a:lnSpc>
+                    <a:spcPct val="150000"/>
+                  </a:lnSpc>
+                  <a:spcBef>
+                    <a:spcPts val="1800"/>
+                  </a:spcBef>
+                  <a:buFont typeface="Wingdings" panose="05000000000000000000" pitchFamily="2" charset="2"/>
+                  <a:buChar char="Ø"/>
+                </a:pPr>
+                <a:endParaRPr lang="zh-TW" altLang="zh-TW" sz="2400" dirty="0"/>
+              </a:p>
+              <a:p>
+                <a:pPr marL="548640" lvl="2" indent="-274320" algn="just">
+                  <a:lnSpc>
+                    <a:spcPct val="150000"/>
+                  </a:lnSpc>
+                  <a:spcBef>
+                    <a:spcPts val="1800"/>
+                  </a:spcBef>
+                  <a:buFont typeface="Wingdings" panose="05000000000000000000" pitchFamily="2" charset="2"/>
+                  <a:buChar char="Ø"/>
+                </a:pPr>
+                <a:endParaRPr lang="en-US" altLang="zh-TW" sz="2400" b="1" dirty="0"/>
+              </a:p>
+            </p:txBody>
+          </p:sp>
+        </mc:Choice>
+        <mc:Fallback xmlns="">
+          <p:sp>
+            <p:nvSpPr>
+              <p:cNvPr id="20" name="內容版面配置區 2">
+                <a:extLst>
+                  <a:ext uri="{FF2B5EF4-FFF2-40B4-BE49-F238E27FC236}">
+                    <a16:creationId xmlns="" xmlns:a16="http://schemas.microsoft.com/office/drawing/2014/main" id="{2E881D55-3B47-403F-8F0E-EDFDE34A1B22}"/>
+                  </a:ext>
+                </a:extLst>
+              </p:cNvPr>
+              <p:cNvSpPr>
+                <a:spLocks noGrp="1" noRot="1" noChangeAspect="1" noMove="1" noResize="1" noEditPoints="1" noAdjustHandles="1" noChangeArrowheads="1" noChangeShapeType="1" noTextEdit="1"/>
+              </p:cNvSpPr>
+              <p:nvPr>
+                <p:ph idx="1"/>
+              </p:nvPr>
+            </p:nvSpPr>
+            <p:spPr>
+              <a:xfrm>
+                <a:off x="192197" y="1700808"/>
+                <a:ext cx="11590847" cy="4384009"/>
+              </a:xfrm>
+              <a:blipFill rotWithShape="1">
+                <a:blip r:embed="rId3"/>
+                <a:stretch>
+                  <a:fillRect l="-421" r="-3419"/>
+                </a:stretch>
+              </a:blipFill>
+            </p:spPr>
+            <p:txBody>
+              <a:bodyPr/>
+              <a:lstStyle/>
+              <a:p>
+                <a:r>
+                  <a:rPr lang="zh-TW" altLang="en-US">
+                    <a:noFill/>
+                  </a:rPr>
+                  <a:t> </a:t>
+                </a:r>
+              </a:p>
+            </p:txBody>
+          </p:sp>
+        </mc:Fallback>
+      </mc:AlternateContent>
     </p:spTree>
     <p:extLst>
       <p:ext uri="{BB962C8B-B14F-4D97-AF65-F5344CB8AC3E}">
@@ -13337,7 +20663,7 @@
   <a:extraClrSchemeLst/>
   <a:extLst>
     <a:ext uri="{05A4C25C-085E-4340-85A3-A5531E510DB2}">
-      <thm15:themeFamily xmlns="" xmlns:thm15="http://schemas.microsoft.com/office/thememl/2012/main" name="Office_26713188_TF03460544" id="{6F554B24-2C09-4153-BF01-57653ED04444}" vid="{C80FED5E-EC00-4C61-90A9-0EA5EF995274}"/>
+      <thm15:themeFamily xmlns:thm15="http://schemas.microsoft.com/office/thememl/2012/main" xmlns="" name="Office_26713188_TF03460544" id="{6F554B24-2C09-4153-BF01-57653ED04444}" vid="{C80FED5E-EC00-4C61-90A9-0EA5EF995274}"/>
     </a:ext>
   </a:extLst>
 </a:theme>

--- a/密碼學期末專題簡報.pptx
+++ b/密碼學期末專題簡報.pptx
@@ -132,7 +132,7 @@
   </p:defaultTextStyle>
   <p:extLst>
     <p:ext uri="{EFAFB233-063F-42B5-8137-9DF3F51BA10A}">
-      <p15:sldGuideLst xmlns:p15="http://schemas.microsoft.com/office/powerpoint/2012/main" xmlns="">
+      <p15:sldGuideLst xmlns="" xmlns:p15="http://schemas.microsoft.com/office/powerpoint/2012/main">
         <p15:guide id="1" orient="horz" pos="2160">
           <p15:clr>
             <a:srgbClr val="A4A3A4"/>
@@ -161,7 +161,7 @@
       </p15:sldGuideLst>
     </p:ext>
     <p:ext uri="{2D200454-40CA-4A62-9FC3-DE9A4176ACB9}">
-      <p15:notesGuideLst xmlns:p15="http://schemas.microsoft.com/office/powerpoint/2012/main" xmlns="">
+      <p15:notesGuideLst xmlns="" xmlns:p15="http://schemas.microsoft.com/office/powerpoint/2012/main">
         <p15:guide id="1" orient="horz" pos="2880">
           <p15:clr>
             <a:srgbClr val="A4A3A4"/>
@@ -268,7 +268,7 @@
                 <a:latin typeface="Microsoft JhengHei UI" panose="020B0604030504040204" pitchFamily="34" charset="-120"/>
                 <a:ea typeface="Microsoft JhengHei UI" panose="020B0604030504040204" pitchFamily="34" charset="-120"/>
               </a:rPr>
-              <a:t>2025/5/16</a:t>
+              <a:t>2025/5/17</a:t>
             </a:fld>
             <a:endParaRPr lang="zh-TW" altLang="en-US">
               <a:latin typeface="Microsoft JhengHei UI" panose="020B0604030504040204" pitchFamily="34" charset="-120"/>
@@ -454,7 +454,7 @@
           <a:p>
             <a:fld id="{B0A587AB-C785-4ECC-B9BB-3D529D1F06DC}" type="datetime1">
               <a:rPr lang="zh-TW" altLang="en-US" noProof="0" smtClean="0"/>
-              <a:t>2025/5/16</a:t>
+              <a:t>2025/5/17</a:t>
             </a:fld>
             <a:endParaRPr lang="zh-TW" altLang="en-US" noProof="0" dirty="0"/>
           </a:p>
@@ -2890,7 +2890,7 @@
           <a:p>
             <a:fld id="{7025A1CD-099F-4E6B-845B-76AC65CEDBE7}" type="datetime1">
               <a:rPr lang="zh-TW" altLang="en-US" noProof="0" smtClean="0"/>
-              <a:t>2025/5/16</a:t>
+              <a:t>2025/5/17</a:t>
             </a:fld>
             <a:endParaRPr lang="zh-TW" altLang="en-US" noProof="0"/>
           </a:p>
@@ -2937,7 +2937,7 @@
           <p:cNvPr id="17" name="Picture 2" descr="國立臺灣大學">
             <a:extLst>
               <a:ext uri="{FF2B5EF4-FFF2-40B4-BE49-F238E27FC236}">
-                <a16:creationId xmlns:a16="http://schemas.microsoft.com/office/drawing/2014/main" xmlns="" id="{84C36C24-3B92-4925-8868-E617BA10AC38}"/>
+                <a16:creationId xmlns="" xmlns:a16="http://schemas.microsoft.com/office/drawing/2014/main" id="{84C36C24-3B92-4925-8868-E617BA10AC38}"/>
               </a:ext>
             </a:extLst>
           </p:cNvPr>
@@ -3314,7 +3314,7 @@
           <a:p>
             <a:fld id="{8A66919C-2879-4964-ADA5-05BE97665E98}" type="datetime1">
               <a:rPr lang="zh-TW" altLang="en-US" noProof="0" smtClean="0"/>
-              <a:t>2025/5/16</a:t>
+              <a:t>2025/5/17</a:t>
             </a:fld>
             <a:endParaRPr lang="zh-TW" altLang="en-US" noProof="0"/>
           </a:p>
@@ -3570,7 +3570,7 @@
           <a:p>
             <a:fld id="{C9FD95EC-10DD-4475-A030-8C9B84211375}" type="datetime1">
               <a:rPr lang="zh-TW" altLang="en-US" noProof="0" smtClean="0"/>
-              <a:t>2025/5/16</a:t>
+              <a:t>2025/5/17</a:t>
             </a:fld>
             <a:endParaRPr lang="zh-TW" altLang="en-US" noProof="0"/>
           </a:p>
@@ -3836,7 +3836,7 @@
           <a:p>
             <a:fld id="{FD4B027F-A9C0-4F33-A679-F17E60001344}" type="datetime1">
               <a:rPr lang="zh-TW" altLang="en-US" noProof="0" smtClean="0"/>
-              <a:t>2025/5/16</a:t>
+              <a:t>2025/5/17</a:t>
             </a:fld>
             <a:endParaRPr lang="zh-TW" altLang="en-US" noProof="0"/>
           </a:p>
@@ -4082,7 +4082,7 @@
           <a:p>
             <a:fld id="{EF3A231D-725F-43B6-A03C-0D1B80D07BE1}" type="datetime1">
               <a:rPr lang="zh-TW" altLang="en-US" noProof="0" smtClean="0"/>
-              <a:t>2025/5/16</a:t>
+              <a:t>2025/5/17</a:t>
             </a:fld>
             <a:endParaRPr lang="zh-TW" altLang="en-US" noProof="0"/>
           </a:p>
@@ -4338,7 +4338,7 @@
           <a:p>
             <a:fld id="{A1C8904F-070E-49CB-AD43-64EDE507F9B7}" type="datetime1">
               <a:rPr lang="zh-TW" altLang="en-US" noProof="0" smtClean="0"/>
-              <a:t>2025/5/16</a:t>
+              <a:t>2025/5/17</a:t>
             </a:fld>
             <a:endParaRPr lang="zh-TW" altLang="en-US" noProof="0"/>
           </a:p>
@@ -4491,7 +4491,7 @@
           <a:p>
             <a:fld id="{1A4D21C7-088F-4C14-AA88-F5DDEF7465A6}" type="datetime1">
               <a:rPr lang="zh-TW" altLang="en-US" noProof="0" smtClean="0"/>
-              <a:t>2025/5/16</a:t>
+              <a:t>2025/5/17</a:t>
             </a:fld>
             <a:endParaRPr lang="zh-TW" altLang="en-US" noProof="0"/>
           </a:p>
@@ -4536,7 +4536,7 @@
           <p:cNvPr id="2050" name="Picture 2" descr="台大遴選會決定遭駁回管中閔不是校長了，台灣學到什麼教訓？｜天下雜誌">
             <a:extLst>
               <a:ext uri="{FF2B5EF4-FFF2-40B4-BE49-F238E27FC236}">
-                <a16:creationId xmlns:a16="http://schemas.microsoft.com/office/drawing/2014/main" xmlns="" id="{AD25CCFA-A169-4B4D-9AAB-4FD3CE0117D8}"/>
+                <a16:creationId xmlns="" xmlns:a16="http://schemas.microsoft.com/office/drawing/2014/main" id="{AD25CCFA-A169-4B4D-9AAB-4FD3CE0117D8}"/>
               </a:ext>
             </a:extLst>
           </p:cNvPr>
@@ -4575,7 +4575,7 @@
           <p:cNvPr id="9" name="標題 1">
             <a:extLst>
               <a:ext uri="{FF2B5EF4-FFF2-40B4-BE49-F238E27FC236}">
-                <a16:creationId xmlns:a16="http://schemas.microsoft.com/office/drawing/2014/main" xmlns="" id="{BDFD2411-5069-4CA5-B66E-AB62E7A1DE60}"/>
+                <a16:creationId xmlns="" xmlns:a16="http://schemas.microsoft.com/office/drawing/2014/main" id="{BDFD2411-5069-4CA5-B66E-AB62E7A1DE60}"/>
               </a:ext>
             </a:extLst>
           </p:cNvPr>
@@ -4618,7 +4618,7 @@
           <p:cNvPr id="10" name="內容預留位置 2">
             <a:extLst>
               <a:ext uri="{FF2B5EF4-FFF2-40B4-BE49-F238E27FC236}">
-                <a16:creationId xmlns:a16="http://schemas.microsoft.com/office/drawing/2014/main" xmlns="" id="{BDA314B9-2928-4296-A8F2-C460B7717FDB}"/>
+                <a16:creationId xmlns="" xmlns:a16="http://schemas.microsoft.com/office/drawing/2014/main" id="{BDA314B9-2928-4296-A8F2-C460B7717FDB}"/>
               </a:ext>
             </a:extLst>
           </p:cNvPr>
@@ -4812,7 +4812,7 @@
           <a:p>
             <a:fld id="{07AFF883-2F10-4A07-ABF7-3E7D71A2862B}" type="datetime1">
               <a:rPr lang="zh-TW" altLang="en-US" noProof="0" smtClean="0"/>
-              <a:t>2025/5/16</a:t>
+              <a:t>2025/5/17</a:t>
             </a:fld>
             <a:endParaRPr lang="zh-TW" altLang="en-US" noProof="0"/>
           </a:p>
@@ -4857,7 +4857,7 @@
           <p:cNvPr id="2" name="箭號: 五邊形 1">
             <a:extLst>
               <a:ext uri="{FF2B5EF4-FFF2-40B4-BE49-F238E27FC236}">
-                <a16:creationId xmlns:a16="http://schemas.microsoft.com/office/drawing/2014/main" xmlns="" id="{2B2A4164-FC51-40C1-8307-BD11C0F8CFB5}"/>
+                <a16:creationId xmlns="" xmlns:a16="http://schemas.microsoft.com/office/drawing/2014/main" id="{2B2A4164-FC51-40C1-8307-BD11C0F8CFB5}"/>
               </a:ext>
             </a:extLst>
           </p:cNvPr>
@@ -4914,7 +4914,7 @@
           <p:cNvPr id="8" name="箭號: 五邊形 7">
             <a:extLst>
               <a:ext uri="{FF2B5EF4-FFF2-40B4-BE49-F238E27FC236}">
-                <a16:creationId xmlns:a16="http://schemas.microsoft.com/office/drawing/2014/main" xmlns="" id="{A42C3E17-FE95-45A4-BE55-35C930896E44}"/>
+                <a16:creationId xmlns="" xmlns:a16="http://schemas.microsoft.com/office/drawing/2014/main" id="{A42C3E17-FE95-45A4-BE55-35C930896E44}"/>
               </a:ext>
             </a:extLst>
           </p:cNvPr>
@@ -4971,7 +4971,7 @@
           <p:cNvPr id="9" name="Picture 2" descr="國立臺灣大學">
             <a:extLst>
               <a:ext uri="{FF2B5EF4-FFF2-40B4-BE49-F238E27FC236}">
-                <a16:creationId xmlns:a16="http://schemas.microsoft.com/office/drawing/2014/main" xmlns="" id="{2E88D82B-E998-4EDD-80FE-2F0EDEAEB0EB}"/>
+                <a16:creationId xmlns="" xmlns:a16="http://schemas.microsoft.com/office/drawing/2014/main" id="{2E88D82B-E998-4EDD-80FE-2F0EDEAEB0EB}"/>
               </a:ext>
             </a:extLst>
           </p:cNvPr>
@@ -5018,7 +5018,7 @@
           <p:cNvPr id="10" name="標題 1">
             <a:extLst>
               <a:ext uri="{FF2B5EF4-FFF2-40B4-BE49-F238E27FC236}">
-                <a16:creationId xmlns:a16="http://schemas.microsoft.com/office/drawing/2014/main" xmlns="" id="{93ABB2D6-1831-4B6F-8B8F-924BF377F7F3}"/>
+                <a16:creationId xmlns="" xmlns:a16="http://schemas.microsoft.com/office/drawing/2014/main" id="{93ABB2D6-1831-4B6F-8B8F-924BF377F7F3}"/>
               </a:ext>
             </a:extLst>
           </p:cNvPr>
@@ -5064,7 +5064,7 @@
           <p:cNvPr id="11" name="內容預留位置 2">
             <a:extLst>
               <a:ext uri="{FF2B5EF4-FFF2-40B4-BE49-F238E27FC236}">
-                <a16:creationId xmlns:a16="http://schemas.microsoft.com/office/drawing/2014/main" xmlns="" id="{802C1E61-2E34-4316-8FE7-FDF47C3C8932}"/>
+                <a16:creationId xmlns="" xmlns:a16="http://schemas.microsoft.com/office/drawing/2014/main" id="{802C1E61-2E34-4316-8FE7-FDF47C3C8932}"/>
               </a:ext>
             </a:extLst>
           </p:cNvPr>
@@ -5516,7 +5516,7 @@
           <a:p>
             <a:fld id="{492DEF5F-C38C-430A-A0DE-47FE9CE7FE7F}" type="datetime1">
               <a:rPr lang="zh-TW" altLang="en-US" noProof="0" smtClean="0"/>
-              <a:t>2025/5/16</a:t>
+              <a:t>2025/5/17</a:t>
             </a:fld>
             <a:endParaRPr lang="zh-TW" altLang="en-US" noProof="0"/>
           </a:p>
@@ -6026,7 +6026,7 @@
           <a:p>
             <a:fld id="{FB53CE18-37B0-4354-95BA-F6E2958D7E39}" type="datetime1">
               <a:rPr lang="zh-TW" altLang="en-US" noProof="0" smtClean="0"/>
-              <a:t>2025/5/16</a:t>
+              <a:t>2025/5/17</a:t>
             </a:fld>
             <a:endParaRPr lang="zh-TW" altLang="en-US" noProof="0"/>
           </a:p>
@@ -6188,7 +6188,7 @@
           <a:p>
             <a:fld id="{840D92E5-0E9E-447B-AB12-50B31DB78792}" type="datetime1">
               <a:rPr lang="zh-TW" altLang="en-US" noProof="0" smtClean="0"/>
-              <a:t>2025/5/16</a:t>
+              <a:t>2025/5/17</a:t>
             </a:fld>
             <a:endParaRPr lang="zh-TW" altLang="en-US" noProof="0"/>
           </a:p>
@@ -6479,7 +6479,7 @@
           <a:p>
             <a:fld id="{2DBDA392-58F4-49D0-A77B-A750F0E30EC9}" type="datetime1">
               <a:rPr lang="zh-TW" altLang="en-US" noProof="0" smtClean="0"/>
-              <a:t>2025/5/16</a:t>
+              <a:t>2025/5/17</a:t>
             </a:fld>
             <a:endParaRPr lang="zh-TW" altLang="en-US" noProof="0"/>
           </a:p>
@@ -6874,7 +6874,7 @@
           <a:p>
             <a:fld id="{6ADA41C7-C7E8-4EC2-8EC0-5E7AFDF89795}" type="datetime1">
               <a:rPr lang="zh-TW" altLang="en-US" noProof="0" smtClean="0"/>
-              <a:t>2025/5/16</a:t>
+              <a:t>2025/5/17</a:t>
             </a:fld>
             <a:endParaRPr lang="zh-TW" altLang="en-US" noProof="0"/>
           </a:p>
@@ -7448,7 +7448,7 @@
           <a:p>
             <a:fld id="{F1139FD8-5407-4A67-A886-B56A7B50E975}" type="datetime1">
               <a:rPr lang="zh-TW" altLang="en-US" noProof="0" smtClean="0"/>
-              <a:t>2025/5/16</a:t>
+              <a:t>2025/5/17</a:t>
             </a:fld>
             <a:endParaRPr lang="zh-TW" altLang="en-US" noProof="0"/>
           </a:p>
@@ -8255,7 +8255,7 @@
           <p:cNvPr id="19" name="標題 1">
             <a:extLst>
               <a:ext uri="{FF2B5EF4-FFF2-40B4-BE49-F238E27FC236}">
-                <a16:creationId xmlns:a16="http://schemas.microsoft.com/office/drawing/2014/main" xmlns="" id="{50E9A64D-4207-4980-8736-4201C3E0DC63}"/>
+                <a16:creationId xmlns="" xmlns:a16="http://schemas.microsoft.com/office/drawing/2014/main" id="{50E9A64D-4207-4980-8736-4201C3E0DC63}"/>
               </a:ext>
             </a:extLst>
           </p:cNvPr>
@@ -8331,7 +8331,7 @@
           <p:cNvPr id="24" name="內容版面配置區 2">
             <a:extLst>
               <a:ext uri="{FF2B5EF4-FFF2-40B4-BE49-F238E27FC236}">
-                <a16:creationId xmlns:a16="http://schemas.microsoft.com/office/drawing/2014/main" xmlns="" id="{F5C22ADD-7A5D-44F8-969C-F4721C016703}"/>
+                <a16:creationId xmlns="" xmlns:a16="http://schemas.microsoft.com/office/drawing/2014/main" id="{F5C22ADD-7A5D-44F8-969C-F4721C016703}"/>
               </a:ext>
             </a:extLst>
           </p:cNvPr>
@@ -8822,7 +8822,7 @@
               <p:cNvPr id="10" name="內容版面配置區 2">
                 <a:extLst>
                   <a:ext uri="{FF2B5EF4-FFF2-40B4-BE49-F238E27FC236}">
-                    <a16:creationId xmlns:a16="http://schemas.microsoft.com/office/drawing/2014/main" xmlns="" id="{2E881D55-3B47-403F-8F0E-EDFDE34A1B22}"/>
+                    <a16:creationId xmlns="" xmlns:a16="http://schemas.microsoft.com/office/drawing/2014/main" id="{2E881D55-3B47-403F-8F0E-EDFDE34A1B22}"/>
                   </a:ext>
                 </a:extLst>
               </p:cNvPr>
@@ -9056,7 +9056,7 @@
           <p:cNvPr id="19" name="標題 1">
             <a:extLst>
               <a:ext uri="{FF2B5EF4-FFF2-40B4-BE49-F238E27FC236}">
-                <a16:creationId xmlns:a16="http://schemas.microsoft.com/office/drawing/2014/main" xmlns="" id="{50E9A64D-4207-4980-8736-4201C3E0DC63}"/>
+                <a16:creationId xmlns="" xmlns:a16="http://schemas.microsoft.com/office/drawing/2014/main" id="{50E9A64D-4207-4980-8736-4201C3E0DC63}"/>
               </a:ext>
             </a:extLst>
           </p:cNvPr>
@@ -9132,7 +9132,7 @@
           <p:cNvPr id="24" name="內容版面配置區 2">
             <a:extLst>
               <a:ext uri="{FF2B5EF4-FFF2-40B4-BE49-F238E27FC236}">
-                <a16:creationId xmlns:a16="http://schemas.microsoft.com/office/drawing/2014/main" xmlns="" id="{F5C22ADD-7A5D-44F8-969C-F4721C016703}"/>
+                <a16:creationId xmlns="" xmlns:a16="http://schemas.microsoft.com/office/drawing/2014/main" id="{F5C22ADD-7A5D-44F8-969C-F4721C016703}"/>
               </a:ext>
             </a:extLst>
           </p:cNvPr>
@@ -9604,7 +9604,7 @@
               <p:cNvPr id="10" name="內容版面配置區 2">
                 <a:extLst>
                   <a:ext uri="{FF2B5EF4-FFF2-40B4-BE49-F238E27FC236}">
-                    <a16:creationId xmlns:a16="http://schemas.microsoft.com/office/drawing/2014/main" xmlns="" id="{2E881D55-3B47-403F-8F0E-EDFDE34A1B22}"/>
+                    <a16:creationId xmlns="" xmlns:a16="http://schemas.microsoft.com/office/drawing/2014/main" id="{2E881D55-3B47-403F-8F0E-EDFDE34A1B22}"/>
                   </a:ext>
                 </a:extLst>
               </p:cNvPr>
@@ -10311,7 +10311,7 @@
           <p:cNvPr id="19" name="標題 1">
             <a:extLst>
               <a:ext uri="{FF2B5EF4-FFF2-40B4-BE49-F238E27FC236}">
-                <a16:creationId xmlns:a16="http://schemas.microsoft.com/office/drawing/2014/main" xmlns="" id="{50E9A64D-4207-4980-8736-4201C3E0DC63}"/>
+                <a16:creationId xmlns="" xmlns:a16="http://schemas.microsoft.com/office/drawing/2014/main" id="{50E9A64D-4207-4980-8736-4201C3E0DC63}"/>
               </a:ext>
             </a:extLst>
           </p:cNvPr>
@@ -10387,7 +10387,7 @@
           <p:cNvPr id="24" name="內容版面配置區 2">
             <a:extLst>
               <a:ext uri="{FF2B5EF4-FFF2-40B4-BE49-F238E27FC236}">
-                <a16:creationId xmlns:a16="http://schemas.microsoft.com/office/drawing/2014/main" xmlns="" id="{F5C22ADD-7A5D-44F8-969C-F4721C016703}"/>
+                <a16:creationId xmlns="" xmlns:a16="http://schemas.microsoft.com/office/drawing/2014/main" id="{F5C22ADD-7A5D-44F8-969C-F4721C016703}"/>
               </a:ext>
             </a:extLst>
           </p:cNvPr>
@@ -10748,7 +10748,7 @@
           <p:cNvPr id="19" name="標題 1">
             <a:extLst>
               <a:ext uri="{FF2B5EF4-FFF2-40B4-BE49-F238E27FC236}">
-                <a16:creationId xmlns:a16="http://schemas.microsoft.com/office/drawing/2014/main" xmlns="" id="{50E9A64D-4207-4980-8736-4201C3E0DC63}"/>
+                <a16:creationId xmlns="" xmlns:a16="http://schemas.microsoft.com/office/drawing/2014/main" id="{50E9A64D-4207-4980-8736-4201C3E0DC63}"/>
               </a:ext>
             </a:extLst>
           </p:cNvPr>
@@ -10824,7 +10824,7 @@
           <p:cNvPr id="24" name="內容版面配置區 2">
             <a:extLst>
               <a:ext uri="{FF2B5EF4-FFF2-40B4-BE49-F238E27FC236}">
-                <a16:creationId xmlns:a16="http://schemas.microsoft.com/office/drawing/2014/main" xmlns="" id="{F5C22ADD-7A5D-44F8-969C-F4721C016703}"/>
+                <a16:creationId xmlns="" xmlns:a16="http://schemas.microsoft.com/office/drawing/2014/main" id="{F5C22ADD-7A5D-44F8-969C-F4721C016703}"/>
               </a:ext>
             </a:extLst>
           </p:cNvPr>
@@ -11261,7 +11261,7 @@
           <p:cNvPr id="19" name="標題 1">
             <a:extLst>
               <a:ext uri="{FF2B5EF4-FFF2-40B4-BE49-F238E27FC236}">
-                <a16:creationId xmlns:a16="http://schemas.microsoft.com/office/drawing/2014/main" xmlns="" id="{50E9A64D-4207-4980-8736-4201C3E0DC63}"/>
+                <a16:creationId xmlns="" xmlns:a16="http://schemas.microsoft.com/office/drawing/2014/main" id="{50E9A64D-4207-4980-8736-4201C3E0DC63}"/>
               </a:ext>
             </a:extLst>
           </p:cNvPr>
@@ -11337,7 +11337,7 @@
           <p:cNvPr id="24" name="內容版面配置區 2">
             <a:extLst>
               <a:ext uri="{FF2B5EF4-FFF2-40B4-BE49-F238E27FC236}">
-                <a16:creationId xmlns:a16="http://schemas.microsoft.com/office/drawing/2014/main" xmlns="" id="{F5C22ADD-7A5D-44F8-969C-F4721C016703}"/>
+                <a16:creationId xmlns="" xmlns:a16="http://schemas.microsoft.com/office/drawing/2014/main" id="{F5C22ADD-7A5D-44F8-969C-F4721C016703}"/>
               </a:ext>
             </a:extLst>
           </p:cNvPr>
@@ -11827,7 +11827,7 @@
           <p:cNvPr id="24" name="內容版面配置區 2">
             <a:extLst>
               <a:ext uri="{FF2B5EF4-FFF2-40B4-BE49-F238E27FC236}">
-                <a16:creationId xmlns:a16="http://schemas.microsoft.com/office/drawing/2014/main" xmlns="" id="{F5C22ADD-7A5D-44F8-969C-F4721C016703}"/>
+                <a16:creationId xmlns="" xmlns:a16="http://schemas.microsoft.com/office/drawing/2014/main" id="{F5C22ADD-7A5D-44F8-969C-F4721C016703}"/>
               </a:ext>
             </a:extLst>
           </p:cNvPr>
@@ -12167,7 +12167,7 @@
           <p:cNvPr id="10" name="內容版面配置區 2">
             <a:extLst>
               <a:ext uri="{FF2B5EF4-FFF2-40B4-BE49-F238E27FC236}">
-                <a16:creationId xmlns:a16="http://schemas.microsoft.com/office/drawing/2014/main" xmlns="" id="{2E881D55-3B47-403F-8F0E-EDFDE34A1B22}"/>
+                <a16:creationId xmlns="" xmlns:a16="http://schemas.microsoft.com/office/drawing/2014/main" id="{2E881D55-3B47-403F-8F0E-EDFDE34A1B22}"/>
               </a:ext>
             </a:extLst>
           </p:cNvPr>
@@ -12278,7 +12278,7 @@
           <p:cNvPr id="19" name="標題 1">
             <a:extLst>
               <a:ext uri="{FF2B5EF4-FFF2-40B4-BE49-F238E27FC236}">
-                <a16:creationId xmlns:a16="http://schemas.microsoft.com/office/drawing/2014/main" xmlns="" id="{50E9A64D-4207-4980-8736-4201C3E0DC63}"/>
+                <a16:creationId xmlns="" xmlns:a16="http://schemas.microsoft.com/office/drawing/2014/main" id="{50E9A64D-4207-4980-8736-4201C3E0DC63}"/>
               </a:ext>
             </a:extLst>
           </p:cNvPr>
@@ -12403,7 +12403,7 @@
           <p:cNvPr id="3" name="標題 2">
             <a:extLst>
               <a:ext uri="{FF2B5EF4-FFF2-40B4-BE49-F238E27FC236}">
-                <a16:creationId xmlns:a16="http://schemas.microsoft.com/office/drawing/2014/main" xmlns="" id="{4ABAB1B2-9811-49A5-968D-AA6F881D5BFC}"/>
+                <a16:creationId xmlns="" xmlns:a16="http://schemas.microsoft.com/office/drawing/2014/main" id="{4ABAB1B2-9811-49A5-968D-AA6F881D5BFC}"/>
               </a:ext>
             </a:extLst>
           </p:cNvPr>
@@ -12484,7 +12484,7 @@
           <p:cNvPr id="4" name="內容版面配置區 3">
             <a:extLst>
               <a:ext uri="{FF2B5EF4-FFF2-40B4-BE49-F238E27FC236}">
-                <a16:creationId xmlns:a16="http://schemas.microsoft.com/office/drawing/2014/main" xmlns="" id="{FCCA5DD9-09D4-479C-9F96-62D1622C7DB1}"/>
+                <a16:creationId xmlns="" xmlns:a16="http://schemas.microsoft.com/office/drawing/2014/main" id="{FCCA5DD9-09D4-479C-9F96-62D1622C7DB1}"/>
               </a:ext>
             </a:extLst>
           </p:cNvPr>
@@ -12660,7 +12660,7 @@
           <p:cNvPr id="19" name="標題 1">
             <a:extLst>
               <a:ext uri="{FF2B5EF4-FFF2-40B4-BE49-F238E27FC236}">
-                <a16:creationId xmlns:a16="http://schemas.microsoft.com/office/drawing/2014/main" xmlns="" id="{50E9A64D-4207-4980-8736-4201C3E0DC63}"/>
+                <a16:creationId xmlns="" xmlns:a16="http://schemas.microsoft.com/office/drawing/2014/main" id="{50E9A64D-4207-4980-8736-4201C3E0DC63}"/>
               </a:ext>
             </a:extLst>
           </p:cNvPr>
@@ -12708,7 +12708,7 @@
           <p:cNvPr id="24" name="內容版面配置區 2">
             <a:extLst>
               <a:ext uri="{FF2B5EF4-FFF2-40B4-BE49-F238E27FC236}">
-                <a16:creationId xmlns:a16="http://schemas.microsoft.com/office/drawing/2014/main" xmlns="" id="{F5C22ADD-7A5D-44F8-969C-F4721C016703}"/>
+                <a16:creationId xmlns="" xmlns:a16="http://schemas.microsoft.com/office/drawing/2014/main" id="{F5C22ADD-7A5D-44F8-969C-F4721C016703}"/>
               </a:ext>
             </a:extLst>
           </p:cNvPr>
@@ -12980,7 +12980,7 @@
           <p:cNvPr id="20" name="內容版面配置區 2">
             <a:extLst>
               <a:ext uri="{FF2B5EF4-FFF2-40B4-BE49-F238E27FC236}">
-                <a16:creationId xmlns:a16="http://schemas.microsoft.com/office/drawing/2014/main" xmlns="" id="{2E881D55-3B47-403F-8F0E-EDFDE34A1B22}"/>
+                <a16:creationId xmlns="" xmlns:a16="http://schemas.microsoft.com/office/drawing/2014/main" id="{2E881D55-3B47-403F-8F0E-EDFDE34A1B22}"/>
               </a:ext>
             </a:extLst>
           </p:cNvPr>
@@ -13093,7 +13093,7 @@
           <p:cNvPr id="3" name="標題 2">
             <a:extLst>
               <a:ext uri="{FF2B5EF4-FFF2-40B4-BE49-F238E27FC236}">
-                <a16:creationId xmlns:a16="http://schemas.microsoft.com/office/drawing/2014/main" xmlns="" id="{4ABAB1B2-9811-49A5-968D-AA6F881D5BFC}"/>
+                <a16:creationId xmlns="" xmlns:a16="http://schemas.microsoft.com/office/drawing/2014/main" id="{4ABAB1B2-9811-49A5-968D-AA6F881D5BFC}"/>
               </a:ext>
             </a:extLst>
           </p:cNvPr>
@@ -13162,7 +13162,7 @@
           <p:cNvPr id="4" name="內容版面配置區 3">
             <a:extLst>
               <a:ext uri="{FF2B5EF4-FFF2-40B4-BE49-F238E27FC236}">
-                <a16:creationId xmlns:a16="http://schemas.microsoft.com/office/drawing/2014/main" xmlns="" id="{FCCA5DD9-09D4-479C-9F96-62D1622C7DB1}"/>
+                <a16:creationId xmlns="" xmlns:a16="http://schemas.microsoft.com/office/drawing/2014/main" id="{FCCA5DD9-09D4-479C-9F96-62D1622C7DB1}"/>
               </a:ext>
             </a:extLst>
           </p:cNvPr>
@@ -13359,7 +13359,7 @@
           <p:cNvPr id="19" name="標題 1">
             <a:extLst>
               <a:ext uri="{FF2B5EF4-FFF2-40B4-BE49-F238E27FC236}">
-                <a16:creationId xmlns:a16="http://schemas.microsoft.com/office/drawing/2014/main" xmlns="" id="{50E9A64D-4207-4980-8736-4201C3E0DC63}"/>
+                <a16:creationId xmlns="" xmlns:a16="http://schemas.microsoft.com/office/drawing/2014/main" id="{50E9A64D-4207-4980-8736-4201C3E0DC63}"/>
               </a:ext>
             </a:extLst>
           </p:cNvPr>
@@ -13399,7 +13399,7 @@
           <p:cNvPr id="24" name="內容版面配置區 2">
             <a:extLst>
               <a:ext uri="{FF2B5EF4-FFF2-40B4-BE49-F238E27FC236}">
-                <a16:creationId xmlns:a16="http://schemas.microsoft.com/office/drawing/2014/main" xmlns="" id="{F5C22ADD-7A5D-44F8-969C-F4721C016703}"/>
+                <a16:creationId xmlns="" xmlns:a16="http://schemas.microsoft.com/office/drawing/2014/main" id="{F5C22ADD-7A5D-44F8-969C-F4721C016703}"/>
               </a:ext>
             </a:extLst>
           </p:cNvPr>
@@ -13671,7 +13671,7 @@
           <p:cNvPr id="20" name="內容版面配置區 2">
             <a:extLst>
               <a:ext uri="{FF2B5EF4-FFF2-40B4-BE49-F238E27FC236}">
-                <a16:creationId xmlns:a16="http://schemas.microsoft.com/office/drawing/2014/main" xmlns="" id="{2E881D55-3B47-403F-8F0E-EDFDE34A1B22}"/>
+                <a16:creationId xmlns="" xmlns:a16="http://schemas.microsoft.com/office/drawing/2014/main" id="{2E881D55-3B47-403F-8F0E-EDFDE34A1B22}"/>
               </a:ext>
             </a:extLst>
           </p:cNvPr>
@@ -13784,7 +13784,7 @@
           <p:cNvPr id="4" name="標題 1">
             <a:extLst>
               <a:ext uri="{FF2B5EF4-FFF2-40B4-BE49-F238E27FC236}">
-                <a16:creationId xmlns:a16="http://schemas.microsoft.com/office/drawing/2014/main" xmlns="" id="{5E6B7CFB-F29E-40F1-941C-60839576EFD3}"/>
+                <a16:creationId xmlns="" xmlns:a16="http://schemas.microsoft.com/office/drawing/2014/main" id="{5E6B7CFB-F29E-40F1-941C-60839576EFD3}"/>
               </a:ext>
             </a:extLst>
           </p:cNvPr>
@@ -13850,7 +13850,7 @@
           <p:cNvPr id="5" name="內容版面配置區 2">
             <a:extLst>
               <a:ext uri="{FF2B5EF4-FFF2-40B4-BE49-F238E27FC236}">
-                <a16:creationId xmlns:a16="http://schemas.microsoft.com/office/drawing/2014/main" xmlns="" id="{A302D0AD-FC16-4984-8880-9A709EF0C7EB}"/>
+                <a16:creationId xmlns="" xmlns:a16="http://schemas.microsoft.com/office/drawing/2014/main" id="{A302D0AD-FC16-4984-8880-9A709EF0C7EB}"/>
               </a:ext>
             </a:extLst>
           </p:cNvPr>
@@ -14381,7 +14381,7 @@
           <p:cNvPr id="19" name="標題 1">
             <a:extLst>
               <a:ext uri="{FF2B5EF4-FFF2-40B4-BE49-F238E27FC236}">
-                <a16:creationId xmlns:a16="http://schemas.microsoft.com/office/drawing/2014/main" xmlns="" id="{50E9A64D-4207-4980-8736-4201C3E0DC63}"/>
+                <a16:creationId xmlns="" xmlns:a16="http://schemas.microsoft.com/office/drawing/2014/main" id="{50E9A64D-4207-4980-8736-4201C3E0DC63}"/>
               </a:ext>
             </a:extLst>
           </p:cNvPr>
@@ -14416,7 +14416,7 @@
           <p:cNvPr id="24" name="內容版面配置區 2">
             <a:extLst>
               <a:ext uri="{FF2B5EF4-FFF2-40B4-BE49-F238E27FC236}">
-                <a16:creationId xmlns:a16="http://schemas.microsoft.com/office/drawing/2014/main" xmlns="" id="{F5C22ADD-7A5D-44F8-969C-F4721C016703}"/>
+                <a16:creationId xmlns="" xmlns:a16="http://schemas.microsoft.com/office/drawing/2014/main" id="{F5C22ADD-7A5D-44F8-969C-F4721C016703}"/>
               </a:ext>
             </a:extLst>
           </p:cNvPr>
@@ -14688,7 +14688,7 @@
           <p:cNvPr id="20" name="內容版面配置區 2">
             <a:extLst>
               <a:ext uri="{FF2B5EF4-FFF2-40B4-BE49-F238E27FC236}">
-                <a16:creationId xmlns:a16="http://schemas.microsoft.com/office/drawing/2014/main" xmlns="" id="{2E881D55-3B47-403F-8F0E-EDFDE34A1B22}"/>
+                <a16:creationId xmlns="" xmlns:a16="http://schemas.microsoft.com/office/drawing/2014/main" id="{2E881D55-3B47-403F-8F0E-EDFDE34A1B22}"/>
               </a:ext>
             </a:extLst>
           </p:cNvPr>
@@ -14825,7 +14825,7 @@
           <p:cNvPr id="7" name="標題 1">
             <a:extLst>
               <a:ext uri="{FF2B5EF4-FFF2-40B4-BE49-F238E27FC236}">
-                <a16:creationId xmlns:a16="http://schemas.microsoft.com/office/drawing/2014/main" xmlns="" id="{50E9A64D-4207-4980-8736-4201C3E0DC63}"/>
+                <a16:creationId xmlns="" xmlns:a16="http://schemas.microsoft.com/office/drawing/2014/main" id="{50E9A64D-4207-4980-8736-4201C3E0DC63}"/>
               </a:ext>
             </a:extLst>
           </p:cNvPr>
@@ -14937,7 +14937,7 @@
           <p:cNvPr id="3" name="標題 2">
             <a:extLst>
               <a:ext uri="{FF2B5EF4-FFF2-40B4-BE49-F238E27FC236}">
-                <a16:creationId xmlns:a16="http://schemas.microsoft.com/office/drawing/2014/main" xmlns="" id="{4ABAB1B2-9811-49A5-968D-AA6F881D5BFC}"/>
+                <a16:creationId xmlns="" xmlns:a16="http://schemas.microsoft.com/office/drawing/2014/main" id="{4ABAB1B2-9811-49A5-968D-AA6F881D5BFC}"/>
               </a:ext>
             </a:extLst>
           </p:cNvPr>
@@ -14994,7 +14994,7 @@
           <p:cNvPr id="4" name="內容版面配置區 3">
             <a:extLst>
               <a:ext uri="{FF2B5EF4-FFF2-40B4-BE49-F238E27FC236}">
-                <a16:creationId xmlns:a16="http://schemas.microsoft.com/office/drawing/2014/main" xmlns="" id="{FCCA5DD9-09D4-479C-9F96-62D1622C7DB1}"/>
+                <a16:creationId xmlns="" xmlns:a16="http://schemas.microsoft.com/office/drawing/2014/main" id="{FCCA5DD9-09D4-479C-9F96-62D1622C7DB1}"/>
               </a:ext>
             </a:extLst>
           </p:cNvPr>
@@ -15170,7 +15170,7 @@
           <p:cNvPr id="19" name="標題 1">
             <a:extLst>
               <a:ext uri="{FF2B5EF4-FFF2-40B4-BE49-F238E27FC236}">
-                <a16:creationId xmlns:a16="http://schemas.microsoft.com/office/drawing/2014/main" xmlns="" id="{50E9A64D-4207-4980-8736-4201C3E0DC63}"/>
+                <a16:creationId xmlns="" xmlns:a16="http://schemas.microsoft.com/office/drawing/2014/main" id="{50E9A64D-4207-4980-8736-4201C3E0DC63}"/>
               </a:ext>
             </a:extLst>
           </p:cNvPr>
@@ -15206,7 +15206,7 @@
           <p:cNvPr id="24" name="內容版面配置區 2">
             <a:extLst>
               <a:ext uri="{FF2B5EF4-FFF2-40B4-BE49-F238E27FC236}">
-                <a16:creationId xmlns:a16="http://schemas.microsoft.com/office/drawing/2014/main" xmlns="" id="{F5C22ADD-7A5D-44F8-969C-F4721C016703}"/>
+                <a16:creationId xmlns="" xmlns:a16="http://schemas.microsoft.com/office/drawing/2014/main" id="{F5C22ADD-7A5D-44F8-969C-F4721C016703}"/>
               </a:ext>
             </a:extLst>
           </p:cNvPr>
@@ -16332,7 +16332,7 @@
         <p:spPr>
           <a:xfrm>
             <a:off x="7030516" y="4540478"/>
-            <a:ext cx="1237839" cy="400110"/>
+            <a:ext cx="1470274" cy="400110"/>
           </a:xfrm>
           <a:prstGeom prst="rect">
             <a:avLst/>
@@ -16345,14 +16345,23 @@
           <a:lstStyle/>
           <a:p>
             <a:r>
-              <a:rPr lang="en-US" altLang="zh-TW" sz="2000" dirty="0"/>
+              <a:rPr lang="en-US" altLang="zh-TW" sz="2000" b="1" dirty="0">
+                <a:latin typeface="微軟正黑體" panose="020B0604030504040204" pitchFamily="34" charset="-120"/>
+                <a:ea typeface="微軟正黑體" panose="020B0604030504040204" pitchFamily="34" charset="-120"/>
+              </a:rPr>
               <a:t>1 + 1 = </a:t>
             </a:r>
             <a:r>
-              <a:rPr lang="en-US" altLang="zh-TW" sz="2000" dirty="0" smtClean="0"/>
+              <a:rPr lang="en-US" altLang="zh-TW" sz="2000" b="1" dirty="0">
+                <a:latin typeface="微軟正黑體" panose="020B0604030504040204" pitchFamily="34" charset="-120"/>
+                <a:ea typeface="微軟正黑體" panose="020B0604030504040204" pitchFamily="34" charset="-120"/>
+              </a:rPr>
               <a:t>3 ?</a:t>
             </a:r>
-            <a:endParaRPr lang="zh-TW" altLang="en-US" sz="2000" dirty="0"/>
+            <a:endParaRPr lang="zh-TW" altLang="en-US" sz="2000" b="1" dirty="0">
+              <a:latin typeface="微軟正黑體" panose="020B0604030504040204" pitchFamily="34" charset="-120"/>
+              <a:ea typeface="微軟正黑體" panose="020B0604030504040204" pitchFamily="34" charset="-120"/>
+            </a:endParaRPr>
           </a:p>
         </p:txBody>
       </p:sp>
@@ -16365,7 +16374,7 @@
         <p:spPr>
           <a:xfrm>
             <a:off x="8686700" y="4541058"/>
-            <a:ext cx="1237839" cy="400110"/>
+            <a:ext cx="1470274" cy="400110"/>
           </a:xfrm>
           <a:prstGeom prst="rect">
             <a:avLst/>
@@ -16378,14 +16387,23 @@
           <a:lstStyle/>
           <a:p>
             <a:r>
-              <a:rPr lang="en-US" altLang="zh-TW" sz="2000" dirty="0"/>
+              <a:rPr lang="en-US" altLang="zh-TW" sz="2000" b="1" dirty="0">
+                <a:latin typeface="微軟正黑體" panose="020B0604030504040204" pitchFamily="34" charset="-120"/>
+                <a:ea typeface="微軟正黑體" panose="020B0604030504040204" pitchFamily="34" charset="-120"/>
+              </a:rPr>
               <a:t>1 + 1 = </a:t>
             </a:r>
             <a:r>
-              <a:rPr lang="en-US" altLang="zh-TW" sz="2000" dirty="0" smtClean="0"/>
+              <a:rPr lang="en-US" altLang="zh-TW" sz="2000" b="1" dirty="0">
+                <a:latin typeface="微軟正黑體" panose="020B0604030504040204" pitchFamily="34" charset="-120"/>
+                <a:ea typeface="微軟正黑體" panose="020B0604030504040204" pitchFamily="34" charset="-120"/>
+              </a:rPr>
               <a:t>2 ?</a:t>
             </a:r>
-            <a:endParaRPr lang="zh-TW" altLang="en-US" sz="2000" dirty="0"/>
+            <a:endParaRPr lang="zh-TW" altLang="en-US" sz="2000" b="1" dirty="0">
+              <a:latin typeface="微軟正黑體" panose="020B0604030504040204" pitchFamily="34" charset="-120"/>
+              <a:ea typeface="微軟正黑體" panose="020B0604030504040204" pitchFamily="34" charset="-120"/>
+            </a:endParaRPr>
           </a:p>
         </p:txBody>
       </p:sp>
@@ -16411,10 +16429,108 @@
           <a:lstStyle/>
           <a:p>
             <a:r>
-              <a:rPr lang="zh-TW" altLang="en-US" sz="2000" dirty="0" smtClean="0"/>
+              <a:rPr lang="zh-TW" altLang="en-US" sz="2000" b="1" dirty="0" smtClean="0">
+                <a:latin typeface="微軟正黑體" panose="020B0604030504040204" pitchFamily="34" charset="-120"/>
+                <a:ea typeface="微軟正黑體" panose="020B0604030504040204" pitchFamily="34" charset="-120"/>
+              </a:rPr>
               <a:t>不揭露秘密</a:t>
             </a:r>
-            <a:endParaRPr lang="zh-TW" altLang="en-US" sz="2000" dirty="0"/>
+            <a:endParaRPr lang="zh-TW" altLang="en-US" sz="2000" b="1" dirty="0">
+              <a:latin typeface="微軟正黑體" panose="020B0604030504040204" pitchFamily="34" charset="-120"/>
+              <a:ea typeface="微軟正黑體" panose="020B0604030504040204" pitchFamily="34" charset="-120"/>
+            </a:endParaRPr>
+          </a:p>
+        </p:txBody>
+      </p:sp>
+      <p:sp>
+        <p:nvSpPr>
+          <p:cNvPr id="2" name="矩形 1"/>
+          <p:cNvSpPr/>
+          <p:nvPr/>
+        </p:nvSpPr>
+        <p:spPr>
+          <a:xfrm>
+            <a:off x="477788" y="2060848"/>
+            <a:ext cx="4896544" cy="3168352"/>
+          </a:xfrm>
+          <a:prstGeom prst="rect">
+            <a:avLst/>
+          </a:prstGeom>
+          <a:noFill/>
+          <a:ln w="57150">
+            <a:solidFill>
+              <a:schemeClr val="accent2">
+                <a:lumMod val="75000"/>
+              </a:schemeClr>
+            </a:solidFill>
+          </a:ln>
+        </p:spPr>
+        <p:style>
+          <a:lnRef idx="2">
+            <a:schemeClr val="accent2"/>
+          </a:lnRef>
+          <a:fillRef idx="1">
+            <a:schemeClr val="lt1"/>
+          </a:fillRef>
+          <a:effectRef idx="0">
+            <a:schemeClr val="accent2"/>
+          </a:effectRef>
+          <a:fontRef idx="minor">
+            <a:schemeClr val="dk1"/>
+          </a:fontRef>
+        </p:style>
+        <p:txBody>
+          <a:bodyPr rtlCol="0" anchor="ctr"/>
+          <a:lstStyle/>
+          <a:p>
+            <a:pPr algn="ctr"/>
+            <a:endParaRPr lang="zh-TW" altLang="en-US" dirty="0" err="1" smtClean="0"/>
+          </a:p>
+        </p:txBody>
+      </p:sp>
+      <p:sp>
+        <p:nvSpPr>
+          <p:cNvPr id="27" name="矩形 26"/>
+          <p:cNvSpPr/>
+          <p:nvPr/>
+        </p:nvSpPr>
+        <p:spPr>
+          <a:xfrm>
+            <a:off x="6598468" y="2177571"/>
+            <a:ext cx="5472608" cy="2907613"/>
+          </a:xfrm>
+          <a:prstGeom prst="rect">
+            <a:avLst/>
+          </a:prstGeom>
+          <a:noFill/>
+          <a:ln w="57150">
+            <a:solidFill>
+              <a:schemeClr val="accent4">
+                <a:lumMod val="75000"/>
+              </a:schemeClr>
+            </a:solidFill>
+          </a:ln>
+        </p:spPr>
+        <p:style>
+          <a:lnRef idx="2">
+            <a:schemeClr val="accent2"/>
+          </a:lnRef>
+          <a:fillRef idx="1">
+            <a:schemeClr val="lt1"/>
+          </a:fillRef>
+          <a:effectRef idx="0">
+            <a:schemeClr val="accent2"/>
+          </a:effectRef>
+          <a:fontRef idx="minor">
+            <a:schemeClr val="dk1"/>
+          </a:fontRef>
+        </p:style>
+        <p:txBody>
+          <a:bodyPr rtlCol="0" anchor="ctr"/>
+          <a:lstStyle/>
+          <a:p>
+            <a:pPr algn="ctr"/>
+            <a:endParaRPr lang="zh-TW" altLang="en-US" dirty="0" err="1" smtClean="0"/>
           </a:p>
         </p:txBody>
       </p:sp>
@@ -16496,7 +16612,7 @@
           <p:cNvPr id="19" name="標題 1">
             <a:extLst>
               <a:ext uri="{FF2B5EF4-FFF2-40B4-BE49-F238E27FC236}">
-                <a16:creationId xmlns:a16="http://schemas.microsoft.com/office/drawing/2014/main" xmlns="" id="{50E9A64D-4207-4980-8736-4201C3E0DC63}"/>
+                <a16:creationId xmlns="" xmlns:a16="http://schemas.microsoft.com/office/drawing/2014/main" id="{50E9A64D-4207-4980-8736-4201C3E0DC63}"/>
               </a:ext>
             </a:extLst>
           </p:cNvPr>
@@ -16535,7 +16651,7 @@
           <p:cNvPr id="24" name="內容版面配置區 2">
             <a:extLst>
               <a:ext uri="{FF2B5EF4-FFF2-40B4-BE49-F238E27FC236}">
-                <a16:creationId xmlns:a16="http://schemas.microsoft.com/office/drawing/2014/main" xmlns="" id="{F5C22ADD-7A5D-44F8-969C-F4721C016703}"/>
+                <a16:creationId xmlns="" xmlns:a16="http://schemas.microsoft.com/office/drawing/2014/main" id="{F5C22ADD-7A5D-44F8-969C-F4721C016703}"/>
               </a:ext>
             </a:extLst>
           </p:cNvPr>
@@ -16807,7 +16923,7 @@
           <p:cNvPr id="20" name="內容版面配置區 2">
             <a:extLst>
               <a:ext uri="{FF2B5EF4-FFF2-40B4-BE49-F238E27FC236}">
-                <a16:creationId xmlns:a16="http://schemas.microsoft.com/office/drawing/2014/main" xmlns="" id="{2E881D55-3B47-403F-8F0E-EDFDE34A1B22}"/>
+                <a16:creationId xmlns="" xmlns:a16="http://schemas.microsoft.com/office/drawing/2014/main" id="{2E881D55-3B47-403F-8F0E-EDFDE34A1B22}"/>
               </a:ext>
             </a:extLst>
           </p:cNvPr>
@@ -17025,7 +17141,7 @@
           <p:cNvPr id="3" name="標題 2">
             <a:extLst>
               <a:ext uri="{FF2B5EF4-FFF2-40B4-BE49-F238E27FC236}">
-                <a16:creationId xmlns:a16="http://schemas.microsoft.com/office/drawing/2014/main" xmlns="" id="{4ABAB1B2-9811-49A5-968D-AA6F881D5BFC}"/>
+                <a16:creationId xmlns="" xmlns:a16="http://schemas.microsoft.com/office/drawing/2014/main" id="{4ABAB1B2-9811-49A5-968D-AA6F881D5BFC}"/>
               </a:ext>
             </a:extLst>
           </p:cNvPr>
@@ -17094,7 +17210,7 @@
           <p:cNvPr id="4" name="內容版面配置區 3">
             <a:extLst>
               <a:ext uri="{FF2B5EF4-FFF2-40B4-BE49-F238E27FC236}">
-                <a16:creationId xmlns:a16="http://schemas.microsoft.com/office/drawing/2014/main" xmlns="" id="{FCCA5DD9-09D4-479C-9F96-62D1622C7DB1}"/>
+                <a16:creationId xmlns="" xmlns:a16="http://schemas.microsoft.com/office/drawing/2014/main" id="{FCCA5DD9-09D4-479C-9F96-62D1622C7DB1}"/>
               </a:ext>
             </a:extLst>
           </p:cNvPr>
@@ -17340,7 +17456,7 @@
           <p:cNvPr id="19" name="標題 1">
             <a:extLst>
               <a:ext uri="{FF2B5EF4-FFF2-40B4-BE49-F238E27FC236}">
-                <a16:creationId xmlns:a16="http://schemas.microsoft.com/office/drawing/2014/main" xmlns="" id="{50E9A64D-4207-4980-8736-4201C3E0DC63}"/>
+                <a16:creationId xmlns="" xmlns:a16="http://schemas.microsoft.com/office/drawing/2014/main" id="{50E9A64D-4207-4980-8736-4201C3E0DC63}"/>
               </a:ext>
             </a:extLst>
           </p:cNvPr>
@@ -17380,7 +17496,7 @@
           <p:cNvPr id="24" name="內容版面配置區 2">
             <a:extLst>
               <a:ext uri="{FF2B5EF4-FFF2-40B4-BE49-F238E27FC236}">
-                <a16:creationId xmlns:a16="http://schemas.microsoft.com/office/drawing/2014/main" xmlns="" id="{F5C22ADD-7A5D-44F8-969C-F4721C016703}"/>
+                <a16:creationId xmlns="" xmlns:a16="http://schemas.microsoft.com/office/drawing/2014/main" id="{F5C22ADD-7A5D-44F8-969C-F4721C016703}"/>
               </a:ext>
             </a:extLst>
           </p:cNvPr>
@@ -18652,7 +18768,7 @@
           <p:cNvPr id="3" name="標題 2">
             <a:extLst>
               <a:ext uri="{FF2B5EF4-FFF2-40B4-BE49-F238E27FC236}">
-                <a16:creationId xmlns:a16="http://schemas.microsoft.com/office/drawing/2014/main" xmlns="" id="{4ABAB1B2-9811-49A5-968D-AA6F881D5BFC}"/>
+                <a16:creationId xmlns="" xmlns:a16="http://schemas.microsoft.com/office/drawing/2014/main" id="{4ABAB1B2-9811-49A5-968D-AA6F881D5BFC}"/>
               </a:ext>
             </a:extLst>
           </p:cNvPr>
@@ -18769,7 +18885,7 @@
           <p:cNvPr id="5" name="內容版面配置區 3">
             <a:extLst>
               <a:ext uri="{FF2B5EF4-FFF2-40B4-BE49-F238E27FC236}">
-                <a16:creationId xmlns:a16="http://schemas.microsoft.com/office/drawing/2014/main" xmlns="" id="{FCCA5DD9-09D4-479C-9F96-62D1622C7DB1}"/>
+                <a16:creationId xmlns="" xmlns:a16="http://schemas.microsoft.com/office/drawing/2014/main" id="{FCCA5DD9-09D4-479C-9F96-62D1622C7DB1}"/>
               </a:ext>
             </a:extLst>
           </p:cNvPr>
@@ -19201,7 +19317,7 @@
           <p:cNvPr id="19" name="標題 1">
             <a:extLst>
               <a:ext uri="{FF2B5EF4-FFF2-40B4-BE49-F238E27FC236}">
-                <a16:creationId xmlns:a16="http://schemas.microsoft.com/office/drawing/2014/main" xmlns="" id="{50E9A64D-4207-4980-8736-4201C3E0DC63}"/>
+                <a16:creationId xmlns="" xmlns:a16="http://schemas.microsoft.com/office/drawing/2014/main" id="{50E9A64D-4207-4980-8736-4201C3E0DC63}"/>
               </a:ext>
             </a:extLst>
           </p:cNvPr>
@@ -19277,7 +19393,7 @@
           <p:cNvPr id="24" name="內容版面配置區 2">
             <a:extLst>
               <a:ext uri="{FF2B5EF4-FFF2-40B4-BE49-F238E27FC236}">
-                <a16:creationId xmlns:a16="http://schemas.microsoft.com/office/drawing/2014/main" xmlns="" id="{F5C22ADD-7A5D-44F8-969C-F4721C016703}"/>
+                <a16:creationId xmlns="" xmlns:a16="http://schemas.microsoft.com/office/drawing/2014/main" id="{F5C22ADD-7A5D-44F8-969C-F4721C016703}"/>
               </a:ext>
             </a:extLst>
           </p:cNvPr>
@@ -19643,7 +19759,7 @@
               <p:cNvPr id="20" name="內容版面配置區 2">
                 <a:extLst>
                   <a:ext uri="{FF2B5EF4-FFF2-40B4-BE49-F238E27FC236}">
-                    <a16:creationId xmlns:a16="http://schemas.microsoft.com/office/drawing/2014/main" xmlns="" id="{2E881D55-3B47-403F-8F0E-EDFDE34A1B22}"/>
+                    <a16:creationId xmlns="" xmlns:a16="http://schemas.microsoft.com/office/drawing/2014/main" id="{2E881D55-3B47-403F-8F0E-EDFDE34A1B22}"/>
                   </a:ext>
                 </a:extLst>
               </p:cNvPr>
@@ -20663,7 +20779,7 @@
   <a:extraClrSchemeLst/>
   <a:extLst>
     <a:ext uri="{05A4C25C-085E-4340-85A3-A5531E510DB2}">
-      <thm15:themeFamily xmlns:thm15="http://schemas.microsoft.com/office/thememl/2012/main" xmlns="" name="Office_26713188_TF03460544" id="{6F554B24-2C09-4153-BF01-57653ED04444}" vid="{C80FED5E-EC00-4C61-90A9-0EA5EF995274}"/>
+      <thm15:themeFamily xmlns="" xmlns:thm15="http://schemas.microsoft.com/office/thememl/2012/main" name="Office_26713188_TF03460544" id="{6F554B24-2C09-4153-BF01-57653ED04444}" vid="{C80FED5E-EC00-4C61-90A9-0EA5EF995274}"/>
     </a:ext>
   </a:extLst>
 </a:theme>

--- a/密碼學期末專題簡報.pptx
+++ b/密碼學期末專題簡報.pptx
@@ -132,7 +132,7 @@
   </p:defaultTextStyle>
   <p:extLst>
     <p:ext uri="{EFAFB233-063F-42B5-8137-9DF3F51BA10A}">
-      <p15:sldGuideLst xmlns="" xmlns:p15="http://schemas.microsoft.com/office/powerpoint/2012/main">
+      <p15:sldGuideLst xmlns:p15="http://schemas.microsoft.com/office/powerpoint/2012/main" xmlns="">
         <p15:guide id="1" orient="horz" pos="2160">
           <p15:clr>
             <a:srgbClr val="A4A3A4"/>
@@ -161,7 +161,7 @@
       </p15:sldGuideLst>
     </p:ext>
     <p:ext uri="{2D200454-40CA-4A62-9FC3-DE9A4176ACB9}">
-      <p15:notesGuideLst xmlns="" xmlns:p15="http://schemas.microsoft.com/office/powerpoint/2012/main">
+      <p15:notesGuideLst xmlns:p15="http://schemas.microsoft.com/office/powerpoint/2012/main" xmlns="">
         <p15:guide id="1" orient="horz" pos="2880">
           <p15:clr>
             <a:srgbClr val="A4A3A4"/>
@@ -268,7 +268,7 @@
                 <a:latin typeface="Microsoft JhengHei UI" panose="020B0604030504040204" pitchFamily="34" charset="-120"/>
                 <a:ea typeface="Microsoft JhengHei UI" panose="020B0604030504040204" pitchFamily="34" charset="-120"/>
               </a:rPr>
-              <a:t>2025/5/17</a:t>
+              <a:t>2025/5/22</a:t>
             </a:fld>
             <a:endParaRPr lang="zh-TW" altLang="en-US">
               <a:latin typeface="Microsoft JhengHei UI" panose="020B0604030504040204" pitchFamily="34" charset="-120"/>
@@ -454,7 +454,7 @@
           <a:p>
             <a:fld id="{B0A587AB-C785-4ECC-B9BB-3D529D1F06DC}" type="datetime1">
               <a:rPr lang="zh-TW" altLang="en-US" noProof="0" smtClean="0"/>
-              <a:t>2025/5/17</a:t>
+              <a:t>2025/5/22</a:t>
             </a:fld>
             <a:endParaRPr lang="zh-TW" altLang="en-US" noProof="0" dirty="0"/>
           </a:p>
@@ -2890,7 +2890,7 @@
           <a:p>
             <a:fld id="{7025A1CD-099F-4E6B-845B-76AC65CEDBE7}" type="datetime1">
               <a:rPr lang="zh-TW" altLang="en-US" noProof="0" smtClean="0"/>
-              <a:t>2025/5/17</a:t>
+              <a:t>2025/5/22</a:t>
             </a:fld>
             <a:endParaRPr lang="zh-TW" altLang="en-US" noProof="0"/>
           </a:p>
@@ -2937,7 +2937,7 @@
           <p:cNvPr id="17" name="Picture 2" descr="國立臺灣大學">
             <a:extLst>
               <a:ext uri="{FF2B5EF4-FFF2-40B4-BE49-F238E27FC236}">
-                <a16:creationId xmlns="" xmlns:a16="http://schemas.microsoft.com/office/drawing/2014/main" id="{84C36C24-3B92-4925-8868-E617BA10AC38}"/>
+                <a16:creationId xmlns:a16="http://schemas.microsoft.com/office/drawing/2014/main" xmlns="" id="{84C36C24-3B92-4925-8868-E617BA10AC38}"/>
               </a:ext>
             </a:extLst>
           </p:cNvPr>
@@ -3314,7 +3314,7 @@
           <a:p>
             <a:fld id="{8A66919C-2879-4964-ADA5-05BE97665E98}" type="datetime1">
               <a:rPr lang="zh-TW" altLang="en-US" noProof="0" smtClean="0"/>
-              <a:t>2025/5/17</a:t>
+              <a:t>2025/5/22</a:t>
             </a:fld>
             <a:endParaRPr lang="zh-TW" altLang="en-US" noProof="0"/>
           </a:p>
@@ -3570,7 +3570,7 @@
           <a:p>
             <a:fld id="{C9FD95EC-10DD-4475-A030-8C9B84211375}" type="datetime1">
               <a:rPr lang="zh-TW" altLang="en-US" noProof="0" smtClean="0"/>
-              <a:t>2025/5/17</a:t>
+              <a:t>2025/5/22</a:t>
             </a:fld>
             <a:endParaRPr lang="zh-TW" altLang="en-US" noProof="0"/>
           </a:p>
@@ -3836,7 +3836,7 @@
           <a:p>
             <a:fld id="{FD4B027F-A9C0-4F33-A679-F17E60001344}" type="datetime1">
               <a:rPr lang="zh-TW" altLang="en-US" noProof="0" smtClean="0"/>
-              <a:t>2025/5/17</a:t>
+              <a:t>2025/5/22</a:t>
             </a:fld>
             <a:endParaRPr lang="zh-TW" altLang="en-US" noProof="0"/>
           </a:p>
@@ -4082,7 +4082,7 @@
           <a:p>
             <a:fld id="{EF3A231D-725F-43B6-A03C-0D1B80D07BE1}" type="datetime1">
               <a:rPr lang="zh-TW" altLang="en-US" noProof="0" smtClean="0"/>
-              <a:t>2025/5/17</a:t>
+              <a:t>2025/5/22</a:t>
             </a:fld>
             <a:endParaRPr lang="zh-TW" altLang="en-US" noProof="0"/>
           </a:p>
@@ -4338,7 +4338,7 @@
           <a:p>
             <a:fld id="{A1C8904F-070E-49CB-AD43-64EDE507F9B7}" type="datetime1">
               <a:rPr lang="zh-TW" altLang="en-US" noProof="0" smtClean="0"/>
-              <a:t>2025/5/17</a:t>
+              <a:t>2025/5/22</a:t>
             </a:fld>
             <a:endParaRPr lang="zh-TW" altLang="en-US" noProof="0"/>
           </a:p>
@@ -4491,7 +4491,7 @@
           <a:p>
             <a:fld id="{1A4D21C7-088F-4C14-AA88-F5DDEF7465A6}" type="datetime1">
               <a:rPr lang="zh-TW" altLang="en-US" noProof="0" smtClean="0"/>
-              <a:t>2025/5/17</a:t>
+              <a:t>2025/5/22</a:t>
             </a:fld>
             <a:endParaRPr lang="zh-TW" altLang="en-US" noProof="0"/>
           </a:p>
@@ -4536,7 +4536,7 @@
           <p:cNvPr id="2050" name="Picture 2" descr="台大遴選會決定遭駁回管中閔不是校長了，台灣學到什麼教訓？｜天下雜誌">
             <a:extLst>
               <a:ext uri="{FF2B5EF4-FFF2-40B4-BE49-F238E27FC236}">
-                <a16:creationId xmlns="" xmlns:a16="http://schemas.microsoft.com/office/drawing/2014/main" id="{AD25CCFA-A169-4B4D-9AAB-4FD3CE0117D8}"/>
+                <a16:creationId xmlns:a16="http://schemas.microsoft.com/office/drawing/2014/main" xmlns="" id="{AD25CCFA-A169-4B4D-9AAB-4FD3CE0117D8}"/>
               </a:ext>
             </a:extLst>
           </p:cNvPr>
@@ -4575,7 +4575,7 @@
           <p:cNvPr id="9" name="標題 1">
             <a:extLst>
               <a:ext uri="{FF2B5EF4-FFF2-40B4-BE49-F238E27FC236}">
-                <a16:creationId xmlns="" xmlns:a16="http://schemas.microsoft.com/office/drawing/2014/main" id="{BDFD2411-5069-4CA5-B66E-AB62E7A1DE60}"/>
+                <a16:creationId xmlns:a16="http://schemas.microsoft.com/office/drawing/2014/main" xmlns="" id="{BDFD2411-5069-4CA5-B66E-AB62E7A1DE60}"/>
               </a:ext>
             </a:extLst>
           </p:cNvPr>
@@ -4618,7 +4618,7 @@
           <p:cNvPr id="10" name="內容預留位置 2">
             <a:extLst>
               <a:ext uri="{FF2B5EF4-FFF2-40B4-BE49-F238E27FC236}">
-                <a16:creationId xmlns="" xmlns:a16="http://schemas.microsoft.com/office/drawing/2014/main" id="{BDA314B9-2928-4296-A8F2-C460B7717FDB}"/>
+                <a16:creationId xmlns:a16="http://schemas.microsoft.com/office/drawing/2014/main" xmlns="" id="{BDA314B9-2928-4296-A8F2-C460B7717FDB}"/>
               </a:ext>
             </a:extLst>
           </p:cNvPr>
@@ -4812,7 +4812,7 @@
           <a:p>
             <a:fld id="{07AFF883-2F10-4A07-ABF7-3E7D71A2862B}" type="datetime1">
               <a:rPr lang="zh-TW" altLang="en-US" noProof="0" smtClean="0"/>
-              <a:t>2025/5/17</a:t>
+              <a:t>2025/5/22</a:t>
             </a:fld>
             <a:endParaRPr lang="zh-TW" altLang="en-US" noProof="0"/>
           </a:p>
@@ -4857,7 +4857,7 @@
           <p:cNvPr id="2" name="箭號: 五邊形 1">
             <a:extLst>
               <a:ext uri="{FF2B5EF4-FFF2-40B4-BE49-F238E27FC236}">
-                <a16:creationId xmlns="" xmlns:a16="http://schemas.microsoft.com/office/drawing/2014/main" id="{2B2A4164-FC51-40C1-8307-BD11C0F8CFB5}"/>
+                <a16:creationId xmlns:a16="http://schemas.microsoft.com/office/drawing/2014/main" xmlns="" id="{2B2A4164-FC51-40C1-8307-BD11C0F8CFB5}"/>
               </a:ext>
             </a:extLst>
           </p:cNvPr>
@@ -4914,7 +4914,7 @@
           <p:cNvPr id="8" name="箭號: 五邊形 7">
             <a:extLst>
               <a:ext uri="{FF2B5EF4-FFF2-40B4-BE49-F238E27FC236}">
-                <a16:creationId xmlns="" xmlns:a16="http://schemas.microsoft.com/office/drawing/2014/main" id="{A42C3E17-FE95-45A4-BE55-35C930896E44}"/>
+                <a16:creationId xmlns:a16="http://schemas.microsoft.com/office/drawing/2014/main" xmlns="" id="{A42C3E17-FE95-45A4-BE55-35C930896E44}"/>
               </a:ext>
             </a:extLst>
           </p:cNvPr>
@@ -4971,7 +4971,7 @@
           <p:cNvPr id="9" name="Picture 2" descr="國立臺灣大學">
             <a:extLst>
               <a:ext uri="{FF2B5EF4-FFF2-40B4-BE49-F238E27FC236}">
-                <a16:creationId xmlns="" xmlns:a16="http://schemas.microsoft.com/office/drawing/2014/main" id="{2E88D82B-E998-4EDD-80FE-2F0EDEAEB0EB}"/>
+                <a16:creationId xmlns:a16="http://schemas.microsoft.com/office/drawing/2014/main" xmlns="" id="{2E88D82B-E998-4EDD-80FE-2F0EDEAEB0EB}"/>
               </a:ext>
             </a:extLst>
           </p:cNvPr>
@@ -5018,7 +5018,7 @@
           <p:cNvPr id="10" name="標題 1">
             <a:extLst>
               <a:ext uri="{FF2B5EF4-FFF2-40B4-BE49-F238E27FC236}">
-                <a16:creationId xmlns="" xmlns:a16="http://schemas.microsoft.com/office/drawing/2014/main" id="{93ABB2D6-1831-4B6F-8B8F-924BF377F7F3}"/>
+                <a16:creationId xmlns:a16="http://schemas.microsoft.com/office/drawing/2014/main" xmlns="" id="{93ABB2D6-1831-4B6F-8B8F-924BF377F7F3}"/>
               </a:ext>
             </a:extLst>
           </p:cNvPr>
@@ -5064,7 +5064,7 @@
           <p:cNvPr id="11" name="內容預留位置 2">
             <a:extLst>
               <a:ext uri="{FF2B5EF4-FFF2-40B4-BE49-F238E27FC236}">
-                <a16:creationId xmlns="" xmlns:a16="http://schemas.microsoft.com/office/drawing/2014/main" id="{802C1E61-2E34-4316-8FE7-FDF47C3C8932}"/>
+                <a16:creationId xmlns:a16="http://schemas.microsoft.com/office/drawing/2014/main" xmlns="" id="{802C1E61-2E34-4316-8FE7-FDF47C3C8932}"/>
               </a:ext>
             </a:extLst>
           </p:cNvPr>
@@ -5516,7 +5516,7 @@
           <a:p>
             <a:fld id="{492DEF5F-C38C-430A-A0DE-47FE9CE7FE7F}" type="datetime1">
               <a:rPr lang="zh-TW" altLang="en-US" noProof="0" smtClean="0"/>
-              <a:t>2025/5/17</a:t>
+              <a:t>2025/5/22</a:t>
             </a:fld>
             <a:endParaRPr lang="zh-TW" altLang="en-US" noProof="0"/>
           </a:p>
@@ -6026,7 +6026,7 @@
           <a:p>
             <a:fld id="{FB53CE18-37B0-4354-95BA-F6E2958D7E39}" type="datetime1">
               <a:rPr lang="zh-TW" altLang="en-US" noProof="0" smtClean="0"/>
-              <a:t>2025/5/17</a:t>
+              <a:t>2025/5/22</a:t>
             </a:fld>
             <a:endParaRPr lang="zh-TW" altLang="en-US" noProof="0"/>
           </a:p>
@@ -6188,7 +6188,7 @@
           <a:p>
             <a:fld id="{840D92E5-0E9E-447B-AB12-50B31DB78792}" type="datetime1">
               <a:rPr lang="zh-TW" altLang="en-US" noProof="0" smtClean="0"/>
-              <a:t>2025/5/17</a:t>
+              <a:t>2025/5/22</a:t>
             </a:fld>
             <a:endParaRPr lang="zh-TW" altLang="en-US" noProof="0"/>
           </a:p>
@@ -6479,7 +6479,7 @@
           <a:p>
             <a:fld id="{2DBDA392-58F4-49D0-A77B-A750F0E30EC9}" type="datetime1">
               <a:rPr lang="zh-TW" altLang="en-US" noProof="0" smtClean="0"/>
-              <a:t>2025/5/17</a:t>
+              <a:t>2025/5/22</a:t>
             </a:fld>
             <a:endParaRPr lang="zh-TW" altLang="en-US" noProof="0"/>
           </a:p>
@@ -6874,7 +6874,7 @@
           <a:p>
             <a:fld id="{6ADA41C7-C7E8-4EC2-8EC0-5E7AFDF89795}" type="datetime1">
               <a:rPr lang="zh-TW" altLang="en-US" noProof="0" smtClean="0"/>
-              <a:t>2025/5/17</a:t>
+              <a:t>2025/5/22</a:t>
             </a:fld>
             <a:endParaRPr lang="zh-TW" altLang="en-US" noProof="0"/>
           </a:p>
@@ -7448,7 +7448,7 @@
           <a:p>
             <a:fld id="{F1139FD8-5407-4A67-A886-B56A7B50E975}" type="datetime1">
               <a:rPr lang="zh-TW" altLang="en-US" noProof="0" smtClean="0"/>
-              <a:t>2025/5/17</a:t>
+              <a:t>2025/5/22</a:t>
             </a:fld>
             <a:endParaRPr lang="zh-TW" altLang="en-US" noProof="0"/>
           </a:p>
@@ -8255,7 +8255,7 @@
           <p:cNvPr id="19" name="標題 1">
             <a:extLst>
               <a:ext uri="{FF2B5EF4-FFF2-40B4-BE49-F238E27FC236}">
-                <a16:creationId xmlns="" xmlns:a16="http://schemas.microsoft.com/office/drawing/2014/main" id="{50E9A64D-4207-4980-8736-4201C3E0DC63}"/>
+                <a16:creationId xmlns:a16="http://schemas.microsoft.com/office/drawing/2014/main" xmlns="" id="{50E9A64D-4207-4980-8736-4201C3E0DC63}"/>
               </a:ext>
             </a:extLst>
           </p:cNvPr>
@@ -8331,7 +8331,7 @@
           <p:cNvPr id="24" name="內容版面配置區 2">
             <a:extLst>
               <a:ext uri="{FF2B5EF4-FFF2-40B4-BE49-F238E27FC236}">
-                <a16:creationId xmlns="" xmlns:a16="http://schemas.microsoft.com/office/drawing/2014/main" id="{F5C22ADD-7A5D-44F8-969C-F4721C016703}"/>
+                <a16:creationId xmlns:a16="http://schemas.microsoft.com/office/drawing/2014/main" xmlns="" id="{F5C22ADD-7A5D-44F8-969C-F4721C016703}"/>
               </a:ext>
             </a:extLst>
           </p:cNvPr>
@@ -8822,7 +8822,7 @@
               <p:cNvPr id="10" name="內容版面配置區 2">
                 <a:extLst>
                   <a:ext uri="{FF2B5EF4-FFF2-40B4-BE49-F238E27FC236}">
-                    <a16:creationId xmlns="" xmlns:a16="http://schemas.microsoft.com/office/drawing/2014/main" id="{2E881D55-3B47-403F-8F0E-EDFDE34A1B22}"/>
+                    <a16:creationId xmlns:a16="http://schemas.microsoft.com/office/drawing/2014/main" xmlns="" id="{2E881D55-3B47-403F-8F0E-EDFDE34A1B22}"/>
                   </a:ext>
                 </a:extLst>
               </p:cNvPr>
@@ -9056,7 +9056,7 @@
           <p:cNvPr id="19" name="標題 1">
             <a:extLst>
               <a:ext uri="{FF2B5EF4-FFF2-40B4-BE49-F238E27FC236}">
-                <a16:creationId xmlns="" xmlns:a16="http://schemas.microsoft.com/office/drawing/2014/main" id="{50E9A64D-4207-4980-8736-4201C3E0DC63}"/>
+                <a16:creationId xmlns:a16="http://schemas.microsoft.com/office/drawing/2014/main" xmlns="" id="{50E9A64D-4207-4980-8736-4201C3E0DC63}"/>
               </a:ext>
             </a:extLst>
           </p:cNvPr>
@@ -9132,7 +9132,7 @@
           <p:cNvPr id="24" name="內容版面配置區 2">
             <a:extLst>
               <a:ext uri="{FF2B5EF4-FFF2-40B4-BE49-F238E27FC236}">
-                <a16:creationId xmlns="" xmlns:a16="http://schemas.microsoft.com/office/drawing/2014/main" id="{F5C22ADD-7A5D-44F8-969C-F4721C016703}"/>
+                <a16:creationId xmlns:a16="http://schemas.microsoft.com/office/drawing/2014/main" xmlns="" id="{F5C22ADD-7A5D-44F8-969C-F4721C016703}"/>
               </a:ext>
             </a:extLst>
           </p:cNvPr>
@@ -9597,14 +9597,338 @@
           <a:chExt cx="0" cy="0"/>
         </a:xfrm>
       </p:grpSpPr>
-      <mc:AlternateContent xmlns:mc="http://schemas.openxmlformats.org/markup-compatibility/2006" xmlns:a14="http://schemas.microsoft.com/office/drawing/2010/main">
-        <mc:Choice Requires="a14">
+      <p:sp>
+        <p:nvSpPr>
+          <p:cNvPr id="24" name="內容版面配置區 2">
+            <a:extLst>
+              <a:ext uri="{FF2B5EF4-FFF2-40B4-BE49-F238E27FC236}">
+                <a16:creationId xmlns:a16="http://schemas.microsoft.com/office/drawing/2014/main" xmlns="" id="{F5C22ADD-7A5D-44F8-969C-F4721C016703}"/>
+              </a:ext>
+            </a:extLst>
+          </p:cNvPr>
+          <p:cNvSpPr txBox="1">
+            <a:spLocks/>
+          </p:cNvSpPr>
+          <p:nvPr/>
+        </p:nvSpPr>
+        <p:spPr>
+          <a:xfrm>
+            <a:off x="148040" y="1193817"/>
+            <a:ext cx="11758153" cy="4608512"/>
+          </a:xfrm>
+          <a:prstGeom prst="rect">
+            <a:avLst/>
+          </a:prstGeom>
+        </p:spPr>
+        <p:txBody>
+          <a:bodyPr vert="horz" lIns="91440" tIns="45720" rIns="91440" bIns="45720" rtlCol="0">
+            <a:normAutofit/>
+          </a:bodyPr>
+          <a:lstStyle>
+            <a:lvl1pPr marL="274320" indent="-274320" algn="l" defTabSz="914400" rtl="0" eaLnBrk="1" latinLnBrk="0" hangingPunct="1">
+              <a:lnSpc>
+                <a:spcPct val="90000"/>
+              </a:lnSpc>
+              <a:spcBef>
+                <a:spcPts val="1800"/>
+              </a:spcBef>
+              <a:buClr>
+                <a:schemeClr val="tx1"/>
+              </a:buClr>
+              <a:buSzPct val="80000"/>
+              <a:buFont typeface="Wingdings" pitchFamily="2" charset="2"/>
+              <a:buChar char="§"/>
+              <a:defRPr sz="2400" kern="1200">
+                <a:solidFill>
+                  <a:schemeClr val="tx1"/>
+                </a:solidFill>
+                <a:latin typeface="Microsoft JhengHei UI" panose="020B0604030504040204" pitchFamily="34" charset="-120"/>
+                <a:ea typeface="Microsoft JhengHei UI" panose="020B0604030504040204" pitchFamily="34" charset="-120"/>
+                <a:cs typeface="+mn-cs"/>
+              </a:defRPr>
+            </a:lvl1pPr>
+            <a:lvl2pPr marL="548640" indent="-228600" algn="l" defTabSz="914400" rtl="0" eaLnBrk="1" latinLnBrk="0" hangingPunct="1">
+              <a:lnSpc>
+                <a:spcPct val="90000"/>
+              </a:lnSpc>
+              <a:spcBef>
+                <a:spcPts val="1000"/>
+              </a:spcBef>
+              <a:buClr>
+                <a:schemeClr val="tx1"/>
+              </a:buClr>
+              <a:buSzPct val="100000"/>
+              <a:buFont typeface="Arial" pitchFamily="34" charset="0"/>
+              <a:buChar char="–"/>
+              <a:defRPr sz="2000" kern="1200">
+                <a:solidFill>
+                  <a:schemeClr val="tx1"/>
+                </a:solidFill>
+                <a:latin typeface="Microsoft JhengHei UI" panose="020B0604030504040204" pitchFamily="34" charset="-120"/>
+                <a:ea typeface="Microsoft JhengHei UI" panose="020B0604030504040204" pitchFamily="34" charset="-120"/>
+                <a:cs typeface="+mn-cs"/>
+              </a:defRPr>
+            </a:lvl2pPr>
+            <a:lvl3pPr marL="822960" indent="-228600" algn="l" defTabSz="914400" rtl="0" eaLnBrk="1" latinLnBrk="0" hangingPunct="1">
+              <a:lnSpc>
+                <a:spcPct val="90000"/>
+              </a:lnSpc>
+              <a:spcBef>
+                <a:spcPts val="800"/>
+              </a:spcBef>
+              <a:buClr>
+                <a:schemeClr val="tx1"/>
+              </a:buClr>
+              <a:buSzPct val="80000"/>
+              <a:buFont typeface="Wingdings" pitchFamily="2" charset="2"/>
+              <a:buChar char="§"/>
+              <a:defRPr sz="1800" kern="1200">
+                <a:solidFill>
+                  <a:schemeClr val="tx1"/>
+                </a:solidFill>
+                <a:latin typeface="Microsoft JhengHei UI" panose="020B0604030504040204" pitchFamily="34" charset="-120"/>
+                <a:ea typeface="Microsoft JhengHei UI" panose="020B0604030504040204" pitchFamily="34" charset="-120"/>
+                <a:cs typeface="+mn-cs"/>
+              </a:defRPr>
+            </a:lvl3pPr>
+            <a:lvl4pPr marL="1097280" indent="-228600" algn="l" defTabSz="914400" rtl="0" eaLnBrk="1" latinLnBrk="0" hangingPunct="1">
+              <a:lnSpc>
+                <a:spcPct val="90000"/>
+              </a:lnSpc>
+              <a:spcBef>
+                <a:spcPts val="800"/>
+              </a:spcBef>
+              <a:buClr>
+                <a:schemeClr val="tx1"/>
+              </a:buClr>
+              <a:buSzPct val="100000"/>
+              <a:buFont typeface="Arial" pitchFamily="34" charset="0"/>
+              <a:buChar char="–"/>
+              <a:defRPr sz="1600" kern="1200">
+                <a:solidFill>
+                  <a:schemeClr val="tx1"/>
+                </a:solidFill>
+                <a:latin typeface="Microsoft JhengHei UI" panose="020B0604030504040204" pitchFamily="34" charset="-120"/>
+                <a:ea typeface="Microsoft JhengHei UI" panose="020B0604030504040204" pitchFamily="34" charset="-120"/>
+                <a:cs typeface="+mn-cs"/>
+              </a:defRPr>
+            </a:lvl4pPr>
+            <a:lvl5pPr marL="1325880" indent="-228600" algn="l" defTabSz="914400" rtl="0" eaLnBrk="1" latinLnBrk="0" hangingPunct="1">
+              <a:lnSpc>
+                <a:spcPct val="90000"/>
+              </a:lnSpc>
+              <a:spcBef>
+                <a:spcPts val="800"/>
+              </a:spcBef>
+              <a:buClr>
+                <a:schemeClr val="tx1"/>
+              </a:buClr>
+              <a:buSzPct val="80000"/>
+              <a:buFont typeface="Wingdings" pitchFamily="2" charset="2"/>
+              <a:buChar char="§"/>
+              <a:defRPr sz="1600" kern="1200">
+                <a:solidFill>
+                  <a:schemeClr val="tx1"/>
+                </a:solidFill>
+                <a:latin typeface="Microsoft JhengHei UI" panose="020B0604030504040204" pitchFamily="34" charset="-120"/>
+                <a:ea typeface="Microsoft JhengHei UI" panose="020B0604030504040204" pitchFamily="34" charset="-120"/>
+                <a:cs typeface="+mn-cs"/>
+              </a:defRPr>
+            </a:lvl5pPr>
+            <a:lvl6pPr marL="1554480" indent="-228600" algn="l" defTabSz="914400" rtl="0" eaLnBrk="1" latinLnBrk="0" hangingPunct="1">
+              <a:lnSpc>
+                <a:spcPct val="90000"/>
+              </a:lnSpc>
+              <a:spcBef>
+                <a:spcPts val="800"/>
+              </a:spcBef>
+              <a:buClr>
+                <a:schemeClr val="tx1"/>
+              </a:buClr>
+              <a:buSzPct val="100000"/>
+              <a:buFont typeface="Arial" pitchFamily="34" charset="0"/>
+              <a:buChar char="–"/>
+              <a:defRPr sz="1600" kern="1200">
+                <a:solidFill>
+                  <a:schemeClr val="tx1"/>
+                </a:solidFill>
+                <a:latin typeface="+mn-lt"/>
+                <a:ea typeface="+mn-ea"/>
+                <a:cs typeface="+mn-cs"/>
+              </a:defRPr>
+            </a:lvl6pPr>
+            <a:lvl7pPr marL="1783080" indent="-228600" algn="l" defTabSz="914400" rtl="0" eaLnBrk="1" latinLnBrk="0" hangingPunct="1">
+              <a:lnSpc>
+                <a:spcPct val="90000"/>
+              </a:lnSpc>
+              <a:spcBef>
+                <a:spcPts val="800"/>
+              </a:spcBef>
+              <a:buClr>
+                <a:schemeClr val="tx1"/>
+              </a:buClr>
+              <a:buSzPct val="80000"/>
+              <a:buFont typeface="Wingdings" pitchFamily="2" charset="2"/>
+              <a:buChar char="§"/>
+              <a:defRPr sz="1600" kern="1200">
+                <a:solidFill>
+                  <a:schemeClr val="tx1"/>
+                </a:solidFill>
+                <a:latin typeface="+mn-lt"/>
+                <a:ea typeface="+mn-ea"/>
+                <a:cs typeface="+mn-cs"/>
+              </a:defRPr>
+            </a:lvl7pPr>
+            <a:lvl8pPr marL="2011680" indent="-228600" algn="l" defTabSz="914400" rtl="0" eaLnBrk="1" latinLnBrk="0" hangingPunct="1">
+              <a:lnSpc>
+                <a:spcPct val="90000"/>
+              </a:lnSpc>
+              <a:spcBef>
+                <a:spcPts val="800"/>
+              </a:spcBef>
+              <a:buClr>
+                <a:schemeClr val="tx1"/>
+              </a:buClr>
+              <a:buSzPct val="100000"/>
+              <a:buFont typeface="Arial" pitchFamily="34" charset="0"/>
+              <a:buChar char="–"/>
+              <a:defRPr sz="1600" kern="1200">
+                <a:solidFill>
+                  <a:schemeClr val="tx1"/>
+                </a:solidFill>
+                <a:latin typeface="+mn-lt"/>
+                <a:ea typeface="+mn-ea"/>
+                <a:cs typeface="+mn-cs"/>
+              </a:defRPr>
+            </a:lvl8pPr>
+            <a:lvl9pPr marL="2240280" indent="-228600" algn="l" defTabSz="914400" rtl="0" eaLnBrk="1" latinLnBrk="0" hangingPunct="1">
+              <a:lnSpc>
+                <a:spcPct val="90000"/>
+              </a:lnSpc>
+              <a:spcBef>
+                <a:spcPts val="800"/>
+              </a:spcBef>
+              <a:buClr>
+                <a:schemeClr val="tx1"/>
+              </a:buClr>
+              <a:buSzPct val="80000"/>
+              <a:buFont typeface="Wingdings" pitchFamily="2" charset="2"/>
+              <a:buChar char="§"/>
+              <a:defRPr sz="1600" kern="1200">
+                <a:solidFill>
+                  <a:schemeClr val="tx1"/>
+                </a:solidFill>
+                <a:latin typeface="+mn-lt"/>
+                <a:ea typeface="+mn-ea"/>
+                <a:cs typeface="+mn-cs"/>
+              </a:defRPr>
+            </a:lvl9pPr>
+          </a:lstStyle>
+          <a:p>
+            <a:pPr marL="285750" indent="-285750" algn="just">
+              <a:buClr>
+                <a:schemeClr val="accent1"/>
+              </a:buClr>
+              <a:buFont typeface="Wingdings" panose="05000000000000000000" pitchFamily="2" charset="2"/>
+              <a:buChar char="n"/>
+            </a:pPr>
+            <a:r>
+              <a:rPr lang="zh-TW" altLang="en-US" sz="2800" b="1" dirty="0">
+                <a:solidFill>
+                  <a:schemeClr val="accent1">
+                    <a:lumMod val="75000"/>
+                  </a:schemeClr>
+                </a:solidFill>
+                <a:latin typeface="微軟正黑體" panose="020B0604030504040204" pitchFamily="34" charset="-120"/>
+                <a:ea typeface="微軟正黑體" panose="020B0604030504040204" pitchFamily="34" charset="-120"/>
+              </a:rPr>
+              <a:t>精進版</a:t>
+            </a:r>
+            <a:r>
+              <a:rPr lang="en-US" altLang="zh-TW" sz="2800" b="1" dirty="0" err="1" smtClean="0">
+                <a:solidFill>
+                  <a:schemeClr val="accent1">
+                    <a:lumMod val="75000"/>
+                  </a:schemeClr>
+                </a:solidFill>
+                <a:latin typeface="微軟正黑體" panose="020B0604030504040204" pitchFamily="34" charset="-120"/>
+                <a:ea typeface="微軟正黑體" panose="020B0604030504040204" pitchFamily="34" charset="-120"/>
+              </a:rPr>
+              <a:t>Schnorr</a:t>
+            </a:r>
+            <a:r>
+              <a:rPr lang="en-US" altLang="zh-TW" sz="2800" b="1" dirty="0" smtClean="0">
+                <a:solidFill>
+                  <a:schemeClr val="accent1">
+                    <a:lumMod val="75000"/>
+                  </a:schemeClr>
+                </a:solidFill>
+                <a:latin typeface="微軟正黑體" panose="020B0604030504040204" pitchFamily="34" charset="-120"/>
+                <a:ea typeface="微軟正黑體" panose="020B0604030504040204" pitchFamily="34" charset="-120"/>
+              </a:rPr>
+              <a:t> </a:t>
+            </a:r>
+            <a:r>
+              <a:rPr lang="en-US" altLang="zh-TW" sz="2800" b="1" dirty="0" smtClean="0">
+                <a:solidFill>
+                  <a:schemeClr val="accent1">
+                    <a:lumMod val="75000"/>
+                  </a:schemeClr>
+                </a:solidFill>
+                <a:latin typeface="微軟正黑體" panose="020B0604030504040204" pitchFamily="34" charset="-120"/>
+                <a:ea typeface="微軟正黑體" panose="020B0604030504040204" pitchFamily="34" charset="-120"/>
+              </a:rPr>
+              <a:t>Protocol </a:t>
+            </a:r>
+            <a:r>
+              <a:rPr lang="en-US" altLang="zh-TW" sz="2800" b="1" dirty="0" smtClean="0">
+                <a:solidFill>
+                  <a:srgbClr val="FF0000"/>
+                </a:solidFill>
+                <a:latin typeface="微軟正黑體" panose="020B0604030504040204" pitchFamily="34" charset="-120"/>
+                <a:ea typeface="微軟正黑體" panose="020B0604030504040204" pitchFamily="34" charset="-120"/>
+              </a:rPr>
+              <a:t>(1/3)</a:t>
+            </a:r>
+          </a:p>
+          <a:p>
+            <a:pPr marL="274320" lvl="1" indent="0" algn="just">
+              <a:buClr>
+                <a:schemeClr val="accent1"/>
+              </a:buClr>
+              <a:buNone/>
+            </a:pPr>
+            <a:endParaRPr lang="en-US" altLang="zh-TW" b="1" dirty="0">
+              <a:solidFill>
+                <a:srgbClr val="FF0000"/>
+              </a:solidFill>
+              <a:latin typeface="微軟正黑體" panose="020B0604030504040204" pitchFamily="34" charset="-120"/>
+              <a:ea typeface="微軟正黑體" panose="020B0604030504040204" pitchFamily="34" charset="-120"/>
+            </a:endParaRPr>
+          </a:p>
+          <a:p>
+            <a:pPr marL="285750" indent="-285750" algn="just">
+              <a:buClr>
+                <a:schemeClr val="accent1"/>
+              </a:buClr>
+              <a:buFont typeface="Wingdings" panose="05000000000000000000" pitchFamily="2" charset="2"/>
+              <a:buChar char="n"/>
+            </a:pPr>
+            <a:endParaRPr lang="en-US" altLang="zh-TW" b="1" dirty="0">
+              <a:latin typeface="微軟正黑體" panose="020B0604030504040204" pitchFamily="34" charset="-120"/>
+              <a:ea typeface="微軟正黑體" panose="020B0604030504040204" pitchFamily="34" charset="-120"/>
+            </a:endParaRPr>
+          </a:p>
+        </p:txBody>
+      </p:sp>
+      <mc:AlternateContent xmlns:mc="http://schemas.openxmlformats.org/markup-compatibility/2006">
+        <mc:Choice xmlns:a14="http://schemas.microsoft.com/office/drawing/2010/main" Requires="a14">
           <p:sp>
             <p:nvSpPr>
               <p:cNvPr id="10" name="內容版面配置區 2">
                 <a:extLst>
                   <a:ext uri="{FF2B5EF4-FFF2-40B4-BE49-F238E27FC236}">
-                    <a16:creationId xmlns="" xmlns:a16="http://schemas.microsoft.com/office/drawing/2014/main" id="{2E881D55-3B47-403F-8F0E-EDFDE34A1B22}"/>
+                    <a16:creationId xmlns:a16="http://schemas.microsoft.com/office/drawing/2014/main" xmlns="" id="{2E881D55-3B47-403F-8F0E-EDFDE34A1B22}"/>
                   </a:ext>
                 </a:extLst>
               </p:cNvPr>
@@ -9638,6 +9962,22 @@
                   <a:buFont typeface="Wingdings" panose="05000000000000000000" pitchFamily="2" charset="2"/>
                   <a:buChar char="Ø"/>
                 </a:pPr>
+                <a:r>
+                  <a:rPr lang="zh-TW" altLang="en-US" sz="2400" dirty="0" smtClean="0"/>
+                  <a:t>基於原版</a:t>
+                </a:r>
+                <a:r>
+                  <a:rPr lang="en-US" altLang="zh-TW" sz="2400" dirty="0" err="1" smtClean="0"/>
+                  <a:t>Schnorr</a:t>
+                </a:r>
+                <a:r>
+                  <a:rPr lang="en-US" altLang="zh-TW" sz="2400" dirty="0" smtClean="0"/>
+                  <a:t> Protocol</a:t>
+                </a:r>
+                <a:r>
+                  <a:rPr lang="zh-TW" altLang="en-US" sz="2400" dirty="0" smtClean="0"/>
+                  <a:t>，</a:t>
+                </a:r>
                 <a:r>
                   <a:rPr lang="zh-TW" altLang="zh-TW" sz="2400" dirty="0" smtClean="0"/>
                   <a:t>以</a:t>
@@ -10238,13 +10578,13 @@
             </p:txBody>
           </p:sp>
         </mc:Choice>
-        <mc:Fallback xmlns="">
+        <mc:Fallback>
           <p:sp>
             <p:nvSpPr>
               <p:cNvPr id="10" name="內容版面配置區 2">
                 <a:extLst>
                   <a:ext uri="{FF2B5EF4-FFF2-40B4-BE49-F238E27FC236}">
-                    <a16:creationId xmlns="" xmlns:a16="http://schemas.microsoft.com/office/drawing/2014/main" id="{2E881D55-3B47-403F-8F0E-EDFDE34A1B22}"/>
+                    <a16:creationId xmlns:a16="http://schemas.microsoft.com/office/drawing/2014/main" xmlns="" xmlns:a14="http://schemas.microsoft.com/office/drawing/2010/main" id="{2E881D55-3B47-403F-8F0E-EDFDE34A1B22}"/>
                   </a:ext>
                 </a:extLst>
               </p:cNvPr>
@@ -10311,7 +10651,7 @@
           <p:cNvPr id="19" name="標題 1">
             <a:extLst>
               <a:ext uri="{FF2B5EF4-FFF2-40B4-BE49-F238E27FC236}">
-                <a16:creationId xmlns="" xmlns:a16="http://schemas.microsoft.com/office/drawing/2014/main" id="{50E9A64D-4207-4980-8736-4201C3E0DC63}"/>
+                <a16:creationId xmlns:a16="http://schemas.microsoft.com/office/drawing/2014/main" xmlns="" id="{50E9A64D-4207-4980-8736-4201C3E0DC63}"/>
               </a:ext>
             </a:extLst>
           </p:cNvPr>
@@ -10379,294 +10719,6 @@
               <a:t>專題成果</a:t>
             </a:r>
             <a:endParaRPr lang="zh-TW" altLang="en-US" sz="4000" b="1" dirty="0"/>
-          </a:p>
-        </p:txBody>
-      </p:sp>
-      <p:sp>
-        <p:nvSpPr>
-          <p:cNvPr id="24" name="內容版面配置區 2">
-            <a:extLst>
-              <a:ext uri="{FF2B5EF4-FFF2-40B4-BE49-F238E27FC236}">
-                <a16:creationId xmlns="" xmlns:a16="http://schemas.microsoft.com/office/drawing/2014/main" id="{F5C22ADD-7A5D-44F8-969C-F4721C016703}"/>
-              </a:ext>
-            </a:extLst>
-          </p:cNvPr>
-          <p:cNvSpPr txBox="1">
-            <a:spLocks/>
-          </p:cNvSpPr>
-          <p:nvPr/>
-        </p:nvSpPr>
-        <p:spPr>
-          <a:xfrm>
-            <a:off x="148040" y="1193817"/>
-            <a:ext cx="11758153" cy="4608512"/>
-          </a:xfrm>
-          <a:prstGeom prst="rect">
-            <a:avLst/>
-          </a:prstGeom>
-        </p:spPr>
-        <p:txBody>
-          <a:bodyPr vert="horz" lIns="91440" tIns="45720" rIns="91440" bIns="45720" rtlCol="0">
-            <a:normAutofit/>
-          </a:bodyPr>
-          <a:lstStyle>
-            <a:lvl1pPr marL="274320" indent="-274320" algn="l" defTabSz="914400" rtl="0" eaLnBrk="1" latinLnBrk="0" hangingPunct="1">
-              <a:lnSpc>
-                <a:spcPct val="90000"/>
-              </a:lnSpc>
-              <a:spcBef>
-                <a:spcPts val="1800"/>
-              </a:spcBef>
-              <a:buClr>
-                <a:schemeClr val="tx1"/>
-              </a:buClr>
-              <a:buSzPct val="80000"/>
-              <a:buFont typeface="Wingdings" pitchFamily="2" charset="2"/>
-              <a:buChar char="§"/>
-              <a:defRPr sz="2400" kern="1200">
-                <a:solidFill>
-                  <a:schemeClr val="tx1"/>
-                </a:solidFill>
-                <a:latin typeface="Microsoft JhengHei UI" panose="020B0604030504040204" pitchFamily="34" charset="-120"/>
-                <a:ea typeface="Microsoft JhengHei UI" panose="020B0604030504040204" pitchFamily="34" charset="-120"/>
-                <a:cs typeface="+mn-cs"/>
-              </a:defRPr>
-            </a:lvl1pPr>
-            <a:lvl2pPr marL="548640" indent="-228600" algn="l" defTabSz="914400" rtl="0" eaLnBrk="1" latinLnBrk="0" hangingPunct="1">
-              <a:lnSpc>
-                <a:spcPct val="90000"/>
-              </a:lnSpc>
-              <a:spcBef>
-                <a:spcPts val="1000"/>
-              </a:spcBef>
-              <a:buClr>
-                <a:schemeClr val="tx1"/>
-              </a:buClr>
-              <a:buSzPct val="100000"/>
-              <a:buFont typeface="Arial" pitchFamily="34" charset="0"/>
-              <a:buChar char="–"/>
-              <a:defRPr sz="2000" kern="1200">
-                <a:solidFill>
-                  <a:schemeClr val="tx1"/>
-                </a:solidFill>
-                <a:latin typeface="Microsoft JhengHei UI" panose="020B0604030504040204" pitchFamily="34" charset="-120"/>
-                <a:ea typeface="Microsoft JhengHei UI" panose="020B0604030504040204" pitchFamily="34" charset="-120"/>
-                <a:cs typeface="+mn-cs"/>
-              </a:defRPr>
-            </a:lvl2pPr>
-            <a:lvl3pPr marL="822960" indent="-228600" algn="l" defTabSz="914400" rtl="0" eaLnBrk="1" latinLnBrk="0" hangingPunct="1">
-              <a:lnSpc>
-                <a:spcPct val="90000"/>
-              </a:lnSpc>
-              <a:spcBef>
-                <a:spcPts val="800"/>
-              </a:spcBef>
-              <a:buClr>
-                <a:schemeClr val="tx1"/>
-              </a:buClr>
-              <a:buSzPct val="80000"/>
-              <a:buFont typeface="Wingdings" pitchFamily="2" charset="2"/>
-              <a:buChar char="§"/>
-              <a:defRPr sz="1800" kern="1200">
-                <a:solidFill>
-                  <a:schemeClr val="tx1"/>
-                </a:solidFill>
-                <a:latin typeface="Microsoft JhengHei UI" panose="020B0604030504040204" pitchFamily="34" charset="-120"/>
-                <a:ea typeface="Microsoft JhengHei UI" panose="020B0604030504040204" pitchFamily="34" charset="-120"/>
-                <a:cs typeface="+mn-cs"/>
-              </a:defRPr>
-            </a:lvl3pPr>
-            <a:lvl4pPr marL="1097280" indent="-228600" algn="l" defTabSz="914400" rtl="0" eaLnBrk="1" latinLnBrk="0" hangingPunct="1">
-              <a:lnSpc>
-                <a:spcPct val="90000"/>
-              </a:lnSpc>
-              <a:spcBef>
-                <a:spcPts val="800"/>
-              </a:spcBef>
-              <a:buClr>
-                <a:schemeClr val="tx1"/>
-              </a:buClr>
-              <a:buSzPct val="100000"/>
-              <a:buFont typeface="Arial" pitchFamily="34" charset="0"/>
-              <a:buChar char="–"/>
-              <a:defRPr sz="1600" kern="1200">
-                <a:solidFill>
-                  <a:schemeClr val="tx1"/>
-                </a:solidFill>
-                <a:latin typeface="Microsoft JhengHei UI" panose="020B0604030504040204" pitchFamily="34" charset="-120"/>
-                <a:ea typeface="Microsoft JhengHei UI" panose="020B0604030504040204" pitchFamily="34" charset="-120"/>
-                <a:cs typeface="+mn-cs"/>
-              </a:defRPr>
-            </a:lvl4pPr>
-            <a:lvl5pPr marL="1325880" indent="-228600" algn="l" defTabSz="914400" rtl="0" eaLnBrk="1" latinLnBrk="0" hangingPunct="1">
-              <a:lnSpc>
-                <a:spcPct val="90000"/>
-              </a:lnSpc>
-              <a:spcBef>
-                <a:spcPts val="800"/>
-              </a:spcBef>
-              <a:buClr>
-                <a:schemeClr val="tx1"/>
-              </a:buClr>
-              <a:buSzPct val="80000"/>
-              <a:buFont typeface="Wingdings" pitchFamily="2" charset="2"/>
-              <a:buChar char="§"/>
-              <a:defRPr sz="1600" kern="1200">
-                <a:solidFill>
-                  <a:schemeClr val="tx1"/>
-                </a:solidFill>
-                <a:latin typeface="Microsoft JhengHei UI" panose="020B0604030504040204" pitchFamily="34" charset="-120"/>
-                <a:ea typeface="Microsoft JhengHei UI" panose="020B0604030504040204" pitchFamily="34" charset="-120"/>
-                <a:cs typeface="+mn-cs"/>
-              </a:defRPr>
-            </a:lvl5pPr>
-            <a:lvl6pPr marL="1554480" indent="-228600" algn="l" defTabSz="914400" rtl="0" eaLnBrk="1" latinLnBrk="0" hangingPunct="1">
-              <a:lnSpc>
-                <a:spcPct val="90000"/>
-              </a:lnSpc>
-              <a:spcBef>
-                <a:spcPts val="800"/>
-              </a:spcBef>
-              <a:buClr>
-                <a:schemeClr val="tx1"/>
-              </a:buClr>
-              <a:buSzPct val="100000"/>
-              <a:buFont typeface="Arial" pitchFamily="34" charset="0"/>
-              <a:buChar char="–"/>
-              <a:defRPr sz="1600" kern="1200">
-                <a:solidFill>
-                  <a:schemeClr val="tx1"/>
-                </a:solidFill>
-                <a:latin typeface="+mn-lt"/>
-                <a:ea typeface="+mn-ea"/>
-                <a:cs typeface="+mn-cs"/>
-              </a:defRPr>
-            </a:lvl6pPr>
-            <a:lvl7pPr marL="1783080" indent="-228600" algn="l" defTabSz="914400" rtl="0" eaLnBrk="1" latinLnBrk="0" hangingPunct="1">
-              <a:lnSpc>
-                <a:spcPct val="90000"/>
-              </a:lnSpc>
-              <a:spcBef>
-                <a:spcPts val="800"/>
-              </a:spcBef>
-              <a:buClr>
-                <a:schemeClr val="tx1"/>
-              </a:buClr>
-              <a:buSzPct val="80000"/>
-              <a:buFont typeface="Wingdings" pitchFamily="2" charset="2"/>
-              <a:buChar char="§"/>
-              <a:defRPr sz="1600" kern="1200">
-                <a:solidFill>
-                  <a:schemeClr val="tx1"/>
-                </a:solidFill>
-                <a:latin typeface="+mn-lt"/>
-                <a:ea typeface="+mn-ea"/>
-                <a:cs typeface="+mn-cs"/>
-              </a:defRPr>
-            </a:lvl7pPr>
-            <a:lvl8pPr marL="2011680" indent="-228600" algn="l" defTabSz="914400" rtl="0" eaLnBrk="1" latinLnBrk="0" hangingPunct="1">
-              <a:lnSpc>
-                <a:spcPct val="90000"/>
-              </a:lnSpc>
-              <a:spcBef>
-                <a:spcPts val="800"/>
-              </a:spcBef>
-              <a:buClr>
-                <a:schemeClr val="tx1"/>
-              </a:buClr>
-              <a:buSzPct val="100000"/>
-              <a:buFont typeface="Arial" pitchFamily="34" charset="0"/>
-              <a:buChar char="–"/>
-              <a:defRPr sz="1600" kern="1200">
-                <a:solidFill>
-                  <a:schemeClr val="tx1"/>
-                </a:solidFill>
-                <a:latin typeface="+mn-lt"/>
-                <a:ea typeface="+mn-ea"/>
-                <a:cs typeface="+mn-cs"/>
-              </a:defRPr>
-            </a:lvl8pPr>
-            <a:lvl9pPr marL="2240280" indent="-228600" algn="l" defTabSz="914400" rtl="0" eaLnBrk="1" latinLnBrk="0" hangingPunct="1">
-              <a:lnSpc>
-                <a:spcPct val="90000"/>
-              </a:lnSpc>
-              <a:spcBef>
-                <a:spcPts val="800"/>
-              </a:spcBef>
-              <a:buClr>
-                <a:schemeClr val="tx1"/>
-              </a:buClr>
-              <a:buSzPct val="80000"/>
-              <a:buFont typeface="Wingdings" pitchFamily="2" charset="2"/>
-              <a:buChar char="§"/>
-              <a:defRPr sz="1600" kern="1200">
-                <a:solidFill>
-                  <a:schemeClr val="tx1"/>
-                </a:solidFill>
-                <a:latin typeface="+mn-lt"/>
-                <a:ea typeface="+mn-ea"/>
-                <a:cs typeface="+mn-cs"/>
-              </a:defRPr>
-            </a:lvl9pPr>
-          </a:lstStyle>
-          <a:p>
-            <a:pPr marL="285750" indent="-285750" algn="just">
-              <a:buClr>
-                <a:schemeClr val="accent1"/>
-              </a:buClr>
-              <a:buFont typeface="Wingdings" panose="05000000000000000000" pitchFamily="2" charset="2"/>
-              <a:buChar char="n"/>
-            </a:pPr>
-            <a:r>
-              <a:rPr lang="en-US" altLang="zh-TW" sz="2800" b="1" dirty="0" smtClean="0">
-                <a:solidFill>
-                  <a:schemeClr val="accent1">
-                    <a:lumMod val="75000"/>
-                  </a:schemeClr>
-                </a:solidFill>
-                <a:latin typeface="微軟正黑體" panose="020B0604030504040204" pitchFamily="34" charset="-120"/>
-                <a:ea typeface="微軟正黑體" panose="020B0604030504040204" pitchFamily="34" charset="-120"/>
-              </a:rPr>
-              <a:t>Schnorr Protocol </a:t>
-            </a:r>
-            <a:r>
-              <a:rPr lang="en-US" altLang="zh-TW" sz="2800" b="1" dirty="0" smtClean="0">
-                <a:solidFill>
-                  <a:srgbClr val="FF0000"/>
-                </a:solidFill>
-                <a:latin typeface="微軟正黑體" panose="020B0604030504040204" pitchFamily="34" charset="-120"/>
-                <a:ea typeface="微軟正黑體" panose="020B0604030504040204" pitchFamily="34" charset="-120"/>
-              </a:rPr>
-              <a:t>(1/3)</a:t>
-            </a:r>
-          </a:p>
-          <a:p>
-            <a:pPr marL="274320" lvl="1" indent="0" algn="just">
-              <a:buClr>
-                <a:schemeClr val="accent1"/>
-              </a:buClr>
-              <a:buNone/>
-            </a:pPr>
-            <a:endParaRPr lang="en-US" altLang="zh-TW" b="1" dirty="0">
-              <a:solidFill>
-                <a:srgbClr val="FF0000"/>
-              </a:solidFill>
-              <a:latin typeface="微軟正黑體" panose="020B0604030504040204" pitchFamily="34" charset="-120"/>
-              <a:ea typeface="微軟正黑體" panose="020B0604030504040204" pitchFamily="34" charset="-120"/>
-            </a:endParaRPr>
-          </a:p>
-          <a:p>
-            <a:pPr marL="285750" indent="-285750" algn="just">
-              <a:buClr>
-                <a:schemeClr val="accent1"/>
-              </a:buClr>
-              <a:buFont typeface="Wingdings" panose="05000000000000000000" pitchFamily="2" charset="2"/>
-              <a:buChar char="n"/>
-            </a:pPr>
-            <a:endParaRPr lang="en-US" altLang="zh-TW" b="1" dirty="0">
-              <a:latin typeface="微軟正黑體" panose="020B0604030504040204" pitchFamily="34" charset="-120"/>
-              <a:ea typeface="微軟正黑體" panose="020B0604030504040204" pitchFamily="34" charset="-120"/>
-            </a:endParaRPr>
           </a:p>
         </p:txBody>
       </p:sp>
@@ -10748,7 +10800,7 @@
           <p:cNvPr id="19" name="標題 1">
             <a:extLst>
               <a:ext uri="{FF2B5EF4-FFF2-40B4-BE49-F238E27FC236}">
-                <a16:creationId xmlns="" xmlns:a16="http://schemas.microsoft.com/office/drawing/2014/main" id="{50E9A64D-4207-4980-8736-4201C3E0DC63}"/>
+                <a16:creationId xmlns:a16="http://schemas.microsoft.com/office/drawing/2014/main" xmlns="" id="{50E9A64D-4207-4980-8736-4201C3E0DC63}"/>
               </a:ext>
             </a:extLst>
           </p:cNvPr>
@@ -10824,7 +10876,7 @@
           <p:cNvPr id="24" name="內容版面配置區 2">
             <a:extLst>
               <a:ext uri="{FF2B5EF4-FFF2-40B4-BE49-F238E27FC236}">
-                <a16:creationId xmlns="" xmlns:a16="http://schemas.microsoft.com/office/drawing/2014/main" id="{F5C22ADD-7A5D-44F8-969C-F4721C016703}"/>
+                <a16:creationId xmlns:a16="http://schemas.microsoft.com/office/drawing/2014/main" xmlns="" id="{F5C22ADD-7A5D-44F8-969C-F4721C016703}"/>
               </a:ext>
             </a:extLst>
           </p:cNvPr>
@@ -11055,7 +11107,7 @@
               <a:buChar char="n"/>
             </a:pPr>
             <a:r>
-              <a:rPr lang="en-US" altLang="zh-TW" sz="2800" b="1" dirty="0" smtClean="0">
+              <a:rPr lang="zh-TW" altLang="en-US" sz="2800" b="1" dirty="0">
                 <a:solidFill>
                   <a:schemeClr val="accent1">
                     <a:lumMod val="75000"/>
@@ -11064,7 +11116,43 @@
                 <a:latin typeface="微軟正黑體" panose="020B0604030504040204" pitchFamily="34" charset="-120"/>
                 <a:ea typeface="微軟正黑體" panose="020B0604030504040204" pitchFamily="34" charset="-120"/>
               </a:rPr>
-              <a:t>Schnorr Protocol </a:t>
+              <a:t>精進版</a:t>
+            </a:r>
+            <a:r>
+              <a:rPr lang="en-US" altLang="zh-TW" sz="2800" b="1" dirty="0" err="1" smtClean="0">
+                <a:solidFill>
+                  <a:schemeClr val="accent1">
+                    <a:lumMod val="75000"/>
+                  </a:schemeClr>
+                </a:solidFill>
+                <a:latin typeface="微軟正黑體" panose="020B0604030504040204" pitchFamily="34" charset="-120"/>
+                <a:ea typeface="微軟正黑體" panose="020B0604030504040204" pitchFamily="34" charset="-120"/>
+              </a:rPr>
+              <a:t>Schnorr</a:t>
+            </a:r>
+            <a:r>
+              <a:rPr lang="en-US" altLang="zh-TW" sz="2800" b="1" dirty="0" smtClean="0">
+                <a:solidFill>
+                  <a:schemeClr val="accent1">
+                    <a:lumMod val="75000"/>
+                  </a:schemeClr>
+                </a:solidFill>
+                <a:latin typeface="微軟正黑體" panose="020B0604030504040204" pitchFamily="34" charset="-120"/>
+                <a:ea typeface="微軟正黑體" panose="020B0604030504040204" pitchFamily="34" charset="-120"/>
+              </a:rPr>
+              <a:t> </a:t>
+            </a:r>
+            <a:r>
+              <a:rPr lang="en-US" altLang="zh-TW" sz="2800" b="1" dirty="0" smtClean="0">
+                <a:solidFill>
+                  <a:schemeClr val="accent1">
+                    <a:lumMod val="75000"/>
+                  </a:schemeClr>
+                </a:solidFill>
+                <a:latin typeface="微軟正黑體" panose="020B0604030504040204" pitchFamily="34" charset="-120"/>
+                <a:ea typeface="微軟正黑體" panose="020B0604030504040204" pitchFamily="34" charset="-120"/>
+              </a:rPr>
+              <a:t>Protocol </a:t>
             </a:r>
             <a:r>
               <a:rPr lang="en-US" altLang="zh-TW" sz="2800" b="1" dirty="0" smtClean="0">
@@ -11109,28 +11197,6 @@
       </p:sp>
       <p:pic>
         <p:nvPicPr>
-          <p:cNvPr id="7" name="圖片 6"/>
-          <p:cNvPicPr/>
-          <p:nvPr/>
-        </p:nvPicPr>
-        <p:blipFill>
-          <a:blip r:embed="rId3"/>
-          <a:stretch>
-            <a:fillRect/>
-          </a:stretch>
-        </p:blipFill>
-        <p:spPr>
-          <a:xfrm>
-            <a:off x="261764" y="1773432"/>
-            <a:ext cx="6192688" cy="4247856"/>
-          </a:xfrm>
-          <a:prstGeom prst="rect">
-            <a:avLst/>
-          </a:prstGeom>
-        </p:spPr>
-      </p:pic>
-      <p:pic>
-        <p:nvPicPr>
           <p:cNvPr id="2050" name="Picture 2"/>
           <p:cNvPicPr>
             <a:picLocks noChangeAspect="1" noChangeArrowheads="1"/>
@@ -11138,7 +11204,7 @@
           <p:nvPr/>
         </p:nvPicPr>
         <p:blipFill>
-          <a:blip r:embed="rId4">
+          <a:blip r:embed="rId3">
             <a:extLst>
               <a:ext uri="{28A0092B-C50C-407E-A947-70E740481C1C}">
                 <a14:useLocalDpi xmlns:a14="http://schemas.microsoft.com/office/drawing/2010/main" val="0"/>
@@ -11181,6 +11247,28 @@
               </a14:hiddenLine>
             </a:ext>
           </a:extLst>
+        </p:spPr>
+      </p:pic>
+      <p:pic>
+        <p:nvPicPr>
+          <p:cNvPr id="8" name="圖片 7"/>
+          <p:cNvPicPr/>
+          <p:nvPr/>
+        </p:nvPicPr>
+        <p:blipFill>
+          <a:blip r:embed="rId4"/>
+          <a:stretch>
+            <a:fillRect/>
+          </a:stretch>
+        </p:blipFill>
+        <p:spPr>
+          <a:xfrm>
+            <a:off x="403152" y="1624382"/>
+            <a:ext cx="5835276" cy="4612930"/>
+          </a:xfrm>
+          <a:prstGeom prst="rect">
+            <a:avLst/>
+          </a:prstGeom>
         </p:spPr>
       </p:pic>
     </p:spTree>
@@ -11261,7 +11349,7 @@
           <p:cNvPr id="19" name="標題 1">
             <a:extLst>
               <a:ext uri="{FF2B5EF4-FFF2-40B4-BE49-F238E27FC236}">
-                <a16:creationId xmlns="" xmlns:a16="http://schemas.microsoft.com/office/drawing/2014/main" id="{50E9A64D-4207-4980-8736-4201C3E0DC63}"/>
+                <a16:creationId xmlns:a16="http://schemas.microsoft.com/office/drawing/2014/main" xmlns="" id="{50E9A64D-4207-4980-8736-4201C3E0DC63}"/>
               </a:ext>
             </a:extLst>
           </p:cNvPr>
@@ -11337,7 +11425,7 @@
           <p:cNvPr id="24" name="內容版面配置區 2">
             <a:extLst>
               <a:ext uri="{FF2B5EF4-FFF2-40B4-BE49-F238E27FC236}">
-                <a16:creationId xmlns="" xmlns:a16="http://schemas.microsoft.com/office/drawing/2014/main" id="{F5C22ADD-7A5D-44F8-969C-F4721C016703}"/>
+                <a16:creationId xmlns:a16="http://schemas.microsoft.com/office/drawing/2014/main" xmlns="" id="{F5C22ADD-7A5D-44F8-969C-F4721C016703}"/>
               </a:ext>
             </a:extLst>
           </p:cNvPr>
@@ -11568,7 +11656,7 @@
               <a:buChar char="n"/>
             </a:pPr>
             <a:r>
-              <a:rPr lang="en-US" altLang="zh-TW" sz="2800" b="1" dirty="0" smtClean="0">
+              <a:rPr lang="zh-TW" altLang="en-US" sz="2800" b="1" dirty="0">
                 <a:solidFill>
                   <a:schemeClr val="accent1">
                     <a:lumMod val="75000"/>
@@ -11577,7 +11665,43 @@
                 <a:latin typeface="微軟正黑體" panose="020B0604030504040204" pitchFamily="34" charset="-120"/>
                 <a:ea typeface="微軟正黑體" panose="020B0604030504040204" pitchFamily="34" charset="-120"/>
               </a:rPr>
-              <a:t>Schnorr Protocol </a:t>
+              <a:t>精進版</a:t>
+            </a:r>
+            <a:r>
+              <a:rPr lang="en-US" altLang="zh-TW" sz="2800" b="1" dirty="0" err="1" smtClean="0">
+                <a:solidFill>
+                  <a:schemeClr val="accent1">
+                    <a:lumMod val="75000"/>
+                  </a:schemeClr>
+                </a:solidFill>
+                <a:latin typeface="微軟正黑體" panose="020B0604030504040204" pitchFamily="34" charset="-120"/>
+                <a:ea typeface="微軟正黑體" panose="020B0604030504040204" pitchFamily="34" charset="-120"/>
+              </a:rPr>
+              <a:t>Schnorr</a:t>
+            </a:r>
+            <a:r>
+              <a:rPr lang="en-US" altLang="zh-TW" sz="2800" b="1" dirty="0" smtClean="0">
+                <a:solidFill>
+                  <a:schemeClr val="accent1">
+                    <a:lumMod val="75000"/>
+                  </a:schemeClr>
+                </a:solidFill>
+                <a:latin typeface="微軟正黑體" panose="020B0604030504040204" pitchFamily="34" charset="-120"/>
+                <a:ea typeface="微軟正黑體" panose="020B0604030504040204" pitchFamily="34" charset="-120"/>
+              </a:rPr>
+              <a:t> </a:t>
+            </a:r>
+            <a:r>
+              <a:rPr lang="en-US" altLang="zh-TW" sz="2800" b="1" dirty="0" smtClean="0">
+                <a:solidFill>
+                  <a:schemeClr val="accent1">
+                    <a:lumMod val="75000"/>
+                  </a:schemeClr>
+                </a:solidFill>
+                <a:latin typeface="微軟正黑體" panose="020B0604030504040204" pitchFamily="34" charset="-120"/>
+                <a:ea typeface="微軟正黑體" panose="020B0604030504040204" pitchFamily="34" charset="-120"/>
+              </a:rPr>
+              <a:t>Protocol </a:t>
             </a:r>
             <a:r>
               <a:rPr lang="en-US" altLang="zh-TW" sz="2800" b="1" dirty="0" smtClean="0">
@@ -11620,9 +11744,54 @@
           </a:p>
         </p:txBody>
       </p:sp>
+      <p:sp>
+        <p:nvSpPr>
+          <p:cNvPr id="2" name="文字方塊 1"/>
+          <p:cNvSpPr txBox="1"/>
+          <p:nvPr/>
+        </p:nvSpPr>
+        <p:spPr>
+          <a:xfrm>
+            <a:off x="5302324" y="3539623"/>
+            <a:ext cx="720080" cy="1015663"/>
+          </a:xfrm>
+          <a:prstGeom prst="rect">
+            <a:avLst/>
+          </a:prstGeom>
+          <a:noFill/>
+          <a:ln>
+            <a:noFill/>
+          </a:ln>
+        </p:spPr>
+        <p:txBody>
+          <a:bodyPr wrap="square" rtlCol="0" anchor="ctr" anchorCtr="1">
+            <a:spAutoFit/>
+          </a:bodyPr>
+          <a:lstStyle/>
+          <a:p>
+            <a:r>
+              <a:rPr lang="en-US" altLang="zh-TW" sz="2000" b="1" dirty="0" smtClean="0"/>
+              <a:t>.</a:t>
+            </a:r>
+          </a:p>
+          <a:p>
+            <a:r>
+              <a:rPr lang="en-US" altLang="zh-TW" sz="2000" b="1" dirty="0" smtClean="0"/>
+              <a:t>.</a:t>
+            </a:r>
+          </a:p>
+          <a:p>
+            <a:r>
+              <a:rPr lang="en-US" altLang="zh-TW" sz="2000" b="1" dirty="0"/>
+              <a:t>.</a:t>
+            </a:r>
+            <a:endParaRPr lang="zh-TW" altLang="en-US" sz="2000" b="1" dirty="0" smtClean="0"/>
+          </a:p>
+        </p:txBody>
+      </p:sp>
       <p:pic>
         <p:nvPicPr>
-          <p:cNvPr id="4098" name="Picture 2"/>
+          <p:cNvPr id="1026" name="Picture 2"/>
           <p:cNvPicPr>
             <a:picLocks noChangeAspect="1" noChangeArrowheads="1"/>
           </p:cNvPicPr>
@@ -11643,8 +11812,8 @@
         </p:blipFill>
         <p:spPr bwMode="auto">
           <a:xfrm>
-            <a:off x="2854052" y="1754997"/>
-            <a:ext cx="6010275" cy="1743075"/>
+            <a:off x="2854052" y="1806699"/>
+            <a:ext cx="6038850" cy="1838325"/>
           </a:xfrm>
           <a:prstGeom prst="rect">
             <a:avLst/>
@@ -11674,54 +11843,9 @@
           </a:extLst>
         </p:spPr>
       </p:pic>
-      <p:sp>
-        <p:nvSpPr>
-          <p:cNvPr id="2" name="文字方塊 1"/>
-          <p:cNvSpPr txBox="1"/>
-          <p:nvPr/>
-        </p:nvSpPr>
-        <p:spPr>
-          <a:xfrm>
-            <a:off x="5302324" y="3539623"/>
-            <a:ext cx="720080" cy="1015663"/>
-          </a:xfrm>
-          <a:prstGeom prst="rect">
-            <a:avLst/>
-          </a:prstGeom>
-          <a:noFill/>
-          <a:ln>
-            <a:noFill/>
-          </a:ln>
-        </p:spPr>
-        <p:txBody>
-          <a:bodyPr wrap="square" rtlCol="0" anchor="ctr" anchorCtr="1">
-            <a:spAutoFit/>
-          </a:bodyPr>
-          <a:lstStyle/>
-          <a:p>
-            <a:r>
-              <a:rPr lang="en-US" altLang="zh-TW" sz="2000" b="1" dirty="0" smtClean="0"/>
-              <a:t>.</a:t>
-            </a:r>
-          </a:p>
-          <a:p>
-            <a:r>
-              <a:rPr lang="en-US" altLang="zh-TW" sz="2000" b="1" dirty="0" smtClean="0"/>
-              <a:t>.</a:t>
-            </a:r>
-          </a:p>
-          <a:p>
-            <a:r>
-              <a:rPr lang="en-US" altLang="zh-TW" sz="2000" b="1" dirty="0"/>
-              <a:t>.</a:t>
-            </a:r>
-            <a:endParaRPr lang="zh-TW" altLang="en-US" sz="2000" b="1" dirty="0" smtClean="0"/>
-          </a:p>
-        </p:txBody>
-      </p:sp>
       <p:pic>
         <p:nvPicPr>
-          <p:cNvPr id="4099" name="Picture 3"/>
+          <p:cNvPr id="1028" name="Picture 4"/>
           <p:cNvPicPr>
             <a:picLocks noChangeAspect="1" noChangeArrowheads="1"/>
           </p:cNvPicPr>
@@ -11742,8 +11866,8 @@
         </p:blipFill>
         <p:spPr bwMode="auto">
           <a:xfrm>
-            <a:off x="2710036" y="4514692"/>
-            <a:ext cx="6496050" cy="1543050"/>
+            <a:off x="2931690" y="4511888"/>
+            <a:ext cx="6115050" cy="1562100"/>
           </a:xfrm>
           <a:prstGeom prst="rect">
             <a:avLst/>
@@ -11827,7 +11951,7 @@
           <p:cNvPr id="24" name="內容版面配置區 2">
             <a:extLst>
               <a:ext uri="{FF2B5EF4-FFF2-40B4-BE49-F238E27FC236}">
-                <a16:creationId xmlns="" xmlns:a16="http://schemas.microsoft.com/office/drawing/2014/main" id="{F5C22ADD-7A5D-44F8-969C-F4721C016703}"/>
+                <a16:creationId xmlns:a16="http://schemas.microsoft.com/office/drawing/2014/main" xmlns="" id="{F5C22ADD-7A5D-44F8-969C-F4721C016703}"/>
               </a:ext>
             </a:extLst>
           </p:cNvPr>
@@ -12167,7 +12291,7 @@
           <p:cNvPr id="10" name="內容版面配置區 2">
             <a:extLst>
               <a:ext uri="{FF2B5EF4-FFF2-40B4-BE49-F238E27FC236}">
-                <a16:creationId xmlns="" xmlns:a16="http://schemas.microsoft.com/office/drawing/2014/main" id="{2E881D55-3B47-403F-8F0E-EDFDE34A1B22}"/>
+                <a16:creationId xmlns:a16="http://schemas.microsoft.com/office/drawing/2014/main" xmlns="" id="{2E881D55-3B47-403F-8F0E-EDFDE34A1B22}"/>
               </a:ext>
             </a:extLst>
           </p:cNvPr>
@@ -12278,7 +12402,7 @@
           <p:cNvPr id="19" name="標題 1">
             <a:extLst>
               <a:ext uri="{FF2B5EF4-FFF2-40B4-BE49-F238E27FC236}">
-                <a16:creationId xmlns="" xmlns:a16="http://schemas.microsoft.com/office/drawing/2014/main" id="{50E9A64D-4207-4980-8736-4201C3E0DC63}"/>
+                <a16:creationId xmlns:a16="http://schemas.microsoft.com/office/drawing/2014/main" xmlns="" id="{50E9A64D-4207-4980-8736-4201C3E0DC63}"/>
               </a:ext>
             </a:extLst>
           </p:cNvPr>
@@ -12403,7 +12527,7 @@
           <p:cNvPr id="3" name="標題 2">
             <a:extLst>
               <a:ext uri="{FF2B5EF4-FFF2-40B4-BE49-F238E27FC236}">
-                <a16:creationId xmlns="" xmlns:a16="http://schemas.microsoft.com/office/drawing/2014/main" id="{4ABAB1B2-9811-49A5-968D-AA6F881D5BFC}"/>
+                <a16:creationId xmlns:a16="http://schemas.microsoft.com/office/drawing/2014/main" xmlns="" id="{4ABAB1B2-9811-49A5-968D-AA6F881D5BFC}"/>
               </a:ext>
             </a:extLst>
           </p:cNvPr>
@@ -12484,7 +12608,7 @@
           <p:cNvPr id="4" name="內容版面配置區 3">
             <a:extLst>
               <a:ext uri="{FF2B5EF4-FFF2-40B4-BE49-F238E27FC236}">
-                <a16:creationId xmlns="" xmlns:a16="http://schemas.microsoft.com/office/drawing/2014/main" id="{FCCA5DD9-09D4-479C-9F96-62D1622C7DB1}"/>
+                <a16:creationId xmlns:a16="http://schemas.microsoft.com/office/drawing/2014/main" xmlns="" id="{FCCA5DD9-09D4-479C-9F96-62D1622C7DB1}"/>
               </a:ext>
             </a:extLst>
           </p:cNvPr>
@@ -12660,7 +12784,7 @@
           <p:cNvPr id="19" name="標題 1">
             <a:extLst>
               <a:ext uri="{FF2B5EF4-FFF2-40B4-BE49-F238E27FC236}">
-                <a16:creationId xmlns="" xmlns:a16="http://schemas.microsoft.com/office/drawing/2014/main" id="{50E9A64D-4207-4980-8736-4201C3E0DC63}"/>
+                <a16:creationId xmlns:a16="http://schemas.microsoft.com/office/drawing/2014/main" xmlns="" id="{50E9A64D-4207-4980-8736-4201C3E0DC63}"/>
               </a:ext>
             </a:extLst>
           </p:cNvPr>
@@ -12708,7 +12832,7 @@
           <p:cNvPr id="24" name="內容版面配置區 2">
             <a:extLst>
               <a:ext uri="{FF2B5EF4-FFF2-40B4-BE49-F238E27FC236}">
-                <a16:creationId xmlns="" xmlns:a16="http://schemas.microsoft.com/office/drawing/2014/main" id="{F5C22ADD-7A5D-44F8-969C-F4721C016703}"/>
+                <a16:creationId xmlns:a16="http://schemas.microsoft.com/office/drawing/2014/main" xmlns="" id="{F5C22ADD-7A5D-44F8-969C-F4721C016703}"/>
               </a:ext>
             </a:extLst>
           </p:cNvPr>
@@ -12980,7 +13104,7 @@
           <p:cNvPr id="20" name="內容版面配置區 2">
             <a:extLst>
               <a:ext uri="{FF2B5EF4-FFF2-40B4-BE49-F238E27FC236}">
-                <a16:creationId xmlns="" xmlns:a16="http://schemas.microsoft.com/office/drawing/2014/main" id="{2E881D55-3B47-403F-8F0E-EDFDE34A1B22}"/>
+                <a16:creationId xmlns:a16="http://schemas.microsoft.com/office/drawing/2014/main" xmlns="" id="{2E881D55-3B47-403F-8F0E-EDFDE34A1B22}"/>
               </a:ext>
             </a:extLst>
           </p:cNvPr>
@@ -13093,7 +13217,7 @@
           <p:cNvPr id="3" name="標題 2">
             <a:extLst>
               <a:ext uri="{FF2B5EF4-FFF2-40B4-BE49-F238E27FC236}">
-                <a16:creationId xmlns="" xmlns:a16="http://schemas.microsoft.com/office/drawing/2014/main" id="{4ABAB1B2-9811-49A5-968D-AA6F881D5BFC}"/>
+                <a16:creationId xmlns:a16="http://schemas.microsoft.com/office/drawing/2014/main" xmlns="" id="{4ABAB1B2-9811-49A5-968D-AA6F881D5BFC}"/>
               </a:ext>
             </a:extLst>
           </p:cNvPr>
@@ -13162,7 +13286,7 @@
           <p:cNvPr id="4" name="內容版面配置區 3">
             <a:extLst>
               <a:ext uri="{FF2B5EF4-FFF2-40B4-BE49-F238E27FC236}">
-                <a16:creationId xmlns="" xmlns:a16="http://schemas.microsoft.com/office/drawing/2014/main" id="{FCCA5DD9-09D4-479C-9F96-62D1622C7DB1}"/>
+                <a16:creationId xmlns:a16="http://schemas.microsoft.com/office/drawing/2014/main" xmlns="" id="{FCCA5DD9-09D4-479C-9F96-62D1622C7DB1}"/>
               </a:ext>
             </a:extLst>
           </p:cNvPr>
@@ -13359,7 +13483,7 @@
           <p:cNvPr id="19" name="標題 1">
             <a:extLst>
               <a:ext uri="{FF2B5EF4-FFF2-40B4-BE49-F238E27FC236}">
-                <a16:creationId xmlns="" xmlns:a16="http://schemas.microsoft.com/office/drawing/2014/main" id="{50E9A64D-4207-4980-8736-4201C3E0DC63}"/>
+                <a16:creationId xmlns:a16="http://schemas.microsoft.com/office/drawing/2014/main" xmlns="" id="{50E9A64D-4207-4980-8736-4201C3E0DC63}"/>
               </a:ext>
             </a:extLst>
           </p:cNvPr>
@@ -13399,7 +13523,7 @@
           <p:cNvPr id="24" name="內容版面配置區 2">
             <a:extLst>
               <a:ext uri="{FF2B5EF4-FFF2-40B4-BE49-F238E27FC236}">
-                <a16:creationId xmlns="" xmlns:a16="http://schemas.microsoft.com/office/drawing/2014/main" id="{F5C22ADD-7A5D-44F8-969C-F4721C016703}"/>
+                <a16:creationId xmlns:a16="http://schemas.microsoft.com/office/drawing/2014/main" xmlns="" id="{F5C22ADD-7A5D-44F8-969C-F4721C016703}"/>
               </a:ext>
             </a:extLst>
           </p:cNvPr>
@@ -13671,7 +13795,7 @@
           <p:cNvPr id="20" name="內容版面配置區 2">
             <a:extLst>
               <a:ext uri="{FF2B5EF4-FFF2-40B4-BE49-F238E27FC236}">
-                <a16:creationId xmlns="" xmlns:a16="http://schemas.microsoft.com/office/drawing/2014/main" id="{2E881D55-3B47-403F-8F0E-EDFDE34A1B22}"/>
+                <a16:creationId xmlns:a16="http://schemas.microsoft.com/office/drawing/2014/main" xmlns="" id="{2E881D55-3B47-403F-8F0E-EDFDE34A1B22}"/>
               </a:ext>
             </a:extLst>
           </p:cNvPr>
@@ -13784,7 +13908,7 @@
           <p:cNvPr id="4" name="標題 1">
             <a:extLst>
               <a:ext uri="{FF2B5EF4-FFF2-40B4-BE49-F238E27FC236}">
-                <a16:creationId xmlns="" xmlns:a16="http://schemas.microsoft.com/office/drawing/2014/main" id="{5E6B7CFB-F29E-40F1-941C-60839576EFD3}"/>
+                <a16:creationId xmlns:a16="http://schemas.microsoft.com/office/drawing/2014/main" xmlns="" id="{5E6B7CFB-F29E-40F1-941C-60839576EFD3}"/>
               </a:ext>
             </a:extLst>
           </p:cNvPr>
@@ -13850,7 +13974,7 @@
           <p:cNvPr id="5" name="內容版面配置區 2">
             <a:extLst>
               <a:ext uri="{FF2B5EF4-FFF2-40B4-BE49-F238E27FC236}">
-                <a16:creationId xmlns="" xmlns:a16="http://schemas.microsoft.com/office/drawing/2014/main" id="{A302D0AD-FC16-4984-8880-9A709EF0C7EB}"/>
+                <a16:creationId xmlns:a16="http://schemas.microsoft.com/office/drawing/2014/main" xmlns="" id="{A302D0AD-FC16-4984-8880-9A709EF0C7EB}"/>
               </a:ext>
             </a:extLst>
           </p:cNvPr>
@@ -14381,7 +14505,7 @@
           <p:cNvPr id="19" name="標題 1">
             <a:extLst>
               <a:ext uri="{FF2B5EF4-FFF2-40B4-BE49-F238E27FC236}">
-                <a16:creationId xmlns="" xmlns:a16="http://schemas.microsoft.com/office/drawing/2014/main" id="{50E9A64D-4207-4980-8736-4201C3E0DC63}"/>
+                <a16:creationId xmlns:a16="http://schemas.microsoft.com/office/drawing/2014/main" xmlns="" id="{50E9A64D-4207-4980-8736-4201C3E0DC63}"/>
               </a:ext>
             </a:extLst>
           </p:cNvPr>
@@ -14416,7 +14540,7 @@
           <p:cNvPr id="24" name="內容版面配置區 2">
             <a:extLst>
               <a:ext uri="{FF2B5EF4-FFF2-40B4-BE49-F238E27FC236}">
-                <a16:creationId xmlns="" xmlns:a16="http://schemas.microsoft.com/office/drawing/2014/main" id="{F5C22ADD-7A5D-44F8-969C-F4721C016703}"/>
+                <a16:creationId xmlns:a16="http://schemas.microsoft.com/office/drawing/2014/main" xmlns="" id="{F5C22ADD-7A5D-44F8-969C-F4721C016703}"/>
               </a:ext>
             </a:extLst>
           </p:cNvPr>
@@ -14427,7 +14551,7 @@
         </p:nvSpPr>
         <p:spPr>
           <a:xfrm>
-            <a:off x="148040" y="1193817"/>
+            <a:off x="148040" y="1340768"/>
             <a:ext cx="11758153" cy="4608512"/>
           </a:xfrm>
           <a:prstGeom prst="rect">
@@ -14639,6 +14763,144 @@
             </a:lvl9pPr>
           </a:lstStyle>
           <a:p>
+            <a:pPr marL="285750" lvl="0" indent="-285750">
+              <a:buClr>
+                <a:schemeClr val="accent1"/>
+              </a:buClr>
+              <a:buFont typeface="Wingdings" panose="05000000000000000000" pitchFamily="2" charset="2"/>
+              <a:buChar char="n"/>
+            </a:pPr>
+            <a:r>
+              <a:rPr lang="en-US" altLang="zh-TW" sz="1800" b="1" dirty="0" smtClean="0"/>
+              <a:t>[1]</a:t>
+            </a:r>
+            <a:r>
+              <a:rPr lang="en-US" altLang="zh-TW" sz="1800" b="1" dirty="0" err="1" smtClean="0"/>
+              <a:t>Goldwasser</a:t>
+            </a:r>
+            <a:r>
+              <a:rPr lang="en-US" altLang="zh-TW" sz="1800" b="1" dirty="0"/>
+              <a:t>, S., </a:t>
+            </a:r>
+            <a:r>
+              <a:rPr lang="en-US" altLang="zh-TW" sz="1800" b="1" dirty="0" err="1"/>
+              <a:t>Micali</a:t>
+            </a:r>
+            <a:r>
+              <a:rPr lang="en-US" altLang="zh-TW" sz="1800" b="1" dirty="0"/>
+              <a:t>, S., &amp; </a:t>
+            </a:r>
+            <a:r>
+              <a:rPr lang="en-US" altLang="zh-TW" sz="1800" b="1" dirty="0" err="1"/>
+              <a:t>Rackoff</a:t>
+            </a:r>
+            <a:r>
+              <a:rPr lang="en-US" altLang="zh-TW" sz="1800" b="1" dirty="0"/>
+              <a:t>, C. (1985). The knowledge complexity of interactive proof-systems. SIAM Journal on Computing, 18(1), 186–208. </a:t>
+            </a:r>
+            <a:r>
+              <a:rPr lang="en-US" altLang="zh-TW" sz="1800" b="1" dirty="0">
+                <a:hlinkClick r:id="rId3"/>
+              </a:rPr>
+              <a:t>https://</a:t>
+            </a:r>
+            <a:r>
+              <a:rPr lang="en-US" altLang="zh-TW" sz="1800" b="1" dirty="0">
+                <a:hlinkClick r:id="rId3"/>
+              </a:rPr>
+              <a:t>doi.org/10.1137/0218012</a:t>
+            </a:r>
+            <a:endParaRPr lang="en-US" altLang="zh-TW" sz="1800" b="1" dirty="0"/>
+          </a:p>
+          <a:p>
+            <a:pPr marL="285750" indent="-285750">
+              <a:buClr>
+                <a:schemeClr val="accent1"/>
+              </a:buClr>
+              <a:buFont typeface="Wingdings" panose="05000000000000000000" pitchFamily="2" charset="2"/>
+              <a:buChar char="n"/>
+            </a:pPr>
+            <a:r>
+              <a:rPr lang="en-US" altLang="zh-TW" sz="1800" b="1" dirty="0" smtClean="0"/>
+              <a:t>[2]</a:t>
+            </a:r>
+            <a:r>
+              <a:rPr lang="en-US" altLang="zh-TW" sz="1800" b="1" dirty="0" err="1" smtClean="0"/>
+              <a:t>Schnorr</a:t>
+            </a:r>
+            <a:r>
+              <a:rPr lang="en-US" altLang="zh-TW" sz="1800" b="1" dirty="0"/>
+              <a:t>, C. P. (1990). Efficient identification and signatures for smart cards. In G. Brassard </a:t>
+            </a:r>
+            <a:r>
+              <a:rPr lang="en-US" altLang="zh-TW" sz="1800" b="1" dirty="0"/>
+              <a:t>(Ed.), Advances in Cryptology – CRYPTO ’89 (Lecture Notes in Computer Science, Vol. 435, pp. 239–252). Springer. </a:t>
+            </a:r>
+            <a:r>
+              <a:rPr lang="en-US" altLang="zh-TW" sz="1800" b="1" dirty="0">
+                <a:hlinkClick r:id="rId4"/>
+              </a:rPr>
+              <a:t>https://</a:t>
+            </a:r>
+            <a:r>
+              <a:rPr lang="en-US" altLang="zh-TW" sz="1800" b="1" dirty="0" smtClean="0">
+                <a:hlinkClick r:id="rId4"/>
+              </a:rPr>
+              <a:t>doi.org/10.1007/0-387-34805-0_21</a:t>
+            </a:r>
+            <a:endParaRPr lang="en-US" altLang="zh-TW" sz="1800" b="1" dirty="0" smtClean="0"/>
+          </a:p>
+          <a:p>
+            <a:pPr marL="285750" lvl="0" indent="-285750">
+              <a:buClr>
+                <a:schemeClr val="accent1"/>
+              </a:buClr>
+              <a:buFont typeface="Wingdings" panose="05000000000000000000" pitchFamily="2" charset="2"/>
+              <a:buChar char="n"/>
+            </a:pPr>
+            <a:r>
+              <a:rPr lang="en-US" altLang="zh-TW" sz="1800" b="1" dirty="0" smtClean="0"/>
+              <a:t>[3]Fiat</a:t>
+            </a:r>
+            <a:r>
+              <a:rPr lang="en-US" altLang="zh-TW" sz="1800" b="1" dirty="0"/>
+              <a:t>, A., &amp; Shamir, A. </a:t>
+            </a:r>
+            <a:r>
+              <a:rPr lang="en-US" altLang="zh-TW" sz="1800" b="1" dirty="0"/>
+              <a:t>(1987). How to prove yourself: Practical solutions to identification and signature problems. In A. M. </a:t>
+            </a:r>
+            <a:r>
+              <a:rPr lang="en-US" altLang="zh-TW" sz="1800" b="1" dirty="0" err="1"/>
+              <a:t>Odlyzko</a:t>
+            </a:r>
+            <a:r>
+              <a:rPr lang="en-US" altLang="zh-TW" sz="1800" b="1" dirty="0"/>
+              <a:t> (Ed.), Advances in Cryptology – CRYPTO ’86 (Lecture Notes in Computer Science, Vol. 263, pp. 186–194). Springer. https://doi.org/10.1007/3-540-47721-7_12</a:t>
+            </a:r>
+            <a:endParaRPr lang="zh-TW" altLang="zh-TW" sz="1800" b="1" dirty="0"/>
+          </a:p>
+          <a:p>
+            <a:pPr marL="285750" indent="-285750">
+              <a:buClr>
+                <a:schemeClr val="accent1"/>
+              </a:buClr>
+              <a:buFont typeface="Wingdings" panose="05000000000000000000" pitchFamily="2" charset="2"/>
+              <a:buChar char="n"/>
+            </a:pPr>
+            <a:endParaRPr lang="zh-TW" altLang="zh-TW" sz="1800" b="1" dirty="0"/>
+          </a:p>
+          <a:p>
+            <a:pPr marL="285750" lvl="0" indent="-285750">
+              <a:buClr>
+                <a:schemeClr val="accent1"/>
+              </a:buClr>
+              <a:buFont typeface="Wingdings" panose="05000000000000000000" pitchFamily="2" charset="2"/>
+              <a:buChar char="n"/>
+            </a:pPr>
+            <a:endParaRPr lang="zh-TW" altLang="zh-TW" sz="1800" b="1" dirty="0"/>
+          </a:p>
+          <a:p>
             <a:pPr marL="285750" indent="-285750" algn="just">
               <a:buClr>
                 <a:schemeClr val="accent1"/>
@@ -14646,18 +14908,6 @@
               <a:buFont typeface="Wingdings" panose="05000000000000000000" pitchFamily="2" charset="2"/>
               <a:buChar char="n"/>
             </a:pPr>
-            <a:r>
-              <a:rPr lang="zh-TW" altLang="en-US" sz="2800" b="1" dirty="0" smtClean="0">
-                <a:solidFill>
-                  <a:schemeClr val="accent1">
-                    <a:lumMod val="75000"/>
-                  </a:schemeClr>
-                </a:solidFill>
-                <a:latin typeface="微軟正黑體" panose="020B0604030504040204" pitchFamily="34" charset="-120"/>
-                <a:ea typeface="微軟正黑體" panose="020B0604030504040204" pitchFamily="34" charset="-120"/>
-              </a:rPr>
-              <a:t>○○○</a:t>
-            </a:r>
             <a:endParaRPr lang="en-US" altLang="zh-TW" sz="2800" b="1" dirty="0">
               <a:solidFill>
                 <a:schemeClr val="accent1">
@@ -14680,70 +14930,6 @@
               <a:latin typeface="微軟正黑體" panose="020B0604030504040204" pitchFamily="34" charset="-120"/>
               <a:ea typeface="微軟正黑體" panose="020B0604030504040204" pitchFamily="34" charset="-120"/>
             </a:endParaRPr>
-          </a:p>
-        </p:txBody>
-      </p:sp>
-      <p:sp>
-        <p:nvSpPr>
-          <p:cNvPr id="20" name="內容版面配置區 2">
-            <a:extLst>
-              <a:ext uri="{FF2B5EF4-FFF2-40B4-BE49-F238E27FC236}">
-                <a16:creationId xmlns="" xmlns:a16="http://schemas.microsoft.com/office/drawing/2014/main" id="{2E881D55-3B47-403F-8F0E-EDFDE34A1B22}"/>
-              </a:ext>
-            </a:extLst>
-          </p:cNvPr>
-          <p:cNvSpPr>
-            <a:spLocks noGrp="1"/>
-          </p:cNvSpPr>
-          <p:nvPr>
-            <p:ph idx="1"/>
-          </p:nvPr>
-        </p:nvSpPr>
-        <p:spPr>
-          <a:xfrm>
-            <a:off x="192197" y="1700808"/>
-            <a:ext cx="11590847" cy="4384009"/>
-          </a:xfrm>
-        </p:spPr>
-        <p:txBody>
-          <a:bodyPr>
-            <a:normAutofit/>
-          </a:bodyPr>
-          <a:lstStyle/>
-          <a:p>
-            <a:pPr marL="274320" lvl="1" indent="-274320" algn="just">
-              <a:lnSpc>
-                <a:spcPct val="150000"/>
-              </a:lnSpc>
-              <a:spcBef>
-                <a:spcPts val="1800"/>
-              </a:spcBef>
-              <a:buSzPct val="80000"/>
-              <a:buFont typeface="Wingdings" panose="05000000000000000000" pitchFamily="2" charset="2"/>
-              <a:buChar char="Ø"/>
-            </a:pPr>
-            <a:r>
-              <a:rPr lang="zh-TW" altLang="en-US" sz="2400" b="1" dirty="0" smtClean="0"/>
-              <a:t>○○○</a:t>
-            </a:r>
-            <a:endParaRPr lang="en-US" altLang="zh-TW" sz="2400" b="1" dirty="0" smtClean="0"/>
-          </a:p>
-          <a:p>
-            <a:pPr marL="548640" lvl="2" indent="-274320" algn="just">
-              <a:lnSpc>
-                <a:spcPct val="150000"/>
-              </a:lnSpc>
-              <a:spcBef>
-                <a:spcPts val="1800"/>
-              </a:spcBef>
-              <a:buFont typeface="Wingdings" panose="05000000000000000000" pitchFamily="2" charset="2"/>
-              <a:buChar char="Ø"/>
-            </a:pPr>
-            <a:r>
-              <a:rPr lang="zh-TW" altLang="en-US" sz="2200" dirty="0" smtClean="0"/>
-              <a:t>○○○</a:t>
-            </a:r>
-            <a:endParaRPr lang="en-US" altLang="zh-TW" sz="2400" b="1" dirty="0"/>
           </a:p>
         </p:txBody>
       </p:sp>
@@ -14825,7 +15011,7 @@
           <p:cNvPr id="7" name="標題 1">
             <a:extLst>
               <a:ext uri="{FF2B5EF4-FFF2-40B4-BE49-F238E27FC236}">
-                <a16:creationId xmlns="" xmlns:a16="http://schemas.microsoft.com/office/drawing/2014/main" id="{50E9A64D-4207-4980-8736-4201C3E0DC63}"/>
+                <a16:creationId xmlns:a16="http://schemas.microsoft.com/office/drawing/2014/main" xmlns="" id="{50E9A64D-4207-4980-8736-4201C3E0DC63}"/>
               </a:ext>
             </a:extLst>
           </p:cNvPr>
@@ -14937,7 +15123,7 @@
           <p:cNvPr id="3" name="標題 2">
             <a:extLst>
               <a:ext uri="{FF2B5EF4-FFF2-40B4-BE49-F238E27FC236}">
-                <a16:creationId xmlns="" xmlns:a16="http://schemas.microsoft.com/office/drawing/2014/main" id="{4ABAB1B2-9811-49A5-968D-AA6F881D5BFC}"/>
+                <a16:creationId xmlns:a16="http://schemas.microsoft.com/office/drawing/2014/main" xmlns="" id="{4ABAB1B2-9811-49A5-968D-AA6F881D5BFC}"/>
               </a:ext>
             </a:extLst>
           </p:cNvPr>
@@ -14994,7 +15180,7 @@
           <p:cNvPr id="4" name="內容版面配置區 3">
             <a:extLst>
               <a:ext uri="{FF2B5EF4-FFF2-40B4-BE49-F238E27FC236}">
-                <a16:creationId xmlns="" xmlns:a16="http://schemas.microsoft.com/office/drawing/2014/main" id="{FCCA5DD9-09D4-479C-9F96-62D1622C7DB1}"/>
+                <a16:creationId xmlns:a16="http://schemas.microsoft.com/office/drawing/2014/main" xmlns="" id="{FCCA5DD9-09D4-479C-9F96-62D1622C7DB1}"/>
               </a:ext>
             </a:extLst>
           </p:cNvPr>
@@ -15170,7 +15356,7 @@
           <p:cNvPr id="19" name="標題 1">
             <a:extLst>
               <a:ext uri="{FF2B5EF4-FFF2-40B4-BE49-F238E27FC236}">
-                <a16:creationId xmlns="" xmlns:a16="http://schemas.microsoft.com/office/drawing/2014/main" id="{50E9A64D-4207-4980-8736-4201C3E0DC63}"/>
+                <a16:creationId xmlns:a16="http://schemas.microsoft.com/office/drawing/2014/main" xmlns="" id="{50E9A64D-4207-4980-8736-4201C3E0DC63}"/>
               </a:ext>
             </a:extLst>
           </p:cNvPr>
@@ -15206,7 +15392,7 @@
           <p:cNvPr id="24" name="內容版面配置區 2">
             <a:extLst>
               <a:ext uri="{FF2B5EF4-FFF2-40B4-BE49-F238E27FC236}">
-                <a16:creationId xmlns="" xmlns:a16="http://schemas.microsoft.com/office/drawing/2014/main" id="{F5C22ADD-7A5D-44F8-969C-F4721C016703}"/>
+                <a16:creationId xmlns:a16="http://schemas.microsoft.com/office/drawing/2014/main" xmlns="" id="{F5C22ADD-7A5D-44F8-969C-F4721C016703}"/>
               </a:ext>
             </a:extLst>
           </p:cNvPr>
@@ -15968,7 +16154,7 @@
         <p:spPr>
           <a:xfrm>
             <a:off x="7678588" y="2204864"/>
-            <a:ext cx="3456384" cy="553998"/>
+            <a:ext cx="3960440" cy="553998"/>
           </a:xfrm>
           <a:prstGeom prst="rect">
             <a:avLst/>
@@ -16020,6 +16206,39 @@
               </a:rPr>
               <a:t>）</a:t>
             </a:r>
+            <a:r>
+              <a:rPr lang="en-US" altLang="zh-TW" sz="2000" b="1" dirty="0" smtClean="0">
+                <a:solidFill>
+                  <a:schemeClr val="bg2">
+                    <a:lumMod val="50000"/>
+                  </a:schemeClr>
+                </a:solidFill>
+                <a:latin typeface="微軟正黑體" panose="020B0604030504040204" pitchFamily="34" charset="-120"/>
+                <a:ea typeface="微軟正黑體" panose="020B0604030504040204" pitchFamily="34" charset="-120"/>
+              </a:rPr>
+              <a:t>[1]</a:t>
+            </a:r>
+            <a:r>
+              <a:rPr lang="zh-TW" altLang="en-US" sz="3000" b="1" dirty="0" smtClean="0">
+                <a:solidFill>
+                  <a:schemeClr val="bg2">
+                    <a:lumMod val="50000"/>
+                  </a:schemeClr>
+                </a:solidFill>
+                <a:latin typeface="微軟正黑體" panose="020B0604030504040204" pitchFamily="34" charset="-120"/>
+                <a:ea typeface="微軟正黑體" panose="020B0604030504040204" pitchFamily="34" charset="-120"/>
+              </a:rPr>
+              <a:t> </a:t>
+            </a:r>
+            <a:endParaRPr lang="zh-TW" altLang="en-US" sz="3000" b="1" dirty="0" smtClean="0">
+              <a:solidFill>
+                <a:schemeClr val="bg2">
+                  <a:lumMod val="50000"/>
+                </a:schemeClr>
+              </a:solidFill>
+              <a:latin typeface="微軟正黑體" panose="020B0604030504040204" pitchFamily="34" charset="-120"/>
+              <a:ea typeface="微軟正黑體" panose="020B0604030504040204" pitchFamily="34" charset="-120"/>
+            </a:endParaRPr>
           </a:p>
         </p:txBody>
       </p:sp>
@@ -16349,14 +16568,7 @@
                 <a:latin typeface="微軟正黑體" panose="020B0604030504040204" pitchFamily="34" charset="-120"/>
                 <a:ea typeface="微軟正黑體" panose="020B0604030504040204" pitchFamily="34" charset="-120"/>
               </a:rPr>
-              <a:t>1 + 1 = </a:t>
-            </a:r>
-            <a:r>
-              <a:rPr lang="en-US" altLang="zh-TW" sz="2000" b="1" dirty="0">
-                <a:latin typeface="微軟正黑體" panose="020B0604030504040204" pitchFamily="34" charset="-120"/>
-                <a:ea typeface="微軟正黑體" panose="020B0604030504040204" pitchFamily="34" charset="-120"/>
-              </a:rPr>
-              <a:t>3 ?</a:t>
+              <a:t>1 + 1 = 3 ?</a:t>
             </a:r>
             <a:endParaRPr lang="zh-TW" altLang="en-US" sz="2000" b="1" dirty="0">
               <a:latin typeface="微軟正黑體" panose="020B0604030504040204" pitchFamily="34" charset="-120"/>
@@ -16391,14 +16603,7 @@
                 <a:latin typeface="微軟正黑體" panose="020B0604030504040204" pitchFamily="34" charset="-120"/>
                 <a:ea typeface="微軟正黑體" panose="020B0604030504040204" pitchFamily="34" charset="-120"/>
               </a:rPr>
-              <a:t>1 + 1 = </a:t>
-            </a:r>
-            <a:r>
-              <a:rPr lang="en-US" altLang="zh-TW" sz="2000" b="1" dirty="0">
-                <a:latin typeface="微軟正黑體" panose="020B0604030504040204" pitchFamily="34" charset="-120"/>
-                <a:ea typeface="微軟正黑體" panose="020B0604030504040204" pitchFamily="34" charset="-120"/>
-              </a:rPr>
-              <a:t>2 ?</a:t>
+              <a:t>1 + 1 = 2 ?</a:t>
             </a:r>
             <a:endParaRPr lang="zh-TW" altLang="en-US" sz="2000" b="1" dirty="0">
               <a:latin typeface="微軟正黑體" panose="020B0604030504040204" pitchFamily="34" charset="-120"/>
@@ -16612,7 +16817,7 @@
           <p:cNvPr id="19" name="標題 1">
             <a:extLst>
               <a:ext uri="{FF2B5EF4-FFF2-40B4-BE49-F238E27FC236}">
-                <a16:creationId xmlns="" xmlns:a16="http://schemas.microsoft.com/office/drawing/2014/main" id="{50E9A64D-4207-4980-8736-4201C3E0DC63}"/>
+                <a16:creationId xmlns:a16="http://schemas.microsoft.com/office/drawing/2014/main" xmlns="" id="{50E9A64D-4207-4980-8736-4201C3E0DC63}"/>
               </a:ext>
             </a:extLst>
           </p:cNvPr>
@@ -16651,7 +16856,7 @@
           <p:cNvPr id="24" name="內容版面配置區 2">
             <a:extLst>
               <a:ext uri="{FF2B5EF4-FFF2-40B4-BE49-F238E27FC236}">
-                <a16:creationId xmlns="" xmlns:a16="http://schemas.microsoft.com/office/drawing/2014/main" id="{F5C22ADD-7A5D-44F8-969C-F4721C016703}"/>
+                <a16:creationId xmlns:a16="http://schemas.microsoft.com/office/drawing/2014/main" xmlns="" id="{F5C22ADD-7A5D-44F8-969C-F4721C016703}"/>
               </a:ext>
             </a:extLst>
           </p:cNvPr>
@@ -16923,7 +17128,7 @@
           <p:cNvPr id="20" name="內容版面配置區 2">
             <a:extLst>
               <a:ext uri="{FF2B5EF4-FFF2-40B4-BE49-F238E27FC236}">
-                <a16:creationId xmlns="" xmlns:a16="http://schemas.microsoft.com/office/drawing/2014/main" id="{2E881D55-3B47-403F-8F0E-EDFDE34A1B22}"/>
+                <a16:creationId xmlns:a16="http://schemas.microsoft.com/office/drawing/2014/main" xmlns="" id="{2E881D55-3B47-403F-8F0E-EDFDE34A1B22}"/>
               </a:ext>
             </a:extLst>
           </p:cNvPr>
@@ -17141,7 +17346,7 @@
           <p:cNvPr id="3" name="標題 2">
             <a:extLst>
               <a:ext uri="{FF2B5EF4-FFF2-40B4-BE49-F238E27FC236}">
-                <a16:creationId xmlns="" xmlns:a16="http://schemas.microsoft.com/office/drawing/2014/main" id="{4ABAB1B2-9811-49A5-968D-AA6F881D5BFC}"/>
+                <a16:creationId xmlns:a16="http://schemas.microsoft.com/office/drawing/2014/main" xmlns="" id="{4ABAB1B2-9811-49A5-968D-AA6F881D5BFC}"/>
               </a:ext>
             </a:extLst>
           </p:cNvPr>
@@ -17210,7 +17415,7 @@
           <p:cNvPr id="4" name="內容版面配置區 3">
             <a:extLst>
               <a:ext uri="{FF2B5EF4-FFF2-40B4-BE49-F238E27FC236}">
-                <a16:creationId xmlns="" xmlns:a16="http://schemas.microsoft.com/office/drawing/2014/main" id="{FCCA5DD9-09D4-479C-9F96-62D1622C7DB1}"/>
+                <a16:creationId xmlns:a16="http://schemas.microsoft.com/office/drawing/2014/main" xmlns="" id="{FCCA5DD9-09D4-479C-9F96-62D1622C7DB1}"/>
               </a:ext>
             </a:extLst>
           </p:cNvPr>
@@ -17285,8 +17490,20 @@
               <a:buSzPct val="100000"/>
             </a:pPr>
             <a:r>
+              <a:rPr lang="zh-TW" altLang="en-US" sz="2400" dirty="0" smtClean="0"/>
+              <a:t>精進版</a:t>
+            </a:r>
+            <a:r>
+              <a:rPr lang="en-US" altLang="zh-TW" sz="2400" dirty="0" err="1" smtClean="0"/>
+              <a:t>Schnorr</a:t>
+            </a:r>
+            <a:r>
+              <a:rPr lang="en-US" altLang="zh-TW" sz="2400" dirty="0" smtClean="0"/>
+              <a:t> </a:t>
+            </a:r>
+            <a:r>
               <a:rPr lang="en-US" altLang="zh-TW" sz="2400" dirty="0"/>
-              <a:t>Schnorr Protocol</a:t>
+              <a:t>Protocol</a:t>
             </a:r>
             <a:r>
               <a:rPr lang="zh-TW" altLang="en-US" sz="2400" dirty="0"/>
@@ -17437,7 +17654,12 @@
             <p:ph type="sldNum" sz="quarter" idx="12"/>
           </p:nvPr>
         </p:nvSpPr>
-        <p:spPr/>
+        <p:spPr>
+          <a:xfrm>
+            <a:off x="9730094" y="6512768"/>
+            <a:ext cx="936319" cy="228600"/>
+          </a:xfrm>
+        </p:spPr>
         <p:txBody>
           <a:bodyPr/>
           <a:lstStyle/>
@@ -17456,7 +17678,7 @@
           <p:cNvPr id="19" name="標題 1">
             <a:extLst>
               <a:ext uri="{FF2B5EF4-FFF2-40B4-BE49-F238E27FC236}">
-                <a16:creationId xmlns="" xmlns:a16="http://schemas.microsoft.com/office/drawing/2014/main" id="{50E9A64D-4207-4980-8736-4201C3E0DC63}"/>
+                <a16:creationId xmlns:a16="http://schemas.microsoft.com/office/drawing/2014/main" xmlns="" id="{50E9A64D-4207-4980-8736-4201C3E0DC63}"/>
               </a:ext>
             </a:extLst>
           </p:cNvPr>
@@ -17469,7 +17691,7 @@
         </p:nvSpPr>
         <p:spPr>
           <a:xfrm>
-            <a:off x="178447" y="203231"/>
+            <a:off x="178447" y="44624"/>
             <a:ext cx="9143538" cy="1066800"/>
           </a:xfrm>
         </p:spPr>
@@ -17496,7 +17718,7 @@
           <p:cNvPr id="24" name="內容版面配置區 2">
             <a:extLst>
               <a:ext uri="{FF2B5EF4-FFF2-40B4-BE49-F238E27FC236}">
-                <a16:creationId xmlns="" xmlns:a16="http://schemas.microsoft.com/office/drawing/2014/main" id="{F5C22ADD-7A5D-44F8-969C-F4721C016703}"/>
+                <a16:creationId xmlns:a16="http://schemas.microsoft.com/office/drawing/2014/main" xmlns="" id="{F5C22ADD-7A5D-44F8-969C-F4721C016703}"/>
               </a:ext>
             </a:extLst>
           </p:cNvPr>
@@ -17507,7 +17729,7 @@
         </p:nvSpPr>
         <p:spPr>
           <a:xfrm>
-            <a:off x="148040" y="1193817"/>
+            <a:off x="240915" y="1196752"/>
             <a:ext cx="11758153" cy="4608512"/>
           </a:xfrm>
           <a:prstGeom prst="rect">
@@ -17741,7 +17963,7 @@
         </p:nvSpPr>
         <p:spPr>
           <a:xfrm>
-            <a:off x="693812" y="1556792"/>
+            <a:off x="786687" y="1199687"/>
             <a:ext cx="2736304" cy="1509233"/>
           </a:xfrm>
           <a:prstGeom prst="roundRect">
@@ -17813,8 +18035,8 @@
         </p:nvSpPr>
         <p:spPr>
           <a:xfrm>
-            <a:off x="4582244" y="1556792"/>
-            <a:ext cx="2736304" cy="1509233"/>
+            <a:off x="4675119" y="1199687"/>
+            <a:ext cx="2952328" cy="1509233"/>
           </a:xfrm>
           <a:prstGeom prst="roundRect">
             <a:avLst/>
@@ -17840,12 +18062,23 @@
           <a:p>
             <a:pPr algn="ctr"/>
             <a:r>
-              <a:rPr lang="en-US" altLang="zh-TW" sz="3000" b="1" dirty="0" smtClean="0">
+              <a:rPr lang="zh-TW" altLang="en-US" sz="2800" b="1" dirty="0" smtClean="0">
                 <a:latin typeface="微軟正黑體" panose="020B0604030504040204" pitchFamily="34" charset="-120"/>
                 <a:ea typeface="微軟正黑體" panose="020B0604030504040204" pitchFamily="34" charset="-120"/>
               </a:rPr>
+              <a:t>精進版</a:t>
+            </a:r>
+            <a:r>
+              <a:rPr lang="en-US" altLang="zh-TW" sz="2800" b="1" dirty="0" err="1" smtClean="0">
+                <a:latin typeface="微軟正黑體" panose="020B0604030504040204" pitchFamily="34" charset="-120"/>
+                <a:ea typeface="微軟正黑體" panose="020B0604030504040204" pitchFamily="34" charset="-120"/>
+              </a:rPr>
               <a:t>Schnorr</a:t>
             </a:r>
+            <a:endParaRPr lang="en-US" altLang="zh-TW" sz="2800" b="1" dirty="0" smtClean="0">
+              <a:latin typeface="微軟正黑體" panose="020B0604030504040204" pitchFamily="34" charset="-120"/>
+              <a:ea typeface="微軟正黑體" panose="020B0604030504040204" pitchFamily="34" charset="-120"/>
+            </a:endParaRPr>
           </a:p>
           <a:p>
             <a:pPr algn="ctr"/>
@@ -17885,7 +18118,7 @@
         </p:nvSpPr>
         <p:spPr>
           <a:xfrm>
-            <a:off x="8470676" y="1556792"/>
+            <a:off x="8757499" y="1199687"/>
             <a:ext cx="2736304" cy="1509233"/>
           </a:xfrm>
           <a:prstGeom prst="roundRect">
@@ -17962,7 +18195,7 @@
         </p:nvSpPr>
         <p:spPr>
           <a:xfrm>
-            <a:off x="3646140" y="1988840"/>
+            <a:off x="3739015" y="1631735"/>
             <a:ext cx="792088" cy="648072"/>
           </a:xfrm>
           <a:prstGeom prst="rightArrow">
@@ -18008,7 +18241,7 @@
         </p:nvSpPr>
         <p:spPr>
           <a:xfrm>
-            <a:off x="7534572" y="1988840"/>
+            <a:off x="7821395" y="1631735"/>
             <a:ext cx="792088" cy="648072"/>
           </a:xfrm>
           <a:prstGeom prst="rightArrow">
@@ -18054,7 +18287,7 @@
         </p:nvSpPr>
         <p:spPr>
           <a:xfrm>
-            <a:off x="599728" y="3320118"/>
+            <a:off x="692603" y="2963013"/>
             <a:ext cx="3046412" cy="1754326"/>
           </a:xfrm>
           <a:prstGeom prst="rect">
@@ -18185,8 +18418,8 @@
         </p:nvSpPr>
         <p:spPr>
           <a:xfrm>
-            <a:off x="4510236" y="3314015"/>
-            <a:ext cx="3046412" cy="2862322"/>
+            <a:off x="4186200" y="2924944"/>
+            <a:ext cx="4140460" cy="3693319"/>
           </a:xfrm>
           <a:prstGeom prst="rect">
             <a:avLst/>
@@ -18203,11 +18436,32 @@
               <a:buChar char="l"/>
             </a:pPr>
             <a:r>
+              <a:rPr lang="zh-TW" altLang="en-US" b="1" dirty="0" smtClean="0">
+                <a:latin typeface="微軟正黑體" panose="020B0604030504040204" pitchFamily="34" charset="-120"/>
+                <a:ea typeface="微軟正黑體" panose="020B0604030504040204" pitchFamily="34" charset="-120"/>
+              </a:rPr>
+              <a:t>原版</a:t>
+            </a:r>
+            <a:r>
+              <a:rPr lang="en-US" altLang="zh-TW" b="1" dirty="0" err="1" smtClean="0">
+                <a:latin typeface="微軟正黑體" panose="020B0604030504040204" pitchFamily="34" charset="-120"/>
+                <a:ea typeface="微軟正黑體" panose="020B0604030504040204" pitchFamily="34" charset="-120"/>
+              </a:rPr>
+              <a:t>Schnorr</a:t>
+            </a:r>
+            <a:r>
+              <a:rPr lang="zh-TW" altLang="zh-TW" b="1" dirty="0" smtClean="0">
+                <a:latin typeface="微軟正黑體" panose="020B0604030504040204" pitchFamily="34" charset="-120"/>
+                <a:ea typeface="微軟正黑體" panose="020B0604030504040204" pitchFamily="34" charset="-120"/>
+              </a:rPr>
+              <a:t>引入</a:t>
+            </a:r>
+            <a:r>
               <a:rPr lang="zh-TW" altLang="zh-TW" b="1" dirty="0">
                 <a:latin typeface="微軟正黑體" panose="020B0604030504040204" pitchFamily="34" charset="-120"/>
                 <a:ea typeface="微軟正黑體" panose="020B0604030504040204" pitchFamily="34" charset="-120"/>
               </a:rPr>
-              <a:t>引入更簡潔的數學</a:t>
+              <a:t>更簡潔的數學</a:t>
             </a:r>
             <a:r>
               <a:rPr lang="zh-TW" altLang="zh-TW" b="1" dirty="0" smtClean="0">
@@ -18215,6 +18469,69 @@
                 <a:ea typeface="微軟正黑體" panose="020B0604030504040204" pitchFamily="34" charset="-120"/>
               </a:rPr>
               <a:t>結構</a:t>
+            </a:r>
+            <a:r>
+              <a:rPr lang="zh-TW" altLang="en-US" b="1" dirty="0" smtClean="0">
+                <a:latin typeface="微軟正黑體" panose="020B0604030504040204" pitchFamily="34" charset="-120"/>
+                <a:ea typeface="微軟正黑體" panose="020B0604030504040204" pitchFamily="34" charset="-120"/>
+              </a:rPr>
+              <a:t> </a:t>
+            </a:r>
+            <a:r>
+              <a:rPr lang="en-US" altLang="zh-TW" sz="1200" b="1" dirty="0" smtClean="0">
+                <a:latin typeface="微軟正黑體" panose="020B0604030504040204" pitchFamily="34" charset="-120"/>
+                <a:ea typeface="微軟正黑體" panose="020B0604030504040204" pitchFamily="34" charset="-120"/>
+              </a:rPr>
+              <a:t>[2]</a:t>
+            </a:r>
+            <a:endParaRPr lang="en-US" altLang="zh-TW" sz="1200" b="1" dirty="0" smtClean="0">
+              <a:latin typeface="微軟正黑體" panose="020B0604030504040204" pitchFamily="34" charset="-120"/>
+              <a:ea typeface="微軟正黑體" panose="020B0604030504040204" pitchFamily="34" charset="-120"/>
+            </a:endParaRPr>
+          </a:p>
+          <a:p>
+            <a:pPr algn="just"/>
+            <a:r>
+              <a:rPr lang="zh-TW" altLang="en-US" b="1" dirty="0">
+                <a:latin typeface="微軟正黑體" panose="020B0604030504040204" pitchFamily="34" charset="-120"/>
+                <a:ea typeface="微軟正黑體" panose="020B0604030504040204" pitchFamily="34" charset="-120"/>
+              </a:rPr>
+              <a:t> </a:t>
+            </a:r>
+            <a:r>
+              <a:rPr lang="zh-TW" altLang="en-US" b="1" dirty="0" smtClean="0">
+                <a:latin typeface="微軟正黑體" panose="020B0604030504040204" pitchFamily="34" charset="-120"/>
+                <a:ea typeface="微軟正黑體" panose="020B0604030504040204" pitchFamily="34" charset="-120"/>
+              </a:rPr>
+              <a:t>   </a:t>
+            </a:r>
+            <a:r>
+              <a:rPr lang="zh-TW" altLang="zh-TW" b="1" dirty="0" smtClean="0">
+                <a:latin typeface="微軟正黑體" panose="020B0604030504040204" pitchFamily="34" charset="-120"/>
+                <a:ea typeface="微軟正黑體" panose="020B0604030504040204" pitchFamily="34" charset="-120"/>
+              </a:rPr>
+              <a:t>承諾</a:t>
+            </a:r>
+            <a:r>
+              <a:rPr lang="zh-TW" altLang="zh-TW" b="1" dirty="0">
+                <a:latin typeface="微軟正黑體" panose="020B0604030504040204" pitchFamily="34" charset="-120"/>
+                <a:ea typeface="微軟正黑體" panose="020B0604030504040204" pitchFamily="34" charset="-120"/>
+              </a:rPr>
+              <a:t>（</a:t>
+            </a:r>
+            <a:r>
+              <a:rPr lang="en-US" altLang="zh-TW" b="1" dirty="0">
+                <a:latin typeface="微軟正黑體" panose="020B0604030504040204" pitchFamily="34" charset="-120"/>
+                <a:ea typeface="微軟正黑體" panose="020B0604030504040204" pitchFamily="34" charset="-120"/>
+              </a:rPr>
+              <a:t>commit</a:t>
+            </a:r>
+            <a:r>
+              <a:rPr lang="zh-TW" altLang="zh-TW" b="1" dirty="0" smtClean="0">
+                <a:latin typeface="微軟正黑體" panose="020B0604030504040204" pitchFamily="34" charset="-120"/>
+                <a:ea typeface="微軟正黑體" panose="020B0604030504040204" pitchFamily="34" charset="-120"/>
+              </a:rPr>
+              <a:t>）</a:t>
             </a:r>
             <a:endParaRPr lang="en-US" altLang="zh-TW" b="1" dirty="0" smtClean="0">
               <a:latin typeface="微軟正黑體" panose="020B0604030504040204" pitchFamily="34" charset="-120"/>
@@ -18224,25 +18541,18 @@
           <a:p>
             <a:pPr algn="just"/>
             <a:r>
-              <a:rPr lang="zh-TW" altLang="en-US" b="1" dirty="0">
-                <a:latin typeface="微軟正黑體" panose="020B0604030504040204" pitchFamily="34" charset="-120"/>
-                <a:ea typeface="微軟正黑體" panose="020B0604030504040204" pitchFamily="34" charset="-120"/>
-              </a:rPr>
-              <a:t> </a:t>
-            </a:r>
-            <a:r>
               <a:rPr lang="zh-TW" altLang="en-US" b="1" dirty="0" smtClean="0">
                 <a:latin typeface="微軟正黑體" panose="020B0604030504040204" pitchFamily="34" charset="-120"/>
                 <a:ea typeface="微軟正黑體" panose="020B0604030504040204" pitchFamily="34" charset="-120"/>
               </a:rPr>
-              <a:t>   </a:t>
+              <a:t>    </a:t>
             </a:r>
             <a:r>
               <a:rPr lang="zh-TW" altLang="zh-TW" b="1" dirty="0" smtClean="0">
                 <a:latin typeface="微軟正黑體" panose="020B0604030504040204" pitchFamily="34" charset="-120"/>
                 <a:ea typeface="微軟正黑體" panose="020B0604030504040204" pitchFamily="34" charset="-120"/>
               </a:rPr>
-              <a:t>承諾</a:t>
+              <a:t>挑戰</a:t>
             </a:r>
             <a:r>
               <a:rPr lang="zh-TW" altLang="zh-TW" b="1" dirty="0">
@@ -18256,7 +18566,7 @@
                 <a:latin typeface="微軟正黑體" panose="020B0604030504040204" pitchFamily="34" charset="-120"/>
                 <a:ea typeface="微軟正黑體" panose="020B0604030504040204" pitchFamily="34" charset="-120"/>
               </a:rPr>
-              <a:t>commit</a:t>
+              <a:t>challenge</a:t>
             </a:r>
             <a:r>
               <a:rPr lang="zh-TW" altLang="zh-TW" b="1" dirty="0" smtClean="0">
@@ -18273,18 +18583,25 @@
           <a:p>
             <a:pPr algn="just"/>
             <a:r>
+              <a:rPr lang="zh-TW" altLang="en-US" b="1" dirty="0">
+                <a:latin typeface="微軟正黑體" panose="020B0604030504040204" pitchFamily="34" charset="-120"/>
+                <a:ea typeface="微軟正黑體" panose="020B0604030504040204" pitchFamily="34" charset="-120"/>
+              </a:rPr>
+              <a:t> </a:t>
+            </a:r>
+            <a:r>
               <a:rPr lang="zh-TW" altLang="en-US" b="1" dirty="0" smtClean="0">
                 <a:latin typeface="微軟正黑體" panose="020B0604030504040204" pitchFamily="34" charset="-120"/>
                 <a:ea typeface="微軟正黑體" panose="020B0604030504040204" pitchFamily="34" charset="-120"/>
               </a:rPr>
-              <a:t>    </a:t>
+              <a:t>   </a:t>
             </a:r>
             <a:r>
               <a:rPr lang="zh-TW" altLang="zh-TW" b="1" dirty="0" smtClean="0">
                 <a:latin typeface="微軟正黑體" panose="020B0604030504040204" pitchFamily="34" charset="-120"/>
                 <a:ea typeface="微軟正黑體" panose="020B0604030504040204" pitchFamily="34" charset="-120"/>
               </a:rPr>
-              <a:t>挑戰</a:t>
+              <a:t>回應</a:t>
             </a:r>
             <a:r>
               <a:rPr lang="zh-TW" altLang="zh-TW" b="1" dirty="0">
@@ -18298,7 +18615,7 @@
                 <a:latin typeface="微軟正黑體" panose="020B0604030504040204" pitchFamily="34" charset="-120"/>
                 <a:ea typeface="微軟正黑體" panose="020B0604030504040204" pitchFamily="34" charset="-120"/>
               </a:rPr>
-              <a:t>challenge</a:t>
+              <a:t>response</a:t>
             </a:r>
             <a:r>
               <a:rPr lang="zh-TW" altLang="zh-TW" b="1" dirty="0" smtClean="0">
@@ -18306,6 +18623,51 @@
                 <a:ea typeface="微軟正黑體" panose="020B0604030504040204" pitchFamily="34" charset="-120"/>
               </a:rPr>
               <a:t>）</a:t>
+            </a:r>
+            <a:endParaRPr lang="en-US" altLang="zh-TW" b="1" dirty="0">
+              <a:latin typeface="微軟正黑體" panose="020B0604030504040204" pitchFamily="34" charset="-120"/>
+              <a:ea typeface="微軟正黑體" panose="020B0604030504040204" pitchFamily="34" charset="-120"/>
+            </a:endParaRPr>
+          </a:p>
+          <a:p>
+            <a:pPr marL="285750" indent="-285750" algn="just">
+              <a:buFont typeface="Wingdings" panose="05000000000000000000" pitchFamily="2" charset="2"/>
+              <a:buChar char="l"/>
+            </a:pPr>
+            <a:r>
+              <a:rPr lang="zh-TW" altLang="zh-TW" b="1" dirty="0">
+                <a:latin typeface="微軟正黑體" panose="020B0604030504040204" pitchFamily="34" charset="-120"/>
+                <a:ea typeface="微軟正黑體" panose="020B0604030504040204" pitchFamily="34" charset="-120"/>
+              </a:rPr>
+              <a:t>大幅</a:t>
+            </a:r>
+            <a:r>
+              <a:rPr lang="zh-TW" altLang="zh-TW" b="1" dirty="0" smtClean="0">
+                <a:latin typeface="微軟正黑體" panose="020B0604030504040204" pitchFamily="34" charset="-120"/>
+                <a:ea typeface="微軟正黑體" panose="020B0604030504040204" pitchFamily="34" charset="-120"/>
+              </a:rPr>
+              <a:t>降低通訊</a:t>
+            </a:r>
+            <a:r>
+              <a:rPr lang="zh-TW" altLang="zh-TW" b="1" dirty="0">
+                <a:latin typeface="微軟正黑體" panose="020B0604030504040204" pitchFamily="34" charset="-120"/>
+                <a:ea typeface="微軟正黑體" panose="020B0604030504040204" pitchFamily="34" charset="-120"/>
+              </a:rPr>
+              <a:t>成本，並具有實作上的簡便</a:t>
+            </a:r>
+            <a:r>
+              <a:rPr lang="zh-TW" altLang="zh-TW" b="1" dirty="0" smtClean="0">
+                <a:latin typeface="微軟正黑體" panose="020B0604030504040204" pitchFamily="34" charset="-120"/>
+                <a:ea typeface="微軟正黑體" panose="020B0604030504040204" pitchFamily="34" charset="-120"/>
+              </a:rPr>
+              <a:t>性</a:t>
+            </a:r>
+            <a:r>
+              <a:rPr lang="zh-TW" altLang="en-US" b="1" dirty="0" smtClean="0">
+                <a:latin typeface="微軟正黑體" panose="020B0604030504040204" pitchFamily="34" charset="-120"/>
+                <a:ea typeface="微軟正黑體" panose="020B0604030504040204" pitchFamily="34" charset="-120"/>
+              </a:rPr>
+              <a:t>。</a:t>
             </a:r>
             <a:endParaRPr lang="en-US" altLang="zh-TW" b="1" dirty="0" smtClean="0">
               <a:latin typeface="微軟正黑體" panose="020B0604030504040204" pitchFamily="34" charset="-120"/>
@@ -18313,93 +18675,85 @@
             </a:endParaRPr>
           </a:p>
           <a:p>
-            <a:pPr algn="just"/>
-            <a:r>
-              <a:rPr lang="zh-TW" altLang="en-US" b="1" dirty="0">
-                <a:latin typeface="微軟正黑體" panose="020B0604030504040204" pitchFamily="34" charset="-120"/>
-                <a:ea typeface="微軟正黑體" panose="020B0604030504040204" pitchFamily="34" charset="-120"/>
-              </a:rPr>
-              <a:t> </a:t>
-            </a:r>
-            <a:r>
-              <a:rPr lang="zh-TW" altLang="en-US" b="1" dirty="0" smtClean="0">
-                <a:latin typeface="微軟正黑體" panose="020B0604030504040204" pitchFamily="34" charset="-120"/>
-                <a:ea typeface="微軟正黑體" panose="020B0604030504040204" pitchFamily="34" charset="-120"/>
-              </a:rPr>
-              <a:t>   </a:t>
-            </a:r>
-            <a:r>
-              <a:rPr lang="zh-TW" altLang="zh-TW" b="1" dirty="0" smtClean="0">
-                <a:latin typeface="微軟正黑體" panose="020B0604030504040204" pitchFamily="34" charset="-120"/>
-                <a:ea typeface="微軟正黑體" panose="020B0604030504040204" pitchFamily="34" charset="-120"/>
-              </a:rPr>
-              <a:t>回應</a:t>
-            </a:r>
-            <a:r>
-              <a:rPr lang="zh-TW" altLang="zh-TW" b="1" dirty="0">
-                <a:latin typeface="微軟正黑體" panose="020B0604030504040204" pitchFamily="34" charset="-120"/>
-                <a:ea typeface="微軟正黑體" panose="020B0604030504040204" pitchFamily="34" charset="-120"/>
-              </a:rPr>
-              <a:t>（</a:t>
-            </a:r>
-            <a:r>
-              <a:rPr lang="en-US" altLang="zh-TW" b="1" dirty="0">
-                <a:latin typeface="微軟正黑體" panose="020B0604030504040204" pitchFamily="34" charset="-120"/>
-                <a:ea typeface="微軟正黑體" panose="020B0604030504040204" pitchFamily="34" charset="-120"/>
-              </a:rPr>
-              <a:t>response</a:t>
-            </a:r>
-            <a:r>
-              <a:rPr lang="zh-TW" altLang="zh-TW" b="1" dirty="0" smtClean="0">
-                <a:latin typeface="微軟正黑體" panose="020B0604030504040204" pitchFamily="34" charset="-120"/>
-                <a:ea typeface="微軟正黑體" panose="020B0604030504040204" pitchFamily="34" charset="-120"/>
-              </a:rPr>
-              <a:t>）</a:t>
-            </a:r>
-            <a:endParaRPr lang="en-US" altLang="zh-TW" b="1" dirty="0">
-              <a:latin typeface="微軟正黑體" panose="020B0604030504040204" pitchFamily="34" charset="-120"/>
-              <a:ea typeface="微軟正黑體" panose="020B0604030504040204" pitchFamily="34" charset="-120"/>
-            </a:endParaRPr>
-          </a:p>
-          <a:p>
             <a:pPr marL="285750" indent="-285750" algn="just">
               <a:buFont typeface="Wingdings" panose="05000000000000000000" pitchFamily="2" charset="2"/>
               <a:buChar char="l"/>
             </a:pPr>
             <a:r>
-              <a:rPr lang="zh-TW" altLang="zh-TW" b="1" dirty="0">
-                <a:latin typeface="微軟正黑體" panose="020B0604030504040204" pitchFamily="34" charset="-120"/>
-                <a:ea typeface="微軟正黑體" panose="020B0604030504040204" pitchFamily="34" charset="-120"/>
-              </a:rPr>
-              <a:t>大幅</a:t>
-            </a:r>
-            <a:r>
-              <a:rPr lang="zh-TW" altLang="zh-TW" b="1" dirty="0" smtClean="0">
-                <a:latin typeface="微軟正黑體" panose="020B0604030504040204" pitchFamily="34" charset="-120"/>
-                <a:ea typeface="微軟正黑體" panose="020B0604030504040204" pitchFamily="34" charset="-120"/>
-              </a:rPr>
-              <a:t>降低通訊</a:t>
-            </a:r>
-            <a:r>
-              <a:rPr lang="zh-TW" altLang="zh-TW" b="1" dirty="0">
-                <a:latin typeface="微軟正黑體" panose="020B0604030504040204" pitchFamily="34" charset="-120"/>
-                <a:ea typeface="微軟正黑體" panose="020B0604030504040204" pitchFamily="34" charset="-120"/>
-              </a:rPr>
-              <a:t>成本，並具有實作上的簡便</a:t>
-            </a:r>
-            <a:r>
-              <a:rPr lang="zh-TW" altLang="zh-TW" b="1" dirty="0" smtClean="0">
-                <a:latin typeface="微軟正黑體" panose="020B0604030504040204" pitchFamily="34" charset="-120"/>
-                <a:ea typeface="微軟正黑體" panose="020B0604030504040204" pitchFamily="34" charset="-120"/>
-              </a:rPr>
-              <a:t>性</a:t>
-            </a:r>
-            <a:r>
               <a:rPr lang="zh-TW" altLang="en-US" b="1" dirty="0" smtClean="0">
                 <a:latin typeface="微軟正黑體" panose="020B0604030504040204" pitchFamily="34" charset="-120"/>
                 <a:ea typeface="微軟正黑體" panose="020B0604030504040204" pitchFamily="34" charset="-120"/>
               </a:rPr>
-              <a:t>。</a:t>
+              <a:t>精進</a:t>
+            </a:r>
+            <a:r>
+              <a:rPr lang="zh-TW" altLang="en-US" b="1" dirty="0">
+                <a:latin typeface="微軟正黑體" panose="020B0604030504040204" pitchFamily="34" charset="-120"/>
+                <a:ea typeface="微軟正黑體" panose="020B0604030504040204" pitchFamily="34" charset="-120"/>
+              </a:rPr>
+              <a:t>版：解決挑戰值</a:t>
+            </a:r>
+            <a:r>
+              <a:rPr lang="en-US" altLang="zh-TW" b="1" dirty="0" smtClean="0">
+                <a:latin typeface="微軟正黑體" panose="020B0604030504040204" pitchFamily="34" charset="-120"/>
+                <a:ea typeface="微軟正黑體" panose="020B0604030504040204" pitchFamily="34" charset="-120"/>
+              </a:rPr>
+              <a:t>c</a:t>
+            </a:r>
+            <a:r>
+              <a:rPr lang="zh-TW" altLang="en-US" b="1" dirty="0" smtClean="0">
+                <a:latin typeface="微軟正黑體" panose="020B0604030504040204" pitchFamily="34" charset="-120"/>
+                <a:ea typeface="微軟正黑體" panose="020B0604030504040204" pitchFamily="34" charset="-120"/>
+              </a:rPr>
+              <a:t>存在</a:t>
+            </a:r>
+            <a:r>
+              <a:rPr lang="zh-TW" altLang="en-US" b="1" dirty="0">
+                <a:latin typeface="微軟正黑體" panose="020B0604030504040204" pitchFamily="34" charset="-120"/>
+                <a:ea typeface="微軟正黑體" panose="020B0604030504040204" pitchFamily="34" charset="-120"/>
+              </a:rPr>
+              <a:t>著</a:t>
+            </a:r>
+            <a:r>
+              <a:rPr lang="zh-TW" altLang="en-US" b="1" dirty="0">
+                <a:solidFill>
+                  <a:srgbClr val="FF0000"/>
+                </a:solidFill>
+                <a:latin typeface="微軟正黑體" panose="020B0604030504040204" pitchFamily="34" charset="-120"/>
+                <a:ea typeface="微軟正黑體" panose="020B0604030504040204" pitchFamily="34" charset="-120"/>
+              </a:rPr>
+              <a:t>亂數長度過長影響傳輸效能</a:t>
+            </a:r>
+            <a:r>
+              <a:rPr lang="zh-TW" altLang="en-US" b="1" dirty="0">
+                <a:latin typeface="微軟正黑體" panose="020B0604030504040204" pitchFamily="34" charset="-120"/>
+                <a:ea typeface="微軟正黑體" panose="020B0604030504040204" pitchFamily="34" charset="-120"/>
+              </a:rPr>
+              <a:t>及</a:t>
+            </a:r>
+            <a:r>
+              <a:rPr lang="zh-TW" altLang="en-US" b="1" dirty="0">
+                <a:solidFill>
+                  <a:srgbClr val="FF0000"/>
+                </a:solidFill>
+                <a:latin typeface="微軟正黑體" panose="020B0604030504040204" pitchFamily="34" charset="-120"/>
+                <a:ea typeface="微軟正黑體" panose="020B0604030504040204" pitchFamily="34" charset="-120"/>
+              </a:rPr>
+              <a:t>值可能相同</a:t>
+            </a:r>
+            <a:r>
+              <a:rPr lang="zh-TW" altLang="en-US" b="1" dirty="0">
+                <a:latin typeface="微軟正黑體" panose="020B0604030504040204" pitchFamily="34" charset="-120"/>
+                <a:ea typeface="微軟正黑體" panose="020B0604030504040204" pitchFamily="34" charset="-120"/>
+              </a:rPr>
+              <a:t>的</a:t>
+            </a:r>
+            <a:r>
+              <a:rPr lang="zh-TW" altLang="en-US" b="1" dirty="0" smtClean="0">
+                <a:latin typeface="微軟正黑體" panose="020B0604030504040204" pitchFamily="34" charset="-120"/>
+                <a:ea typeface="微軟正黑體" panose="020B0604030504040204" pitchFamily="34" charset="-120"/>
+              </a:rPr>
+              <a:t>問題。</a:t>
             </a:r>
             <a:endParaRPr lang="en-US" altLang="zh-TW" b="1" dirty="0" smtClean="0">
               <a:latin typeface="微軟正黑體" panose="020B0604030504040204" pitchFamily="34" charset="-120"/>
@@ -18412,7 +18766,7 @@
               <a:buChar char="l"/>
             </a:pPr>
             <a:r>
-              <a:rPr lang="zh-TW" altLang="zh-TW" b="1" dirty="0">
+              <a:rPr lang="zh-TW" altLang="zh-TW" b="1" dirty="0" smtClean="0">
                 <a:solidFill>
                   <a:srgbClr val="FF0000"/>
                 </a:solidFill>
@@ -18509,7 +18863,7 @@
         </p:nvSpPr>
         <p:spPr>
           <a:xfrm>
-            <a:off x="8326660" y="3314015"/>
+            <a:off x="8613483" y="2956910"/>
             <a:ext cx="3046412" cy="1754326"/>
           </a:xfrm>
           <a:prstGeom prst="rect">
@@ -18527,6 +18881,16 @@
               <a:buChar char="l"/>
             </a:pPr>
             <a:r>
+              <a:rPr lang="en-US" altLang="zh-TW" b="1" dirty="0" smtClean="0">
+                <a:solidFill>
+                  <a:srgbClr val="FF0000"/>
+                </a:solidFill>
+                <a:latin typeface="微軟正黑體" panose="020B0604030504040204" pitchFamily="34" charset="-120"/>
+                <a:ea typeface="微軟正黑體" panose="020B0604030504040204" pitchFamily="34" charset="-120"/>
+              </a:rPr>
+              <a:t>Fiat-Shamir</a:t>
+            </a:r>
+            <a:r>
               <a:rPr lang="zh-TW" altLang="en-US" b="1" dirty="0" smtClean="0">
                 <a:solidFill>
                   <a:srgbClr val="FF0000"/>
@@ -18608,6 +18972,20 @@
                 <a:ea typeface="微軟正黑體" panose="020B0604030504040204" pitchFamily="34" charset="-120"/>
               </a:rPr>
               <a:t>產生</a:t>
+            </a:r>
+            <a:r>
+              <a:rPr lang="en-US" altLang="zh-TW" b="1" dirty="0" smtClean="0">
+                <a:latin typeface="微軟正黑體" panose="020B0604030504040204" pitchFamily="34" charset="-120"/>
+                <a:ea typeface="微軟正黑體" panose="020B0604030504040204" pitchFamily="34" charset="-120"/>
+              </a:rPr>
+              <a:t> </a:t>
+            </a:r>
+            <a:r>
+              <a:rPr lang="en-US" altLang="zh-TW" sz="1200" b="1" dirty="0" smtClean="0">
+                <a:latin typeface="微軟正黑體" panose="020B0604030504040204" pitchFamily="34" charset="-120"/>
+                <a:ea typeface="微軟正黑體" panose="020B0604030504040204" pitchFamily="34" charset="-120"/>
+              </a:rPr>
+              <a:t>[3]</a:t>
             </a:r>
             <a:r>
               <a:rPr lang="zh-TW" altLang="en-US" b="1" dirty="0" smtClean="0">
@@ -18768,7 +19146,7 @@
           <p:cNvPr id="3" name="標題 2">
             <a:extLst>
               <a:ext uri="{FF2B5EF4-FFF2-40B4-BE49-F238E27FC236}">
-                <a16:creationId xmlns="" xmlns:a16="http://schemas.microsoft.com/office/drawing/2014/main" id="{4ABAB1B2-9811-49A5-968D-AA6F881D5BFC}"/>
+                <a16:creationId xmlns:a16="http://schemas.microsoft.com/office/drawing/2014/main" xmlns="" id="{4ABAB1B2-9811-49A5-968D-AA6F881D5BFC}"/>
               </a:ext>
             </a:extLst>
           </p:cNvPr>
@@ -18885,7 +19263,7 @@
           <p:cNvPr id="5" name="內容版面配置區 3">
             <a:extLst>
               <a:ext uri="{FF2B5EF4-FFF2-40B4-BE49-F238E27FC236}">
-                <a16:creationId xmlns="" xmlns:a16="http://schemas.microsoft.com/office/drawing/2014/main" id="{FCCA5DD9-09D4-479C-9F96-62D1622C7DB1}"/>
+                <a16:creationId xmlns:a16="http://schemas.microsoft.com/office/drawing/2014/main" xmlns="" id="{FCCA5DD9-09D4-479C-9F96-62D1622C7DB1}"/>
               </a:ext>
             </a:extLst>
           </p:cNvPr>
@@ -19182,8 +19560,20 @@
               <a:buSzPct val="100000"/>
             </a:pPr>
             <a:r>
+              <a:rPr lang="zh-TW" altLang="en-US" sz="2400" dirty="0" smtClean="0"/>
+              <a:t>精進版</a:t>
+            </a:r>
+            <a:r>
+              <a:rPr lang="en-US" altLang="zh-TW" sz="2400" dirty="0" err="1" smtClean="0"/>
+              <a:t>Schnorr</a:t>
+            </a:r>
+            <a:r>
               <a:rPr lang="en-US" altLang="zh-TW" sz="2400" dirty="0" smtClean="0"/>
-              <a:t>Schnorr Protocol</a:t>
+              <a:t> </a:t>
+            </a:r>
+            <a:r>
+              <a:rPr lang="en-US" altLang="zh-TW" sz="2400" dirty="0" smtClean="0"/>
+              <a:t>Protocol</a:t>
             </a:r>
             <a:r>
               <a:rPr lang="zh-TW" altLang="en-US" sz="2400" dirty="0" smtClean="0"/>
@@ -19317,7 +19707,7 @@
           <p:cNvPr id="19" name="標題 1">
             <a:extLst>
               <a:ext uri="{FF2B5EF4-FFF2-40B4-BE49-F238E27FC236}">
-                <a16:creationId xmlns="" xmlns:a16="http://schemas.microsoft.com/office/drawing/2014/main" id="{50E9A64D-4207-4980-8736-4201C3E0DC63}"/>
+                <a16:creationId xmlns:a16="http://schemas.microsoft.com/office/drawing/2014/main" xmlns="" id="{50E9A64D-4207-4980-8736-4201C3E0DC63}"/>
               </a:ext>
             </a:extLst>
           </p:cNvPr>
@@ -19393,7 +19783,7 @@
           <p:cNvPr id="24" name="內容版面配置區 2">
             <a:extLst>
               <a:ext uri="{FF2B5EF4-FFF2-40B4-BE49-F238E27FC236}">
-                <a16:creationId xmlns="" xmlns:a16="http://schemas.microsoft.com/office/drawing/2014/main" id="{F5C22ADD-7A5D-44F8-969C-F4721C016703}"/>
+                <a16:creationId xmlns:a16="http://schemas.microsoft.com/office/drawing/2014/main" xmlns="" id="{F5C22ADD-7A5D-44F8-969C-F4721C016703}"/>
               </a:ext>
             </a:extLst>
           </p:cNvPr>
@@ -19759,7 +20149,7 @@
               <p:cNvPr id="20" name="內容版面配置區 2">
                 <a:extLst>
                   <a:ext uri="{FF2B5EF4-FFF2-40B4-BE49-F238E27FC236}">
-                    <a16:creationId xmlns="" xmlns:a16="http://schemas.microsoft.com/office/drawing/2014/main" id="{2E881D55-3B47-403F-8F0E-EDFDE34A1B22}"/>
+                    <a16:creationId xmlns:a16="http://schemas.microsoft.com/office/drawing/2014/main" xmlns="" id="{2E881D55-3B47-403F-8F0E-EDFDE34A1B22}"/>
                   </a:ext>
                 </a:extLst>
               </p:cNvPr>
@@ -20779,7 +21169,7 @@
   <a:extraClrSchemeLst/>
   <a:extLst>
     <a:ext uri="{05A4C25C-085E-4340-85A3-A5531E510DB2}">
-      <thm15:themeFamily xmlns="" xmlns:thm15="http://schemas.microsoft.com/office/thememl/2012/main" name="Office_26713188_TF03460544" id="{6F554B24-2C09-4153-BF01-57653ED04444}" vid="{C80FED5E-EC00-4C61-90A9-0EA5EF995274}"/>
+      <thm15:themeFamily xmlns:thm15="http://schemas.microsoft.com/office/thememl/2012/main" xmlns="" name="Office_26713188_TF03460544" id="{6F554B24-2C09-4153-BF01-57653ED04444}" vid="{C80FED5E-EC00-4C61-90A9-0EA5EF995274}"/>
     </a:ext>
   </a:extLst>
 </a:theme>

--- a/密碼學期末專題簡報.pptx
+++ b/密碼學期末專題簡報.pptx
@@ -132,7 +132,7 @@
   </p:defaultTextStyle>
   <p:extLst>
     <p:ext uri="{EFAFB233-063F-42B5-8137-9DF3F51BA10A}">
-      <p15:sldGuideLst xmlns:p15="http://schemas.microsoft.com/office/powerpoint/2012/main" xmlns="">
+      <p15:sldGuideLst xmlns="" xmlns:p15="http://schemas.microsoft.com/office/powerpoint/2012/main">
         <p15:guide id="1" orient="horz" pos="2160">
           <p15:clr>
             <a:srgbClr val="A4A3A4"/>
@@ -161,7 +161,7 @@
       </p15:sldGuideLst>
     </p:ext>
     <p:ext uri="{2D200454-40CA-4A62-9FC3-DE9A4176ACB9}">
-      <p15:notesGuideLst xmlns:p15="http://schemas.microsoft.com/office/powerpoint/2012/main" xmlns="">
+      <p15:notesGuideLst xmlns="" xmlns:p15="http://schemas.microsoft.com/office/powerpoint/2012/main">
         <p15:guide id="1" orient="horz" pos="2880">
           <p15:clr>
             <a:srgbClr val="A4A3A4"/>
@@ -268,7 +268,7 @@
                 <a:latin typeface="Microsoft JhengHei UI" panose="020B0604030504040204" pitchFamily="34" charset="-120"/>
                 <a:ea typeface="Microsoft JhengHei UI" panose="020B0604030504040204" pitchFamily="34" charset="-120"/>
               </a:rPr>
-              <a:t>2025/5/22</a:t>
+              <a:t>2025/5/23</a:t>
             </a:fld>
             <a:endParaRPr lang="zh-TW" altLang="en-US">
               <a:latin typeface="Microsoft JhengHei UI" panose="020B0604030504040204" pitchFamily="34" charset="-120"/>
@@ -454,7 +454,7 @@
           <a:p>
             <a:fld id="{B0A587AB-C785-4ECC-B9BB-3D529D1F06DC}" type="datetime1">
               <a:rPr lang="zh-TW" altLang="en-US" noProof="0" smtClean="0"/>
-              <a:t>2025/5/22</a:t>
+              <a:t>2025/5/23</a:t>
             </a:fld>
             <a:endParaRPr lang="zh-TW" altLang="en-US" noProof="0" dirty="0"/>
           </a:p>
@@ -2890,7 +2890,7 @@
           <a:p>
             <a:fld id="{7025A1CD-099F-4E6B-845B-76AC65CEDBE7}" type="datetime1">
               <a:rPr lang="zh-TW" altLang="en-US" noProof="0" smtClean="0"/>
-              <a:t>2025/5/22</a:t>
+              <a:t>2025/5/23</a:t>
             </a:fld>
             <a:endParaRPr lang="zh-TW" altLang="en-US" noProof="0"/>
           </a:p>
@@ -2937,7 +2937,7 @@
           <p:cNvPr id="17" name="Picture 2" descr="國立臺灣大學">
             <a:extLst>
               <a:ext uri="{FF2B5EF4-FFF2-40B4-BE49-F238E27FC236}">
-                <a16:creationId xmlns:a16="http://schemas.microsoft.com/office/drawing/2014/main" xmlns="" id="{84C36C24-3B92-4925-8868-E617BA10AC38}"/>
+                <a16:creationId xmlns="" xmlns:a16="http://schemas.microsoft.com/office/drawing/2014/main" id="{84C36C24-3B92-4925-8868-E617BA10AC38}"/>
               </a:ext>
             </a:extLst>
           </p:cNvPr>
@@ -3314,7 +3314,7 @@
           <a:p>
             <a:fld id="{8A66919C-2879-4964-ADA5-05BE97665E98}" type="datetime1">
               <a:rPr lang="zh-TW" altLang="en-US" noProof="0" smtClean="0"/>
-              <a:t>2025/5/22</a:t>
+              <a:t>2025/5/23</a:t>
             </a:fld>
             <a:endParaRPr lang="zh-TW" altLang="en-US" noProof="0"/>
           </a:p>
@@ -3570,7 +3570,7 @@
           <a:p>
             <a:fld id="{C9FD95EC-10DD-4475-A030-8C9B84211375}" type="datetime1">
               <a:rPr lang="zh-TW" altLang="en-US" noProof="0" smtClean="0"/>
-              <a:t>2025/5/22</a:t>
+              <a:t>2025/5/23</a:t>
             </a:fld>
             <a:endParaRPr lang="zh-TW" altLang="en-US" noProof="0"/>
           </a:p>
@@ -3836,7 +3836,7 @@
           <a:p>
             <a:fld id="{FD4B027F-A9C0-4F33-A679-F17E60001344}" type="datetime1">
               <a:rPr lang="zh-TW" altLang="en-US" noProof="0" smtClean="0"/>
-              <a:t>2025/5/22</a:t>
+              <a:t>2025/5/23</a:t>
             </a:fld>
             <a:endParaRPr lang="zh-TW" altLang="en-US" noProof="0"/>
           </a:p>
@@ -4082,7 +4082,7 @@
           <a:p>
             <a:fld id="{EF3A231D-725F-43B6-A03C-0D1B80D07BE1}" type="datetime1">
               <a:rPr lang="zh-TW" altLang="en-US" noProof="0" smtClean="0"/>
-              <a:t>2025/5/22</a:t>
+              <a:t>2025/5/23</a:t>
             </a:fld>
             <a:endParaRPr lang="zh-TW" altLang="en-US" noProof="0"/>
           </a:p>
@@ -4338,7 +4338,7 @@
           <a:p>
             <a:fld id="{A1C8904F-070E-49CB-AD43-64EDE507F9B7}" type="datetime1">
               <a:rPr lang="zh-TW" altLang="en-US" noProof="0" smtClean="0"/>
-              <a:t>2025/5/22</a:t>
+              <a:t>2025/5/23</a:t>
             </a:fld>
             <a:endParaRPr lang="zh-TW" altLang="en-US" noProof="0"/>
           </a:p>
@@ -4491,7 +4491,7 @@
           <a:p>
             <a:fld id="{1A4D21C7-088F-4C14-AA88-F5DDEF7465A6}" type="datetime1">
               <a:rPr lang="zh-TW" altLang="en-US" noProof="0" smtClean="0"/>
-              <a:t>2025/5/22</a:t>
+              <a:t>2025/5/23</a:t>
             </a:fld>
             <a:endParaRPr lang="zh-TW" altLang="en-US" noProof="0"/>
           </a:p>
@@ -4536,7 +4536,7 @@
           <p:cNvPr id="2050" name="Picture 2" descr="台大遴選會決定遭駁回管中閔不是校長了，台灣學到什麼教訓？｜天下雜誌">
             <a:extLst>
               <a:ext uri="{FF2B5EF4-FFF2-40B4-BE49-F238E27FC236}">
-                <a16:creationId xmlns:a16="http://schemas.microsoft.com/office/drawing/2014/main" xmlns="" id="{AD25CCFA-A169-4B4D-9AAB-4FD3CE0117D8}"/>
+                <a16:creationId xmlns="" xmlns:a16="http://schemas.microsoft.com/office/drawing/2014/main" id="{AD25CCFA-A169-4B4D-9AAB-4FD3CE0117D8}"/>
               </a:ext>
             </a:extLst>
           </p:cNvPr>
@@ -4575,7 +4575,7 @@
           <p:cNvPr id="9" name="標題 1">
             <a:extLst>
               <a:ext uri="{FF2B5EF4-FFF2-40B4-BE49-F238E27FC236}">
-                <a16:creationId xmlns:a16="http://schemas.microsoft.com/office/drawing/2014/main" xmlns="" id="{BDFD2411-5069-4CA5-B66E-AB62E7A1DE60}"/>
+                <a16:creationId xmlns="" xmlns:a16="http://schemas.microsoft.com/office/drawing/2014/main" id="{BDFD2411-5069-4CA5-B66E-AB62E7A1DE60}"/>
               </a:ext>
             </a:extLst>
           </p:cNvPr>
@@ -4618,7 +4618,7 @@
           <p:cNvPr id="10" name="內容預留位置 2">
             <a:extLst>
               <a:ext uri="{FF2B5EF4-FFF2-40B4-BE49-F238E27FC236}">
-                <a16:creationId xmlns:a16="http://schemas.microsoft.com/office/drawing/2014/main" xmlns="" id="{BDA314B9-2928-4296-A8F2-C460B7717FDB}"/>
+                <a16:creationId xmlns="" xmlns:a16="http://schemas.microsoft.com/office/drawing/2014/main" id="{BDA314B9-2928-4296-A8F2-C460B7717FDB}"/>
               </a:ext>
             </a:extLst>
           </p:cNvPr>
@@ -4812,7 +4812,7 @@
           <a:p>
             <a:fld id="{07AFF883-2F10-4A07-ABF7-3E7D71A2862B}" type="datetime1">
               <a:rPr lang="zh-TW" altLang="en-US" noProof="0" smtClean="0"/>
-              <a:t>2025/5/22</a:t>
+              <a:t>2025/5/23</a:t>
             </a:fld>
             <a:endParaRPr lang="zh-TW" altLang="en-US" noProof="0"/>
           </a:p>
@@ -4857,7 +4857,7 @@
           <p:cNvPr id="2" name="箭號: 五邊形 1">
             <a:extLst>
               <a:ext uri="{FF2B5EF4-FFF2-40B4-BE49-F238E27FC236}">
-                <a16:creationId xmlns:a16="http://schemas.microsoft.com/office/drawing/2014/main" xmlns="" id="{2B2A4164-FC51-40C1-8307-BD11C0F8CFB5}"/>
+                <a16:creationId xmlns="" xmlns:a16="http://schemas.microsoft.com/office/drawing/2014/main" id="{2B2A4164-FC51-40C1-8307-BD11C0F8CFB5}"/>
               </a:ext>
             </a:extLst>
           </p:cNvPr>
@@ -4914,7 +4914,7 @@
           <p:cNvPr id="8" name="箭號: 五邊形 7">
             <a:extLst>
               <a:ext uri="{FF2B5EF4-FFF2-40B4-BE49-F238E27FC236}">
-                <a16:creationId xmlns:a16="http://schemas.microsoft.com/office/drawing/2014/main" xmlns="" id="{A42C3E17-FE95-45A4-BE55-35C930896E44}"/>
+                <a16:creationId xmlns="" xmlns:a16="http://schemas.microsoft.com/office/drawing/2014/main" id="{A42C3E17-FE95-45A4-BE55-35C930896E44}"/>
               </a:ext>
             </a:extLst>
           </p:cNvPr>
@@ -4971,7 +4971,7 @@
           <p:cNvPr id="9" name="Picture 2" descr="國立臺灣大學">
             <a:extLst>
               <a:ext uri="{FF2B5EF4-FFF2-40B4-BE49-F238E27FC236}">
-                <a16:creationId xmlns:a16="http://schemas.microsoft.com/office/drawing/2014/main" xmlns="" id="{2E88D82B-E998-4EDD-80FE-2F0EDEAEB0EB}"/>
+                <a16:creationId xmlns="" xmlns:a16="http://schemas.microsoft.com/office/drawing/2014/main" id="{2E88D82B-E998-4EDD-80FE-2F0EDEAEB0EB}"/>
               </a:ext>
             </a:extLst>
           </p:cNvPr>
@@ -5018,7 +5018,7 @@
           <p:cNvPr id="10" name="標題 1">
             <a:extLst>
               <a:ext uri="{FF2B5EF4-FFF2-40B4-BE49-F238E27FC236}">
-                <a16:creationId xmlns:a16="http://schemas.microsoft.com/office/drawing/2014/main" xmlns="" id="{93ABB2D6-1831-4B6F-8B8F-924BF377F7F3}"/>
+                <a16:creationId xmlns="" xmlns:a16="http://schemas.microsoft.com/office/drawing/2014/main" id="{93ABB2D6-1831-4B6F-8B8F-924BF377F7F3}"/>
               </a:ext>
             </a:extLst>
           </p:cNvPr>
@@ -5064,7 +5064,7 @@
           <p:cNvPr id="11" name="內容預留位置 2">
             <a:extLst>
               <a:ext uri="{FF2B5EF4-FFF2-40B4-BE49-F238E27FC236}">
-                <a16:creationId xmlns:a16="http://schemas.microsoft.com/office/drawing/2014/main" xmlns="" id="{802C1E61-2E34-4316-8FE7-FDF47C3C8932}"/>
+                <a16:creationId xmlns="" xmlns:a16="http://schemas.microsoft.com/office/drawing/2014/main" id="{802C1E61-2E34-4316-8FE7-FDF47C3C8932}"/>
               </a:ext>
             </a:extLst>
           </p:cNvPr>
@@ -5516,7 +5516,7 @@
           <a:p>
             <a:fld id="{492DEF5F-C38C-430A-A0DE-47FE9CE7FE7F}" type="datetime1">
               <a:rPr lang="zh-TW" altLang="en-US" noProof="0" smtClean="0"/>
-              <a:t>2025/5/22</a:t>
+              <a:t>2025/5/23</a:t>
             </a:fld>
             <a:endParaRPr lang="zh-TW" altLang="en-US" noProof="0"/>
           </a:p>
@@ -6026,7 +6026,7 @@
           <a:p>
             <a:fld id="{FB53CE18-37B0-4354-95BA-F6E2958D7E39}" type="datetime1">
               <a:rPr lang="zh-TW" altLang="en-US" noProof="0" smtClean="0"/>
-              <a:t>2025/5/22</a:t>
+              <a:t>2025/5/23</a:t>
             </a:fld>
             <a:endParaRPr lang="zh-TW" altLang="en-US" noProof="0"/>
           </a:p>
@@ -6188,7 +6188,7 @@
           <a:p>
             <a:fld id="{840D92E5-0E9E-447B-AB12-50B31DB78792}" type="datetime1">
               <a:rPr lang="zh-TW" altLang="en-US" noProof="0" smtClean="0"/>
-              <a:t>2025/5/22</a:t>
+              <a:t>2025/5/23</a:t>
             </a:fld>
             <a:endParaRPr lang="zh-TW" altLang="en-US" noProof="0"/>
           </a:p>
@@ -6479,7 +6479,7 @@
           <a:p>
             <a:fld id="{2DBDA392-58F4-49D0-A77B-A750F0E30EC9}" type="datetime1">
               <a:rPr lang="zh-TW" altLang="en-US" noProof="0" smtClean="0"/>
-              <a:t>2025/5/22</a:t>
+              <a:t>2025/5/23</a:t>
             </a:fld>
             <a:endParaRPr lang="zh-TW" altLang="en-US" noProof="0"/>
           </a:p>
@@ -6874,7 +6874,7 @@
           <a:p>
             <a:fld id="{6ADA41C7-C7E8-4EC2-8EC0-5E7AFDF89795}" type="datetime1">
               <a:rPr lang="zh-TW" altLang="en-US" noProof="0" smtClean="0"/>
-              <a:t>2025/5/22</a:t>
+              <a:t>2025/5/23</a:t>
             </a:fld>
             <a:endParaRPr lang="zh-TW" altLang="en-US" noProof="0"/>
           </a:p>
@@ -7448,7 +7448,7 @@
           <a:p>
             <a:fld id="{F1139FD8-5407-4A67-A886-B56A7B50E975}" type="datetime1">
               <a:rPr lang="zh-TW" altLang="en-US" noProof="0" smtClean="0"/>
-              <a:t>2025/5/22</a:t>
+              <a:t>2025/5/23</a:t>
             </a:fld>
             <a:endParaRPr lang="zh-TW" altLang="en-US" noProof="0"/>
           </a:p>
@@ -8255,7 +8255,7 @@
           <p:cNvPr id="19" name="標題 1">
             <a:extLst>
               <a:ext uri="{FF2B5EF4-FFF2-40B4-BE49-F238E27FC236}">
-                <a16:creationId xmlns:a16="http://schemas.microsoft.com/office/drawing/2014/main" xmlns="" id="{50E9A64D-4207-4980-8736-4201C3E0DC63}"/>
+                <a16:creationId xmlns="" xmlns:a16="http://schemas.microsoft.com/office/drawing/2014/main" id="{50E9A64D-4207-4980-8736-4201C3E0DC63}"/>
               </a:ext>
             </a:extLst>
           </p:cNvPr>
@@ -8331,7 +8331,7 @@
           <p:cNvPr id="24" name="內容版面配置區 2">
             <a:extLst>
               <a:ext uri="{FF2B5EF4-FFF2-40B4-BE49-F238E27FC236}">
-                <a16:creationId xmlns:a16="http://schemas.microsoft.com/office/drawing/2014/main" xmlns="" id="{F5C22ADD-7A5D-44F8-969C-F4721C016703}"/>
+                <a16:creationId xmlns="" xmlns:a16="http://schemas.microsoft.com/office/drawing/2014/main" id="{F5C22ADD-7A5D-44F8-969C-F4721C016703}"/>
               </a:ext>
             </a:extLst>
           </p:cNvPr>
@@ -8822,7 +8822,7 @@
               <p:cNvPr id="10" name="內容版面配置區 2">
                 <a:extLst>
                   <a:ext uri="{FF2B5EF4-FFF2-40B4-BE49-F238E27FC236}">
-                    <a16:creationId xmlns:a16="http://schemas.microsoft.com/office/drawing/2014/main" xmlns="" id="{2E881D55-3B47-403F-8F0E-EDFDE34A1B22}"/>
+                    <a16:creationId xmlns="" xmlns:a16="http://schemas.microsoft.com/office/drawing/2014/main" id="{2E881D55-3B47-403F-8F0E-EDFDE34A1B22}"/>
                   </a:ext>
                 </a:extLst>
               </p:cNvPr>
@@ -9056,7 +9056,7 @@
           <p:cNvPr id="19" name="標題 1">
             <a:extLst>
               <a:ext uri="{FF2B5EF4-FFF2-40B4-BE49-F238E27FC236}">
-                <a16:creationId xmlns:a16="http://schemas.microsoft.com/office/drawing/2014/main" xmlns="" id="{50E9A64D-4207-4980-8736-4201C3E0DC63}"/>
+                <a16:creationId xmlns="" xmlns:a16="http://schemas.microsoft.com/office/drawing/2014/main" id="{50E9A64D-4207-4980-8736-4201C3E0DC63}"/>
               </a:ext>
             </a:extLst>
           </p:cNvPr>
@@ -9132,7 +9132,7 @@
           <p:cNvPr id="24" name="內容版面配置區 2">
             <a:extLst>
               <a:ext uri="{FF2B5EF4-FFF2-40B4-BE49-F238E27FC236}">
-                <a16:creationId xmlns:a16="http://schemas.microsoft.com/office/drawing/2014/main" xmlns="" id="{F5C22ADD-7A5D-44F8-969C-F4721C016703}"/>
+                <a16:creationId xmlns="" xmlns:a16="http://schemas.microsoft.com/office/drawing/2014/main" id="{F5C22ADD-7A5D-44F8-969C-F4721C016703}"/>
               </a:ext>
             </a:extLst>
           </p:cNvPr>
@@ -9602,7 +9602,7 @@
           <p:cNvPr id="24" name="內容版面配置區 2">
             <a:extLst>
               <a:ext uri="{FF2B5EF4-FFF2-40B4-BE49-F238E27FC236}">
-                <a16:creationId xmlns:a16="http://schemas.microsoft.com/office/drawing/2014/main" xmlns="" id="{F5C22ADD-7A5D-44F8-969C-F4721C016703}"/>
+                <a16:creationId xmlns="" xmlns:a16="http://schemas.microsoft.com/office/drawing/2014/main" id="{F5C22ADD-7A5D-44F8-969C-F4721C016703}"/>
               </a:ext>
             </a:extLst>
           </p:cNvPr>
@@ -9866,19 +9866,7 @@
                 <a:latin typeface="微軟正黑體" panose="020B0604030504040204" pitchFamily="34" charset="-120"/>
                 <a:ea typeface="微軟正黑體" panose="020B0604030504040204" pitchFamily="34" charset="-120"/>
               </a:rPr>
-              <a:t> </a:t>
-            </a:r>
-            <a:r>
-              <a:rPr lang="en-US" altLang="zh-TW" sz="2800" b="1" dirty="0" smtClean="0">
-                <a:solidFill>
-                  <a:schemeClr val="accent1">
-                    <a:lumMod val="75000"/>
-                  </a:schemeClr>
-                </a:solidFill>
-                <a:latin typeface="微軟正黑體" panose="020B0604030504040204" pitchFamily="34" charset="-120"/>
-                <a:ea typeface="微軟正黑體" panose="020B0604030504040204" pitchFamily="34" charset="-120"/>
-              </a:rPr>
-              <a:t>Protocol </a:t>
+              <a:t> Protocol </a:t>
             </a:r>
             <a:r>
               <a:rPr lang="en-US" altLang="zh-TW" sz="2800" b="1" dirty="0" smtClean="0">
@@ -9921,14 +9909,14 @@
           </a:p>
         </p:txBody>
       </p:sp>
-      <mc:AlternateContent xmlns:mc="http://schemas.openxmlformats.org/markup-compatibility/2006">
-        <mc:Choice xmlns:a14="http://schemas.microsoft.com/office/drawing/2010/main" Requires="a14">
+      <mc:AlternateContent xmlns:mc="http://schemas.openxmlformats.org/markup-compatibility/2006" xmlns:a14="http://schemas.microsoft.com/office/drawing/2010/main">
+        <mc:Choice Requires="a14">
           <p:sp>
             <p:nvSpPr>
               <p:cNvPr id="10" name="內容版面配置區 2">
                 <a:extLst>
                   <a:ext uri="{FF2B5EF4-FFF2-40B4-BE49-F238E27FC236}">
-                    <a16:creationId xmlns:a16="http://schemas.microsoft.com/office/drawing/2014/main" xmlns="" id="{2E881D55-3B47-403F-8F0E-EDFDE34A1B22}"/>
+                    <a16:creationId xmlns="" xmlns:a16="http://schemas.microsoft.com/office/drawing/2014/main" id="{2E881D55-3B47-403F-8F0E-EDFDE34A1B22}"/>
                   </a:ext>
                 </a:extLst>
               </p:cNvPr>
@@ -10578,7 +10566,7 @@
             </p:txBody>
           </p:sp>
         </mc:Choice>
-        <mc:Fallback>
+        <mc:Fallback xmlns="">
           <p:sp>
             <p:nvSpPr>
               <p:cNvPr id="10" name="內容版面配置區 2">
@@ -10651,7 +10639,7 @@
           <p:cNvPr id="19" name="標題 1">
             <a:extLst>
               <a:ext uri="{FF2B5EF4-FFF2-40B4-BE49-F238E27FC236}">
-                <a16:creationId xmlns:a16="http://schemas.microsoft.com/office/drawing/2014/main" xmlns="" id="{50E9A64D-4207-4980-8736-4201C3E0DC63}"/>
+                <a16:creationId xmlns="" xmlns:a16="http://schemas.microsoft.com/office/drawing/2014/main" id="{50E9A64D-4207-4980-8736-4201C3E0DC63}"/>
               </a:ext>
             </a:extLst>
           </p:cNvPr>
@@ -10800,7 +10788,7 @@
           <p:cNvPr id="19" name="標題 1">
             <a:extLst>
               <a:ext uri="{FF2B5EF4-FFF2-40B4-BE49-F238E27FC236}">
-                <a16:creationId xmlns:a16="http://schemas.microsoft.com/office/drawing/2014/main" xmlns="" id="{50E9A64D-4207-4980-8736-4201C3E0DC63}"/>
+                <a16:creationId xmlns="" xmlns:a16="http://schemas.microsoft.com/office/drawing/2014/main" id="{50E9A64D-4207-4980-8736-4201C3E0DC63}"/>
               </a:ext>
             </a:extLst>
           </p:cNvPr>
@@ -10876,7 +10864,7 @@
           <p:cNvPr id="24" name="內容版面配置區 2">
             <a:extLst>
               <a:ext uri="{FF2B5EF4-FFF2-40B4-BE49-F238E27FC236}">
-                <a16:creationId xmlns:a16="http://schemas.microsoft.com/office/drawing/2014/main" xmlns="" id="{F5C22ADD-7A5D-44F8-969C-F4721C016703}"/>
+                <a16:creationId xmlns="" xmlns:a16="http://schemas.microsoft.com/office/drawing/2014/main" id="{F5C22ADD-7A5D-44F8-969C-F4721C016703}"/>
               </a:ext>
             </a:extLst>
           </p:cNvPr>
@@ -11140,19 +11128,7 @@
                 <a:latin typeface="微軟正黑體" panose="020B0604030504040204" pitchFamily="34" charset="-120"/>
                 <a:ea typeface="微軟正黑體" panose="020B0604030504040204" pitchFamily="34" charset="-120"/>
               </a:rPr>
-              <a:t> </a:t>
-            </a:r>
-            <a:r>
-              <a:rPr lang="en-US" altLang="zh-TW" sz="2800" b="1" dirty="0" smtClean="0">
-                <a:solidFill>
-                  <a:schemeClr val="accent1">
-                    <a:lumMod val="75000"/>
-                  </a:schemeClr>
-                </a:solidFill>
-                <a:latin typeface="微軟正黑體" panose="020B0604030504040204" pitchFamily="34" charset="-120"/>
-                <a:ea typeface="微軟正黑體" panose="020B0604030504040204" pitchFamily="34" charset="-120"/>
-              </a:rPr>
-              <a:t>Protocol </a:t>
+              <a:t> Protocol </a:t>
             </a:r>
             <a:r>
               <a:rPr lang="en-US" altLang="zh-TW" sz="2800" b="1" dirty="0" smtClean="0">
@@ -11251,7 +11227,7 @@
       </p:pic>
       <p:pic>
         <p:nvPicPr>
-          <p:cNvPr id="8" name="圖片 7"/>
+          <p:cNvPr id="7" name="圖片 6"/>
           <p:cNvPicPr/>
           <p:nvPr/>
         </p:nvPicPr>
@@ -11263,8 +11239,8 @@
         </p:blipFill>
         <p:spPr>
           <a:xfrm>
-            <a:off x="403152" y="1624382"/>
-            <a:ext cx="5835276" cy="4612930"/>
+            <a:off x="405780" y="1628800"/>
+            <a:ext cx="5832648" cy="4680520"/>
           </a:xfrm>
           <a:prstGeom prst="rect">
             <a:avLst/>
@@ -11349,7 +11325,7 @@
           <p:cNvPr id="19" name="標題 1">
             <a:extLst>
               <a:ext uri="{FF2B5EF4-FFF2-40B4-BE49-F238E27FC236}">
-                <a16:creationId xmlns:a16="http://schemas.microsoft.com/office/drawing/2014/main" xmlns="" id="{50E9A64D-4207-4980-8736-4201C3E0DC63}"/>
+                <a16:creationId xmlns="" xmlns:a16="http://schemas.microsoft.com/office/drawing/2014/main" id="{50E9A64D-4207-4980-8736-4201C3E0DC63}"/>
               </a:ext>
             </a:extLst>
           </p:cNvPr>
@@ -11425,7 +11401,7 @@
           <p:cNvPr id="24" name="內容版面配置區 2">
             <a:extLst>
               <a:ext uri="{FF2B5EF4-FFF2-40B4-BE49-F238E27FC236}">
-                <a16:creationId xmlns:a16="http://schemas.microsoft.com/office/drawing/2014/main" xmlns="" id="{F5C22ADD-7A5D-44F8-969C-F4721C016703}"/>
+                <a16:creationId xmlns="" xmlns:a16="http://schemas.microsoft.com/office/drawing/2014/main" id="{F5C22ADD-7A5D-44F8-969C-F4721C016703}"/>
               </a:ext>
             </a:extLst>
           </p:cNvPr>
@@ -11689,19 +11665,7 @@
                 <a:latin typeface="微軟正黑體" panose="020B0604030504040204" pitchFamily="34" charset="-120"/>
                 <a:ea typeface="微軟正黑體" panose="020B0604030504040204" pitchFamily="34" charset="-120"/>
               </a:rPr>
-              <a:t> </a:t>
-            </a:r>
-            <a:r>
-              <a:rPr lang="en-US" altLang="zh-TW" sz="2800" b="1" dirty="0" smtClean="0">
-                <a:solidFill>
-                  <a:schemeClr val="accent1">
-                    <a:lumMod val="75000"/>
-                  </a:schemeClr>
-                </a:solidFill>
-                <a:latin typeface="微軟正黑體" panose="020B0604030504040204" pitchFamily="34" charset="-120"/>
-                <a:ea typeface="微軟正黑體" panose="020B0604030504040204" pitchFamily="34" charset="-120"/>
-              </a:rPr>
-              <a:t>Protocol </a:t>
+              <a:t> Protocol </a:t>
             </a:r>
             <a:r>
               <a:rPr lang="en-US" altLang="zh-TW" sz="2800" b="1" dirty="0" smtClean="0">
@@ -11791,7 +11755,7 @@
       </p:sp>
       <p:pic>
         <p:nvPicPr>
-          <p:cNvPr id="1026" name="Picture 2"/>
+          <p:cNvPr id="3" name="Picture 2"/>
           <p:cNvPicPr>
             <a:picLocks noChangeAspect="1" noChangeArrowheads="1"/>
           </p:cNvPicPr>
@@ -11812,8 +11776,8 @@
         </p:blipFill>
         <p:spPr bwMode="auto">
           <a:xfrm>
-            <a:off x="2854052" y="1806699"/>
-            <a:ext cx="6038850" cy="1838325"/>
+            <a:off x="2923253" y="1645356"/>
+            <a:ext cx="6057900" cy="1828800"/>
           </a:xfrm>
           <a:prstGeom prst="rect">
             <a:avLst/>
@@ -11845,7 +11809,7 @@
       </p:pic>
       <p:pic>
         <p:nvPicPr>
-          <p:cNvPr id="1028" name="Picture 4"/>
+          <p:cNvPr id="1027" name="Picture 3"/>
           <p:cNvPicPr>
             <a:picLocks noChangeAspect="1" noChangeArrowheads="1"/>
           </p:cNvPicPr>
@@ -11866,8 +11830,8 @@
         </p:blipFill>
         <p:spPr bwMode="auto">
           <a:xfrm>
-            <a:off x="2931690" y="4511888"/>
-            <a:ext cx="6115050" cy="1562100"/>
+            <a:off x="2854052" y="4555286"/>
+            <a:ext cx="6334125" cy="1543050"/>
           </a:xfrm>
           <a:prstGeom prst="rect">
             <a:avLst/>
@@ -11951,7 +11915,7 @@
           <p:cNvPr id="24" name="內容版面配置區 2">
             <a:extLst>
               <a:ext uri="{FF2B5EF4-FFF2-40B4-BE49-F238E27FC236}">
-                <a16:creationId xmlns:a16="http://schemas.microsoft.com/office/drawing/2014/main" xmlns="" id="{F5C22ADD-7A5D-44F8-969C-F4721C016703}"/>
+                <a16:creationId xmlns="" xmlns:a16="http://schemas.microsoft.com/office/drawing/2014/main" id="{F5C22ADD-7A5D-44F8-969C-F4721C016703}"/>
               </a:ext>
             </a:extLst>
           </p:cNvPr>
@@ -12291,7 +12255,7 @@
           <p:cNvPr id="10" name="內容版面配置區 2">
             <a:extLst>
               <a:ext uri="{FF2B5EF4-FFF2-40B4-BE49-F238E27FC236}">
-                <a16:creationId xmlns:a16="http://schemas.microsoft.com/office/drawing/2014/main" xmlns="" id="{2E881D55-3B47-403F-8F0E-EDFDE34A1B22}"/>
+                <a16:creationId xmlns="" xmlns:a16="http://schemas.microsoft.com/office/drawing/2014/main" id="{2E881D55-3B47-403F-8F0E-EDFDE34A1B22}"/>
               </a:ext>
             </a:extLst>
           </p:cNvPr>
@@ -12402,7 +12366,7 @@
           <p:cNvPr id="19" name="標題 1">
             <a:extLst>
               <a:ext uri="{FF2B5EF4-FFF2-40B4-BE49-F238E27FC236}">
-                <a16:creationId xmlns:a16="http://schemas.microsoft.com/office/drawing/2014/main" xmlns="" id="{50E9A64D-4207-4980-8736-4201C3E0DC63}"/>
+                <a16:creationId xmlns="" xmlns:a16="http://schemas.microsoft.com/office/drawing/2014/main" id="{50E9A64D-4207-4980-8736-4201C3E0DC63}"/>
               </a:ext>
             </a:extLst>
           </p:cNvPr>
@@ -12527,7 +12491,7 @@
           <p:cNvPr id="3" name="標題 2">
             <a:extLst>
               <a:ext uri="{FF2B5EF4-FFF2-40B4-BE49-F238E27FC236}">
-                <a16:creationId xmlns:a16="http://schemas.microsoft.com/office/drawing/2014/main" xmlns="" id="{4ABAB1B2-9811-49A5-968D-AA6F881D5BFC}"/>
+                <a16:creationId xmlns="" xmlns:a16="http://schemas.microsoft.com/office/drawing/2014/main" id="{4ABAB1B2-9811-49A5-968D-AA6F881D5BFC}"/>
               </a:ext>
             </a:extLst>
           </p:cNvPr>
@@ -12608,7 +12572,7 @@
           <p:cNvPr id="4" name="內容版面配置區 3">
             <a:extLst>
               <a:ext uri="{FF2B5EF4-FFF2-40B4-BE49-F238E27FC236}">
-                <a16:creationId xmlns:a16="http://schemas.microsoft.com/office/drawing/2014/main" xmlns="" id="{FCCA5DD9-09D4-479C-9F96-62D1622C7DB1}"/>
+                <a16:creationId xmlns="" xmlns:a16="http://schemas.microsoft.com/office/drawing/2014/main" id="{FCCA5DD9-09D4-479C-9F96-62D1622C7DB1}"/>
               </a:ext>
             </a:extLst>
           </p:cNvPr>
@@ -12784,7 +12748,7 @@
           <p:cNvPr id="19" name="標題 1">
             <a:extLst>
               <a:ext uri="{FF2B5EF4-FFF2-40B4-BE49-F238E27FC236}">
-                <a16:creationId xmlns:a16="http://schemas.microsoft.com/office/drawing/2014/main" xmlns="" id="{50E9A64D-4207-4980-8736-4201C3E0DC63}"/>
+                <a16:creationId xmlns="" xmlns:a16="http://schemas.microsoft.com/office/drawing/2014/main" id="{50E9A64D-4207-4980-8736-4201C3E0DC63}"/>
               </a:ext>
             </a:extLst>
           </p:cNvPr>
@@ -12832,7 +12796,7 @@
           <p:cNvPr id="24" name="內容版面配置區 2">
             <a:extLst>
               <a:ext uri="{FF2B5EF4-FFF2-40B4-BE49-F238E27FC236}">
-                <a16:creationId xmlns:a16="http://schemas.microsoft.com/office/drawing/2014/main" xmlns="" id="{F5C22ADD-7A5D-44F8-969C-F4721C016703}"/>
+                <a16:creationId xmlns="" xmlns:a16="http://schemas.microsoft.com/office/drawing/2014/main" id="{F5C22ADD-7A5D-44F8-969C-F4721C016703}"/>
               </a:ext>
             </a:extLst>
           </p:cNvPr>
@@ -13104,7 +13068,7 @@
           <p:cNvPr id="20" name="內容版面配置區 2">
             <a:extLst>
               <a:ext uri="{FF2B5EF4-FFF2-40B4-BE49-F238E27FC236}">
-                <a16:creationId xmlns:a16="http://schemas.microsoft.com/office/drawing/2014/main" xmlns="" id="{2E881D55-3B47-403F-8F0E-EDFDE34A1B22}"/>
+                <a16:creationId xmlns="" xmlns:a16="http://schemas.microsoft.com/office/drawing/2014/main" id="{2E881D55-3B47-403F-8F0E-EDFDE34A1B22}"/>
               </a:ext>
             </a:extLst>
           </p:cNvPr>
@@ -13217,7 +13181,7 @@
           <p:cNvPr id="3" name="標題 2">
             <a:extLst>
               <a:ext uri="{FF2B5EF4-FFF2-40B4-BE49-F238E27FC236}">
-                <a16:creationId xmlns:a16="http://schemas.microsoft.com/office/drawing/2014/main" xmlns="" id="{4ABAB1B2-9811-49A5-968D-AA6F881D5BFC}"/>
+                <a16:creationId xmlns="" xmlns:a16="http://schemas.microsoft.com/office/drawing/2014/main" id="{4ABAB1B2-9811-49A5-968D-AA6F881D5BFC}"/>
               </a:ext>
             </a:extLst>
           </p:cNvPr>
@@ -13286,7 +13250,7 @@
           <p:cNvPr id="4" name="內容版面配置區 3">
             <a:extLst>
               <a:ext uri="{FF2B5EF4-FFF2-40B4-BE49-F238E27FC236}">
-                <a16:creationId xmlns:a16="http://schemas.microsoft.com/office/drawing/2014/main" xmlns="" id="{FCCA5DD9-09D4-479C-9F96-62D1622C7DB1}"/>
+                <a16:creationId xmlns="" xmlns:a16="http://schemas.microsoft.com/office/drawing/2014/main" id="{FCCA5DD9-09D4-479C-9F96-62D1622C7DB1}"/>
               </a:ext>
             </a:extLst>
           </p:cNvPr>
@@ -13483,7 +13447,7 @@
           <p:cNvPr id="19" name="標題 1">
             <a:extLst>
               <a:ext uri="{FF2B5EF4-FFF2-40B4-BE49-F238E27FC236}">
-                <a16:creationId xmlns:a16="http://schemas.microsoft.com/office/drawing/2014/main" xmlns="" id="{50E9A64D-4207-4980-8736-4201C3E0DC63}"/>
+                <a16:creationId xmlns="" xmlns:a16="http://schemas.microsoft.com/office/drawing/2014/main" id="{50E9A64D-4207-4980-8736-4201C3E0DC63}"/>
               </a:ext>
             </a:extLst>
           </p:cNvPr>
@@ -13523,7 +13487,7 @@
           <p:cNvPr id="24" name="內容版面配置區 2">
             <a:extLst>
               <a:ext uri="{FF2B5EF4-FFF2-40B4-BE49-F238E27FC236}">
-                <a16:creationId xmlns:a16="http://schemas.microsoft.com/office/drawing/2014/main" xmlns="" id="{F5C22ADD-7A5D-44F8-969C-F4721C016703}"/>
+                <a16:creationId xmlns="" xmlns:a16="http://schemas.microsoft.com/office/drawing/2014/main" id="{F5C22ADD-7A5D-44F8-969C-F4721C016703}"/>
               </a:ext>
             </a:extLst>
           </p:cNvPr>
@@ -13795,7 +13759,7 @@
           <p:cNvPr id="20" name="內容版面配置區 2">
             <a:extLst>
               <a:ext uri="{FF2B5EF4-FFF2-40B4-BE49-F238E27FC236}">
-                <a16:creationId xmlns:a16="http://schemas.microsoft.com/office/drawing/2014/main" xmlns="" id="{2E881D55-3B47-403F-8F0E-EDFDE34A1B22}"/>
+                <a16:creationId xmlns="" xmlns:a16="http://schemas.microsoft.com/office/drawing/2014/main" id="{2E881D55-3B47-403F-8F0E-EDFDE34A1B22}"/>
               </a:ext>
             </a:extLst>
           </p:cNvPr>
@@ -13908,7 +13872,7 @@
           <p:cNvPr id="4" name="標題 1">
             <a:extLst>
               <a:ext uri="{FF2B5EF4-FFF2-40B4-BE49-F238E27FC236}">
-                <a16:creationId xmlns:a16="http://schemas.microsoft.com/office/drawing/2014/main" xmlns="" id="{5E6B7CFB-F29E-40F1-941C-60839576EFD3}"/>
+                <a16:creationId xmlns="" xmlns:a16="http://schemas.microsoft.com/office/drawing/2014/main" id="{5E6B7CFB-F29E-40F1-941C-60839576EFD3}"/>
               </a:ext>
             </a:extLst>
           </p:cNvPr>
@@ -13974,7 +13938,7 @@
           <p:cNvPr id="5" name="內容版面配置區 2">
             <a:extLst>
               <a:ext uri="{FF2B5EF4-FFF2-40B4-BE49-F238E27FC236}">
-                <a16:creationId xmlns:a16="http://schemas.microsoft.com/office/drawing/2014/main" xmlns="" id="{A302D0AD-FC16-4984-8880-9A709EF0C7EB}"/>
+                <a16:creationId xmlns="" xmlns:a16="http://schemas.microsoft.com/office/drawing/2014/main" id="{A302D0AD-FC16-4984-8880-9A709EF0C7EB}"/>
               </a:ext>
             </a:extLst>
           </p:cNvPr>
@@ -14505,7 +14469,7 @@
           <p:cNvPr id="19" name="標題 1">
             <a:extLst>
               <a:ext uri="{FF2B5EF4-FFF2-40B4-BE49-F238E27FC236}">
-                <a16:creationId xmlns:a16="http://schemas.microsoft.com/office/drawing/2014/main" xmlns="" id="{50E9A64D-4207-4980-8736-4201C3E0DC63}"/>
+                <a16:creationId xmlns="" xmlns:a16="http://schemas.microsoft.com/office/drawing/2014/main" id="{50E9A64D-4207-4980-8736-4201C3E0DC63}"/>
               </a:ext>
             </a:extLst>
           </p:cNvPr>
@@ -14540,7 +14504,7 @@
           <p:cNvPr id="24" name="內容版面配置區 2">
             <a:extLst>
               <a:ext uri="{FF2B5EF4-FFF2-40B4-BE49-F238E27FC236}">
-                <a16:creationId xmlns:a16="http://schemas.microsoft.com/office/drawing/2014/main" xmlns="" id="{F5C22ADD-7A5D-44F8-969C-F4721C016703}"/>
+                <a16:creationId xmlns="" xmlns:a16="http://schemas.microsoft.com/office/drawing/2014/main" id="{F5C22ADD-7A5D-44F8-969C-F4721C016703}"/>
               </a:ext>
             </a:extLst>
           </p:cNvPr>
@@ -14802,13 +14766,7 @@
               <a:rPr lang="en-US" altLang="zh-TW" sz="1800" b="1" dirty="0">
                 <a:hlinkClick r:id="rId3"/>
               </a:rPr>
-              <a:t>https://</a:t>
-            </a:r>
-            <a:r>
-              <a:rPr lang="en-US" altLang="zh-TW" sz="1800" b="1" dirty="0">
-                <a:hlinkClick r:id="rId3"/>
-              </a:rPr>
-              <a:t>doi.org/10.1137/0218012</a:t>
+              <a:t>https://doi.org/10.1137/0218012</a:t>
             </a:r>
             <a:endParaRPr lang="en-US" altLang="zh-TW" sz="1800" b="1" dirty="0"/>
           </a:p>
@@ -14830,11 +14788,7 @@
             </a:r>
             <a:r>
               <a:rPr lang="en-US" altLang="zh-TW" sz="1800" b="1" dirty="0"/>
-              <a:t>, C. P. (1990). Efficient identification and signatures for smart cards. In G. Brassard </a:t>
-            </a:r>
-            <a:r>
-              <a:rPr lang="en-US" altLang="zh-TW" sz="1800" b="1" dirty="0"/>
-              <a:t>(Ed.), Advances in Cryptology – CRYPTO ’89 (Lecture Notes in Computer Science, Vol. 435, pp. 239–252). Springer. </a:t>
+              <a:t>, C. P. (1990). Efficient identification and signatures for smart cards. In G. Brassard (Ed.), Advances in Cryptology – CRYPTO ’89 (Lecture Notes in Computer Science, Vol. 435, pp. 239–252). Springer. </a:t>
             </a:r>
             <a:r>
               <a:rPr lang="en-US" altLang="zh-TW" sz="1800" b="1" dirty="0">
@@ -14864,11 +14818,7 @@
             </a:r>
             <a:r>
               <a:rPr lang="en-US" altLang="zh-TW" sz="1800" b="1" dirty="0"/>
-              <a:t>, A., &amp; Shamir, A. </a:t>
-            </a:r>
-            <a:r>
-              <a:rPr lang="en-US" altLang="zh-TW" sz="1800" b="1" dirty="0"/>
-              <a:t>(1987). How to prove yourself: Practical solutions to identification and signature problems. In A. M. </a:t>
+              <a:t>, A., &amp; Shamir, A. (1987). How to prove yourself: Practical solutions to identification and signature problems. In A. M. </a:t>
             </a:r>
             <a:r>
               <a:rPr lang="en-US" altLang="zh-TW" sz="1800" b="1" dirty="0" err="1"/>
@@ -15011,7 +14961,7 @@
           <p:cNvPr id="7" name="標題 1">
             <a:extLst>
               <a:ext uri="{FF2B5EF4-FFF2-40B4-BE49-F238E27FC236}">
-                <a16:creationId xmlns:a16="http://schemas.microsoft.com/office/drawing/2014/main" xmlns="" id="{50E9A64D-4207-4980-8736-4201C3E0DC63}"/>
+                <a16:creationId xmlns="" xmlns:a16="http://schemas.microsoft.com/office/drawing/2014/main" id="{50E9A64D-4207-4980-8736-4201C3E0DC63}"/>
               </a:ext>
             </a:extLst>
           </p:cNvPr>
@@ -15123,7 +15073,7 @@
           <p:cNvPr id="3" name="標題 2">
             <a:extLst>
               <a:ext uri="{FF2B5EF4-FFF2-40B4-BE49-F238E27FC236}">
-                <a16:creationId xmlns:a16="http://schemas.microsoft.com/office/drawing/2014/main" xmlns="" id="{4ABAB1B2-9811-49A5-968D-AA6F881D5BFC}"/>
+                <a16:creationId xmlns="" xmlns:a16="http://schemas.microsoft.com/office/drawing/2014/main" id="{4ABAB1B2-9811-49A5-968D-AA6F881D5BFC}"/>
               </a:ext>
             </a:extLst>
           </p:cNvPr>
@@ -15180,7 +15130,7 @@
           <p:cNvPr id="4" name="內容版面配置區 3">
             <a:extLst>
               <a:ext uri="{FF2B5EF4-FFF2-40B4-BE49-F238E27FC236}">
-                <a16:creationId xmlns:a16="http://schemas.microsoft.com/office/drawing/2014/main" xmlns="" id="{FCCA5DD9-09D4-479C-9F96-62D1622C7DB1}"/>
+                <a16:creationId xmlns="" xmlns:a16="http://schemas.microsoft.com/office/drawing/2014/main" id="{FCCA5DD9-09D4-479C-9F96-62D1622C7DB1}"/>
               </a:ext>
             </a:extLst>
           </p:cNvPr>
@@ -15356,7 +15306,7 @@
           <p:cNvPr id="19" name="標題 1">
             <a:extLst>
               <a:ext uri="{FF2B5EF4-FFF2-40B4-BE49-F238E27FC236}">
-                <a16:creationId xmlns:a16="http://schemas.microsoft.com/office/drawing/2014/main" xmlns="" id="{50E9A64D-4207-4980-8736-4201C3E0DC63}"/>
+                <a16:creationId xmlns="" xmlns:a16="http://schemas.microsoft.com/office/drawing/2014/main" id="{50E9A64D-4207-4980-8736-4201C3E0DC63}"/>
               </a:ext>
             </a:extLst>
           </p:cNvPr>
@@ -15392,7 +15342,7 @@
           <p:cNvPr id="24" name="內容版面配置區 2">
             <a:extLst>
               <a:ext uri="{FF2B5EF4-FFF2-40B4-BE49-F238E27FC236}">
-                <a16:creationId xmlns:a16="http://schemas.microsoft.com/office/drawing/2014/main" xmlns="" id="{F5C22ADD-7A5D-44F8-969C-F4721C016703}"/>
+                <a16:creationId xmlns="" xmlns:a16="http://schemas.microsoft.com/office/drawing/2014/main" id="{F5C22ADD-7A5D-44F8-969C-F4721C016703}"/>
               </a:ext>
             </a:extLst>
           </p:cNvPr>
@@ -16230,15 +16180,6 @@
               </a:rPr>
               <a:t> </a:t>
             </a:r>
-            <a:endParaRPr lang="zh-TW" altLang="en-US" sz="3000" b="1" dirty="0" smtClean="0">
-              <a:solidFill>
-                <a:schemeClr val="bg2">
-                  <a:lumMod val="50000"/>
-                </a:schemeClr>
-              </a:solidFill>
-              <a:latin typeface="微軟正黑體" panose="020B0604030504040204" pitchFamily="34" charset="-120"/>
-              <a:ea typeface="微軟正黑體" panose="020B0604030504040204" pitchFamily="34" charset="-120"/>
-            </a:endParaRPr>
           </a:p>
         </p:txBody>
       </p:sp>
@@ -16817,7 +16758,7 @@
           <p:cNvPr id="19" name="標題 1">
             <a:extLst>
               <a:ext uri="{FF2B5EF4-FFF2-40B4-BE49-F238E27FC236}">
-                <a16:creationId xmlns:a16="http://schemas.microsoft.com/office/drawing/2014/main" xmlns="" id="{50E9A64D-4207-4980-8736-4201C3E0DC63}"/>
+                <a16:creationId xmlns="" xmlns:a16="http://schemas.microsoft.com/office/drawing/2014/main" id="{50E9A64D-4207-4980-8736-4201C3E0DC63}"/>
               </a:ext>
             </a:extLst>
           </p:cNvPr>
@@ -16856,7 +16797,7 @@
           <p:cNvPr id="24" name="內容版面配置區 2">
             <a:extLst>
               <a:ext uri="{FF2B5EF4-FFF2-40B4-BE49-F238E27FC236}">
-                <a16:creationId xmlns:a16="http://schemas.microsoft.com/office/drawing/2014/main" xmlns="" id="{F5C22ADD-7A5D-44F8-969C-F4721C016703}"/>
+                <a16:creationId xmlns="" xmlns:a16="http://schemas.microsoft.com/office/drawing/2014/main" id="{F5C22ADD-7A5D-44F8-969C-F4721C016703}"/>
               </a:ext>
             </a:extLst>
           </p:cNvPr>
@@ -17128,7 +17069,7 @@
           <p:cNvPr id="20" name="內容版面配置區 2">
             <a:extLst>
               <a:ext uri="{FF2B5EF4-FFF2-40B4-BE49-F238E27FC236}">
-                <a16:creationId xmlns:a16="http://schemas.microsoft.com/office/drawing/2014/main" xmlns="" id="{2E881D55-3B47-403F-8F0E-EDFDE34A1B22}"/>
+                <a16:creationId xmlns="" xmlns:a16="http://schemas.microsoft.com/office/drawing/2014/main" id="{2E881D55-3B47-403F-8F0E-EDFDE34A1B22}"/>
               </a:ext>
             </a:extLst>
           </p:cNvPr>
@@ -17346,7 +17287,7 @@
           <p:cNvPr id="3" name="標題 2">
             <a:extLst>
               <a:ext uri="{FF2B5EF4-FFF2-40B4-BE49-F238E27FC236}">
-                <a16:creationId xmlns:a16="http://schemas.microsoft.com/office/drawing/2014/main" xmlns="" id="{4ABAB1B2-9811-49A5-968D-AA6F881D5BFC}"/>
+                <a16:creationId xmlns="" xmlns:a16="http://schemas.microsoft.com/office/drawing/2014/main" id="{4ABAB1B2-9811-49A5-968D-AA6F881D5BFC}"/>
               </a:ext>
             </a:extLst>
           </p:cNvPr>
@@ -17415,7 +17356,7 @@
           <p:cNvPr id="4" name="內容版面配置區 3">
             <a:extLst>
               <a:ext uri="{FF2B5EF4-FFF2-40B4-BE49-F238E27FC236}">
-                <a16:creationId xmlns:a16="http://schemas.microsoft.com/office/drawing/2014/main" xmlns="" id="{FCCA5DD9-09D4-479C-9F96-62D1622C7DB1}"/>
+                <a16:creationId xmlns="" xmlns:a16="http://schemas.microsoft.com/office/drawing/2014/main" id="{FCCA5DD9-09D4-479C-9F96-62D1622C7DB1}"/>
               </a:ext>
             </a:extLst>
           </p:cNvPr>
@@ -17678,7 +17619,7 @@
           <p:cNvPr id="19" name="標題 1">
             <a:extLst>
               <a:ext uri="{FF2B5EF4-FFF2-40B4-BE49-F238E27FC236}">
-                <a16:creationId xmlns:a16="http://schemas.microsoft.com/office/drawing/2014/main" xmlns="" id="{50E9A64D-4207-4980-8736-4201C3E0DC63}"/>
+                <a16:creationId xmlns="" xmlns:a16="http://schemas.microsoft.com/office/drawing/2014/main" id="{50E9A64D-4207-4980-8736-4201C3E0DC63}"/>
               </a:ext>
             </a:extLst>
           </p:cNvPr>
@@ -17718,7 +17659,7 @@
           <p:cNvPr id="24" name="內容版面配置區 2">
             <a:extLst>
               <a:ext uri="{FF2B5EF4-FFF2-40B4-BE49-F238E27FC236}">
-                <a16:creationId xmlns:a16="http://schemas.microsoft.com/office/drawing/2014/main" xmlns="" id="{F5C22ADD-7A5D-44F8-969C-F4721C016703}"/>
+                <a16:creationId xmlns="" xmlns:a16="http://schemas.microsoft.com/office/drawing/2014/main" id="{F5C22ADD-7A5D-44F8-969C-F4721C016703}"/>
               </a:ext>
             </a:extLst>
           </p:cNvPr>
@@ -18484,10 +18425,6 @@
               </a:rPr>
               <a:t>[2]</a:t>
             </a:r>
-            <a:endParaRPr lang="en-US" altLang="zh-TW" sz="1200" b="1" dirty="0" smtClean="0">
-              <a:latin typeface="微軟正黑體" panose="020B0604030504040204" pitchFamily="34" charset="-120"/>
-              <a:ea typeface="微軟正黑體" panose="020B0604030504040204" pitchFamily="34" charset="-120"/>
-            </a:endParaRPr>
           </a:p>
           <a:p>
             <a:pPr algn="just"/>
@@ -18773,17 +18710,7 @@
                 <a:latin typeface="微軟正黑體" panose="020B0604030504040204" pitchFamily="34" charset="-120"/>
                 <a:ea typeface="微軟正黑體" panose="020B0604030504040204" pitchFamily="34" charset="-120"/>
               </a:rPr>
-              <a:t>仍</a:t>
-            </a:r>
-            <a:r>
-              <a:rPr lang="zh-TW" altLang="zh-TW" b="1" dirty="0" smtClean="0">
-                <a:solidFill>
-                  <a:srgbClr val="FF0000"/>
-                </a:solidFill>
-                <a:latin typeface="微軟正黑體" panose="020B0604030504040204" pitchFamily="34" charset="-120"/>
-                <a:ea typeface="微軟正黑體" panose="020B0604030504040204" pitchFamily="34" charset="-120"/>
-              </a:rPr>
-              <a:t>屬互動式</a:t>
+              <a:t>仍屬互動式</a:t>
             </a:r>
             <a:r>
               <a:rPr lang="zh-TW" altLang="zh-TW" b="1" dirty="0">
@@ -19146,7 +19073,7 @@
           <p:cNvPr id="3" name="標題 2">
             <a:extLst>
               <a:ext uri="{FF2B5EF4-FFF2-40B4-BE49-F238E27FC236}">
-                <a16:creationId xmlns:a16="http://schemas.microsoft.com/office/drawing/2014/main" xmlns="" id="{4ABAB1B2-9811-49A5-968D-AA6F881D5BFC}"/>
+                <a16:creationId xmlns="" xmlns:a16="http://schemas.microsoft.com/office/drawing/2014/main" id="{4ABAB1B2-9811-49A5-968D-AA6F881D5BFC}"/>
               </a:ext>
             </a:extLst>
           </p:cNvPr>
@@ -19263,7 +19190,7 @@
           <p:cNvPr id="5" name="內容版面配置區 3">
             <a:extLst>
               <a:ext uri="{FF2B5EF4-FFF2-40B4-BE49-F238E27FC236}">
-                <a16:creationId xmlns:a16="http://schemas.microsoft.com/office/drawing/2014/main" xmlns="" id="{FCCA5DD9-09D4-479C-9F96-62D1622C7DB1}"/>
+                <a16:creationId xmlns="" xmlns:a16="http://schemas.microsoft.com/office/drawing/2014/main" id="{FCCA5DD9-09D4-479C-9F96-62D1622C7DB1}"/>
               </a:ext>
             </a:extLst>
           </p:cNvPr>
@@ -19569,11 +19496,7 @@
             </a:r>
             <a:r>
               <a:rPr lang="en-US" altLang="zh-TW" sz="2400" dirty="0" smtClean="0"/>
-              <a:t> </a:t>
-            </a:r>
-            <a:r>
-              <a:rPr lang="en-US" altLang="zh-TW" sz="2400" dirty="0" smtClean="0"/>
-              <a:t>Protocol</a:t>
+              <a:t> Protocol</a:t>
             </a:r>
             <a:r>
               <a:rPr lang="zh-TW" altLang="en-US" sz="2400" dirty="0" smtClean="0"/>
@@ -19707,7 +19630,7 @@
           <p:cNvPr id="19" name="標題 1">
             <a:extLst>
               <a:ext uri="{FF2B5EF4-FFF2-40B4-BE49-F238E27FC236}">
-                <a16:creationId xmlns:a16="http://schemas.microsoft.com/office/drawing/2014/main" xmlns="" id="{50E9A64D-4207-4980-8736-4201C3E0DC63}"/>
+                <a16:creationId xmlns="" xmlns:a16="http://schemas.microsoft.com/office/drawing/2014/main" id="{50E9A64D-4207-4980-8736-4201C3E0DC63}"/>
               </a:ext>
             </a:extLst>
           </p:cNvPr>
@@ -19783,7 +19706,7 @@
           <p:cNvPr id="24" name="內容版面配置區 2">
             <a:extLst>
               <a:ext uri="{FF2B5EF4-FFF2-40B4-BE49-F238E27FC236}">
-                <a16:creationId xmlns:a16="http://schemas.microsoft.com/office/drawing/2014/main" xmlns="" id="{F5C22ADD-7A5D-44F8-969C-F4721C016703}"/>
+                <a16:creationId xmlns="" xmlns:a16="http://schemas.microsoft.com/office/drawing/2014/main" id="{F5C22ADD-7A5D-44F8-969C-F4721C016703}"/>
               </a:ext>
             </a:extLst>
           </p:cNvPr>
@@ -20149,7 +20072,7 @@
               <p:cNvPr id="20" name="內容版面配置區 2">
                 <a:extLst>
                   <a:ext uri="{FF2B5EF4-FFF2-40B4-BE49-F238E27FC236}">
-                    <a16:creationId xmlns:a16="http://schemas.microsoft.com/office/drawing/2014/main" xmlns="" id="{2E881D55-3B47-403F-8F0E-EDFDE34A1B22}"/>
+                    <a16:creationId xmlns="" xmlns:a16="http://schemas.microsoft.com/office/drawing/2014/main" id="{2E881D55-3B47-403F-8F0E-EDFDE34A1B22}"/>
                   </a:ext>
                 </a:extLst>
               </p:cNvPr>
@@ -21169,7 +21092,7 @@
   <a:extraClrSchemeLst/>
   <a:extLst>
     <a:ext uri="{05A4C25C-085E-4340-85A3-A5531E510DB2}">
-      <thm15:themeFamily xmlns:thm15="http://schemas.microsoft.com/office/thememl/2012/main" xmlns="" name="Office_26713188_TF03460544" id="{6F554B24-2C09-4153-BF01-57653ED04444}" vid="{C80FED5E-EC00-4C61-90A9-0EA5EF995274}"/>
+      <thm15:themeFamily xmlns="" xmlns:thm15="http://schemas.microsoft.com/office/thememl/2012/main" name="Office_26713188_TF03460544" id="{6F554B24-2C09-4153-BF01-57653ED04444}" vid="{C80FED5E-EC00-4C61-90A9-0EA5EF995274}"/>
     </a:ext>
   </a:extLst>
 </a:theme>

--- a/密碼學期末專題簡報.pptx
+++ b/密碼學期末專題簡報.pptx
@@ -132,7 +132,7 @@
   </p:defaultTextStyle>
   <p:extLst>
     <p:ext uri="{EFAFB233-063F-42B5-8137-9DF3F51BA10A}">
-      <p15:sldGuideLst xmlns="" xmlns:p15="http://schemas.microsoft.com/office/powerpoint/2012/main">
+      <p15:sldGuideLst xmlns:p15="http://schemas.microsoft.com/office/powerpoint/2012/main" xmlns="">
         <p15:guide id="1" orient="horz" pos="2160">
           <p15:clr>
             <a:srgbClr val="A4A3A4"/>
@@ -161,7 +161,7 @@
       </p15:sldGuideLst>
     </p:ext>
     <p:ext uri="{2D200454-40CA-4A62-9FC3-DE9A4176ACB9}">
-      <p15:notesGuideLst xmlns="" xmlns:p15="http://schemas.microsoft.com/office/powerpoint/2012/main">
+      <p15:notesGuideLst xmlns:p15="http://schemas.microsoft.com/office/powerpoint/2012/main" xmlns="">
         <p15:guide id="1" orient="horz" pos="2880">
           <p15:clr>
             <a:srgbClr val="A4A3A4"/>
@@ -268,7 +268,7 @@
                 <a:latin typeface="Microsoft JhengHei UI" panose="020B0604030504040204" pitchFamily="34" charset="-120"/>
                 <a:ea typeface="Microsoft JhengHei UI" panose="020B0604030504040204" pitchFamily="34" charset="-120"/>
               </a:rPr>
-              <a:t>2025/5/23</a:t>
+              <a:t>2025/5/27</a:t>
             </a:fld>
             <a:endParaRPr lang="zh-TW" altLang="en-US">
               <a:latin typeface="Microsoft JhengHei UI" panose="020B0604030504040204" pitchFamily="34" charset="-120"/>
@@ -454,7 +454,7 @@
           <a:p>
             <a:fld id="{B0A587AB-C785-4ECC-B9BB-3D529D1F06DC}" type="datetime1">
               <a:rPr lang="zh-TW" altLang="en-US" noProof="0" smtClean="0"/>
-              <a:t>2025/5/23</a:t>
+              <a:t>2025/5/27</a:t>
             </a:fld>
             <a:endParaRPr lang="zh-TW" altLang="en-US" noProof="0" dirty="0"/>
           </a:p>
@@ -2890,7 +2890,7 @@
           <a:p>
             <a:fld id="{7025A1CD-099F-4E6B-845B-76AC65CEDBE7}" type="datetime1">
               <a:rPr lang="zh-TW" altLang="en-US" noProof="0" smtClean="0"/>
-              <a:t>2025/5/23</a:t>
+              <a:t>2025/5/27</a:t>
             </a:fld>
             <a:endParaRPr lang="zh-TW" altLang="en-US" noProof="0"/>
           </a:p>
@@ -2937,7 +2937,7 @@
           <p:cNvPr id="17" name="Picture 2" descr="國立臺灣大學">
             <a:extLst>
               <a:ext uri="{FF2B5EF4-FFF2-40B4-BE49-F238E27FC236}">
-                <a16:creationId xmlns="" xmlns:a16="http://schemas.microsoft.com/office/drawing/2014/main" id="{84C36C24-3B92-4925-8868-E617BA10AC38}"/>
+                <a16:creationId xmlns:a16="http://schemas.microsoft.com/office/drawing/2014/main" xmlns="" id="{84C36C24-3B92-4925-8868-E617BA10AC38}"/>
               </a:ext>
             </a:extLst>
           </p:cNvPr>
@@ -3314,7 +3314,7 @@
           <a:p>
             <a:fld id="{8A66919C-2879-4964-ADA5-05BE97665E98}" type="datetime1">
               <a:rPr lang="zh-TW" altLang="en-US" noProof="0" smtClean="0"/>
-              <a:t>2025/5/23</a:t>
+              <a:t>2025/5/27</a:t>
             </a:fld>
             <a:endParaRPr lang="zh-TW" altLang="en-US" noProof="0"/>
           </a:p>
@@ -3570,7 +3570,7 @@
           <a:p>
             <a:fld id="{C9FD95EC-10DD-4475-A030-8C9B84211375}" type="datetime1">
               <a:rPr lang="zh-TW" altLang="en-US" noProof="0" smtClean="0"/>
-              <a:t>2025/5/23</a:t>
+              <a:t>2025/5/27</a:t>
             </a:fld>
             <a:endParaRPr lang="zh-TW" altLang="en-US" noProof="0"/>
           </a:p>
@@ -3836,7 +3836,7 @@
           <a:p>
             <a:fld id="{FD4B027F-A9C0-4F33-A679-F17E60001344}" type="datetime1">
               <a:rPr lang="zh-TW" altLang="en-US" noProof="0" smtClean="0"/>
-              <a:t>2025/5/23</a:t>
+              <a:t>2025/5/27</a:t>
             </a:fld>
             <a:endParaRPr lang="zh-TW" altLang="en-US" noProof="0"/>
           </a:p>
@@ -4082,7 +4082,7 @@
           <a:p>
             <a:fld id="{EF3A231D-725F-43B6-A03C-0D1B80D07BE1}" type="datetime1">
               <a:rPr lang="zh-TW" altLang="en-US" noProof="0" smtClean="0"/>
-              <a:t>2025/5/23</a:t>
+              <a:t>2025/5/27</a:t>
             </a:fld>
             <a:endParaRPr lang="zh-TW" altLang="en-US" noProof="0"/>
           </a:p>
@@ -4338,7 +4338,7 @@
           <a:p>
             <a:fld id="{A1C8904F-070E-49CB-AD43-64EDE507F9B7}" type="datetime1">
               <a:rPr lang="zh-TW" altLang="en-US" noProof="0" smtClean="0"/>
-              <a:t>2025/5/23</a:t>
+              <a:t>2025/5/27</a:t>
             </a:fld>
             <a:endParaRPr lang="zh-TW" altLang="en-US" noProof="0"/>
           </a:p>
@@ -4491,7 +4491,7 @@
           <a:p>
             <a:fld id="{1A4D21C7-088F-4C14-AA88-F5DDEF7465A6}" type="datetime1">
               <a:rPr lang="zh-TW" altLang="en-US" noProof="0" smtClean="0"/>
-              <a:t>2025/5/23</a:t>
+              <a:t>2025/5/27</a:t>
             </a:fld>
             <a:endParaRPr lang="zh-TW" altLang="en-US" noProof="0"/>
           </a:p>
@@ -4536,7 +4536,7 @@
           <p:cNvPr id="2050" name="Picture 2" descr="台大遴選會決定遭駁回管中閔不是校長了，台灣學到什麼教訓？｜天下雜誌">
             <a:extLst>
               <a:ext uri="{FF2B5EF4-FFF2-40B4-BE49-F238E27FC236}">
-                <a16:creationId xmlns="" xmlns:a16="http://schemas.microsoft.com/office/drawing/2014/main" id="{AD25CCFA-A169-4B4D-9AAB-4FD3CE0117D8}"/>
+                <a16:creationId xmlns:a16="http://schemas.microsoft.com/office/drawing/2014/main" xmlns="" id="{AD25CCFA-A169-4B4D-9AAB-4FD3CE0117D8}"/>
               </a:ext>
             </a:extLst>
           </p:cNvPr>
@@ -4575,7 +4575,7 @@
           <p:cNvPr id="9" name="標題 1">
             <a:extLst>
               <a:ext uri="{FF2B5EF4-FFF2-40B4-BE49-F238E27FC236}">
-                <a16:creationId xmlns="" xmlns:a16="http://schemas.microsoft.com/office/drawing/2014/main" id="{BDFD2411-5069-4CA5-B66E-AB62E7A1DE60}"/>
+                <a16:creationId xmlns:a16="http://schemas.microsoft.com/office/drawing/2014/main" xmlns="" id="{BDFD2411-5069-4CA5-B66E-AB62E7A1DE60}"/>
               </a:ext>
             </a:extLst>
           </p:cNvPr>
@@ -4618,7 +4618,7 @@
           <p:cNvPr id="10" name="內容預留位置 2">
             <a:extLst>
               <a:ext uri="{FF2B5EF4-FFF2-40B4-BE49-F238E27FC236}">
-                <a16:creationId xmlns="" xmlns:a16="http://schemas.microsoft.com/office/drawing/2014/main" id="{BDA314B9-2928-4296-A8F2-C460B7717FDB}"/>
+                <a16:creationId xmlns:a16="http://schemas.microsoft.com/office/drawing/2014/main" xmlns="" id="{BDA314B9-2928-4296-A8F2-C460B7717FDB}"/>
               </a:ext>
             </a:extLst>
           </p:cNvPr>
@@ -4812,7 +4812,7 @@
           <a:p>
             <a:fld id="{07AFF883-2F10-4A07-ABF7-3E7D71A2862B}" type="datetime1">
               <a:rPr lang="zh-TW" altLang="en-US" noProof="0" smtClean="0"/>
-              <a:t>2025/5/23</a:t>
+              <a:t>2025/5/27</a:t>
             </a:fld>
             <a:endParaRPr lang="zh-TW" altLang="en-US" noProof="0"/>
           </a:p>
@@ -4857,7 +4857,7 @@
           <p:cNvPr id="2" name="箭號: 五邊形 1">
             <a:extLst>
               <a:ext uri="{FF2B5EF4-FFF2-40B4-BE49-F238E27FC236}">
-                <a16:creationId xmlns="" xmlns:a16="http://schemas.microsoft.com/office/drawing/2014/main" id="{2B2A4164-FC51-40C1-8307-BD11C0F8CFB5}"/>
+                <a16:creationId xmlns:a16="http://schemas.microsoft.com/office/drawing/2014/main" xmlns="" id="{2B2A4164-FC51-40C1-8307-BD11C0F8CFB5}"/>
               </a:ext>
             </a:extLst>
           </p:cNvPr>
@@ -4914,7 +4914,7 @@
           <p:cNvPr id="8" name="箭號: 五邊形 7">
             <a:extLst>
               <a:ext uri="{FF2B5EF4-FFF2-40B4-BE49-F238E27FC236}">
-                <a16:creationId xmlns="" xmlns:a16="http://schemas.microsoft.com/office/drawing/2014/main" id="{A42C3E17-FE95-45A4-BE55-35C930896E44}"/>
+                <a16:creationId xmlns:a16="http://schemas.microsoft.com/office/drawing/2014/main" xmlns="" id="{A42C3E17-FE95-45A4-BE55-35C930896E44}"/>
               </a:ext>
             </a:extLst>
           </p:cNvPr>
@@ -4971,7 +4971,7 @@
           <p:cNvPr id="9" name="Picture 2" descr="國立臺灣大學">
             <a:extLst>
               <a:ext uri="{FF2B5EF4-FFF2-40B4-BE49-F238E27FC236}">
-                <a16:creationId xmlns="" xmlns:a16="http://schemas.microsoft.com/office/drawing/2014/main" id="{2E88D82B-E998-4EDD-80FE-2F0EDEAEB0EB}"/>
+                <a16:creationId xmlns:a16="http://schemas.microsoft.com/office/drawing/2014/main" xmlns="" id="{2E88D82B-E998-4EDD-80FE-2F0EDEAEB0EB}"/>
               </a:ext>
             </a:extLst>
           </p:cNvPr>
@@ -5018,7 +5018,7 @@
           <p:cNvPr id="10" name="標題 1">
             <a:extLst>
               <a:ext uri="{FF2B5EF4-FFF2-40B4-BE49-F238E27FC236}">
-                <a16:creationId xmlns="" xmlns:a16="http://schemas.microsoft.com/office/drawing/2014/main" id="{93ABB2D6-1831-4B6F-8B8F-924BF377F7F3}"/>
+                <a16:creationId xmlns:a16="http://schemas.microsoft.com/office/drawing/2014/main" xmlns="" id="{93ABB2D6-1831-4B6F-8B8F-924BF377F7F3}"/>
               </a:ext>
             </a:extLst>
           </p:cNvPr>
@@ -5064,7 +5064,7 @@
           <p:cNvPr id="11" name="內容預留位置 2">
             <a:extLst>
               <a:ext uri="{FF2B5EF4-FFF2-40B4-BE49-F238E27FC236}">
-                <a16:creationId xmlns="" xmlns:a16="http://schemas.microsoft.com/office/drawing/2014/main" id="{802C1E61-2E34-4316-8FE7-FDF47C3C8932}"/>
+                <a16:creationId xmlns:a16="http://schemas.microsoft.com/office/drawing/2014/main" xmlns="" id="{802C1E61-2E34-4316-8FE7-FDF47C3C8932}"/>
               </a:ext>
             </a:extLst>
           </p:cNvPr>
@@ -5516,7 +5516,7 @@
           <a:p>
             <a:fld id="{492DEF5F-C38C-430A-A0DE-47FE9CE7FE7F}" type="datetime1">
               <a:rPr lang="zh-TW" altLang="en-US" noProof="0" smtClean="0"/>
-              <a:t>2025/5/23</a:t>
+              <a:t>2025/5/27</a:t>
             </a:fld>
             <a:endParaRPr lang="zh-TW" altLang="en-US" noProof="0"/>
           </a:p>
@@ -6026,7 +6026,7 @@
           <a:p>
             <a:fld id="{FB53CE18-37B0-4354-95BA-F6E2958D7E39}" type="datetime1">
               <a:rPr lang="zh-TW" altLang="en-US" noProof="0" smtClean="0"/>
-              <a:t>2025/5/23</a:t>
+              <a:t>2025/5/27</a:t>
             </a:fld>
             <a:endParaRPr lang="zh-TW" altLang="en-US" noProof="0"/>
           </a:p>
@@ -6188,7 +6188,7 @@
           <a:p>
             <a:fld id="{840D92E5-0E9E-447B-AB12-50B31DB78792}" type="datetime1">
               <a:rPr lang="zh-TW" altLang="en-US" noProof="0" smtClean="0"/>
-              <a:t>2025/5/23</a:t>
+              <a:t>2025/5/27</a:t>
             </a:fld>
             <a:endParaRPr lang="zh-TW" altLang="en-US" noProof="0"/>
           </a:p>
@@ -6479,7 +6479,7 @@
           <a:p>
             <a:fld id="{2DBDA392-58F4-49D0-A77B-A750F0E30EC9}" type="datetime1">
               <a:rPr lang="zh-TW" altLang="en-US" noProof="0" smtClean="0"/>
-              <a:t>2025/5/23</a:t>
+              <a:t>2025/5/27</a:t>
             </a:fld>
             <a:endParaRPr lang="zh-TW" altLang="en-US" noProof="0"/>
           </a:p>
@@ -6874,7 +6874,7 @@
           <a:p>
             <a:fld id="{6ADA41C7-C7E8-4EC2-8EC0-5E7AFDF89795}" type="datetime1">
               <a:rPr lang="zh-TW" altLang="en-US" noProof="0" smtClean="0"/>
-              <a:t>2025/5/23</a:t>
+              <a:t>2025/5/27</a:t>
             </a:fld>
             <a:endParaRPr lang="zh-TW" altLang="en-US" noProof="0"/>
           </a:p>
@@ -7448,7 +7448,7 @@
           <a:p>
             <a:fld id="{F1139FD8-5407-4A67-A886-B56A7B50E975}" type="datetime1">
               <a:rPr lang="zh-TW" altLang="en-US" noProof="0" smtClean="0"/>
-              <a:t>2025/5/23</a:t>
+              <a:t>2025/5/27</a:t>
             </a:fld>
             <a:endParaRPr lang="zh-TW" altLang="en-US" noProof="0"/>
           </a:p>
@@ -8255,7 +8255,7 @@
           <p:cNvPr id="19" name="標題 1">
             <a:extLst>
               <a:ext uri="{FF2B5EF4-FFF2-40B4-BE49-F238E27FC236}">
-                <a16:creationId xmlns="" xmlns:a16="http://schemas.microsoft.com/office/drawing/2014/main" id="{50E9A64D-4207-4980-8736-4201C3E0DC63}"/>
+                <a16:creationId xmlns:a16="http://schemas.microsoft.com/office/drawing/2014/main" xmlns="" id="{50E9A64D-4207-4980-8736-4201C3E0DC63}"/>
               </a:ext>
             </a:extLst>
           </p:cNvPr>
@@ -8331,7 +8331,7 @@
           <p:cNvPr id="24" name="內容版面配置區 2">
             <a:extLst>
               <a:ext uri="{FF2B5EF4-FFF2-40B4-BE49-F238E27FC236}">
-                <a16:creationId xmlns="" xmlns:a16="http://schemas.microsoft.com/office/drawing/2014/main" id="{F5C22ADD-7A5D-44F8-969C-F4721C016703}"/>
+                <a16:creationId xmlns:a16="http://schemas.microsoft.com/office/drawing/2014/main" xmlns="" id="{F5C22ADD-7A5D-44F8-969C-F4721C016703}"/>
               </a:ext>
             </a:extLst>
           </p:cNvPr>
@@ -8822,7 +8822,7 @@
               <p:cNvPr id="10" name="內容版面配置區 2">
                 <a:extLst>
                   <a:ext uri="{FF2B5EF4-FFF2-40B4-BE49-F238E27FC236}">
-                    <a16:creationId xmlns="" xmlns:a16="http://schemas.microsoft.com/office/drawing/2014/main" id="{2E881D55-3B47-403F-8F0E-EDFDE34A1B22}"/>
+                    <a16:creationId xmlns:a16="http://schemas.microsoft.com/office/drawing/2014/main" xmlns="" id="{2E881D55-3B47-403F-8F0E-EDFDE34A1B22}"/>
                   </a:ext>
                 </a:extLst>
               </p:cNvPr>
@@ -9056,7 +9056,7 @@
           <p:cNvPr id="19" name="標題 1">
             <a:extLst>
               <a:ext uri="{FF2B5EF4-FFF2-40B4-BE49-F238E27FC236}">
-                <a16:creationId xmlns="" xmlns:a16="http://schemas.microsoft.com/office/drawing/2014/main" id="{50E9A64D-4207-4980-8736-4201C3E0DC63}"/>
+                <a16:creationId xmlns:a16="http://schemas.microsoft.com/office/drawing/2014/main" xmlns="" id="{50E9A64D-4207-4980-8736-4201C3E0DC63}"/>
               </a:ext>
             </a:extLst>
           </p:cNvPr>
@@ -9132,7 +9132,7 @@
           <p:cNvPr id="24" name="內容版面配置區 2">
             <a:extLst>
               <a:ext uri="{FF2B5EF4-FFF2-40B4-BE49-F238E27FC236}">
-                <a16:creationId xmlns="" xmlns:a16="http://schemas.microsoft.com/office/drawing/2014/main" id="{F5C22ADD-7A5D-44F8-969C-F4721C016703}"/>
+                <a16:creationId xmlns:a16="http://schemas.microsoft.com/office/drawing/2014/main" xmlns="" id="{F5C22ADD-7A5D-44F8-969C-F4721C016703}"/>
               </a:ext>
             </a:extLst>
           </p:cNvPr>
@@ -9602,7 +9602,7 @@
           <p:cNvPr id="24" name="內容版面配置區 2">
             <a:extLst>
               <a:ext uri="{FF2B5EF4-FFF2-40B4-BE49-F238E27FC236}">
-                <a16:creationId xmlns="" xmlns:a16="http://schemas.microsoft.com/office/drawing/2014/main" id="{F5C22ADD-7A5D-44F8-969C-F4721C016703}"/>
+                <a16:creationId xmlns:a16="http://schemas.microsoft.com/office/drawing/2014/main" xmlns="" id="{F5C22ADD-7A5D-44F8-969C-F4721C016703}"/>
               </a:ext>
             </a:extLst>
           </p:cNvPr>
@@ -9916,7 +9916,7 @@
               <p:cNvPr id="10" name="內容版面配置區 2">
                 <a:extLst>
                   <a:ext uri="{FF2B5EF4-FFF2-40B4-BE49-F238E27FC236}">
-                    <a16:creationId xmlns="" xmlns:a16="http://schemas.microsoft.com/office/drawing/2014/main" id="{2E881D55-3B47-403F-8F0E-EDFDE34A1B22}"/>
+                    <a16:creationId xmlns:a16="http://schemas.microsoft.com/office/drawing/2014/main" xmlns="" id="{2E881D55-3B47-403F-8F0E-EDFDE34A1B22}"/>
                   </a:ext>
                 </a:extLst>
               </p:cNvPr>
@@ -10639,7 +10639,7 @@
           <p:cNvPr id="19" name="標題 1">
             <a:extLst>
               <a:ext uri="{FF2B5EF4-FFF2-40B4-BE49-F238E27FC236}">
-                <a16:creationId xmlns="" xmlns:a16="http://schemas.microsoft.com/office/drawing/2014/main" id="{50E9A64D-4207-4980-8736-4201C3E0DC63}"/>
+                <a16:creationId xmlns:a16="http://schemas.microsoft.com/office/drawing/2014/main" xmlns="" id="{50E9A64D-4207-4980-8736-4201C3E0DC63}"/>
               </a:ext>
             </a:extLst>
           </p:cNvPr>
@@ -10788,7 +10788,7 @@
           <p:cNvPr id="19" name="標題 1">
             <a:extLst>
               <a:ext uri="{FF2B5EF4-FFF2-40B4-BE49-F238E27FC236}">
-                <a16:creationId xmlns="" xmlns:a16="http://schemas.microsoft.com/office/drawing/2014/main" id="{50E9A64D-4207-4980-8736-4201C3E0DC63}"/>
+                <a16:creationId xmlns:a16="http://schemas.microsoft.com/office/drawing/2014/main" xmlns="" id="{50E9A64D-4207-4980-8736-4201C3E0DC63}"/>
               </a:ext>
             </a:extLst>
           </p:cNvPr>
@@ -10864,7 +10864,7 @@
           <p:cNvPr id="24" name="內容版面配置區 2">
             <a:extLst>
               <a:ext uri="{FF2B5EF4-FFF2-40B4-BE49-F238E27FC236}">
-                <a16:creationId xmlns="" xmlns:a16="http://schemas.microsoft.com/office/drawing/2014/main" id="{F5C22ADD-7A5D-44F8-969C-F4721C016703}"/>
+                <a16:creationId xmlns:a16="http://schemas.microsoft.com/office/drawing/2014/main" xmlns="" id="{F5C22ADD-7A5D-44F8-969C-F4721C016703}"/>
               </a:ext>
             </a:extLst>
           </p:cNvPr>
@@ -11325,7 +11325,7 @@
           <p:cNvPr id="19" name="標題 1">
             <a:extLst>
               <a:ext uri="{FF2B5EF4-FFF2-40B4-BE49-F238E27FC236}">
-                <a16:creationId xmlns="" xmlns:a16="http://schemas.microsoft.com/office/drawing/2014/main" id="{50E9A64D-4207-4980-8736-4201C3E0DC63}"/>
+                <a16:creationId xmlns:a16="http://schemas.microsoft.com/office/drawing/2014/main" xmlns="" id="{50E9A64D-4207-4980-8736-4201C3E0DC63}"/>
               </a:ext>
             </a:extLst>
           </p:cNvPr>
@@ -11401,7 +11401,7 @@
           <p:cNvPr id="24" name="內容版面配置區 2">
             <a:extLst>
               <a:ext uri="{FF2B5EF4-FFF2-40B4-BE49-F238E27FC236}">
-                <a16:creationId xmlns="" xmlns:a16="http://schemas.microsoft.com/office/drawing/2014/main" id="{F5C22ADD-7A5D-44F8-969C-F4721C016703}"/>
+                <a16:creationId xmlns:a16="http://schemas.microsoft.com/office/drawing/2014/main" xmlns="" id="{F5C22ADD-7A5D-44F8-969C-F4721C016703}"/>
               </a:ext>
             </a:extLst>
           </p:cNvPr>
@@ -11915,7 +11915,7 @@
           <p:cNvPr id="24" name="內容版面配置區 2">
             <a:extLst>
               <a:ext uri="{FF2B5EF4-FFF2-40B4-BE49-F238E27FC236}">
-                <a16:creationId xmlns="" xmlns:a16="http://schemas.microsoft.com/office/drawing/2014/main" id="{F5C22ADD-7A5D-44F8-969C-F4721C016703}"/>
+                <a16:creationId xmlns:a16="http://schemas.microsoft.com/office/drawing/2014/main" xmlns="" id="{F5C22ADD-7A5D-44F8-969C-F4721C016703}"/>
               </a:ext>
             </a:extLst>
           </p:cNvPr>
@@ -12255,7 +12255,7 @@
           <p:cNvPr id="10" name="內容版面配置區 2">
             <a:extLst>
               <a:ext uri="{FF2B5EF4-FFF2-40B4-BE49-F238E27FC236}">
-                <a16:creationId xmlns="" xmlns:a16="http://schemas.microsoft.com/office/drawing/2014/main" id="{2E881D55-3B47-403F-8F0E-EDFDE34A1B22}"/>
+                <a16:creationId xmlns:a16="http://schemas.microsoft.com/office/drawing/2014/main" xmlns="" id="{2E881D55-3B47-403F-8F0E-EDFDE34A1B22}"/>
               </a:ext>
             </a:extLst>
           </p:cNvPr>
@@ -12366,7 +12366,7 @@
           <p:cNvPr id="19" name="標題 1">
             <a:extLst>
               <a:ext uri="{FF2B5EF4-FFF2-40B4-BE49-F238E27FC236}">
-                <a16:creationId xmlns="" xmlns:a16="http://schemas.microsoft.com/office/drawing/2014/main" id="{50E9A64D-4207-4980-8736-4201C3E0DC63}"/>
+                <a16:creationId xmlns:a16="http://schemas.microsoft.com/office/drawing/2014/main" xmlns="" id="{50E9A64D-4207-4980-8736-4201C3E0DC63}"/>
               </a:ext>
             </a:extLst>
           </p:cNvPr>
@@ -12491,7 +12491,7 @@
           <p:cNvPr id="3" name="標題 2">
             <a:extLst>
               <a:ext uri="{FF2B5EF4-FFF2-40B4-BE49-F238E27FC236}">
-                <a16:creationId xmlns="" xmlns:a16="http://schemas.microsoft.com/office/drawing/2014/main" id="{4ABAB1B2-9811-49A5-968D-AA6F881D5BFC}"/>
+                <a16:creationId xmlns:a16="http://schemas.microsoft.com/office/drawing/2014/main" xmlns="" id="{4ABAB1B2-9811-49A5-968D-AA6F881D5BFC}"/>
               </a:ext>
             </a:extLst>
           </p:cNvPr>
@@ -12572,7 +12572,7 @@
           <p:cNvPr id="4" name="內容版面配置區 3">
             <a:extLst>
               <a:ext uri="{FF2B5EF4-FFF2-40B4-BE49-F238E27FC236}">
-                <a16:creationId xmlns="" xmlns:a16="http://schemas.microsoft.com/office/drawing/2014/main" id="{FCCA5DD9-09D4-479C-9F96-62D1622C7DB1}"/>
+                <a16:creationId xmlns:a16="http://schemas.microsoft.com/office/drawing/2014/main" xmlns="" id="{FCCA5DD9-09D4-479C-9F96-62D1622C7DB1}"/>
               </a:ext>
             </a:extLst>
           </p:cNvPr>
@@ -12748,7 +12748,7 @@
           <p:cNvPr id="19" name="標題 1">
             <a:extLst>
               <a:ext uri="{FF2B5EF4-FFF2-40B4-BE49-F238E27FC236}">
-                <a16:creationId xmlns="" xmlns:a16="http://schemas.microsoft.com/office/drawing/2014/main" id="{50E9A64D-4207-4980-8736-4201C3E0DC63}"/>
+                <a16:creationId xmlns:a16="http://schemas.microsoft.com/office/drawing/2014/main" xmlns="" id="{50E9A64D-4207-4980-8736-4201C3E0DC63}"/>
               </a:ext>
             </a:extLst>
           </p:cNvPr>
@@ -12796,7 +12796,7 @@
           <p:cNvPr id="24" name="內容版面配置區 2">
             <a:extLst>
               <a:ext uri="{FF2B5EF4-FFF2-40B4-BE49-F238E27FC236}">
-                <a16:creationId xmlns="" xmlns:a16="http://schemas.microsoft.com/office/drawing/2014/main" id="{F5C22ADD-7A5D-44F8-969C-F4721C016703}"/>
+                <a16:creationId xmlns:a16="http://schemas.microsoft.com/office/drawing/2014/main" xmlns="" id="{F5C22ADD-7A5D-44F8-969C-F4721C016703}"/>
               </a:ext>
             </a:extLst>
           </p:cNvPr>
@@ -13068,7 +13068,7 @@
           <p:cNvPr id="20" name="內容版面配置區 2">
             <a:extLst>
               <a:ext uri="{FF2B5EF4-FFF2-40B4-BE49-F238E27FC236}">
-                <a16:creationId xmlns="" xmlns:a16="http://schemas.microsoft.com/office/drawing/2014/main" id="{2E881D55-3B47-403F-8F0E-EDFDE34A1B22}"/>
+                <a16:creationId xmlns:a16="http://schemas.microsoft.com/office/drawing/2014/main" xmlns="" id="{2E881D55-3B47-403F-8F0E-EDFDE34A1B22}"/>
               </a:ext>
             </a:extLst>
           </p:cNvPr>
@@ -13181,7 +13181,7 @@
           <p:cNvPr id="3" name="標題 2">
             <a:extLst>
               <a:ext uri="{FF2B5EF4-FFF2-40B4-BE49-F238E27FC236}">
-                <a16:creationId xmlns="" xmlns:a16="http://schemas.microsoft.com/office/drawing/2014/main" id="{4ABAB1B2-9811-49A5-968D-AA6F881D5BFC}"/>
+                <a16:creationId xmlns:a16="http://schemas.microsoft.com/office/drawing/2014/main" xmlns="" id="{4ABAB1B2-9811-49A5-968D-AA6F881D5BFC}"/>
               </a:ext>
             </a:extLst>
           </p:cNvPr>
@@ -13250,7 +13250,7 @@
           <p:cNvPr id="4" name="內容版面配置區 3">
             <a:extLst>
               <a:ext uri="{FF2B5EF4-FFF2-40B4-BE49-F238E27FC236}">
-                <a16:creationId xmlns="" xmlns:a16="http://schemas.microsoft.com/office/drawing/2014/main" id="{FCCA5DD9-09D4-479C-9F96-62D1622C7DB1}"/>
+                <a16:creationId xmlns:a16="http://schemas.microsoft.com/office/drawing/2014/main" xmlns="" id="{FCCA5DD9-09D4-479C-9F96-62D1622C7DB1}"/>
               </a:ext>
             </a:extLst>
           </p:cNvPr>
@@ -13447,7 +13447,7 @@
           <p:cNvPr id="19" name="標題 1">
             <a:extLst>
               <a:ext uri="{FF2B5EF4-FFF2-40B4-BE49-F238E27FC236}">
-                <a16:creationId xmlns="" xmlns:a16="http://schemas.microsoft.com/office/drawing/2014/main" id="{50E9A64D-4207-4980-8736-4201C3E0DC63}"/>
+                <a16:creationId xmlns:a16="http://schemas.microsoft.com/office/drawing/2014/main" xmlns="" id="{50E9A64D-4207-4980-8736-4201C3E0DC63}"/>
               </a:ext>
             </a:extLst>
           </p:cNvPr>
@@ -13487,7 +13487,7 @@
           <p:cNvPr id="24" name="內容版面配置區 2">
             <a:extLst>
               <a:ext uri="{FF2B5EF4-FFF2-40B4-BE49-F238E27FC236}">
-                <a16:creationId xmlns="" xmlns:a16="http://schemas.microsoft.com/office/drawing/2014/main" id="{F5C22ADD-7A5D-44F8-969C-F4721C016703}"/>
+                <a16:creationId xmlns:a16="http://schemas.microsoft.com/office/drawing/2014/main" xmlns="" id="{F5C22ADD-7A5D-44F8-969C-F4721C016703}"/>
               </a:ext>
             </a:extLst>
           </p:cNvPr>
@@ -13759,7 +13759,7 @@
           <p:cNvPr id="20" name="內容版面配置區 2">
             <a:extLst>
               <a:ext uri="{FF2B5EF4-FFF2-40B4-BE49-F238E27FC236}">
-                <a16:creationId xmlns="" xmlns:a16="http://schemas.microsoft.com/office/drawing/2014/main" id="{2E881D55-3B47-403F-8F0E-EDFDE34A1B22}"/>
+                <a16:creationId xmlns:a16="http://schemas.microsoft.com/office/drawing/2014/main" xmlns="" id="{2E881D55-3B47-403F-8F0E-EDFDE34A1B22}"/>
               </a:ext>
             </a:extLst>
           </p:cNvPr>
@@ -13872,7 +13872,7 @@
           <p:cNvPr id="4" name="標題 1">
             <a:extLst>
               <a:ext uri="{FF2B5EF4-FFF2-40B4-BE49-F238E27FC236}">
-                <a16:creationId xmlns="" xmlns:a16="http://schemas.microsoft.com/office/drawing/2014/main" id="{5E6B7CFB-F29E-40F1-941C-60839576EFD3}"/>
+                <a16:creationId xmlns:a16="http://schemas.microsoft.com/office/drawing/2014/main" xmlns="" id="{5E6B7CFB-F29E-40F1-941C-60839576EFD3}"/>
               </a:ext>
             </a:extLst>
           </p:cNvPr>
@@ -13938,7 +13938,7 @@
           <p:cNvPr id="5" name="內容版面配置區 2">
             <a:extLst>
               <a:ext uri="{FF2B5EF4-FFF2-40B4-BE49-F238E27FC236}">
-                <a16:creationId xmlns="" xmlns:a16="http://schemas.microsoft.com/office/drawing/2014/main" id="{A302D0AD-FC16-4984-8880-9A709EF0C7EB}"/>
+                <a16:creationId xmlns:a16="http://schemas.microsoft.com/office/drawing/2014/main" xmlns="" id="{A302D0AD-FC16-4984-8880-9A709EF0C7EB}"/>
               </a:ext>
             </a:extLst>
           </p:cNvPr>
@@ -14469,7 +14469,7 @@
           <p:cNvPr id="19" name="標題 1">
             <a:extLst>
               <a:ext uri="{FF2B5EF4-FFF2-40B4-BE49-F238E27FC236}">
-                <a16:creationId xmlns="" xmlns:a16="http://schemas.microsoft.com/office/drawing/2014/main" id="{50E9A64D-4207-4980-8736-4201C3E0DC63}"/>
+                <a16:creationId xmlns:a16="http://schemas.microsoft.com/office/drawing/2014/main" xmlns="" id="{50E9A64D-4207-4980-8736-4201C3E0DC63}"/>
               </a:ext>
             </a:extLst>
           </p:cNvPr>
@@ -14504,7 +14504,7 @@
           <p:cNvPr id="24" name="內容版面配置區 2">
             <a:extLst>
               <a:ext uri="{FF2B5EF4-FFF2-40B4-BE49-F238E27FC236}">
-                <a16:creationId xmlns="" xmlns:a16="http://schemas.microsoft.com/office/drawing/2014/main" id="{F5C22ADD-7A5D-44F8-969C-F4721C016703}"/>
+                <a16:creationId xmlns:a16="http://schemas.microsoft.com/office/drawing/2014/main" xmlns="" id="{F5C22ADD-7A5D-44F8-969C-F4721C016703}"/>
               </a:ext>
             </a:extLst>
           </p:cNvPr>
@@ -14961,7 +14961,7 @@
           <p:cNvPr id="7" name="標題 1">
             <a:extLst>
               <a:ext uri="{FF2B5EF4-FFF2-40B4-BE49-F238E27FC236}">
-                <a16:creationId xmlns="" xmlns:a16="http://schemas.microsoft.com/office/drawing/2014/main" id="{50E9A64D-4207-4980-8736-4201C3E0DC63}"/>
+                <a16:creationId xmlns:a16="http://schemas.microsoft.com/office/drawing/2014/main" xmlns="" id="{50E9A64D-4207-4980-8736-4201C3E0DC63}"/>
               </a:ext>
             </a:extLst>
           </p:cNvPr>
@@ -15073,7 +15073,7 @@
           <p:cNvPr id="3" name="標題 2">
             <a:extLst>
               <a:ext uri="{FF2B5EF4-FFF2-40B4-BE49-F238E27FC236}">
-                <a16:creationId xmlns="" xmlns:a16="http://schemas.microsoft.com/office/drawing/2014/main" id="{4ABAB1B2-9811-49A5-968D-AA6F881D5BFC}"/>
+                <a16:creationId xmlns:a16="http://schemas.microsoft.com/office/drawing/2014/main" xmlns="" id="{4ABAB1B2-9811-49A5-968D-AA6F881D5BFC}"/>
               </a:ext>
             </a:extLst>
           </p:cNvPr>
@@ -15130,7 +15130,7 @@
           <p:cNvPr id="4" name="內容版面配置區 3">
             <a:extLst>
               <a:ext uri="{FF2B5EF4-FFF2-40B4-BE49-F238E27FC236}">
-                <a16:creationId xmlns="" xmlns:a16="http://schemas.microsoft.com/office/drawing/2014/main" id="{FCCA5DD9-09D4-479C-9F96-62D1622C7DB1}"/>
+                <a16:creationId xmlns:a16="http://schemas.microsoft.com/office/drawing/2014/main" xmlns="" id="{FCCA5DD9-09D4-479C-9F96-62D1622C7DB1}"/>
               </a:ext>
             </a:extLst>
           </p:cNvPr>
@@ -15306,7 +15306,7 @@
           <p:cNvPr id="19" name="標題 1">
             <a:extLst>
               <a:ext uri="{FF2B5EF4-FFF2-40B4-BE49-F238E27FC236}">
-                <a16:creationId xmlns="" xmlns:a16="http://schemas.microsoft.com/office/drawing/2014/main" id="{50E9A64D-4207-4980-8736-4201C3E0DC63}"/>
+                <a16:creationId xmlns:a16="http://schemas.microsoft.com/office/drawing/2014/main" xmlns="" id="{50E9A64D-4207-4980-8736-4201C3E0DC63}"/>
               </a:ext>
             </a:extLst>
           </p:cNvPr>
@@ -15342,7 +15342,7 @@
           <p:cNvPr id="24" name="內容版面配置區 2">
             <a:extLst>
               <a:ext uri="{FF2B5EF4-FFF2-40B4-BE49-F238E27FC236}">
-                <a16:creationId xmlns="" xmlns:a16="http://schemas.microsoft.com/office/drawing/2014/main" id="{F5C22ADD-7A5D-44F8-969C-F4721C016703}"/>
+                <a16:creationId xmlns:a16="http://schemas.microsoft.com/office/drawing/2014/main" xmlns="" id="{F5C22ADD-7A5D-44F8-969C-F4721C016703}"/>
               </a:ext>
             </a:extLst>
           </p:cNvPr>
@@ -16758,7 +16758,7 @@
           <p:cNvPr id="19" name="標題 1">
             <a:extLst>
               <a:ext uri="{FF2B5EF4-FFF2-40B4-BE49-F238E27FC236}">
-                <a16:creationId xmlns="" xmlns:a16="http://schemas.microsoft.com/office/drawing/2014/main" id="{50E9A64D-4207-4980-8736-4201C3E0DC63}"/>
+                <a16:creationId xmlns:a16="http://schemas.microsoft.com/office/drawing/2014/main" xmlns="" id="{50E9A64D-4207-4980-8736-4201C3E0DC63}"/>
               </a:ext>
             </a:extLst>
           </p:cNvPr>
@@ -16797,7 +16797,7 @@
           <p:cNvPr id="24" name="內容版面配置區 2">
             <a:extLst>
               <a:ext uri="{FF2B5EF4-FFF2-40B4-BE49-F238E27FC236}">
-                <a16:creationId xmlns="" xmlns:a16="http://schemas.microsoft.com/office/drawing/2014/main" id="{F5C22ADD-7A5D-44F8-969C-F4721C016703}"/>
+                <a16:creationId xmlns:a16="http://schemas.microsoft.com/office/drawing/2014/main" xmlns="" id="{F5C22ADD-7A5D-44F8-969C-F4721C016703}"/>
               </a:ext>
             </a:extLst>
           </p:cNvPr>
@@ -17069,7 +17069,7 @@
           <p:cNvPr id="20" name="內容版面配置區 2">
             <a:extLst>
               <a:ext uri="{FF2B5EF4-FFF2-40B4-BE49-F238E27FC236}">
-                <a16:creationId xmlns="" xmlns:a16="http://schemas.microsoft.com/office/drawing/2014/main" id="{2E881D55-3B47-403F-8F0E-EDFDE34A1B22}"/>
+                <a16:creationId xmlns:a16="http://schemas.microsoft.com/office/drawing/2014/main" xmlns="" id="{2E881D55-3B47-403F-8F0E-EDFDE34A1B22}"/>
               </a:ext>
             </a:extLst>
           </p:cNvPr>
@@ -17287,7 +17287,7 @@
           <p:cNvPr id="3" name="標題 2">
             <a:extLst>
               <a:ext uri="{FF2B5EF4-FFF2-40B4-BE49-F238E27FC236}">
-                <a16:creationId xmlns="" xmlns:a16="http://schemas.microsoft.com/office/drawing/2014/main" id="{4ABAB1B2-9811-49A5-968D-AA6F881D5BFC}"/>
+                <a16:creationId xmlns:a16="http://schemas.microsoft.com/office/drawing/2014/main" xmlns="" id="{4ABAB1B2-9811-49A5-968D-AA6F881D5BFC}"/>
               </a:ext>
             </a:extLst>
           </p:cNvPr>
@@ -17356,7 +17356,7 @@
           <p:cNvPr id="4" name="內容版面配置區 3">
             <a:extLst>
               <a:ext uri="{FF2B5EF4-FFF2-40B4-BE49-F238E27FC236}">
-                <a16:creationId xmlns="" xmlns:a16="http://schemas.microsoft.com/office/drawing/2014/main" id="{FCCA5DD9-09D4-479C-9F96-62D1622C7DB1}"/>
+                <a16:creationId xmlns:a16="http://schemas.microsoft.com/office/drawing/2014/main" xmlns="" id="{FCCA5DD9-09D4-479C-9F96-62D1622C7DB1}"/>
               </a:ext>
             </a:extLst>
           </p:cNvPr>
@@ -17619,7 +17619,7 @@
           <p:cNvPr id="19" name="標題 1">
             <a:extLst>
               <a:ext uri="{FF2B5EF4-FFF2-40B4-BE49-F238E27FC236}">
-                <a16:creationId xmlns="" xmlns:a16="http://schemas.microsoft.com/office/drawing/2014/main" id="{50E9A64D-4207-4980-8736-4201C3E0DC63}"/>
+                <a16:creationId xmlns:a16="http://schemas.microsoft.com/office/drawing/2014/main" xmlns="" id="{50E9A64D-4207-4980-8736-4201C3E0DC63}"/>
               </a:ext>
             </a:extLst>
           </p:cNvPr>
@@ -17659,7 +17659,7 @@
           <p:cNvPr id="24" name="內容版面配置區 2">
             <a:extLst>
               <a:ext uri="{FF2B5EF4-FFF2-40B4-BE49-F238E27FC236}">
-                <a16:creationId xmlns="" xmlns:a16="http://schemas.microsoft.com/office/drawing/2014/main" id="{F5C22ADD-7A5D-44F8-969C-F4721C016703}"/>
+                <a16:creationId xmlns:a16="http://schemas.microsoft.com/office/drawing/2014/main" xmlns="" id="{F5C22ADD-7A5D-44F8-969C-F4721C016703}"/>
               </a:ext>
             </a:extLst>
           </p:cNvPr>
@@ -19073,7 +19073,7 @@
           <p:cNvPr id="3" name="標題 2">
             <a:extLst>
               <a:ext uri="{FF2B5EF4-FFF2-40B4-BE49-F238E27FC236}">
-                <a16:creationId xmlns="" xmlns:a16="http://schemas.microsoft.com/office/drawing/2014/main" id="{4ABAB1B2-9811-49A5-968D-AA6F881D5BFC}"/>
+                <a16:creationId xmlns:a16="http://schemas.microsoft.com/office/drawing/2014/main" xmlns="" id="{4ABAB1B2-9811-49A5-968D-AA6F881D5BFC}"/>
               </a:ext>
             </a:extLst>
           </p:cNvPr>
@@ -19190,7 +19190,7 @@
           <p:cNvPr id="5" name="內容版面配置區 3">
             <a:extLst>
               <a:ext uri="{FF2B5EF4-FFF2-40B4-BE49-F238E27FC236}">
-                <a16:creationId xmlns="" xmlns:a16="http://schemas.microsoft.com/office/drawing/2014/main" id="{FCCA5DD9-09D4-479C-9F96-62D1622C7DB1}"/>
+                <a16:creationId xmlns:a16="http://schemas.microsoft.com/office/drawing/2014/main" xmlns="" id="{FCCA5DD9-09D4-479C-9F96-62D1622C7DB1}"/>
               </a:ext>
             </a:extLst>
           </p:cNvPr>
@@ -19630,7 +19630,7 @@
           <p:cNvPr id="19" name="標題 1">
             <a:extLst>
               <a:ext uri="{FF2B5EF4-FFF2-40B4-BE49-F238E27FC236}">
-                <a16:creationId xmlns="" xmlns:a16="http://schemas.microsoft.com/office/drawing/2014/main" id="{50E9A64D-4207-4980-8736-4201C3E0DC63}"/>
+                <a16:creationId xmlns:a16="http://schemas.microsoft.com/office/drawing/2014/main" xmlns="" id="{50E9A64D-4207-4980-8736-4201C3E0DC63}"/>
               </a:ext>
             </a:extLst>
           </p:cNvPr>
@@ -19706,7 +19706,7 @@
           <p:cNvPr id="24" name="內容版面配置區 2">
             <a:extLst>
               <a:ext uri="{FF2B5EF4-FFF2-40B4-BE49-F238E27FC236}">
-                <a16:creationId xmlns="" xmlns:a16="http://schemas.microsoft.com/office/drawing/2014/main" id="{F5C22ADD-7A5D-44F8-969C-F4721C016703}"/>
+                <a16:creationId xmlns:a16="http://schemas.microsoft.com/office/drawing/2014/main" xmlns="" id="{F5C22ADD-7A5D-44F8-969C-F4721C016703}"/>
               </a:ext>
             </a:extLst>
           </p:cNvPr>
@@ -20065,14 +20065,14 @@
           </a:p>
         </p:txBody>
       </p:sp>
-      <mc:AlternateContent xmlns:mc="http://schemas.openxmlformats.org/markup-compatibility/2006" xmlns:a14="http://schemas.microsoft.com/office/drawing/2010/main">
-        <mc:Choice Requires="a14">
+      <mc:AlternateContent xmlns:mc="http://schemas.openxmlformats.org/markup-compatibility/2006">
+        <mc:Choice xmlns:a14="http://schemas.microsoft.com/office/drawing/2010/main" Requires="a14">
           <p:sp>
             <p:nvSpPr>
               <p:cNvPr id="20" name="內容版面配置區 2">
                 <a:extLst>
                   <a:ext uri="{FF2B5EF4-FFF2-40B4-BE49-F238E27FC236}">
-                    <a16:creationId xmlns="" xmlns:a16="http://schemas.microsoft.com/office/drawing/2014/main" id="{2E881D55-3B47-403F-8F0E-EDFDE34A1B22}"/>
+                    <a16:creationId xmlns:a16="http://schemas.microsoft.com/office/drawing/2014/main" xmlns="" id="{2E881D55-3B47-403F-8F0E-EDFDE34A1B22}"/>
                   </a:ext>
                 </a:extLst>
               </p:cNvPr>
@@ -20086,7 +20086,7 @@
             <p:spPr>
               <a:xfrm>
                 <a:off x="192197" y="1700808"/>
-                <a:ext cx="11590847" cy="4384009"/>
+                <a:ext cx="11590847" cy="4824536"/>
               </a:xfrm>
             </p:spPr>
             <p:txBody>
@@ -20562,16 +20562,33 @@
                   <a:t>：</a:t>
                 </a:r>
                 <a:r>
+                  <a:rPr lang="zh-TW" altLang="zh-TW" sz="2400" dirty="0" smtClean="0"/>
+                  <a:t>為</a:t>
+                </a:r>
+                <a:r>
                   <a:rPr lang="zh-TW" altLang="zh-TW" sz="2400" dirty="0"/>
-                  <a:t>為一隨機的</a:t>
+                  <a:t>一隨機的</a:t>
                 </a:r>
                 <a:r>
                   <a:rPr lang="en-US" altLang="zh-TW" sz="2400" dirty="0" smtClean="0"/>
                   <a:t>3-coloring</a:t>
                 </a:r>
+              </a:p>
+              <a:p>
+                <a:pPr marL="274320" lvl="1" indent="-274320" algn="just">
+                  <a:lnSpc>
+                    <a:spcPct val="150000"/>
+                  </a:lnSpc>
+                  <a:spcBef>
+                    <a:spcPts val="1800"/>
+                  </a:spcBef>
+                  <a:buSzPct val="80000"/>
+                  <a:buFont typeface="Wingdings" panose="05000000000000000000" pitchFamily="2" charset="2"/>
+                  <a:buChar char="Ø"/>
+                </a:pPr>
                 <a:r>
-                  <a:rPr lang="zh-TW" altLang="en-US" sz="2400" dirty="0"/>
-                  <a:t>，</a:t>
+                  <a:rPr lang="zh-TW" altLang="en-US" sz="2400" dirty="0" smtClean="0"/>
+                  <a:t> </a:t>
                 </a:r>
                 <a:r>
                   <a:rPr lang="zh-TW" altLang="zh-TW" sz="2400" dirty="0" smtClean="0"/>
@@ -20680,13 +20697,13 @@
             </p:txBody>
           </p:sp>
         </mc:Choice>
-        <mc:Fallback xmlns="">
+        <mc:Fallback>
           <p:sp>
             <p:nvSpPr>
               <p:cNvPr id="20" name="內容版面配置區 2">
                 <a:extLst>
                   <a:ext uri="{FF2B5EF4-FFF2-40B4-BE49-F238E27FC236}">
-                    <a16:creationId xmlns="" xmlns:a16="http://schemas.microsoft.com/office/drawing/2014/main" id="{2E881D55-3B47-403F-8F0E-EDFDE34A1B22}"/>
+                    <a16:creationId xmlns:a16="http://schemas.microsoft.com/office/drawing/2014/main" xmlns="" xmlns:a14="http://schemas.microsoft.com/office/drawing/2010/main" id="{2E881D55-3B47-403F-8F0E-EDFDE34A1B22}"/>
                   </a:ext>
                 </a:extLst>
               </p:cNvPr>
@@ -20700,12 +20717,12 @@
             <p:spPr>
               <a:xfrm>
                 <a:off x="192197" y="1700808"/>
-                <a:ext cx="11590847" cy="4384009"/>
+                <a:ext cx="11590847" cy="4824536"/>
               </a:xfrm>
               <a:blipFill rotWithShape="1">
                 <a:blip r:embed="rId3"/>
                 <a:stretch>
-                  <a:fillRect l="-421" r="-3419"/>
+                  <a:fillRect l="-421" r="-684"/>
                 </a:stretch>
               </a:blipFill>
             </p:spPr>
@@ -20724,6 +20741,60 @@
           </p:sp>
         </mc:Fallback>
       </mc:AlternateContent>
+      <p:pic>
+        <p:nvPicPr>
+          <p:cNvPr id="1026" name="Picture 2"/>
+          <p:cNvPicPr>
+            <a:picLocks noChangeAspect="1" noChangeArrowheads="1"/>
+          </p:cNvPicPr>
+          <p:nvPr/>
+        </p:nvPicPr>
+        <p:blipFill>
+          <a:blip r:embed="rId4">
+            <a:extLst>
+              <a:ext uri="{28A0092B-C50C-407E-A947-70E740481C1C}">
+                <a14:useLocalDpi xmlns:a14="http://schemas.microsoft.com/office/drawing/2010/main" val="0"/>
+              </a:ext>
+            </a:extLst>
+          </a:blip>
+          <a:srcRect/>
+          <a:stretch>
+            <a:fillRect/>
+          </a:stretch>
+        </p:blipFill>
+        <p:spPr bwMode="auto">
+          <a:xfrm>
+            <a:off x="6509838" y="2806386"/>
+            <a:ext cx="5690333" cy="2710846"/>
+          </a:xfrm>
+          <a:prstGeom prst="rect">
+            <a:avLst/>
+          </a:prstGeom>
+          <a:noFill/>
+          <a:ln>
+            <a:noFill/>
+          </a:ln>
+          <a:extLst>
+            <a:ext uri="{909E8E84-426E-40DD-AFC4-6F175D3DCCD1}">
+              <a14:hiddenFill xmlns:a14="http://schemas.microsoft.com/office/drawing/2010/main">
+                <a:solidFill>
+                  <a:schemeClr val="accent1"/>
+                </a:solidFill>
+              </a14:hiddenFill>
+            </a:ext>
+            <a:ext uri="{91240B29-F687-4F45-9708-019B960494DF}">
+              <a14:hiddenLine xmlns:a14="http://schemas.microsoft.com/office/drawing/2010/main" w="9525">
+                <a:solidFill>
+                  <a:schemeClr val="tx1"/>
+                </a:solidFill>
+                <a:miter lim="800000"/>
+                <a:headEnd/>
+                <a:tailEnd/>
+              </a14:hiddenLine>
+            </a:ext>
+          </a:extLst>
+        </p:spPr>
+      </p:pic>
     </p:spTree>
     <p:extLst>
       <p:ext uri="{BB962C8B-B14F-4D97-AF65-F5344CB8AC3E}">
@@ -21092,7 +21163,7 @@
   <a:extraClrSchemeLst/>
   <a:extLst>
     <a:ext uri="{05A4C25C-085E-4340-85A3-A5531E510DB2}">
-      <thm15:themeFamily xmlns="" xmlns:thm15="http://schemas.microsoft.com/office/thememl/2012/main" name="Office_26713188_TF03460544" id="{6F554B24-2C09-4153-BF01-57653ED04444}" vid="{C80FED5E-EC00-4C61-90A9-0EA5EF995274}"/>
+      <thm15:themeFamily xmlns:thm15="http://schemas.microsoft.com/office/thememl/2012/main" xmlns="" name="Office_26713188_TF03460544" id="{6F554B24-2C09-4153-BF01-57653ED04444}" vid="{C80FED5E-EC00-4C61-90A9-0EA5EF995274}"/>
     </a:ext>
   </a:extLst>
 </a:theme>
